--- a/Apresentação/Deslize.pptx
+++ b/Apresentação/Deslize.pptx
@@ -7068,6 +7068,1212 @@
           </p:txBody>
         </p:sp>
       </p:grpSp>
+      <p:sp>
+        <p:nvSpPr>
+          <p:cNvPr id="4" name="Retângulo 3"/>
+          <p:cNvSpPr/>
+          <p:nvPr/>
+        </p:nvSpPr>
+        <p:spPr>
+          <a:xfrm>
+            <a:off x="5384088" y="188221"/>
+            <a:ext cx="6760874" cy="6581289"/>
+          </a:xfrm>
+          <a:prstGeom prst="rect">
+            <a:avLst/>
+          </a:prstGeom>
+        </p:spPr>
+        <p:txBody>
+          <a:bodyPr wrap="square">
+            <a:spAutoFit/>
+          </a:bodyPr>
+          <a:lstStyle/>
+          <a:p>
+            <a:pPr>
+              <a:lnSpc>
+                <a:spcPts val="2200"/>
+              </a:lnSpc>
+            </a:pPr>
+            <a:r>
+              <a:rPr lang="pt-BR" sz="1600" b="1" dirty="0" err="1">
+                <a:solidFill>
+                  <a:schemeClr val="accent1"/>
+                </a:solidFill>
+                <a:latin typeface="Courier New" panose="02070309020205020404" pitchFamily="49" charset="0"/>
+                <a:cs typeface="Courier New" panose="02070309020205020404" pitchFamily="49" charset="0"/>
+              </a:rPr>
+              <a:t>function</a:t>
+            </a:r>
+            <a:r>
+              <a:rPr lang="pt-BR" sz="1600" dirty="0">
+                <a:solidFill>
+                  <a:schemeClr val="accent1"/>
+                </a:solidFill>
+                <a:latin typeface="Courier New" panose="02070309020205020404" pitchFamily="49" charset="0"/>
+                <a:cs typeface="Courier New" panose="02070309020205020404" pitchFamily="49" charset="0"/>
+              </a:rPr>
+              <a:t> </a:t>
+            </a:r>
+            <a:r>
+              <a:rPr lang="pt-BR" sz="1600" u="sng" dirty="0" err="1" smtClean="0">
+                <a:latin typeface="Courier New" panose="02070309020205020404" pitchFamily="49" charset="0"/>
+                <a:cs typeface="Courier New" panose="02070309020205020404" pitchFamily="49" charset="0"/>
+              </a:rPr>
+              <a:t>gera_quads</a:t>
+            </a:r>
+            <a:r>
+              <a:rPr lang="pt-BR" sz="1600" dirty="0" smtClean="0">
+                <a:latin typeface="Courier New" panose="02070309020205020404" pitchFamily="49" charset="0"/>
+                <a:cs typeface="Courier New" panose="02070309020205020404" pitchFamily="49" charset="0"/>
+              </a:rPr>
+              <a:t>() </a:t>
+            </a:r>
+            <a:r>
+              <a:rPr lang="pt-BR" sz="1600" dirty="0">
+                <a:latin typeface="Courier New" panose="02070309020205020404" pitchFamily="49" charset="0"/>
+                <a:cs typeface="Courier New" panose="02070309020205020404" pitchFamily="49" charset="0"/>
+              </a:rPr>
+              <a:t>-</a:t>
+            </a:r>
+            <a:r>
+              <a:rPr lang="pt-BR" sz="1600" dirty="0" smtClean="0">
+                <a:latin typeface="Courier New" panose="02070309020205020404" pitchFamily="49" charset="0"/>
+                <a:cs typeface="Courier New" panose="02070309020205020404" pitchFamily="49" charset="0"/>
+              </a:rPr>
+              <a:t>-exemplo com dificuldade 3</a:t>
+            </a:r>
+            <a:endParaRPr lang="pt-BR" sz="1600" dirty="0">
+              <a:latin typeface="Courier New" panose="02070309020205020404" pitchFamily="49" charset="0"/>
+              <a:cs typeface="Courier New" panose="02070309020205020404" pitchFamily="49" charset="0"/>
+            </a:endParaRPr>
+          </a:p>
+          <a:p>
+            <a:pPr>
+              <a:lnSpc>
+                <a:spcPts val="2200"/>
+              </a:lnSpc>
+            </a:pPr>
+            <a:r>
+              <a:rPr lang="pt-BR" sz="1600" dirty="0" smtClean="0">
+                <a:latin typeface="Courier New" panose="02070309020205020404" pitchFamily="49" charset="0"/>
+                <a:cs typeface="Courier New" panose="02070309020205020404" pitchFamily="49" charset="0"/>
+              </a:rPr>
+              <a:t>  </a:t>
+            </a:r>
+            <a:r>
+              <a:rPr lang="pt-BR" sz="1600" dirty="0" err="1" smtClean="0">
+                <a:latin typeface="Courier New" panose="02070309020205020404" pitchFamily="49" charset="0"/>
+                <a:cs typeface="Courier New" panose="02070309020205020404" pitchFamily="49" charset="0"/>
+              </a:rPr>
+              <a:t>qnt_tiles</a:t>
+            </a:r>
+            <a:r>
+              <a:rPr lang="pt-BR" sz="1600" dirty="0" smtClean="0">
+                <a:latin typeface="Courier New" panose="02070309020205020404" pitchFamily="49" charset="0"/>
+                <a:cs typeface="Courier New" panose="02070309020205020404" pitchFamily="49" charset="0"/>
+              </a:rPr>
+              <a:t> </a:t>
+            </a:r>
+            <a:r>
+              <a:rPr lang="pt-BR" sz="1600" dirty="0">
+                <a:latin typeface="Courier New" panose="02070309020205020404" pitchFamily="49" charset="0"/>
+                <a:cs typeface="Courier New" panose="02070309020205020404" pitchFamily="49" charset="0"/>
+              </a:rPr>
+              <a:t>= dificuldade * </a:t>
+            </a:r>
+            <a:r>
+              <a:rPr lang="pt-BR" sz="1600" dirty="0" smtClean="0">
+                <a:latin typeface="Courier New" panose="02070309020205020404" pitchFamily="49" charset="0"/>
+                <a:cs typeface="Courier New" panose="02070309020205020404" pitchFamily="49" charset="0"/>
+              </a:rPr>
+              <a:t>dificuldade</a:t>
+            </a:r>
+            <a:endParaRPr lang="pt-BR" sz="1600" dirty="0">
+              <a:latin typeface="Courier New" panose="02070309020205020404" pitchFamily="49" charset="0"/>
+              <a:cs typeface="Courier New" panose="02070309020205020404" pitchFamily="49" charset="0"/>
+            </a:endParaRPr>
+          </a:p>
+          <a:p>
+            <a:pPr>
+              <a:lnSpc>
+                <a:spcPts val="2200"/>
+              </a:lnSpc>
+            </a:pPr>
+            <a:r>
+              <a:rPr lang="pt-BR" sz="1600" dirty="0" smtClean="0">
+                <a:latin typeface="Courier New" panose="02070309020205020404" pitchFamily="49" charset="0"/>
+                <a:cs typeface="Courier New" panose="02070309020205020404" pitchFamily="49" charset="0"/>
+              </a:rPr>
+              <a:t>  </a:t>
+            </a:r>
+            <a:r>
+              <a:rPr lang="pt-BR" sz="1600" dirty="0" err="1">
+                <a:latin typeface="Courier New" panose="02070309020205020404" pitchFamily="49" charset="0"/>
+                <a:cs typeface="Courier New" panose="02070309020205020404" pitchFamily="49" charset="0"/>
+              </a:rPr>
+              <a:t>tamanho_tile</a:t>
+            </a:r>
+            <a:r>
+              <a:rPr lang="pt-BR" sz="1600" dirty="0">
+                <a:latin typeface="Courier New" panose="02070309020205020404" pitchFamily="49" charset="0"/>
+                <a:cs typeface="Courier New" panose="02070309020205020404" pitchFamily="49" charset="0"/>
+              </a:rPr>
+              <a:t> = </a:t>
+            </a:r>
+            <a:r>
+              <a:rPr lang="pt-BR" sz="1600" dirty="0" smtClean="0">
+                <a:solidFill>
+                  <a:schemeClr val="accent2"/>
+                </a:solidFill>
+                <a:latin typeface="Courier New" panose="02070309020205020404" pitchFamily="49" charset="0"/>
+                <a:cs typeface="Courier New" panose="02070309020205020404" pitchFamily="49" charset="0"/>
+              </a:rPr>
+              <a:t>900</a:t>
+            </a:r>
+            <a:r>
+              <a:rPr lang="pt-BR" sz="1600" dirty="0" smtClean="0">
+                <a:latin typeface="Courier New" panose="02070309020205020404" pitchFamily="49" charset="0"/>
+                <a:cs typeface="Courier New" panose="02070309020205020404" pitchFamily="49" charset="0"/>
+              </a:rPr>
+              <a:t>/dificuldade</a:t>
+            </a:r>
+            <a:endParaRPr lang="pt-BR" sz="1600" dirty="0">
+              <a:latin typeface="Courier New" panose="02070309020205020404" pitchFamily="49" charset="0"/>
+              <a:cs typeface="Courier New" panose="02070309020205020404" pitchFamily="49" charset="0"/>
+            </a:endParaRPr>
+          </a:p>
+          <a:p>
+            <a:pPr>
+              <a:lnSpc>
+                <a:spcPts val="2200"/>
+              </a:lnSpc>
+            </a:pPr>
+            <a:r>
+              <a:rPr lang="pt-BR" sz="1600" dirty="0" smtClean="0">
+                <a:latin typeface="Courier New" panose="02070309020205020404" pitchFamily="49" charset="0"/>
+                <a:cs typeface="Courier New" panose="02070309020205020404" pitchFamily="49" charset="0"/>
+              </a:rPr>
+              <a:t>  </a:t>
+            </a:r>
+            <a:r>
+              <a:rPr lang="pt-BR" sz="1600" b="1" dirty="0">
+                <a:solidFill>
+                  <a:schemeClr val="accent1"/>
+                </a:solidFill>
+                <a:latin typeface="Courier New" panose="02070309020205020404" pitchFamily="49" charset="0"/>
+                <a:cs typeface="Courier New" panose="02070309020205020404" pitchFamily="49" charset="0"/>
+              </a:rPr>
+              <a:t>local</a:t>
+            </a:r>
+            <a:r>
+              <a:rPr lang="pt-BR" sz="1600" dirty="0">
+                <a:solidFill>
+                  <a:schemeClr val="accent1"/>
+                </a:solidFill>
+                <a:latin typeface="Courier New" panose="02070309020205020404" pitchFamily="49" charset="0"/>
+                <a:cs typeface="Courier New" panose="02070309020205020404" pitchFamily="49" charset="0"/>
+              </a:rPr>
+              <a:t> </a:t>
+            </a:r>
+            <a:r>
+              <a:rPr lang="pt-BR" sz="1600" dirty="0">
+                <a:latin typeface="Courier New" panose="02070309020205020404" pitchFamily="49" charset="0"/>
+                <a:cs typeface="Courier New" panose="02070309020205020404" pitchFamily="49" charset="0"/>
+              </a:rPr>
+              <a:t>x = </a:t>
+            </a:r>
+            <a:r>
+              <a:rPr lang="pt-BR" sz="1600" dirty="0">
+                <a:solidFill>
+                  <a:schemeClr val="accent2"/>
+                </a:solidFill>
+                <a:latin typeface="Courier New" panose="02070309020205020404" pitchFamily="49" charset="0"/>
+                <a:cs typeface="Courier New" panose="02070309020205020404" pitchFamily="49" charset="0"/>
+              </a:rPr>
+              <a:t>0</a:t>
+            </a:r>
+          </a:p>
+          <a:p>
+            <a:pPr>
+              <a:lnSpc>
+                <a:spcPts val="2200"/>
+              </a:lnSpc>
+            </a:pPr>
+            <a:r>
+              <a:rPr lang="pt-BR" sz="1600" dirty="0" smtClean="0">
+                <a:latin typeface="Courier New" panose="02070309020205020404" pitchFamily="49" charset="0"/>
+                <a:cs typeface="Courier New" panose="02070309020205020404" pitchFamily="49" charset="0"/>
+              </a:rPr>
+              <a:t>  </a:t>
+            </a:r>
+            <a:r>
+              <a:rPr lang="pt-BR" sz="1600" b="1" dirty="0">
+                <a:solidFill>
+                  <a:schemeClr val="accent1"/>
+                </a:solidFill>
+                <a:latin typeface="Courier New" panose="02070309020205020404" pitchFamily="49" charset="0"/>
+                <a:cs typeface="Courier New" panose="02070309020205020404" pitchFamily="49" charset="0"/>
+              </a:rPr>
+              <a:t>local</a:t>
+            </a:r>
+            <a:r>
+              <a:rPr lang="pt-BR" sz="1600" dirty="0">
+                <a:solidFill>
+                  <a:schemeClr val="accent1"/>
+                </a:solidFill>
+                <a:latin typeface="Courier New" panose="02070309020205020404" pitchFamily="49" charset="0"/>
+                <a:cs typeface="Courier New" panose="02070309020205020404" pitchFamily="49" charset="0"/>
+              </a:rPr>
+              <a:t> </a:t>
+            </a:r>
+            <a:r>
+              <a:rPr lang="pt-BR" sz="1600" dirty="0">
+                <a:latin typeface="Courier New" panose="02070309020205020404" pitchFamily="49" charset="0"/>
+                <a:cs typeface="Courier New" panose="02070309020205020404" pitchFamily="49" charset="0"/>
+              </a:rPr>
+              <a:t>y = </a:t>
+            </a:r>
+            <a:r>
+              <a:rPr lang="pt-BR" sz="1600" dirty="0">
+                <a:solidFill>
+                  <a:schemeClr val="accent2"/>
+                </a:solidFill>
+                <a:latin typeface="Courier New" panose="02070309020205020404" pitchFamily="49" charset="0"/>
+                <a:cs typeface="Courier New" panose="02070309020205020404" pitchFamily="49" charset="0"/>
+              </a:rPr>
+              <a:t>0</a:t>
+            </a:r>
+          </a:p>
+          <a:p>
+            <a:pPr>
+              <a:lnSpc>
+                <a:spcPts val="2200"/>
+              </a:lnSpc>
+            </a:pPr>
+            <a:r>
+              <a:rPr lang="pt-BR" sz="1600" dirty="0" smtClean="0">
+                <a:latin typeface="Courier New" panose="02070309020205020404" pitchFamily="49" charset="0"/>
+                <a:cs typeface="Courier New" panose="02070309020205020404" pitchFamily="49" charset="0"/>
+              </a:rPr>
+              <a:t>  tiles </a:t>
+            </a:r>
+            <a:r>
+              <a:rPr lang="pt-BR" sz="1600" dirty="0">
+                <a:latin typeface="Courier New" panose="02070309020205020404" pitchFamily="49" charset="0"/>
+                <a:cs typeface="Courier New" panose="02070309020205020404" pitchFamily="49" charset="0"/>
+              </a:rPr>
+              <a:t>= {}</a:t>
+            </a:r>
+          </a:p>
+          <a:p>
+            <a:pPr>
+              <a:lnSpc>
+                <a:spcPts val="2200"/>
+              </a:lnSpc>
+            </a:pPr>
+            <a:r>
+              <a:rPr lang="pt-BR" sz="1600" dirty="0" smtClean="0">
+                <a:latin typeface="Courier New" panose="02070309020205020404" pitchFamily="49" charset="0"/>
+                <a:cs typeface="Courier New" panose="02070309020205020404" pitchFamily="49" charset="0"/>
+              </a:rPr>
+              <a:t>  </a:t>
+            </a:r>
+            <a:r>
+              <a:rPr lang="pt-BR" sz="1600" b="1" dirty="0">
+                <a:solidFill>
+                  <a:schemeClr val="accent1"/>
+                </a:solidFill>
+                <a:latin typeface="Courier New" panose="02070309020205020404" pitchFamily="49" charset="0"/>
+                <a:cs typeface="Courier New" panose="02070309020205020404" pitchFamily="49" charset="0"/>
+              </a:rPr>
+              <a:t>for</a:t>
+            </a:r>
+            <a:r>
+              <a:rPr lang="pt-BR" sz="1600" dirty="0">
+                <a:solidFill>
+                  <a:schemeClr val="accent1"/>
+                </a:solidFill>
+                <a:latin typeface="Courier New" panose="02070309020205020404" pitchFamily="49" charset="0"/>
+                <a:cs typeface="Courier New" panose="02070309020205020404" pitchFamily="49" charset="0"/>
+              </a:rPr>
+              <a:t> </a:t>
+            </a:r>
+            <a:r>
+              <a:rPr lang="pt-BR" sz="1600" dirty="0">
+                <a:latin typeface="Courier New" panose="02070309020205020404" pitchFamily="49" charset="0"/>
+                <a:cs typeface="Courier New" panose="02070309020205020404" pitchFamily="49" charset="0"/>
+              </a:rPr>
+              <a:t>i=</a:t>
+            </a:r>
+            <a:r>
+              <a:rPr lang="pt-BR" sz="1600" dirty="0">
+                <a:solidFill>
+                  <a:schemeClr val="accent2"/>
+                </a:solidFill>
+                <a:latin typeface="Courier New" panose="02070309020205020404" pitchFamily="49" charset="0"/>
+                <a:cs typeface="Courier New" panose="02070309020205020404" pitchFamily="49" charset="0"/>
+              </a:rPr>
+              <a:t>1</a:t>
+            </a:r>
+            <a:r>
+              <a:rPr lang="pt-BR" sz="1600" dirty="0">
+                <a:latin typeface="Courier New" panose="02070309020205020404" pitchFamily="49" charset="0"/>
+                <a:cs typeface="Courier New" panose="02070309020205020404" pitchFamily="49" charset="0"/>
+              </a:rPr>
+              <a:t>, </a:t>
+            </a:r>
+            <a:r>
+              <a:rPr lang="pt-BR" sz="1600" dirty="0" err="1">
+                <a:latin typeface="Courier New" panose="02070309020205020404" pitchFamily="49" charset="0"/>
+                <a:cs typeface="Courier New" panose="02070309020205020404" pitchFamily="49" charset="0"/>
+              </a:rPr>
+              <a:t>qnt_tiles</a:t>
+            </a:r>
+            <a:r>
+              <a:rPr lang="pt-BR" sz="1600" dirty="0">
+                <a:latin typeface="Courier New" panose="02070309020205020404" pitchFamily="49" charset="0"/>
+                <a:cs typeface="Courier New" panose="02070309020205020404" pitchFamily="49" charset="0"/>
+              </a:rPr>
+              <a:t> </a:t>
+            </a:r>
+            <a:r>
+              <a:rPr lang="pt-BR" sz="1600" b="1" dirty="0">
+                <a:solidFill>
+                  <a:schemeClr val="accent1"/>
+                </a:solidFill>
+                <a:latin typeface="Courier New" panose="02070309020205020404" pitchFamily="49" charset="0"/>
+                <a:cs typeface="Courier New" panose="02070309020205020404" pitchFamily="49" charset="0"/>
+              </a:rPr>
+              <a:t>do</a:t>
+            </a:r>
+          </a:p>
+          <a:p>
+            <a:pPr>
+              <a:lnSpc>
+                <a:spcPts val="2200"/>
+              </a:lnSpc>
+            </a:pPr>
+            <a:r>
+              <a:rPr lang="pt-BR" sz="1600" dirty="0" smtClean="0">
+                <a:latin typeface="Courier New" panose="02070309020205020404" pitchFamily="49" charset="0"/>
+                <a:cs typeface="Courier New" panose="02070309020205020404" pitchFamily="49" charset="0"/>
+              </a:rPr>
+              <a:t>    </a:t>
+            </a:r>
+            <a:r>
+              <a:rPr lang="pt-BR" sz="1600" b="1" dirty="0" smtClean="0">
+                <a:solidFill>
+                  <a:schemeClr val="accent1"/>
+                </a:solidFill>
+                <a:latin typeface="Courier New" panose="02070309020205020404" pitchFamily="49" charset="0"/>
+                <a:cs typeface="Courier New" panose="02070309020205020404" pitchFamily="49" charset="0"/>
+              </a:rPr>
+              <a:t>local</a:t>
+            </a:r>
+            <a:r>
+              <a:rPr lang="pt-BR" sz="1600" dirty="0" smtClean="0">
+                <a:solidFill>
+                  <a:schemeClr val="accent1"/>
+                </a:solidFill>
+                <a:latin typeface="Courier New" panose="02070309020205020404" pitchFamily="49" charset="0"/>
+                <a:cs typeface="Courier New" panose="02070309020205020404" pitchFamily="49" charset="0"/>
+              </a:rPr>
+              <a:t> </a:t>
+            </a:r>
+            <a:r>
+              <a:rPr lang="pt-BR" sz="1600" dirty="0" err="1" smtClean="0">
+                <a:latin typeface="Courier New" panose="02070309020205020404" pitchFamily="49" charset="0"/>
+                <a:cs typeface="Courier New" panose="02070309020205020404" pitchFamily="49" charset="0"/>
+              </a:rPr>
+              <a:t>tile_atual</a:t>
+            </a:r>
+            <a:r>
+              <a:rPr lang="pt-BR" sz="1600" dirty="0" smtClean="0">
+                <a:latin typeface="Courier New" panose="02070309020205020404" pitchFamily="49" charset="0"/>
+                <a:cs typeface="Courier New" panose="02070309020205020404" pitchFamily="49" charset="0"/>
+              </a:rPr>
+              <a:t> = </a:t>
+            </a:r>
+            <a:r>
+              <a:rPr lang="pt-BR" sz="1600" dirty="0" err="1" smtClean="0">
+                <a:latin typeface="Courier New" panose="02070309020205020404" pitchFamily="49" charset="0"/>
+                <a:cs typeface="Courier New" panose="02070309020205020404" pitchFamily="49" charset="0"/>
+              </a:rPr>
+              <a:t>love.graphics.newQuad</a:t>
+            </a:r>
+            <a:r>
+              <a:rPr lang="pt-BR" sz="1600" dirty="0" smtClean="0">
+                <a:latin typeface="Courier New" panose="02070309020205020404" pitchFamily="49" charset="0"/>
+                <a:cs typeface="Courier New" panose="02070309020205020404" pitchFamily="49" charset="0"/>
+              </a:rPr>
+              <a:t>(</a:t>
+            </a:r>
+          </a:p>
+          <a:p>
+            <a:pPr>
+              <a:lnSpc>
+                <a:spcPts val="2200"/>
+              </a:lnSpc>
+            </a:pPr>
+            <a:r>
+              <a:rPr lang="pt-BR" sz="1600" dirty="0">
+                <a:latin typeface="Courier New" panose="02070309020205020404" pitchFamily="49" charset="0"/>
+                <a:cs typeface="Courier New" panose="02070309020205020404" pitchFamily="49" charset="0"/>
+              </a:rPr>
+              <a:t> </a:t>
+            </a:r>
+            <a:r>
+              <a:rPr lang="pt-BR" sz="1600" dirty="0" smtClean="0">
+                <a:latin typeface="Courier New" panose="02070309020205020404" pitchFamily="49" charset="0"/>
+                <a:cs typeface="Courier New" panose="02070309020205020404" pitchFamily="49" charset="0"/>
+              </a:rPr>
+              <a:t>         x, y, </a:t>
+            </a:r>
+            <a:r>
+              <a:rPr lang="pt-BR" sz="1600" dirty="0" err="1" smtClean="0">
+                <a:latin typeface="Courier New" panose="02070309020205020404" pitchFamily="49" charset="0"/>
+                <a:cs typeface="Courier New" panose="02070309020205020404" pitchFamily="49" charset="0"/>
+              </a:rPr>
+              <a:t>tam_tile</a:t>
+            </a:r>
+            <a:r>
+              <a:rPr lang="pt-BR" sz="1600" dirty="0" smtClean="0">
+                <a:latin typeface="Courier New" panose="02070309020205020404" pitchFamily="49" charset="0"/>
+                <a:cs typeface="Courier New" panose="02070309020205020404" pitchFamily="49" charset="0"/>
+              </a:rPr>
+              <a:t>, </a:t>
+            </a:r>
+            <a:r>
+              <a:rPr lang="pt-BR" sz="1600" dirty="0" err="1" smtClean="0">
+                <a:latin typeface="Courier New" panose="02070309020205020404" pitchFamily="49" charset="0"/>
+                <a:cs typeface="Courier New" panose="02070309020205020404" pitchFamily="49" charset="0"/>
+              </a:rPr>
+              <a:t>tam_tile</a:t>
+            </a:r>
+            <a:r>
+              <a:rPr lang="pt-BR" sz="1600" dirty="0" smtClean="0">
+                <a:latin typeface="Courier New" panose="02070309020205020404" pitchFamily="49" charset="0"/>
+                <a:cs typeface="Courier New" panose="02070309020205020404" pitchFamily="49" charset="0"/>
+              </a:rPr>
+              <a:t>, </a:t>
+            </a:r>
+            <a:r>
+              <a:rPr lang="pt-BR" sz="1600" dirty="0" smtClean="0">
+                <a:solidFill>
+                  <a:schemeClr val="accent2"/>
+                </a:solidFill>
+                <a:latin typeface="Courier New" panose="02070309020205020404" pitchFamily="49" charset="0"/>
+                <a:cs typeface="Courier New" panose="02070309020205020404" pitchFamily="49" charset="0"/>
+              </a:rPr>
+              <a:t>900</a:t>
+            </a:r>
+            <a:r>
+              <a:rPr lang="pt-BR" sz="1600" dirty="0" smtClean="0">
+                <a:latin typeface="Courier New" panose="02070309020205020404" pitchFamily="49" charset="0"/>
+                <a:cs typeface="Courier New" panose="02070309020205020404" pitchFamily="49" charset="0"/>
+              </a:rPr>
+              <a:t>, </a:t>
+            </a:r>
+            <a:r>
+              <a:rPr lang="pt-BR" sz="1600" dirty="0" smtClean="0">
+                <a:solidFill>
+                  <a:schemeClr val="accent2"/>
+                </a:solidFill>
+                <a:latin typeface="Courier New" panose="02070309020205020404" pitchFamily="49" charset="0"/>
+                <a:cs typeface="Courier New" panose="02070309020205020404" pitchFamily="49" charset="0"/>
+              </a:rPr>
+              <a:t>900</a:t>
+            </a:r>
+            <a:r>
+              <a:rPr lang="pt-BR" sz="1600" dirty="0">
+                <a:latin typeface="Courier New" panose="02070309020205020404" pitchFamily="49" charset="0"/>
+                <a:cs typeface="Courier New" panose="02070309020205020404" pitchFamily="49" charset="0"/>
+              </a:rPr>
+              <a:t>)</a:t>
+            </a:r>
+          </a:p>
+          <a:p>
+            <a:pPr>
+              <a:lnSpc>
+                <a:spcPts val="2200"/>
+              </a:lnSpc>
+            </a:pPr>
+            <a:r>
+              <a:rPr lang="pt-BR" sz="1600" dirty="0" smtClean="0">
+                <a:latin typeface="Courier New" panose="02070309020205020404" pitchFamily="49" charset="0"/>
+                <a:cs typeface="Courier New" panose="02070309020205020404" pitchFamily="49" charset="0"/>
+              </a:rPr>
+              <a:t>    tiles</a:t>
+            </a:r>
+            <a:r>
+              <a:rPr lang="pt-BR" sz="1600" dirty="0">
+                <a:latin typeface="Courier New" panose="02070309020205020404" pitchFamily="49" charset="0"/>
+                <a:cs typeface="Courier New" panose="02070309020205020404" pitchFamily="49" charset="0"/>
+              </a:rPr>
+              <a:t>[#tiles+</a:t>
+            </a:r>
+            <a:r>
+              <a:rPr lang="pt-BR" sz="1600" dirty="0">
+                <a:solidFill>
+                  <a:schemeClr val="accent2"/>
+                </a:solidFill>
+                <a:latin typeface="Courier New" panose="02070309020205020404" pitchFamily="49" charset="0"/>
+                <a:cs typeface="Courier New" panose="02070309020205020404" pitchFamily="49" charset="0"/>
+              </a:rPr>
+              <a:t>1</a:t>
+            </a:r>
+            <a:r>
+              <a:rPr lang="pt-BR" sz="1600" dirty="0">
+                <a:latin typeface="Courier New" panose="02070309020205020404" pitchFamily="49" charset="0"/>
+                <a:cs typeface="Courier New" panose="02070309020205020404" pitchFamily="49" charset="0"/>
+              </a:rPr>
+              <a:t>] = </a:t>
+            </a:r>
+            <a:r>
+              <a:rPr lang="pt-BR" sz="1600" dirty="0" smtClean="0">
+                <a:latin typeface="Courier New" panose="02070309020205020404" pitchFamily="49" charset="0"/>
+                <a:cs typeface="Courier New" panose="02070309020205020404" pitchFamily="49" charset="0"/>
+              </a:rPr>
+              <a:t>{index </a:t>
+            </a:r>
+            <a:r>
+              <a:rPr lang="pt-BR" sz="1600" dirty="0">
+                <a:latin typeface="Courier New" panose="02070309020205020404" pitchFamily="49" charset="0"/>
+                <a:cs typeface="Courier New" panose="02070309020205020404" pitchFamily="49" charset="0"/>
+              </a:rPr>
+              <a:t>= </a:t>
+            </a:r>
+            <a:r>
+              <a:rPr lang="pt-BR" sz="1600" dirty="0" smtClean="0">
+                <a:latin typeface="Courier New" panose="02070309020205020404" pitchFamily="49" charset="0"/>
+                <a:cs typeface="Courier New" panose="02070309020205020404" pitchFamily="49" charset="0"/>
+              </a:rPr>
+              <a:t>i,</a:t>
+            </a:r>
+          </a:p>
+          <a:p>
+            <a:pPr>
+              <a:lnSpc>
+                <a:spcPts val="2200"/>
+              </a:lnSpc>
+            </a:pPr>
+            <a:r>
+              <a:rPr lang="pt-BR" sz="1600" dirty="0">
+                <a:latin typeface="Courier New" panose="02070309020205020404" pitchFamily="49" charset="0"/>
+                <a:cs typeface="Courier New" panose="02070309020205020404" pitchFamily="49" charset="0"/>
+              </a:rPr>
+              <a:t> </a:t>
+            </a:r>
+            <a:r>
+              <a:rPr lang="pt-BR" sz="1600" dirty="0" smtClean="0">
+                <a:latin typeface="Courier New" panose="02070309020205020404" pitchFamily="49" charset="0"/>
+                <a:cs typeface="Courier New" panose="02070309020205020404" pitchFamily="49" charset="0"/>
+              </a:rPr>
+              <a:t>                      </a:t>
+            </a:r>
+            <a:r>
+              <a:rPr lang="pt-BR" sz="1600" dirty="0" err="1" smtClean="0">
+                <a:latin typeface="Courier New" panose="02070309020205020404" pitchFamily="49" charset="0"/>
+                <a:cs typeface="Courier New" panose="02070309020205020404" pitchFamily="49" charset="0"/>
+              </a:rPr>
+              <a:t>quad</a:t>
+            </a:r>
+            <a:r>
+              <a:rPr lang="pt-BR" sz="1600" dirty="0" smtClean="0">
+                <a:latin typeface="Courier New" panose="02070309020205020404" pitchFamily="49" charset="0"/>
+                <a:cs typeface="Courier New" panose="02070309020205020404" pitchFamily="49" charset="0"/>
+              </a:rPr>
+              <a:t> </a:t>
+            </a:r>
+            <a:r>
+              <a:rPr lang="pt-BR" sz="1600" dirty="0">
+                <a:latin typeface="Courier New" panose="02070309020205020404" pitchFamily="49" charset="0"/>
+                <a:cs typeface="Courier New" panose="02070309020205020404" pitchFamily="49" charset="0"/>
+              </a:rPr>
+              <a:t>= </a:t>
+            </a:r>
+            <a:r>
+              <a:rPr lang="pt-BR" sz="1600" dirty="0" err="1" smtClean="0">
+                <a:latin typeface="Courier New" panose="02070309020205020404" pitchFamily="49" charset="0"/>
+                <a:cs typeface="Courier New" panose="02070309020205020404" pitchFamily="49" charset="0"/>
+              </a:rPr>
+              <a:t>tile_atual</a:t>
+            </a:r>
+            <a:r>
+              <a:rPr lang="pt-BR" sz="1600" dirty="0" smtClean="0">
+                <a:latin typeface="Courier New" panose="02070309020205020404" pitchFamily="49" charset="0"/>
+                <a:cs typeface="Courier New" panose="02070309020205020404" pitchFamily="49" charset="0"/>
+              </a:rPr>
+              <a:t>,</a:t>
+            </a:r>
+          </a:p>
+          <a:p>
+            <a:pPr>
+              <a:lnSpc>
+                <a:spcPts val="2200"/>
+              </a:lnSpc>
+            </a:pPr>
+            <a:r>
+              <a:rPr lang="pt-BR" sz="1600" dirty="0">
+                <a:latin typeface="Courier New" panose="02070309020205020404" pitchFamily="49" charset="0"/>
+                <a:cs typeface="Courier New" panose="02070309020205020404" pitchFamily="49" charset="0"/>
+              </a:rPr>
+              <a:t> </a:t>
+            </a:r>
+            <a:r>
+              <a:rPr lang="pt-BR" sz="1600" dirty="0" smtClean="0">
+                <a:latin typeface="Courier New" panose="02070309020205020404" pitchFamily="49" charset="0"/>
+                <a:cs typeface="Courier New" panose="02070309020205020404" pitchFamily="49" charset="0"/>
+              </a:rPr>
+              <a:t>                      </a:t>
+            </a:r>
+            <a:r>
+              <a:rPr lang="pt-BR" sz="1600" dirty="0" err="1" smtClean="0">
+                <a:latin typeface="Courier New" panose="02070309020205020404" pitchFamily="49" charset="0"/>
+                <a:cs typeface="Courier New" panose="02070309020205020404" pitchFamily="49" charset="0"/>
+              </a:rPr>
+              <a:t>visivel</a:t>
+            </a:r>
+            <a:r>
+              <a:rPr lang="pt-BR" sz="1600" dirty="0" smtClean="0">
+                <a:latin typeface="Courier New" panose="02070309020205020404" pitchFamily="49" charset="0"/>
+                <a:cs typeface="Courier New" panose="02070309020205020404" pitchFamily="49" charset="0"/>
+              </a:rPr>
+              <a:t> </a:t>
+            </a:r>
+            <a:r>
+              <a:rPr lang="pt-BR" sz="1600" dirty="0">
+                <a:latin typeface="Courier New" panose="02070309020205020404" pitchFamily="49" charset="0"/>
+                <a:cs typeface="Courier New" panose="02070309020205020404" pitchFamily="49" charset="0"/>
+              </a:rPr>
+              <a:t>= </a:t>
+            </a:r>
+            <a:r>
+              <a:rPr lang="pt-BR" sz="1600" dirty="0" err="1">
+                <a:latin typeface="Courier New" panose="02070309020205020404" pitchFamily="49" charset="0"/>
+                <a:cs typeface="Courier New" panose="02070309020205020404" pitchFamily="49" charset="0"/>
+              </a:rPr>
+              <a:t>true</a:t>
+            </a:r>
+            <a:r>
+              <a:rPr lang="pt-BR" sz="1600" dirty="0">
+                <a:latin typeface="Courier New" panose="02070309020205020404" pitchFamily="49" charset="0"/>
+                <a:cs typeface="Courier New" panose="02070309020205020404" pitchFamily="49" charset="0"/>
+              </a:rPr>
+              <a:t>}</a:t>
+            </a:r>
+          </a:p>
+          <a:p>
+            <a:pPr>
+              <a:lnSpc>
+                <a:spcPts val="2200"/>
+              </a:lnSpc>
+            </a:pPr>
+            <a:r>
+              <a:rPr lang="pt-BR" sz="1600" dirty="0">
+                <a:latin typeface="Courier New" panose="02070309020205020404" pitchFamily="49" charset="0"/>
+                <a:cs typeface="Courier New" panose="02070309020205020404" pitchFamily="49" charset="0"/>
+              </a:rPr>
+              <a:t> </a:t>
+            </a:r>
+            <a:r>
+              <a:rPr lang="pt-BR" sz="1600" dirty="0" smtClean="0">
+                <a:latin typeface="Courier New" panose="02070309020205020404" pitchFamily="49" charset="0"/>
+                <a:cs typeface="Courier New" panose="02070309020205020404" pitchFamily="49" charset="0"/>
+              </a:rPr>
+              <a:t>   </a:t>
+            </a:r>
+            <a:r>
+              <a:rPr lang="pt-BR" sz="1600" b="1" dirty="0" err="1" smtClean="0">
+                <a:solidFill>
+                  <a:schemeClr val="accent1"/>
+                </a:solidFill>
+                <a:latin typeface="Courier New" panose="02070309020205020404" pitchFamily="49" charset="0"/>
+                <a:cs typeface="Courier New" panose="02070309020205020404" pitchFamily="49" charset="0"/>
+              </a:rPr>
+              <a:t>if</a:t>
+            </a:r>
+            <a:r>
+              <a:rPr lang="pt-BR" sz="1600" dirty="0" smtClean="0">
+                <a:latin typeface="Courier New" panose="02070309020205020404" pitchFamily="49" charset="0"/>
+                <a:cs typeface="Courier New" panose="02070309020205020404" pitchFamily="49" charset="0"/>
+              </a:rPr>
+              <a:t>(x</a:t>
+            </a:r>
+            <a:r>
+              <a:rPr lang="pt-BR" sz="1600" dirty="0" smtClean="0">
+                <a:solidFill>
+                  <a:schemeClr val="accent1"/>
+                </a:solidFill>
+                <a:latin typeface="Courier New" panose="02070309020205020404" pitchFamily="49" charset="0"/>
+                <a:cs typeface="Courier New" panose="02070309020205020404" pitchFamily="49" charset="0"/>
+              </a:rPr>
+              <a:t> </a:t>
+            </a:r>
+            <a:r>
+              <a:rPr lang="pt-BR" sz="1600" dirty="0">
+                <a:latin typeface="Courier New" panose="02070309020205020404" pitchFamily="49" charset="0"/>
+                <a:cs typeface="Courier New" panose="02070309020205020404" pitchFamily="49" charset="0"/>
+              </a:rPr>
+              <a:t>== </a:t>
+            </a:r>
+            <a:r>
+              <a:rPr lang="pt-BR" sz="1600" dirty="0">
+                <a:solidFill>
+                  <a:schemeClr val="accent2"/>
+                </a:solidFill>
+                <a:latin typeface="Courier New" panose="02070309020205020404" pitchFamily="49" charset="0"/>
+                <a:cs typeface="Courier New" panose="02070309020205020404" pitchFamily="49" charset="0"/>
+              </a:rPr>
+              <a:t>900</a:t>
+            </a:r>
+            <a:r>
+              <a:rPr lang="pt-BR" sz="1600" dirty="0">
+                <a:latin typeface="Courier New" panose="02070309020205020404" pitchFamily="49" charset="0"/>
+                <a:cs typeface="Courier New" panose="02070309020205020404" pitchFamily="49" charset="0"/>
+              </a:rPr>
+              <a:t> - </a:t>
+            </a:r>
+            <a:r>
+              <a:rPr lang="pt-BR" sz="1600" dirty="0" err="1">
+                <a:latin typeface="Courier New" panose="02070309020205020404" pitchFamily="49" charset="0"/>
+                <a:cs typeface="Courier New" panose="02070309020205020404" pitchFamily="49" charset="0"/>
+              </a:rPr>
+              <a:t>tamanho_tile</a:t>
+            </a:r>
+            <a:r>
+              <a:rPr lang="pt-BR" sz="1600" dirty="0">
+                <a:latin typeface="Courier New" panose="02070309020205020404" pitchFamily="49" charset="0"/>
+                <a:cs typeface="Courier New" panose="02070309020205020404" pitchFamily="49" charset="0"/>
+              </a:rPr>
+              <a:t>) </a:t>
+            </a:r>
+            <a:r>
+              <a:rPr lang="pt-BR" sz="1600" b="1" dirty="0" err="1">
+                <a:solidFill>
+                  <a:schemeClr val="accent1"/>
+                </a:solidFill>
+                <a:latin typeface="Courier New" panose="02070309020205020404" pitchFamily="49" charset="0"/>
+                <a:cs typeface="Courier New" panose="02070309020205020404" pitchFamily="49" charset="0"/>
+              </a:rPr>
+              <a:t>then</a:t>
+            </a:r>
+            <a:r>
+              <a:rPr lang="pt-BR" sz="1600" dirty="0">
+                <a:solidFill>
+                  <a:schemeClr val="accent1"/>
+                </a:solidFill>
+                <a:latin typeface="Courier New" panose="02070309020205020404" pitchFamily="49" charset="0"/>
+                <a:cs typeface="Courier New" panose="02070309020205020404" pitchFamily="49" charset="0"/>
+              </a:rPr>
+              <a:t> </a:t>
+            </a:r>
+            <a:r>
+              <a:rPr lang="pt-BR" sz="1600" dirty="0" smtClean="0">
+                <a:latin typeface="Courier New" panose="02070309020205020404" pitchFamily="49" charset="0"/>
+                <a:cs typeface="Courier New" panose="02070309020205020404" pitchFamily="49" charset="0"/>
+              </a:rPr>
+              <a:t>--p/ </a:t>
+            </a:r>
+            <a:r>
+              <a:rPr lang="pt-BR" sz="1600" dirty="0" err="1" smtClean="0">
+                <a:latin typeface="Courier New" panose="02070309020205020404" pitchFamily="49" charset="0"/>
+                <a:cs typeface="Courier New" panose="02070309020205020404" pitchFamily="49" charset="0"/>
+              </a:rPr>
+              <a:t>próx</a:t>
+            </a:r>
+            <a:r>
+              <a:rPr lang="pt-BR" sz="1600" dirty="0" smtClean="0">
+                <a:latin typeface="Courier New" panose="02070309020205020404" pitchFamily="49" charset="0"/>
+                <a:cs typeface="Courier New" panose="02070309020205020404" pitchFamily="49" charset="0"/>
+              </a:rPr>
+              <a:t>. </a:t>
+            </a:r>
+            <a:r>
+              <a:rPr lang="pt-BR" sz="1600" dirty="0">
+                <a:latin typeface="Courier New" panose="02070309020205020404" pitchFamily="49" charset="0"/>
+                <a:cs typeface="Courier New" panose="02070309020205020404" pitchFamily="49" charset="0"/>
+              </a:rPr>
+              <a:t>linha</a:t>
+            </a:r>
+          </a:p>
+          <a:p>
+            <a:pPr>
+              <a:lnSpc>
+                <a:spcPts val="2200"/>
+              </a:lnSpc>
+            </a:pPr>
+            <a:r>
+              <a:rPr lang="pt-BR" sz="1600" dirty="0" smtClean="0">
+                <a:latin typeface="Courier New" panose="02070309020205020404" pitchFamily="49" charset="0"/>
+                <a:cs typeface="Courier New" panose="02070309020205020404" pitchFamily="49" charset="0"/>
+              </a:rPr>
+              <a:t>      x </a:t>
+            </a:r>
+            <a:r>
+              <a:rPr lang="pt-BR" sz="1600" dirty="0">
+                <a:latin typeface="Courier New" panose="02070309020205020404" pitchFamily="49" charset="0"/>
+                <a:cs typeface="Courier New" panose="02070309020205020404" pitchFamily="49" charset="0"/>
+              </a:rPr>
+              <a:t>= </a:t>
+            </a:r>
+            <a:r>
+              <a:rPr lang="pt-BR" sz="1600" dirty="0">
+                <a:solidFill>
+                  <a:schemeClr val="accent2"/>
+                </a:solidFill>
+                <a:latin typeface="Courier New" panose="02070309020205020404" pitchFamily="49" charset="0"/>
+                <a:cs typeface="Courier New" panose="02070309020205020404" pitchFamily="49" charset="0"/>
+              </a:rPr>
+              <a:t>0</a:t>
+            </a:r>
+          </a:p>
+          <a:p>
+            <a:pPr>
+              <a:lnSpc>
+                <a:spcPts val="2200"/>
+              </a:lnSpc>
+            </a:pPr>
+            <a:r>
+              <a:rPr lang="pt-BR" sz="1600" dirty="0" smtClean="0">
+                <a:latin typeface="Courier New" panose="02070309020205020404" pitchFamily="49" charset="0"/>
+                <a:cs typeface="Courier New" panose="02070309020205020404" pitchFamily="49" charset="0"/>
+              </a:rPr>
+              <a:t>      y </a:t>
+            </a:r>
+            <a:r>
+              <a:rPr lang="pt-BR" sz="1600" dirty="0">
+                <a:latin typeface="Courier New" panose="02070309020205020404" pitchFamily="49" charset="0"/>
+                <a:cs typeface="Courier New" panose="02070309020205020404" pitchFamily="49" charset="0"/>
+              </a:rPr>
+              <a:t>= </a:t>
+            </a:r>
+            <a:r>
+              <a:rPr lang="pt-BR" sz="1600" dirty="0" err="1" smtClean="0">
+                <a:latin typeface="Courier New" panose="02070309020205020404" pitchFamily="49" charset="0"/>
+                <a:cs typeface="Courier New" panose="02070309020205020404" pitchFamily="49" charset="0"/>
+              </a:rPr>
+              <a:t>tam_tile</a:t>
+            </a:r>
+            <a:r>
+              <a:rPr lang="pt-BR" sz="1600" dirty="0" smtClean="0">
+                <a:latin typeface="Courier New" panose="02070309020205020404" pitchFamily="49" charset="0"/>
+                <a:cs typeface="Courier New" panose="02070309020205020404" pitchFamily="49" charset="0"/>
+              </a:rPr>
+              <a:t> </a:t>
+            </a:r>
+            <a:r>
+              <a:rPr lang="pt-BR" sz="1600" dirty="0">
+                <a:latin typeface="Courier New" panose="02070309020205020404" pitchFamily="49" charset="0"/>
+                <a:cs typeface="Courier New" panose="02070309020205020404" pitchFamily="49" charset="0"/>
+              </a:rPr>
+              <a:t>+ y</a:t>
+            </a:r>
+          </a:p>
+          <a:p>
+            <a:pPr>
+              <a:lnSpc>
+                <a:spcPts val="2200"/>
+              </a:lnSpc>
+            </a:pPr>
+            <a:r>
+              <a:rPr lang="pt-BR" sz="1600" dirty="0" smtClean="0">
+                <a:latin typeface="Courier New" panose="02070309020205020404" pitchFamily="49" charset="0"/>
+                <a:cs typeface="Courier New" panose="02070309020205020404" pitchFamily="49" charset="0"/>
+              </a:rPr>
+              <a:t>    </a:t>
+            </a:r>
+            <a:r>
+              <a:rPr lang="pt-BR" sz="1600" b="1" dirty="0" err="1" smtClean="0">
+                <a:solidFill>
+                  <a:schemeClr val="accent1"/>
+                </a:solidFill>
+                <a:latin typeface="Courier New" panose="02070309020205020404" pitchFamily="49" charset="0"/>
+                <a:cs typeface="Courier New" panose="02070309020205020404" pitchFamily="49" charset="0"/>
+              </a:rPr>
+              <a:t>else</a:t>
+            </a:r>
+            <a:r>
+              <a:rPr lang="pt-BR" sz="1600" dirty="0" smtClean="0">
+                <a:solidFill>
+                  <a:schemeClr val="accent1"/>
+                </a:solidFill>
+                <a:latin typeface="Courier New" panose="02070309020205020404" pitchFamily="49" charset="0"/>
+                <a:cs typeface="Courier New" panose="02070309020205020404" pitchFamily="49" charset="0"/>
+              </a:rPr>
+              <a:t> </a:t>
+            </a:r>
+            <a:r>
+              <a:rPr lang="pt-BR" sz="1600" dirty="0">
+                <a:latin typeface="Courier New" panose="02070309020205020404" pitchFamily="49" charset="0"/>
+                <a:cs typeface="Courier New" panose="02070309020205020404" pitchFamily="49" charset="0"/>
+              </a:rPr>
+              <a:t>--siga pela linha</a:t>
+            </a:r>
+          </a:p>
+          <a:p>
+            <a:pPr>
+              <a:lnSpc>
+                <a:spcPts val="2200"/>
+              </a:lnSpc>
+            </a:pPr>
+            <a:r>
+              <a:rPr lang="pt-BR" sz="1600" dirty="0" smtClean="0">
+                <a:latin typeface="Courier New" panose="02070309020205020404" pitchFamily="49" charset="0"/>
+                <a:cs typeface="Courier New" panose="02070309020205020404" pitchFamily="49" charset="0"/>
+              </a:rPr>
+              <a:t>      x </a:t>
+            </a:r>
+            <a:r>
+              <a:rPr lang="pt-BR" sz="1600" dirty="0">
+                <a:latin typeface="Courier New" panose="02070309020205020404" pitchFamily="49" charset="0"/>
+                <a:cs typeface="Courier New" panose="02070309020205020404" pitchFamily="49" charset="0"/>
+              </a:rPr>
+              <a:t>= </a:t>
+            </a:r>
+            <a:r>
+              <a:rPr lang="pt-BR" sz="1600" dirty="0" err="1" smtClean="0">
+                <a:latin typeface="Courier New" panose="02070309020205020404" pitchFamily="49" charset="0"/>
+                <a:cs typeface="Courier New" panose="02070309020205020404" pitchFamily="49" charset="0"/>
+              </a:rPr>
+              <a:t>tam_tile</a:t>
+            </a:r>
+            <a:r>
+              <a:rPr lang="pt-BR" sz="1600" dirty="0" smtClean="0">
+                <a:latin typeface="Courier New" panose="02070309020205020404" pitchFamily="49" charset="0"/>
+                <a:cs typeface="Courier New" panose="02070309020205020404" pitchFamily="49" charset="0"/>
+              </a:rPr>
+              <a:t> </a:t>
+            </a:r>
+            <a:r>
+              <a:rPr lang="pt-BR" sz="1600" dirty="0">
+                <a:latin typeface="Courier New" panose="02070309020205020404" pitchFamily="49" charset="0"/>
+                <a:cs typeface="Courier New" panose="02070309020205020404" pitchFamily="49" charset="0"/>
+              </a:rPr>
+              <a:t>+ x</a:t>
+            </a:r>
+          </a:p>
+          <a:p>
+            <a:pPr>
+              <a:lnSpc>
+                <a:spcPts val="2200"/>
+              </a:lnSpc>
+            </a:pPr>
+            <a:r>
+              <a:rPr lang="pt-BR" sz="1600" dirty="0" smtClean="0">
+                <a:latin typeface="Courier New" panose="02070309020205020404" pitchFamily="49" charset="0"/>
+                <a:cs typeface="Courier New" panose="02070309020205020404" pitchFamily="49" charset="0"/>
+              </a:rPr>
+              <a:t>    </a:t>
+            </a:r>
+            <a:r>
+              <a:rPr lang="pt-BR" sz="1600" b="1" dirty="0" err="1" smtClean="0">
+                <a:solidFill>
+                  <a:schemeClr val="accent1"/>
+                </a:solidFill>
+                <a:latin typeface="Courier New" panose="02070309020205020404" pitchFamily="49" charset="0"/>
+                <a:cs typeface="Courier New" panose="02070309020205020404" pitchFamily="49" charset="0"/>
+              </a:rPr>
+              <a:t>end</a:t>
+            </a:r>
+            <a:endParaRPr lang="pt-BR" sz="1600" b="1" dirty="0">
+              <a:solidFill>
+                <a:schemeClr val="accent1"/>
+              </a:solidFill>
+              <a:latin typeface="Courier New" panose="02070309020205020404" pitchFamily="49" charset="0"/>
+              <a:cs typeface="Courier New" panose="02070309020205020404" pitchFamily="49" charset="0"/>
+            </a:endParaRPr>
+          </a:p>
+          <a:p>
+            <a:pPr>
+              <a:lnSpc>
+                <a:spcPts val="2200"/>
+              </a:lnSpc>
+            </a:pPr>
+            <a:r>
+              <a:rPr lang="pt-BR" sz="1600" dirty="0" smtClean="0">
+                <a:latin typeface="Courier New" panose="02070309020205020404" pitchFamily="49" charset="0"/>
+                <a:cs typeface="Courier New" panose="02070309020205020404" pitchFamily="49" charset="0"/>
+              </a:rPr>
+              <a:t>  </a:t>
+            </a:r>
+            <a:r>
+              <a:rPr lang="pt-BR" sz="1600" b="1" dirty="0" err="1" smtClean="0">
+                <a:solidFill>
+                  <a:schemeClr val="accent1"/>
+                </a:solidFill>
+                <a:latin typeface="Courier New" panose="02070309020205020404" pitchFamily="49" charset="0"/>
+                <a:cs typeface="Courier New" panose="02070309020205020404" pitchFamily="49" charset="0"/>
+              </a:rPr>
+              <a:t>end</a:t>
+            </a:r>
+            <a:endParaRPr lang="pt-BR" sz="1600" b="1" dirty="0">
+              <a:solidFill>
+                <a:schemeClr val="accent1"/>
+              </a:solidFill>
+              <a:latin typeface="Courier New" panose="02070309020205020404" pitchFamily="49" charset="0"/>
+              <a:cs typeface="Courier New" panose="02070309020205020404" pitchFamily="49" charset="0"/>
+            </a:endParaRPr>
+          </a:p>
+          <a:p>
+            <a:pPr>
+              <a:lnSpc>
+                <a:spcPts val="2200"/>
+              </a:lnSpc>
+            </a:pPr>
+            <a:r>
+              <a:rPr lang="pt-BR" sz="1600" dirty="0">
+                <a:latin typeface="Courier New" panose="02070309020205020404" pitchFamily="49" charset="0"/>
+                <a:cs typeface="Courier New" panose="02070309020205020404" pitchFamily="49" charset="0"/>
+              </a:rPr>
+              <a:t>  </a:t>
+            </a:r>
+            <a:r>
+              <a:rPr lang="pt-BR" sz="1600" dirty="0" smtClean="0">
+                <a:latin typeface="Courier New" panose="02070309020205020404" pitchFamily="49" charset="0"/>
+                <a:cs typeface="Courier New" panose="02070309020205020404" pitchFamily="49" charset="0"/>
+              </a:rPr>
+              <a:t>--</a:t>
+            </a:r>
+            <a:r>
+              <a:rPr lang="pt-BR" sz="1600" dirty="0">
+                <a:latin typeface="Courier New" panose="02070309020205020404" pitchFamily="49" charset="0"/>
+                <a:cs typeface="Courier New" panose="02070309020205020404" pitchFamily="49" charset="0"/>
+              </a:rPr>
+              <a:t>deixa o ultimo </a:t>
+            </a:r>
+            <a:r>
+              <a:rPr lang="pt-BR" sz="1600" dirty="0" smtClean="0">
+                <a:latin typeface="Courier New" panose="02070309020205020404" pitchFamily="49" charset="0"/>
+                <a:cs typeface="Courier New" panose="02070309020205020404" pitchFamily="49" charset="0"/>
+              </a:rPr>
+              <a:t>invisível</a:t>
+            </a:r>
+            <a:endParaRPr lang="pt-BR" sz="1600" dirty="0">
+              <a:latin typeface="Courier New" panose="02070309020205020404" pitchFamily="49" charset="0"/>
+              <a:cs typeface="Courier New" panose="02070309020205020404" pitchFamily="49" charset="0"/>
+            </a:endParaRPr>
+          </a:p>
+          <a:p>
+            <a:pPr>
+              <a:lnSpc>
+                <a:spcPts val="2200"/>
+              </a:lnSpc>
+            </a:pPr>
+            <a:r>
+              <a:rPr lang="pt-BR" sz="1600" dirty="0">
+                <a:latin typeface="Courier New" panose="02070309020205020404" pitchFamily="49" charset="0"/>
+                <a:cs typeface="Courier New" panose="02070309020205020404" pitchFamily="49" charset="0"/>
+              </a:rPr>
+              <a:t>  </a:t>
+            </a:r>
+            <a:r>
+              <a:rPr lang="pt-BR" sz="1600" dirty="0" smtClean="0">
+                <a:latin typeface="Courier New" panose="02070309020205020404" pitchFamily="49" charset="0"/>
+                <a:cs typeface="Courier New" panose="02070309020205020404" pitchFamily="49" charset="0"/>
+              </a:rPr>
+              <a:t>tiles</a:t>
+            </a:r>
+            <a:r>
+              <a:rPr lang="pt-BR" sz="1600" dirty="0">
+                <a:latin typeface="Courier New" panose="02070309020205020404" pitchFamily="49" charset="0"/>
+                <a:cs typeface="Courier New" panose="02070309020205020404" pitchFamily="49" charset="0"/>
+              </a:rPr>
+              <a:t>[#tiles].</a:t>
+            </a:r>
+            <a:r>
+              <a:rPr lang="pt-BR" sz="1600" dirty="0" err="1">
+                <a:latin typeface="Courier New" panose="02070309020205020404" pitchFamily="49" charset="0"/>
+                <a:cs typeface="Courier New" panose="02070309020205020404" pitchFamily="49" charset="0"/>
+              </a:rPr>
+              <a:t>visivel</a:t>
+            </a:r>
+            <a:r>
+              <a:rPr lang="pt-BR" sz="1600" dirty="0">
+                <a:latin typeface="Courier New" panose="02070309020205020404" pitchFamily="49" charset="0"/>
+                <a:cs typeface="Courier New" panose="02070309020205020404" pitchFamily="49" charset="0"/>
+              </a:rPr>
+              <a:t> = </a:t>
+            </a:r>
+            <a:r>
+              <a:rPr lang="pt-BR" sz="1600" dirty="0" smtClean="0">
+                <a:latin typeface="Courier New" panose="02070309020205020404" pitchFamily="49" charset="0"/>
+                <a:cs typeface="Courier New" panose="02070309020205020404" pitchFamily="49" charset="0"/>
+              </a:rPr>
+              <a:t>false</a:t>
+            </a:r>
+            <a:endParaRPr lang="pt-BR" sz="1600" dirty="0">
+              <a:latin typeface="Courier New" panose="02070309020205020404" pitchFamily="49" charset="0"/>
+              <a:cs typeface="Courier New" panose="02070309020205020404" pitchFamily="49" charset="0"/>
+            </a:endParaRPr>
+          </a:p>
+          <a:p>
+            <a:pPr>
+              <a:lnSpc>
+                <a:spcPts val="2200"/>
+              </a:lnSpc>
+            </a:pPr>
+            <a:r>
+              <a:rPr lang="pt-BR" sz="1600" dirty="0" smtClean="0">
+                <a:latin typeface="Courier New" panose="02070309020205020404" pitchFamily="49" charset="0"/>
+                <a:cs typeface="Courier New" panose="02070309020205020404" pitchFamily="49" charset="0"/>
+              </a:rPr>
+              <a:t>  </a:t>
+            </a:r>
+            <a:r>
+              <a:rPr lang="pt-BR" sz="1600" b="1" dirty="0" err="1">
+                <a:solidFill>
+                  <a:schemeClr val="accent1"/>
+                </a:solidFill>
+                <a:latin typeface="Courier New" panose="02070309020205020404" pitchFamily="49" charset="0"/>
+                <a:cs typeface="Courier New" panose="02070309020205020404" pitchFamily="49" charset="0"/>
+              </a:rPr>
+              <a:t>return</a:t>
+            </a:r>
+            <a:r>
+              <a:rPr lang="pt-BR" sz="1600" dirty="0">
+                <a:solidFill>
+                  <a:schemeClr val="accent1"/>
+                </a:solidFill>
+                <a:latin typeface="Courier New" panose="02070309020205020404" pitchFamily="49" charset="0"/>
+                <a:cs typeface="Courier New" panose="02070309020205020404" pitchFamily="49" charset="0"/>
+              </a:rPr>
+              <a:t> </a:t>
+            </a:r>
+            <a:r>
+              <a:rPr lang="pt-BR" sz="1600" dirty="0">
+                <a:latin typeface="Courier New" panose="02070309020205020404" pitchFamily="49" charset="0"/>
+                <a:cs typeface="Courier New" panose="02070309020205020404" pitchFamily="49" charset="0"/>
+              </a:rPr>
+              <a:t>tiles</a:t>
+            </a:r>
+          </a:p>
+          <a:p>
+            <a:pPr>
+              <a:lnSpc>
+                <a:spcPts val="2200"/>
+              </a:lnSpc>
+            </a:pPr>
+            <a:r>
+              <a:rPr lang="pt-BR" sz="1600" b="1" dirty="0" err="1">
+                <a:solidFill>
+                  <a:schemeClr val="accent1"/>
+                </a:solidFill>
+                <a:latin typeface="Courier New" panose="02070309020205020404" pitchFamily="49" charset="0"/>
+                <a:cs typeface="Courier New" panose="02070309020205020404" pitchFamily="49" charset="0"/>
+              </a:rPr>
+              <a:t>end</a:t>
+            </a:r>
+            <a:endParaRPr lang="pt-BR" sz="1600" b="1" dirty="0">
+              <a:solidFill>
+                <a:schemeClr val="accent1"/>
+              </a:solidFill>
+              <a:latin typeface="Courier New" panose="02070309020205020404" pitchFamily="49" charset="0"/>
+              <a:cs typeface="Courier New" panose="02070309020205020404" pitchFamily="49" charset="0"/>
+            </a:endParaRPr>
+          </a:p>
+        </p:txBody>
+      </p:sp>
     </p:spTree>
     <p:extLst>
       <p:ext uri="{BB962C8B-B14F-4D97-AF65-F5344CB8AC3E}">
@@ -7777,6 +8983,368 @@
           </a:prstGeom>
         </p:spPr>
       </p:pic>
+      <p:sp>
+        <p:nvSpPr>
+          <p:cNvPr id="13" name="Retângulo 12"/>
+          <p:cNvSpPr/>
+          <p:nvPr/>
+        </p:nvSpPr>
+        <p:spPr>
+          <a:xfrm>
+            <a:off x="5806515" y="1196752"/>
+            <a:ext cx="6092825" cy="4524315"/>
+          </a:xfrm>
+          <a:prstGeom prst="rect">
+            <a:avLst/>
+          </a:prstGeom>
+        </p:spPr>
+        <p:txBody>
+          <a:bodyPr>
+            <a:spAutoFit/>
+          </a:bodyPr>
+          <a:lstStyle/>
+          <a:p>
+            <a:r>
+              <a:rPr lang="pt-BR" b="1" dirty="0" err="1">
+                <a:solidFill>
+                  <a:schemeClr val="accent1"/>
+                </a:solidFill>
+                <a:latin typeface="Courier New" panose="02070309020205020404" pitchFamily="49" charset="0"/>
+                <a:cs typeface="Courier New" panose="02070309020205020404" pitchFamily="49" charset="0"/>
+              </a:rPr>
+              <a:t>function</a:t>
+            </a:r>
+            <a:r>
+              <a:rPr lang="pt-BR" dirty="0">
+                <a:solidFill>
+                  <a:schemeClr val="accent1"/>
+                </a:solidFill>
+                <a:latin typeface="Courier New" panose="02070309020205020404" pitchFamily="49" charset="0"/>
+                <a:cs typeface="Courier New" panose="02070309020205020404" pitchFamily="49" charset="0"/>
+              </a:rPr>
+              <a:t> </a:t>
+            </a:r>
+            <a:r>
+              <a:rPr lang="pt-BR" u="sng" dirty="0" err="1">
+                <a:latin typeface="Courier New" panose="02070309020205020404" pitchFamily="49" charset="0"/>
+                <a:cs typeface="Courier New" panose="02070309020205020404" pitchFamily="49" charset="0"/>
+              </a:rPr>
+              <a:t>embaralha_tabela</a:t>
+            </a:r>
+            <a:r>
+              <a:rPr lang="pt-BR" dirty="0">
+                <a:latin typeface="Courier New" panose="02070309020205020404" pitchFamily="49" charset="0"/>
+                <a:cs typeface="Courier New" panose="02070309020205020404" pitchFamily="49" charset="0"/>
+              </a:rPr>
+              <a:t>(t)</a:t>
+            </a:r>
+          </a:p>
+          <a:p>
+            <a:r>
+              <a:rPr lang="pt-BR" dirty="0">
+                <a:latin typeface="Courier New" panose="02070309020205020404" pitchFamily="49" charset="0"/>
+                <a:cs typeface="Courier New" panose="02070309020205020404" pitchFamily="49" charset="0"/>
+              </a:rPr>
+              <a:t>    </a:t>
+            </a:r>
+          </a:p>
+          <a:p>
+            <a:r>
+              <a:rPr lang="pt-BR" dirty="0">
+                <a:latin typeface="Courier New" panose="02070309020205020404" pitchFamily="49" charset="0"/>
+                <a:cs typeface="Courier New" panose="02070309020205020404" pitchFamily="49" charset="0"/>
+              </a:rPr>
+              <a:t>  </a:t>
+            </a:r>
+            <a:r>
+              <a:rPr lang="pt-BR" b="1" dirty="0" smtClean="0">
+                <a:solidFill>
+                  <a:schemeClr val="accent1"/>
+                </a:solidFill>
+                <a:latin typeface="Courier New" panose="02070309020205020404" pitchFamily="49" charset="0"/>
+                <a:cs typeface="Courier New" panose="02070309020205020404" pitchFamily="49" charset="0"/>
+              </a:rPr>
+              <a:t>local</a:t>
+            </a:r>
+            <a:r>
+              <a:rPr lang="pt-BR" dirty="0" smtClean="0">
+                <a:latin typeface="Courier New" panose="02070309020205020404" pitchFamily="49" charset="0"/>
+                <a:cs typeface="Courier New" panose="02070309020205020404" pitchFamily="49" charset="0"/>
+              </a:rPr>
+              <a:t> </a:t>
+            </a:r>
+            <a:r>
+              <a:rPr lang="pt-BR" dirty="0">
+                <a:latin typeface="Courier New" panose="02070309020205020404" pitchFamily="49" charset="0"/>
+                <a:cs typeface="Courier New" panose="02070309020205020404" pitchFamily="49" charset="0"/>
+              </a:rPr>
+              <a:t>j</a:t>
+            </a:r>
+          </a:p>
+          <a:p>
+            <a:r>
+              <a:rPr lang="pt-BR" dirty="0">
+                <a:latin typeface="Courier New" panose="02070309020205020404" pitchFamily="49" charset="0"/>
+                <a:cs typeface="Courier New" panose="02070309020205020404" pitchFamily="49" charset="0"/>
+              </a:rPr>
+              <a:t> </a:t>
+            </a:r>
+          </a:p>
+          <a:p>
+            <a:r>
+              <a:rPr lang="pt-BR" dirty="0">
+                <a:latin typeface="Courier New" panose="02070309020205020404" pitchFamily="49" charset="0"/>
+                <a:cs typeface="Courier New" panose="02070309020205020404" pitchFamily="49" charset="0"/>
+              </a:rPr>
+              <a:t>  </a:t>
+            </a:r>
+            <a:r>
+              <a:rPr lang="pt-BR" b="1" dirty="0" smtClean="0">
+                <a:solidFill>
+                  <a:schemeClr val="accent1"/>
+                </a:solidFill>
+                <a:latin typeface="Courier New" panose="02070309020205020404" pitchFamily="49" charset="0"/>
+                <a:cs typeface="Courier New" panose="02070309020205020404" pitchFamily="49" charset="0"/>
+              </a:rPr>
+              <a:t>for</a:t>
+            </a:r>
+            <a:r>
+              <a:rPr lang="pt-BR" dirty="0" smtClean="0">
+                <a:latin typeface="Courier New" panose="02070309020205020404" pitchFamily="49" charset="0"/>
+                <a:cs typeface="Courier New" panose="02070309020205020404" pitchFamily="49" charset="0"/>
+              </a:rPr>
+              <a:t> </a:t>
+            </a:r>
+            <a:r>
+              <a:rPr lang="pt-BR" dirty="0">
+                <a:latin typeface="Courier New" panose="02070309020205020404" pitchFamily="49" charset="0"/>
+                <a:cs typeface="Courier New" panose="02070309020205020404" pitchFamily="49" charset="0"/>
+              </a:rPr>
+              <a:t>i = #t, </a:t>
+            </a:r>
+            <a:r>
+              <a:rPr lang="pt-BR" dirty="0">
+                <a:solidFill>
+                  <a:schemeClr val="accent2"/>
+                </a:solidFill>
+                <a:latin typeface="Courier New" panose="02070309020205020404" pitchFamily="49" charset="0"/>
+                <a:cs typeface="Courier New" panose="02070309020205020404" pitchFamily="49" charset="0"/>
+              </a:rPr>
+              <a:t>2</a:t>
+            </a:r>
+            <a:r>
+              <a:rPr lang="pt-BR" dirty="0">
+                <a:latin typeface="Courier New" panose="02070309020205020404" pitchFamily="49" charset="0"/>
+                <a:cs typeface="Courier New" panose="02070309020205020404" pitchFamily="49" charset="0"/>
+              </a:rPr>
+              <a:t>, -</a:t>
+            </a:r>
+            <a:r>
+              <a:rPr lang="pt-BR" dirty="0">
+                <a:solidFill>
+                  <a:schemeClr val="accent2"/>
+                </a:solidFill>
+                <a:latin typeface="Courier New" panose="02070309020205020404" pitchFamily="49" charset="0"/>
+                <a:cs typeface="Courier New" panose="02070309020205020404" pitchFamily="49" charset="0"/>
+              </a:rPr>
+              <a:t>1</a:t>
+            </a:r>
+            <a:r>
+              <a:rPr lang="pt-BR" dirty="0">
+                <a:latin typeface="Courier New" panose="02070309020205020404" pitchFamily="49" charset="0"/>
+                <a:cs typeface="Courier New" panose="02070309020205020404" pitchFamily="49" charset="0"/>
+              </a:rPr>
+              <a:t> </a:t>
+            </a:r>
+            <a:r>
+              <a:rPr lang="pt-BR" b="1" dirty="0">
+                <a:solidFill>
+                  <a:schemeClr val="accent1"/>
+                </a:solidFill>
+                <a:latin typeface="Courier New" panose="02070309020205020404" pitchFamily="49" charset="0"/>
+                <a:cs typeface="Courier New" panose="02070309020205020404" pitchFamily="49" charset="0"/>
+              </a:rPr>
+              <a:t>do</a:t>
+            </a:r>
+          </a:p>
+          <a:p>
+            <a:r>
+              <a:rPr lang="pt-BR" dirty="0">
+                <a:latin typeface="Courier New" panose="02070309020205020404" pitchFamily="49" charset="0"/>
+                <a:cs typeface="Courier New" panose="02070309020205020404" pitchFamily="49" charset="0"/>
+              </a:rPr>
+              <a:t>  </a:t>
+            </a:r>
+            <a:r>
+              <a:rPr lang="pt-BR" dirty="0" smtClean="0">
+                <a:latin typeface="Courier New" panose="02070309020205020404" pitchFamily="49" charset="0"/>
+                <a:cs typeface="Courier New" panose="02070309020205020404" pitchFamily="49" charset="0"/>
+              </a:rPr>
+              <a:t>  </a:t>
+            </a:r>
+            <a:r>
+              <a:rPr lang="pt-BR" dirty="0">
+                <a:latin typeface="Courier New" panose="02070309020205020404" pitchFamily="49" charset="0"/>
+                <a:cs typeface="Courier New" panose="02070309020205020404" pitchFamily="49" charset="0"/>
+              </a:rPr>
+              <a:t>j = </a:t>
+            </a:r>
+            <a:r>
+              <a:rPr lang="pt-BR" dirty="0" err="1">
+                <a:solidFill>
+                  <a:schemeClr val="accent6"/>
+                </a:solidFill>
+                <a:latin typeface="Courier New" panose="02070309020205020404" pitchFamily="49" charset="0"/>
+                <a:cs typeface="Courier New" panose="02070309020205020404" pitchFamily="49" charset="0"/>
+              </a:rPr>
+              <a:t>math.random</a:t>
+            </a:r>
+            <a:r>
+              <a:rPr lang="pt-BR" dirty="0">
+                <a:latin typeface="Courier New" panose="02070309020205020404" pitchFamily="49" charset="0"/>
+                <a:cs typeface="Courier New" panose="02070309020205020404" pitchFamily="49" charset="0"/>
+              </a:rPr>
+              <a:t> (i)</a:t>
+            </a:r>
+          </a:p>
+          <a:p>
+            <a:r>
+              <a:rPr lang="pt-BR" dirty="0">
+                <a:latin typeface="Courier New" panose="02070309020205020404" pitchFamily="49" charset="0"/>
+                <a:cs typeface="Courier New" panose="02070309020205020404" pitchFamily="49" charset="0"/>
+              </a:rPr>
+              <a:t>  </a:t>
+            </a:r>
+            <a:r>
+              <a:rPr lang="pt-BR" dirty="0" smtClean="0">
+                <a:latin typeface="Courier New" panose="02070309020205020404" pitchFamily="49" charset="0"/>
+                <a:cs typeface="Courier New" panose="02070309020205020404" pitchFamily="49" charset="0"/>
+              </a:rPr>
+              <a:t>  </a:t>
+            </a:r>
+            <a:r>
+              <a:rPr lang="pt-BR" dirty="0">
+                <a:latin typeface="Courier New" panose="02070309020205020404" pitchFamily="49" charset="0"/>
+                <a:cs typeface="Courier New" panose="02070309020205020404" pitchFamily="49" charset="0"/>
+              </a:rPr>
+              <a:t>t[i], t[j] = t[j], t[i]</a:t>
+            </a:r>
+          </a:p>
+          <a:p>
+            <a:r>
+              <a:rPr lang="pt-BR" dirty="0">
+                <a:latin typeface="Courier New" panose="02070309020205020404" pitchFamily="49" charset="0"/>
+                <a:cs typeface="Courier New" panose="02070309020205020404" pitchFamily="49" charset="0"/>
+              </a:rPr>
+              <a:t> </a:t>
+            </a:r>
+            <a:r>
+              <a:rPr lang="pt-BR" dirty="0" smtClean="0">
+                <a:latin typeface="Courier New" panose="02070309020205020404" pitchFamily="49" charset="0"/>
+                <a:cs typeface="Courier New" panose="02070309020205020404" pitchFamily="49" charset="0"/>
+              </a:rPr>
+              <a:t> </a:t>
+            </a:r>
+            <a:r>
+              <a:rPr lang="pt-BR" b="1" dirty="0" err="1">
+                <a:solidFill>
+                  <a:schemeClr val="accent1"/>
+                </a:solidFill>
+                <a:latin typeface="Courier New" panose="02070309020205020404" pitchFamily="49" charset="0"/>
+                <a:cs typeface="Courier New" panose="02070309020205020404" pitchFamily="49" charset="0"/>
+              </a:rPr>
+              <a:t>end</a:t>
+            </a:r>
+            <a:endParaRPr lang="pt-BR" b="1" dirty="0">
+              <a:solidFill>
+                <a:schemeClr val="accent1"/>
+              </a:solidFill>
+              <a:latin typeface="Courier New" panose="02070309020205020404" pitchFamily="49" charset="0"/>
+              <a:cs typeface="Courier New" panose="02070309020205020404" pitchFamily="49" charset="0"/>
+            </a:endParaRPr>
+          </a:p>
+          <a:p>
+            <a:r>
+              <a:rPr lang="pt-BR" dirty="0">
+                <a:latin typeface="Courier New" panose="02070309020205020404" pitchFamily="49" charset="0"/>
+                <a:cs typeface="Courier New" panose="02070309020205020404" pitchFamily="49" charset="0"/>
+              </a:rPr>
+              <a:t>    </a:t>
+            </a:r>
+          </a:p>
+          <a:p>
+            <a:r>
+              <a:rPr lang="pt-BR" dirty="0">
+                <a:latin typeface="Courier New" panose="02070309020205020404" pitchFamily="49" charset="0"/>
+                <a:cs typeface="Courier New" panose="02070309020205020404" pitchFamily="49" charset="0"/>
+              </a:rPr>
+              <a:t> </a:t>
+            </a:r>
+            <a:r>
+              <a:rPr lang="pt-BR" dirty="0" smtClean="0">
+                <a:latin typeface="Courier New" panose="02070309020205020404" pitchFamily="49" charset="0"/>
+                <a:cs typeface="Courier New" panose="02070309020205020404" pitchFamily="49" charset="0"/>
+              </a:rPr>
+              <a:t> </a:t>
+            </a:r>
+            <a:r>
+              <a:rPr lang="pt-BR" b="1" dirty="0" err="1">
+                <a:solidFill>
+                  <a:schemeClr val="accent1"/>
+                </a:solidFill>
+                <a:latin typeface="Courier New" panose="02070309020205020404" pitchFamily="49" charset="0"/>
+                <a:cs typeface="Courier New" panose="02070309020205020404" pitchFamily="49" charset="0"/>
+              </a:rPr>
+              <a:t>return</a:t>
+            </a:r>
+            <a:r>
+              <a:rPr lang="pt-BR" dirty="0">
+                <a:solidFill>
+                  <a:schemeClr val="accent1"/>
+                </a:solidFill>
+                <a:latin typeface="Courier New" panose="02070309020205020404" pitchFamily="49" charset="0"/>
+                <a:cs typeface="Courier New" panose="02070309020205020404" pitchFamily="49" charset="0"/>
+              </a:rPr>
+              <a:t> </a:t>
+            </a:r>
+            <a:r>
+              <a:rPr lang="pt-BR" dirty="0">
+                <a:latin typeface="Courier New" panose="02070309020205020404" pitchFamily="49" charset="0"/>
+                <a:cs typeface="Courier New" panose="02070309020205020404" pitchFamily="49" charset="0"/>
+              </a:rPr>
+              <a:t>t</a:t>
+            </a:r>
+          </a:p>
+          <a:p>
+            <a:r>
+              <a:rPr lang="pt-BR" dirty="0">
+                <a:latin typeface="Courier New" panose="02070309020205020404" pitchFamily="49" charset="0"/>
+                <a:cs typeface="Courier New" panose="02070309020205020404" pitchFamily="49" charset="0"/>
+              </a:rPr>
+              <a:t>    </a:t>
+            </a:r>
+          </a:p>
+          <a:p>
+            <a:r>
+              <a:rPr lang="pt-BR" b="1" dirty="0" err="1">
+                <a:solidFill>
+                  <a:schemeClr val="accent1"/>
+                </a:solidFill>
+                <a:latin typeface="Courier New" panose="02070309020205020404" pitchFamily="49" charset="0"/>
+                <a:cs typeface="Courier New" panose="02070309020205020404" pitchFamily="49" charset="0"/>
+              </a:rPr>
+              <a:t>end</a:t>
+            </a:r>
+            <a:endParaRPr lang="pt-BR" b="1" dirty="0">
+              <a:solidFill>
+                <a:schemeClr val="accent1"/>
+              </a:solidFill>
+              <a:latin typeface="Courier New" panose="02070309020205020404" pitchFamily="49" charset="0"/>
+              <a:cs typeface="Courier New" panose="02070309020205020404" pitchFamily="49" charset="0"/>
+            </a:endParaRPr>
+          </a:p>
+        </p:txBody>
+      </p:sp>
     </p:spTree>
     <p:extLst>
       <p:ext uri="{BB962C8B-B14F-4D97-AF65-F5344CB8AC3E}">
@@ -7919,6 +9487,868 @@
           </a:prstGeom>
         </p:spPr>
       </p:pic>
+      <p:sp>
+        <p:nvSpPr>
+          <p:cNvPr id="5" name="Retângulo 4"/>
+          <p:cNvSpPr/>
+          <p:nvPr/>
+        </p:nvSpPr>
+        <p:spPr>
+          <a:xfrm>
+            <a:off x="4870276" y="379244"/>
+            <a:ext cx="7239220" cy="6247864"/>
+          </a:xfrm>
+          <a:prstGeom prst="rect">
+            <a:avLst/>
+          </a:prstGeom>
+        </p:spPr>
+        <p:txBody>
+          <a:bodyPr wrap="square">
+            <a:spAutoFit/>
+          </a:bodyPr>
+          <a:lstStyle/>
+          <a:p>
+            <a:r>
+              <a:rPr lang="pt-BR" sz="2000" b="1" dirty="0" err="1">
+                <a:solidFill>
+                  <a:schemeClr val="accent1"/>
+                </a:solidFill>
+                <a:latin typeface="Courier New" panose="02070309020205020404" pitchFamily="49" charset="0"/>
+                <a:cs typeface="Courier New" panose="02070309020205020404" pitchFamily="49" charset="0"/>
+              </a:rPr>
+              <a:t>function</a:t>
+            </a:r>
+            <a:r>
+              <a:rPr lang="pt-BR" sz="2000" dirty="0">
+                <a:solidFill>
+                  <a:schemeClr val="accent1"/>
+                </a:solidFill>
+                <a:latin typeface="Courier New" panose="02070309020205020404" pitchFamily="49" charset="0"/>
+                <a:cs typeface="Courier New" panose="02070309020205020404" pitchFamily="49" charset="0"/>
+              </a:rPr>
+              <a:t> </a:t>
+            </a:r>
+            <a:r>
+              <a:rPr lang="pt-BR" sz="2000" dirty="0" err="1">
+                <a:latin typeface="Courier New" panose="02070309020205020404" pitchFamily="49" charset="0"/>
+                <a:cs typeface="Courier New" panose="02070309020205020404" pitchFamily="49" charset="0"/>
+              </a:rPr>
+              <a:t>troca_vizinho</a:t>
+            </a:r>
+            <a:r>
+              <a:rPr lang="pt-BR" sz="2000" dirty="0">
+                <a:latin typeface="Courier New" panose="02070309020205020404" pitchFamily="49" charset="0"/>
+                <a:cs typeface="Courier New" panose="02070309020205020404" pitchFamily="49" charset="0"/>
+              </a:rPr>
+              <a:t>(</a:t>
+            </a:r>
+            <a:r>
+              <a:rPr lang="pt-BR" sz="2000" dirty="0" err="1">
+                <a:latin typeface="Courier New" panose="02070309020205020404" pitchFamily="49" charset="0"/>
+                <a:cs typeface="Courier New" panose="02070309020205020404" pitchFamily="49" charset="0"/>
+              </a:rPr>
+              <a:t>indice</a:t>
+            </a:r>
+            <a:r>
+              <a:rPr lang="pt-BR" sz="2000" dirty="0" smtClean="0">
+                <a:latin typeface="Courier New" panose="02070309020205020404" pitchFamily="49" charset="0"/>
+                <a:cs typeface="Courier New" panose="02070309020205020404" pitchFamily="49" charset="0"/>
+              </a:rPr>
+              <a:t>)</a:t>
+            </a:r>
+          </a:p>
+          <a:p>
+            <a:endParaRPr lang="pt-BR" sz="2000" dirty="0">
+              <a:latin typeface="Courier New" panose="02070309020205020404" pitchFamily="49" charset="0"/>
+              <a:cs typeface="Courier New" panose="02070309020205020404" pitchFamily="49" charset="0"/>
+            </a:endParaRPr>
+          </a:p>
+          <a:p>
+            <a:r>
+              <a:rPr lang="pt-BR" sz="2000" dirty="0" smtClean="0">
+                <a:latin typeface="Courier New" panose="02070309020205020404" pitchFamily="49" charset="0"/>
+                <a:cs typeface="Courier New" panose="02070309020205020404" pitchFamily="49" charset="0"/>
+              </a:rPr>
+              <a:t>  --</a:t>
+            </a:r>
+            <a:r>
+              <a:rPr lang="pt-BR" sz="2000" dirty="0">
+                <a:latin typeface="Courier New" panose="02070309020205020404" pitchFamily="49" charset="0"/>
+                <a:cs typeface="Courier New" panose="02070309020205020404" pitchFamily="49" charset="0"/>
+              </a:rPr>
+              <a:t>verifica se tile direita </a:t>
+            </a:r>
+            <a:r>
+              <a:rPr lang="pt-BR" sz="2000" dirty="0" smtClean="0">
+                <a:latin typeface="Courier New" panose="02070309020205020404" pitchFamily="49" charset="0"/>
+                <a:cs typeface="Courier New" panose="02070309020205020404" pitchFamily="49" charset="0"/>
+              </a:rPr>
+              <a:t>está </a:t>
+            </a:r>
+            <a:r>
+              <a:rPr lang="pt-BR" sz="2000" dirty="0">
+                <a:latin typeface="Courier New" panose="02070309020205020404" pitchFamily="49" charset="0"/>
+                <a:cs typeface="Courier New" panose="02070309020205020404" pitchFamily="49" charset="0"/>
+              </a:rPr>
+              <a:t>vazia</a:t>
+            </a:r>
+          </a:p>
+          <a:p>
+            <a:r>
+              <a:rPr lang="pt-BR" sz="2000" dirty="0" smtClean="0">
+                <a:latin typeface="Courier New" panose="02070309020205020404" pitchFamily="49" charset="0"/>
+                <a:cs typeface="Courier New" panose="02070309020205020404" pitchFamily="49" charset="0"/>
+              </a:rPr>
+              <a:t>  </a:t>
+            </a:r>
+            <a:r>
+              <a:rPr lang="pt-BR" sz="2000" b="1" dirty="0" err="1" smtClean="0">
+                <a:solidFill>
+                  <a:schemeClr val="accent1"/>
+                </a:solidFill>
+                <a:latin typeface="Courier New" panose="02070309020205020404" pitchFamily="49" charset="0"/>
+                <a:cs typeface="Courier New" panose="02070309020205020404" pitchFamily="49" charset="0"/>
+              </a:rPr>
+              <a:t>if</a:t>
+            </a:r>
+            <a:r>
+              <a:rPr lang="pt-BR" sz="2000" dirty="0" smtClean="0">
+                <a:solidFill>
+                  <a:schemeClr val="accent1"/>
+                </a:solidFill>
+                <a:latin typeface="Courier New" panose="02070309020205020404" pitchFamily="49" charset="0"/>
+                <a:cs typeface="Courier New" panose="02070309020205020404" pitchFamily="49" charset="0"/>
+              </a:rPr>
+              <a:t> </a:t>
+            </a:r>
+            <a:r>
+              <a:rPr lang="pt-BR" sz="2000" dirty="0" err="1">
+                <a:latin typeface="Courier New" panose="02070309020205020404" pitchFamily="49" charset="0"/>
+                <a:cs typeface="Courier New" panose="02070309020205020404" pitchFamily="49" charset="0"/>
+              </a:rPr>
+              <a:t>indice</a:t>
+            </a:r>
+            <a:r>
+              <a:rPr lang="pt-BR" sz="2000" dirty="0">
+                <a:latin typeface="Courier New" panose="02070309020205020404" pitchFamily="49" charset="0"/>
+                <a:cs typeface="Courier New" panose="02070309020205020404" pitchFamily="49" charset="0"/>
+              </a:rPr>
+              <a:t> % dificuldade ~= </a:t>
+            </a:r>
+            <a:r>
+              <a:rPr lang="pt-BR" sz="2000" dirty="0">
+                <a:solidFill>
+                  <a:schemeClr val="accent2"/>
+                </a:solidFill>
+                <a:latin typeface="Courier New" panose="02070309020205020404" pitchFamily="49" charset="0"/>
+                <a:cs typeface="Courier New" panose="02070309020205020404" pitchFamily="49" charset="0"/>
+              </a:rPr>
+              <a:t>0</a:t>
+            </a:r>
+            <a:r>
+              <a:rPr lang="pt-BR" sz="2000" dirty="0">
+                <a:latin typeface="Courier New" panose="02070309020205020404" pitchFamily="49" charset="0"/>
+                <a:cs typeface="Courier New" panose="02070309020205020404" pitchFamily="49" charset="0"/>
+              </a:rPr>
+              <a:t> </a:t>
+            </a:r>
+            <a:r>
+              <a:rPr lang="pt-BR" sz="2000" b="1" dirty="0" err="1">
+                <a:solidFill>
+                  <a:schemeClr val="accent1"/>
+                </a:solidFill>
+                <a:latin typeface="Courier New" panose="02070309020205020404" pitchFamily="49" charset="0"/>
+                <a:cs typeface="Courier New" panose="02070309020205020404" pitchFamily="49" charset="0"/>
+              </a:rPr>
+              <a:t>then</a:t>
+            </a:r>
+            <a:endParaRPr lang="pt-BR" sz="2000" b="1" dirty="0">
+              <a:solidFill>
+                <a:schemeClr val="accent1"/>
+              </a:solidFill>
+              <a:latin typeface="Courier New" panose="02070309020205020404" pitchFamily="49" charset="0"/>
+              <a:cs typeface="Courier New" panose="02070309020205020404" pitchFamily="49" charset="0"/>
+            </a:endParaRPr>
+          </a:p>
+          <a:p>
+            <a:r>
+              <a:rPr lang="pt-BR" sz="2000" dirty="0" smtClean="0">
+                <a:latin typeface="Courier New" panose="02070309020205020404" pitchFamily="49" charset="0"/>
+                <a:cs typeface="Courier New" panose="02070309020205020404" pitchFamily="49" charset="0"/>
+              </a:rPr>
+              <a:t>    </a:t>
+            </a:r>
+            <a:r>
+              <a:rPr lang="pt-BR" sz="2000" b="1" dirty="0" err="1" smtClean="0">
+                <a:solidFill>
+                  <a:schemeClr val="accent1"/>
+                </a:solidFill>
+                <a:latin typeface="Courier New" panose="02070309020205020404" pitchFamily="49" charset="0"/>
+                <a:cs typeface="Courier New" panose="02070309020205020404" pitchFamily="49" charset="0"/>
+              </a:rPr>
+              <a:t>if</a:t>
+            </a:r>
+            <a:r>
+              <a:rPr lang="pt-BR" sz="2000" dirty="0" smtClean="0">
+                <a:solidFill>
+                  <a:schemeClr val="accent1"/>
+                </a:solidFill>
+                <a:latin typeface="Courier New" panose="02070309020205020404" pitchFamily="49" charset="0"/>
+                <a:cs typeface="Courier New" panose="02070309020205020404" pitchFamily="49" charset="0"/>
+              </a:rPr>
+              <a:t> </a:t>
+            </a:r>
+            <a:r>
+              <a:rPr lang="pt-BR" sz="2000" dirty="0">
+                <a:latin typeface="Courier New" panose="02070309020205020404" pitchFamily="49" charset="0"/>
+                <a:cs typeface="Courier New" panose="02070309020205020404" pitchFamily="49" charset="0"/>
+              </a:rPr>
+              <a:t>tiles[</a:t>
+            </a:r>
+            <a:r>
+              <a:rPr lang="pt-BR" sz="2000" dirty="0" err="1">
+                <a:latin typeface="Courier New" panose="02070309020205020404" pitchFamily="49" charset="0"/>
+                <a:cs typeface="Courier New" panose="02070309020205020404" pitchFamily="49" charset="0"/>
+              </a:rPr>
+              <a:t>indice</a:t>
+            </a:r>
+            <a:r>
+              <a:rPr lang="pt-BR" sz="2000" dirty="0">
+                <a:latin typeface="Courier New" panose="02070309020205020404" pitchFamily="49" charset="0"/>
+                <a:cs typeface="Courier New" panose="02070309020205020404" pitchFamily="49" charset="0"/>
+              </a:rPr>
+              <a:t> + </a:t>
+            </a:r>
+            <a:r>
+              <a:rPr lang="pt-BR" sz="2000" dirty="0">
+                <a:solidFill>
+                  <a:schemeClr val="accent2"/>
+                </a:solidFill>
+                <a:latin typeface="Courier New" panose="02070309020205020404" pitchFamily="49" charset="0"/>
+                <a:cs typeface="Courier New" panose="02070309020205020404" pitchFamily="49" charset="0"/>
+              </a:rPr>
+              <a:t>1</a:t>
+            </a:r>
+            <a:r>
+              <a:rPr lang="pt-BR" sz="2000" dirty="0">
+                <a:latin typeface="Courier New" panose="02070309020205020404" pitchFamily="49" charset="0"/>
+                <a:cs typeface="Courier New" panose="02070309020205020404" pitchFamily="49" charset="0"/>
+              </a:rPr>
+              <a:t>].</a:t>
+            </a:r>
+            <a:r>
+              <a:rPr lang="pt-BR" sz="2000" dirty="0" err="1">
+                <a:latin typeface="Courier New" panose="02070309020205020404" pitchFamily="49" charset="0"/>
+                <a:cs typeface="Courier New" panose="02070309020205020404" pitchFamily="49" charset="0"/>
+              </a:rPr>
+              <a:t>visivel</a:t>
+            </a:r>
+            <a:r>
+              <a:rPr lang="pt-BR" sz="2000" dirty="0">
+                <a:latin typeface="Courier New" panose="02070309020205020404" pitchFamily="49" charset="0"/>
+                <a:cs typeface="Courier New" panose="02070309020205020404" pitchFamily="49" charset="0"/>
+              </a:rPr>
+              <a:t> == false </a:t>
+            </a:r>
+            <a:r>
+              <a:rPr lang="pt-BR" sz="2000" b="1" dirty="0" err="1">
+                <a:solidFill>
+                  <a:schemeClr val="accent1"/>
+                </a:solidFill>
+                <a:latin typeface="Courier New" panose="02070309020205020404" pitchFamily="49" charset="0"/>
+                <a:cs typeface="Courier New" panose="02070309020205020404" pitchFamily="49" charset="0"/>
+              </a:rPr>
+              <a:t>then</a:t>
+            </a:r>
+            <a:endParaRPr lang="pt-BR" sz="2000" b="1" dirty="0">
+              <a:solidFill>
+                <a:schemeClr val="accent1"/>
+              </a:solidFill>
+              <a:latin typeface="Courier New" panose="02070309020205020404" pitchFamily="49" charset="0"/>
+              <a:cs typeface="Courier New" panose="02070309020205020404" pitchFamily="49" charset="0"/>
+            </a:endParaRPr>
+          </a:p>
+          <a:p>
+            <a:r>
+              <a:rPr lang="pt-BR" sz="2000" dirty="0" smtClean="0">
+                <a:latin typeface="Courier New" panose="02070309020205020404" pitchFamily="49" charset="0"/>
+                <a:cs typeface="Courier New" panose="02070309020205020404" pitchFamily="49" charset="0"/>
+              </a:rPr>
+              <a:t>      tiles[</a:t>
+            </a:r>
+            <a:r>
+              <a:rPr lang="pt-BR" sz="2000" dirty="0" err="1" smtClean="0">
+                <a:latin typeface="Courier New" panose="02070309020205020404" pitchFamily="49" charset="0"/>
+                <a:cs typeface="Courier New" panose="02070309020205020404" pitchFamily="49" charset="0"/>
+              </a:rPr>
+              <a:t>indice</a:t>
+            </a:r>
+            <a:r>
+              <a:rPr lang="pt-BR" sz="2000" dirty="0">
+                <a:latin typeface="Courier New" panose="02070309020205020404" pitchFamily="49" charset="0"/>
+                <a:cs typeface="Courier New" panose="02070309020205020404" pitchFamily="49" charset="0"/>
+              </a:rPr>
+              <a:t>], tiles[</a:t>
+            </a:r>
+            <a:r>
+              <a:rPr lang="pt-BR" sz="2000" dirty="0" err="1">
+                <a:latin typeface="Courier New" panose="02070309020205020404" pitchFamily="49" charset="0"/>
+                <a:cs typeface="Courier New" panose="02070309020205020404" pitchFamily="49" charset="0"/>
+              </a:rPr>
+              <a:t>indice</a:t>
+            </a:r>
+            <a:r>
+              <a:rPr lang="pt-BR" sz="2000" dirty="0">
+                <a:latin typeface="Courier New" panose="02070309020205020404" pitchFamily="49" charset="0"/>
+                <a:cs typeface="Courier New" panose="02070309020205020404" pitchFamily="49" charset="0"/>
+              </a:rPr>
+              <a:t> + </a:t>
+            </a:r>
+            <a:r>
+              <a:rPr lang="pt-BR" sz="2000" dirty="0">
+                <a:solidFill>
+                  <a:schemeClr val="accent2"/>
+                </a:solidFill>
+                <a:latin typeface="Courier New" panose="02070309020205020404" pitchFamily="49" charset="0"/>
+                <a:cs typeface="Courier New" panose="02070309020205020404" pitchFamily="49" charset="0"/>
+              </a:rPr>
+              <a:t>1</a:t>
+            </a:r>
+            <a:r>
+              <a:rPr lang="pt-BR" sz="2000" dirty="0">
+                <a:latin typeface="Courier New" panose="02070309020205020404" pitchFamily="49" charset="0"/>
+                <a:cs typeface="Courier New" panose="02070309020205020404" pitchFamily="49" charset="0"/>
+              </a:rPr>
+              <a:t>] = </a:t>
+            </a:r>
+            <a:r>
+              <a:rPr lang="pt-BR" sz="2000" dirty="0" smtClean="0">
+                <a:latin typeface="Courier New" panose="02070309020205020404" pitchFamily="49" charset="0"/>
+                <a:cs typeface="Courier New" panose="02070309020205020404" pitchFamily="49" charset="0"/>
+              </a:rPr>
+              <a:t>   </a:t>
+            </a:r>
+          </a:p>
+          <a:p>
+            <a:r>
+              <a:rPr lang="pt-BR" sz="2000" dirty="0">
+                <a:latin typeface="Courier New" panose="02070309020205020404" pitchFamily="49" charset="0"/>
+                <a:cs typeface="Courier New" panose="02070309020205020404" pitchFamily="49" charset="0"/>
+              </a:rPr>
+              <a:t> </a:t>
+            </a:r>
+            <a:r>
+              <a:rPr lang="pt-BR" sz="2000" dirty="0" smtClean="0">
+                <a:latin typeface="Courier New" panose="02070309020205020404" pitchFamily="49" charset="0"/>
+                <a:cs typeface="Courier New" panose="02070309020205020404" pitchFamily="49" charset="0"/>
+              </a:rPr>
+              <a:t>     tiles[</a:t>
+            </a:r>
+            <a:r>
+              <a:rPr lang="pt-BR" sz="2000" dirty="0" err="1" smtClean="0">
+                <a:latin typeface="Courier New" panose="02070309020205020404" pitchFamily="49" charset="0"/>
+                <a:cs typeface="Courier New" panose="02070309020205020404" pitchFamily="49" charset="0"/>
+              </a:rPr>
+              <a:t>indice</a:t>
+            </a:r>
+            <a:r>
+              <a:rPr lang="pt-BR" sz="2000" dirty="0" smtClean="0">
+                <a:latin typeface="Courier New" panose="02070309020205020404" pitchFamily="49" charset="0"/>
+                <a:cs typeface="Courier New" panose="02070309020205020404" pitchFamily="49" charset="0"/>
+              </a:rPr>
+              <a:t> </a:t>
+            </a:r>
+            <a:r>
+              <a:rPr lang="pt-BR" sz="2000" dirty="0">
+                <a:latin typeface="Courier New" panose="02070309020205020404" pitchFamily="49" charset="0"/>
+                <a:cs typeface="Courier New" panose="02070309020205020404" pitchFamily="49" charset="0"/>
+              </a:rPr>
+              <a:t>+ </a:t>
+            </a:r>
+            <a:r>
+              <a:rPr lang="pt-BR" sz="2000" dirty="0">
+                <a:solidFill>
+                  <a:schemeClr val="accent2"/>
+                </a:solidFill>
+                <a:latin typeface="Courier New" panose="02070309020205020404" pitchFamily="49" charset="0"/>
+                <a:cs typeface="Courier New" panose="02070309020205020404" pitchFamily="49" charset="0"/>
+              </a:rPr>
+              <a:t>1</a:t>
+            </a:r>
+            <a:r>
+              <a:rPr lang="pt-BR" sz="2000" dirty="0">
+                <a:latin typeface="Courier New" panose="02070309020205020404" pitchFamily="49" charset="0"/>
+                <a:cs typeface="Courier New" panose="02070309020205020404" pitchFamily="49" charset="0"/>
+              </a:rPr>
+              <a:t>], tiles[</a:t>
+            </a:r>
+            <a:r>
+              <a:rPr lang="pt-BR" sz="2000" dirty="0" err="1">
+                <a:latin typeface="Courier New" panose="02070309020205020404" pitchFamily="49" charset="0"/>
+                <a:cs typeface="Courier New" panose="02070309020205020404" pitchFamily="49" charset="0"/>
+              </a:rPr>
+              <a:t>indice</a:t>
+            </a:r>
+            <a:r>
+              <a:rPr lang="pt-BR" sz="2000" dirty="0">
+                <a:latin typeface="Courier New" panose="02070309020205020404" pitchFamily="49" charset="0"/>
+                <a:cs typeface="Courier New" panose="02070309020205020404" pitchFamily="49" charset="0"/>
+              </a:rPr>
+              <a:t>]</a:t>
+            </a:r>
+          </a:p>
+          <a:p>
+            <a:r>
+              <a:rPr lang="pt-BR" sz="2000" dirty="0" smtClean="0">
+                <a:latin typeface="Courier New" panose="02070309020205020404" pitchFamily="49" charset="0"/>
+                <a:cs typeface="Courier New" panose="02070309020205020404" pitchFamily="49" charset="0"/>
+              </a:rPr>
+              <a:t>    </a:t>
+            </a:r>
+            <a:r>
+              <a:rPr lang="pt-BR" sz="2000" b="1" dirty="0" err="1" smtClean="0">
+                <a:solidFill>
+                  <a:schemeClr val="accent1"/>
+                </a:solidFill>
+                <a:latin typeface="Courier New" panose="02070309020205020404" pitchFamily="49" charset="0"/>
+                <a:cs typeface="Courier New" panose="02070309020205020404" pitchFamily="49" charset="0"/>
+              </a:rPr>
+              <a:t>end</a:t>
+            </a:r>
+            <a:endParaRPr lang="pt-BR" sz="2000" b="1" dirty="0">
+              <a:solidFill>
+                <a:schemeClr val="accent1"/>
+              </a:solidFill>
+              <a:latin typeface="Courier New" panose="02070309020205020404" pitchFamily="49" charset="0"/>
+              <a:cs typeface="Courier New" panose="02070309020205020404" pitchFamily="49" charset="0"/>
+            </a:endParaRPr>
+          </a:p>
+          <a:p>
+            <a:r>
+              <a:rPr lang="pt-BR" sz="2000" dirty="0" smtClean="0">
+                <a:latin typeface="Courier New" panose="02070309020205020404" pitchFamily="49" charset="0"/>
+                <a:cs typeface="Courier New" panose="02070309020205020404" pitchFamily="49" charset="0"/>
+              </a:rPr>
+              <a:t>  </a:t>
+            </a:r>
+            <a:r>
+              <a:rPr lang="pt-BR" sz="2000" b="1" dirty="0" err="1" smtClean="0">
+                <a:solidFill>
+                  <a:schemeClr val="accent1"/>
+                </a:solidFill>
+                <a:latin typeface="Courier New" panose="02070309020205020404" pitchFamily="49" charset="0"/>
+                <a:cs typeface="Courier New" panose="02070309020205020404" pitchFamily="49" charset="0"/>
+              </a:rPr>
+              <a:t>end</a:t>
+            </a:r>
+            <a:endParaRPr lang="pt-BR" sz="2000" b="1" dirty="0" smtClean="0">
+              <a:solidFill>
+                <a:schemeClr val="accent1"/>
+              </a:solidFill>
+              <a:latin typeface="Courier New" panose="02070309020205020404" pitchFamily="49" charset="0"/>
+              <a:cs typeface="Courier New" panose="02070309020205020404" pitchFamily="49" charset="0"/>
+            </a:endParaRPr>
+          </a:p>
+          <a:p>
+            <a:endParaRPr lang="pt-BR" sz="2000" b="1" dirty="0">
+              <a:solidFill>
+                <a:schemeClr val="accent1"/>
+              </a:solidFill>
+              <a:latin typeface="Courier New" panose="02070309020205020404" pitchFamily="49" charset="0"/>
+              <a:cs typeface="Courier New" panose="02070309020205020404" pitchFamily="49" charset="0"/>
+            </a:endParaRPr>
+          </a:p>
+          <a:p>
+            <a:r>
+              <a:rPr lang="pt-BR" sz="2000" b="1" dirty="0" smtClean="0">
+                <a:solidFill>
+                  <a:schemeClr val="accent1"/>
+                </a:solidFill>
+                <a:latin typeface="Courier New" panose="02070309020205020404" pitchFamily="49" charset="0"/>
+                <a:cs typeface="Courier New" panose="02070309020205020404" pitchFamily="49" charset="0"/>
+              </a:rPr>
+              <a:t>  </a:t>
+            </a:r>
+            <a:r>
+              <a:rPr lang="pt-BR" sz="2000" dirty="0" smtClean="0">
+                <a:latin typeface="Courier New" panose="02070309020205020404" pitchFamily="49" charset="0"/>
+                <a:cs typeface="Courier New" panose="02070309020205020404" pitchFamily="49" charset="0"/>
+              </a:rPr>
+              <a:t>--tile esquerda:</a:t>
+            </a:r>
+          </a:p>
+          <a:p>
+            <a:r>
+              <a:rPr lang="pt-BR" sz="2000" b="1" dirty="0" smtClean="0">
+                <a:solidFill>
+                  <a:schemeClr val="accent1"/>
+                </a:solidFill>
+                <a:latin typeface="Courier New" panose="02070309020205020404" pitchFamily="49" charset="0"/>
+                <a:cs typeface="Courier New" panose="02070309020205020404" pitchFamily="49" charset="0"/>
+              </a:rPr>
+              <a:t>  </a:t>
+            </a:r>
+            <a:r>
+              <a:rPr lang="pt-BR" sz="2000" b="1" dirty="0" err="1" smtClean="0">
+                <a:solidFill>
+                  <a:schemeClr val="accent1"/>
+                </a:solidFill>
+                <a:latin typeface="Courier New" panose="02070309020205020404" pitchFamily="49" charset="0"/>
+                <a:cs typeface="Courier New" panose="02070309020205020404" pitchFamily="49" charset="0"/>
+              </a:rPr>
+              <a:t>if</a:t>
+            </a:r>
+            <a:r>
+              <a:rPr lang="pt-BR" sz="2000" b="1" dirty="0" smtClean="0">
+                <a:solidFill>
+                  <a:schemeClr val="accent1"/>
+                </a:solidFill>
+                <a:latin typeface="Courier New" panose="02070309020205020404" pitchFamily="49" charset="0"/>
+                <a:cs typeface="Courier New" panose="02070309020205020404" pitchFamily="49" charset="0"/>
+              </a:rPr>
+              <a:t> </a:t>
+            </a:r>
+            <a:r>
+              <a:rPr lang="pt-BR" sz="2000" dirty="0" smtClean="0">
+                <a:latin typeface="Courier New" panose="02070309020205020404" pitchFamily="49" charset="0"/>
+                <a:cs typeface="Courier New" panose="02070309020205020404" pitchFamily="49" charset="0"/>
+              </a:rPr>
+              <a:t>(</a:t>
+            </a:r>
+            <a:r>
+              <a:rPr lang="pt-BR" sz="2000" dirty="0" err="1" smtClean="0">
+                <a:latin typeface="Courier New" panose="02070309020205020404" pitchFamily="49" charset="0"/>
+                <a:cs typeface="Courier New" panose="02070309020205020404" pitchFamily="49" charset="0"/>
+              </a:rPr>
+              <a:t>indice</a:t>
+            </a:r>
+            <a:r>
+              <a:rPr lang="pt-BR" sz="2000" dirty="0" smtClean="0">
+                <a:latin typeface="Courier New" panose="02070309020205020404" pitchFamily="49" charset="0"/>
+                <a:cs typeface="Courier New" panose="02070309020205020404" pitchFamily="49" charset="0"/>
+              </a:rPr>
+              <a:t> – 1)</a:t>
+            </a:r>
+            <a:r>
+              <a:rPr lang="pt-BR" sz="2000" dirty="0">
+                <a:latin typeface="Courier New" panose="02070309020205020404" pitchFamily="49" charset="0"/>
+                <a:cs typeface="Courier New" panose="02070309020205020404" pitchFamily="49" charset="0"/>
+              </a:rPr>
+              <a:t> % dificuldade ~= </a:t>
+            </a:r>
+            <a:r>
+              <a:rPr lang="pt-BR" sz="2000" dirty="0">
+                <a:solidFill>
+                  <a:schemeClr val="accent2"/>
+                </a:solidFill>
+                <a:latin typeface="Courier New" panose="02070309020205020404" pitchFamily="49" charset="0"/>
+                <a:cs typeface="Courier New" panose="02070309020205020404" pitchFamily="49" charset="0"/>
+              </a:rPr>
+              <a:t>0</a:t>
+            </a:r>
+            <a:r>
+              <a:rPr lang="pt-BR" sz="2000" dirty="0">
+                <a:latin typeface="Courier New" panose="02070309020205020404" pitchFamily="49" charset="0"/>
+                <a:cs typeface="Courier New" panose="02070309020205020404" pitchFamily="49" charset="0"/>
+              </a:rPr>
+              <a:t> </a:t>
+            </a:r>
+            <a:r>
+              <a:rPr lang="pt-BR" sz="2000" b="1" dirty="0" err="1" smtClean="0">
+                <a:solidFill>
+                  <a:schemeClr val="accent1"/>
+                </a:solidFill>
+                <a:latin typeface="Courier New" panose="02070309020205020404" pitchFamily="49" charset="0"/>
+                <a:cs typeface="Courier New" panose="02070309020205020404" pitchFamily="49" charset="0"/>
+              </a:rPr>
+              <a:t>then</a:t>
+            </a:r>
+            <a:endParaRPr lang="pt-BR" sz="2000" dirty="0" smtClean="0">
+              <a:latin typeface="Courier New" panose="02070309020205020404" pitchFamily="49" charset="0"/>
+              <a:cs typeface="Courier New" panose="02070309020205020404" pitchFamily="49" charset="0"/>
+            </a:endParaRPr>
+          </a:p>
+          <a:p>
+            <a:endParaRPr lang="pt-BR" sz="2000" b="1" dirty="0" smtClean="0">
+              <a:solidFill>
+                <a:schemeClr val="accent1"/>
+              </a:solidFill>
+              <a:latin typeface="Courier New" panose="02070309020205020404" pitchFamily="49" charset="0"/>
+              <a:cs typeface="Courier New" panose="02070309020205020404" pitchFamily="49" charset="0"/>
+            </a:endParaRPr>
+          </a:p>
+          <a:p>
+            <a:r>
+              <a:rPr lang="pt-BR" sz="2000" b="1" dirty="0" smtClean="0">
+                <a:solidFill>
+                  <a:schemeClr val="accent1"/>
+                </a:solidFill>
+                <a:latin typeface="Courier New" panose="02070309020205020404" pitchFamily="49" charset="0"/>
+                <a:cs typeface="Courier New" panose="02070309020205020404" pitchFamily="49" charset="0"/>
+              </a:rPr>
+              <a:t>  </a:t>
+            </a:r>
+            <a:r>
+              <a:rPr lang="pt-BR" sz="2000" dirty="0">
+                <a:latin typeface="Courier New" panose="02070309020205020404" pitchFamily="49" charset="0"/>
+                <a:cs typeface="Courier New" panose="02070309020205020404" pitchFamily="49" charset="0"/>
+              </a:rPr>
+              <a:t>--tile </a:t>
+            </a:r>
+            <a:r>
+              <a:rPr lang="pt-BR" sz="2000" dirty="0" smtClean="0">
+                <a:latin typeface="Courier New" panose="02070309020205020404" pitchFamily="49" charset="0"/>
+                <a:cs typeface="Courier New" panose="02070309020205020404" pitchFamily="49" charset="0"/>
+              </a:rPr>
+              <a:t>superior:</a:t>
+            </a:r>
+          </a:p>
+          <a:p>
+            <a:r>
+              <a:rPr lang="pt-BR" sz="2000" dirty="0" smtClean="0">
+                <a:latin typeface="Courier New" panose="02070309020205020404" pitchFamily="49" charset="0"/>
+                <a:cs typeface="Courier New" panose="02070309020205020404" pitchFamily="49" charset="0"/>
+              </a:rPr>
+              <a:t>  </a:t>
+            </a:r>
+            <a:r>
+              <a:rPr lang="pt-BR" sz="2000" b="1" dirty="0" err="1" smtClean="0">
+                <a:solidFill>
+                  <a:schemeClr val="accent1"/>
+                </a:solidFill>
+                <a:latin typeface="Courier New" panose="02070309020205020404" pitchFamily="49" charset="0"/>
+                <a:cs typeface="Courier New" panose="02070309020205020404" pitchFamily="49" charset="0"/>
+              </a:rPr>
+              <a:t>if</a:t>
+            </a:r>
+            <a:r>
+              <a:rPr lang="pt-BR" sz="2000" b="1" dirty="0" smtClean="0">
+                <a:solidFill>
+                  <a:schemeClr val="accent1"/>
+                </a:solidFill>
+                <a:latin typeface="Courier New" panose="02070309020205020404" pitchFamily="49" charset="0"/>
+                <a:cs typeface="Courier New" panose="02070309020205020404" pitchFamily="49" charset="0"/>
+              </a:rPr>
+              <a:t> </a:t>
+            </a:r>
+            <a:r>
+              <a:rPr lang="pt-BR" sz="2000" dirty="0" smtClean="0">
+                <a:latin typeface="Courier New" panose="02070309020205020404" pitchFamily="49" charset="0"/>
+                <a:cs typeface="Courier New" panose="02070309020205020404" pitchFamily="49" charset="0"/>
+              </a:rPr>
+              <a:t>(</a:t>
+            </a:r>
+            <a:r>
+              <a:rPr lang="pt-BR" sz="2000" dirty="0" err="1" smtClean="0">
+                <a:latin typeface="Courier New" panose="02070309020205020404" pitchFamily="49" charset="0"/>
+                <a:cs typeface="Courier New" panose="02070309020205020404" pitchFamily="49" charset="0"/>
+              </a:rPr>
+              <a:t>indice</a:t>
+            </a:r>
+            <a:r>
+              <a:rPr lang="pt-BR" sz="2000" dirty="0" smtClean="0">
+                <a:latin typeface="Courier New" panose="02070309020205020404" pitchFamily="49" charset="0"/>
+                <a:cs typeface="Courier New" panose="02070309020205020404" pitchFamily="49" charset="0"/>
+              </a:rPr>
+              <a:t> </a:t>
+            </a:r>
+            <a:r>
+              <a:rPr lang="pt-BR" sz="2000" dirty="0">
+                <a:latin typeface="Courier New" panose="02070309020205020404" pitchFamily="49" charset="0"/>
+                <a:cs typeface="Courier New" panose="02070309020205020404" pitchFamily="49" charset="0"/>
+              </a:rPr>
+              <a:t>– </a:t>
+            </a:r>
+            <a:r>
+              <a:rPr lang="pt-BR" sz="2000" dirty="0" smtClean="0">
+                <a:latin typeface="Courier New" panose="02070309020205020404" pitchFamily="49" charset="0"/>
+                <a:cs typeface="Courier New" panose="02070309020205020404" pitchFamily="49" charset="0"/>
+              </a:rPr>
+              <a:t>dificuldade) &gt; </a:t>
+            </a:r>
+            <a:r>
+              <a:rPr lang="pt-BR" sz="2000" dirty="0" smtClean="0">
+                <a:solidFill>
+                  <a:schemeClr val="accent2"/>
+                </a:solidFill>
+                <a:latin typeface="Courier New" panose="02070309020205020404" pitchFamily="49" charset="0"/>
+                <a:cs typeface="Courier New" panose="02070309020205020404" pitchFamily="49" charset="0"/>
+              </a:rPr>
+              <a:t>0</a:t>
+            </a:r>
+          </a:p>
+          <a:p>
+            <a:endParaRPr lang="pt-BR" sz="2000" b="1" dirty="0" smtClean="0">
+              <a:solidFill>
+                <a:schemeClr val="accent1"/>
+              </a:solidFill>
+              <a:latin typeface="Courier New" panose="02070309020205020404" pitchFamily="49" charset="0"/>
+              <a:cs typeface="Courier New" panose="02070309020205020404" pitchFamily="49" charset="0"/>
+            </a:endParaRPr>
+          </a:p>
+          <a:p>
+            <a:r>
+              <a:rPr lang="pt-BR" sz="2000" b="1" dirty="0" smtClean="0">
+                <a:solidFill>
+                  <a:schemeClr val="accent1"/>
+                </a:solidFill>
+                <a:latin typeface="Courier New" panose="02070309020205020404" pitchFamily="49" charset="0"/>
+                <a:cs typeface="Courier New" panose="02070309020205020404" pitchFamily="49" charset="0"/>
+              </a:rPr>
+              <a:t>  </a:t>
+            </a:r>
+            <a:r>
+              <a:rPr lang="pt-BR" sz="2000" dirty="0">
+                <a:latin typeface="Courier New" panose="02070309020205020404" pitchFamily="49" charset="0"/>
+                <a:cs typeface="Courier New" panose="02070309020205020404" pitchFamily="49" charset="0"/>
+              </a:rPr>
+              <a:t>--tile </a:t>
+            </a:r>
+            <a:r>
+              <a:rPr lang="pt-BR" sz="2000" dirty="0" smtClean="0">
+                <a:latin typeface="Courier New" panose="02070309020205020404" pitchFamily="49" charset="0"/>
+                <a:cs typeface="Courier New" panose="02070309020205020404" pitchFamily="49" charset="0"/>
+              </a:rPr>
+              <a:t>inferior:</a:t>
+            </a:r>
+            <a:endParaRPr lang="pt-BR" sz="2000" b="1" dirty="0" smtClean="0">
+              <a:solidFill>
+                <a:schemeClr val="accent1"/>
+              </a:solidFill>
+              <a:latin typeface="Courier New" panose="02070309020205020404" pitchFamily="49" charset="0"/>
+              <a:cs typeface="Courier New" panose="02070309020205020404" pitchFamily="49" charset="0"/>
+            </a:endParaRPr>
+          </a:p>
+          <a:p>
+            <a:r>
+              <a:rPr lang="pt-BR" sz="2000" b="1" dirty="0" smtClean="0">
+                <a:solidFill>
+                  <a:schemeClr val="accent1"/>
+                </a:solidFill>
+                <a:latin typeface="Courier New" panose="02070309020205020404" pitchFamily="49" charset="0"/>
+                <a:cs typeface="Courier New" panose="02070309020205020404" pitchFamily="49" charset="0"/>
+              </a:rPr>
+              <a:t>  </a:t>
+            </a:r>
+            <a:r>
+              <a:rPr lang="pt-BR" sz="2000" b="1" dirty="0" err="1" smtClean="0">
+                <a:solidFill>
+                  <a:schemeClr val="accent1"/>
+                </a:solidFill>
+                <a:latin typeface="Courier New" panose="02070309020205020404" pitchFamily="49" charset="0"/>
+                <a:cs typeface="Courier New" panose="02070309020205020404" pitchFamily="49" charset="0"/>
+              </a:rPr>
+              <a:t>if</a:t>
+            </a:r>
+            <a:r>
+              <a:rPr lang="pt-BR" sz="2000" b="1" dirty="0" smtClean="0">
+                <a:solidFill>
+                  <a:schemeClr val="accent1"/>
+                </a:solidFill>
+                <a:latin typeface="Courier New" panose="02070309020205020404" pitchFamily="49" charset="0"/>
+                <a:cs typeface="Courier New" panose="02070309020205020404" pitchFamily="49" charset="0"/>
+              </a:rPr>
+              <a:t> </a:t>
+            </a:r>
+            <a:r>
+              <a:rPr lang="pt-BR" sz="2000" dirty="0" smtClean="0">
+                <a:latin typeface="Courier New" panose="02070309020205020404" pitchFamily="49" charset="0"/>
+                <a:cs typeface="Courier New" panose="02070309020205020404" pitchFamily="49" charset="0"/>
+              </a:rPr>
+              <a:t>(</a:t>
+            </a:r>
+            <a:r>
+              <a:rPr lang="pt-BR" sz="2000" dirty="0" err="1" smtClean="0">
+                <a:latin typeface="Courier New" panose="02070309020205020404" pitchFamily="49" charset="0"/>
+                <a:cs typeface="Courier New" panose="02070309020205020404" pitchFamily="49" charset="0"/>
+              </a:rPr>
+              <a:t>indice</a:t>
+            </a:r>
+            <a:r>
+              <a:rPr lang="pt-BR" sz="2000" dirty="0" smtClean="0">
+                <a:latin typeface="Courier New" panose="02070309020205020404" pitchFamily="49" charset="0"/>
+                <a:cs typeface="Courier New" panose="02070309020205020404" pitchFamily="49" charset="0"/>
+              </a:rPr>
+              <a:t> + </a:t>
+            </a:r>
+            <a:r>
+              <a:rPr lang="pt-BR" sz="2000" dirty="0">
+                <a:latin typeface="Courier New" panose="02070309020205020404" pitchFamily="49" charset="0"/>
+                <a:cs typeface="Courier New" panose="02070309020205020404" pitchFamily="49" charset="0"/>
+              </a:rPr>
+              <a:t>dificuldade) &lt;= (</a:t>
+            </a:r>
+            <a:r>
+              <a:rPr lang="pt-BR" sz="2000" dirty="0" err="1" smtClean="0">
+                <a:latin typeface="Courier New" panose="02070309020205020404" pitchFamily="49" charset="0"/>
+                <a:cs typeface="Courier New" panose="02070309020205020404" pitchFamily="49" charset="0"/>
+              </a:rPr>
+              <a:t>dif</a:t>
+            </a:r>
+            <a:r>
+              <a:rPr lang="pt-BR" sz="2000" dirty="0" smtClean="0">
+                <a:latin typeface="Courier New" panose="02070309020205020404" pitchFamily="49" charset="0"/>
+                <a:cs typeface="Courier New" panose="02070309020205020404" pitchFamily="49" charset="0"/>
+              </a:rPr>
+              <a:t> </a:t>
+            </a:r>
+            <a:r>
+              <a:rPr lang="pt-BR" sz="2000" dirty="0">
+                <a:latin typeface="Courier New" panose="02070309020205020404" pitchFamily="49" charset="0"/>
+                <a:cs typeface="Courier New" panose="02070309020205020404" pitchFamily="49" charset="0"/>
+              </a:rPr>
+              <a:t>* </a:t>
+            </a:r>
+            <a:r>
+              <a:rPr lang="pt-BR" sz="2000" dirty="0" err="1" smtClean="0">
+                <a:latin typeface="Courier New" panose="02070309020205020404" pitchFamily="49" charset="0"/>
+                <a:cs typeface="Courier New" panose="02070309020205020404" pitchFamily="49" charset="0"/>
+              </a:rPr>
+              <a:t>dif</a:t>
+            </a:r>
+            <a:r>
+              <a:rPr lang="pt-BR" sz="2000" dirty="0" smtClean="0">
+                <a:latin typeface="Courier New" panose="02070309020205020404" pitchFamily="49" charset="0"/>
+                <a:cs typeface="Courier New" panose="02070309020205020404" pitchFamily="49" charset="0"/>
+              </a:rPr>
+              <a:t>)</a:t>
+            </a:r>
+            <a:endParaRPr lang="pt-BR" sz="2000" b="1" dirty="0">
+              <a:solidFill>
+                <a:schemeClr val="accent1"/>
+              </a:solidFill>
+              <a:latin typeface="Courier New" panose="02070309020205020404" pitchFamily="49" charset="0"/>
+              <a:cs typeface="Courier New" panose="02070309020205020404" pitchFamily="49" charset="0"/>
+            </a:endParaRPr>
+          </a:p>
+          <a:p>
+            <a:endParaRPr lang="pt-BR" sz="2000" b="1" dirty="0" smtClean="0">
+              <a:solidFill>
+                <a:schemeClr val="accent1"/>
+              </a:solidFill>
+              <a:latin typeface="Courier New" panose="02070309020205020404" pitchFamily="49" charset="0"/>
+              <a:cs typeface="Courier New" panose="02070309020205020404" pitchFamily="49" charset="0"/>
+            </a:endParaRPr>
+          </a:p>
+          <a:p>
+            <a:r>
+              <a:rPr lang="pt-BR" sz="2000" b="1" dirty="0" err="1" smtClean="0">
+                <a:solidFill>
+                  <a:schemeClr val="accent1"/>
+                </a:solidFill>
+                <a:latin typeface="Courier New" panose="02070309020205020404" pitchFamily="49" charset="0"/>
+                <a:cs typeface="Courier New" panose="02070309020205020404" pitchFamily="49" charset="0"/>
+              </a:rPr>
+              <a:t>end</a:t>
+            </a:r>
+            <a:endParaRPr lang="pt-BR" b="1" dirty="0">
+              <a:solidFill>
+                <a:schemeClr val="accent1"/>
+              </a:solidFill>
+            </a:endParaRPr>
+          </a:p>
+        </p:txBody>
+      </p:sp>
     </p:spTree>
     <p:extLst>
       <p:ext uri="{BB962C8B-B14F-4D97-AF65-F5344CB8AC3E}">
@@ -10200,15 +12630,6 @@
 </file>
 
 <file path=customXml/item2.xml><?xml version="1.0" encoding="utf-8"?>
-<?mso-contentType ?>
-<FormTemplates xmlns="http://schemas.microsoft.com/sharepoint/v3/contenttype/forms">
-  <Display>DocumentLibraryForm</Display>
-  <Edit>AssetEditForm</Edit>
-  <New>DocumentLibraryForm</New>
-</FormTemplates>
-</file>
-
-<file path=customXml/item3.xml><?xml version="1.0" encoding="utf-8"?>
 <p:properties xmlns:p="http://schemas.microsoft.com/office/2006/metadata/properties" xmlns:xsi="http://www.w3.org/2001/XMLSchema-instance" xmlns:pc="http://schemas.microsoft.com/office/infopath/2007/PartnerControls">
   <documentManagement>
     <LocPublishedLinkedAssetsLookup xmlns="4873beb7-5857-4685-be1f-d57550cc96cc" xsi:nil="true"/>
@@ -10344,6 +12765,15 @@
 </p:properties>
 </file>
 
+<file path=customXml/item3.xml><?xml version="1.0" encoding="utf-8"?>
+<?mso-contentType ?>
+<FormTemplates xmlns="http://schemas.microsoft.com/sharepoint/v3/contenttype/forms">
+  <Display>DocumentLibraryForm</Display>
+  <Edit>AssetEditForm</Edit>
+  <New>DocumentLibraryForm</New>
+</FormTemplates>
+</file>
+
 <file path=customXml/itemProps1.xml><?xml version="1.0" encoding="utf-8"?>
 <ds:datastoreItem xmlns:ds="http://schemas.openxmlformats.org/officeDocument/2006/customXml" ds:itemID="{A09BF4D4-EF60-4196-BFC3-9462D607978C}">
   <ds:schemaRefs>
@@ -10363,14 +12793,6 @@
 </file>
 
 <file path=customXml/itemProps2.xml><?xml version="1.0" encoding="utf-8"?>
-<ds:datastoreItem xmlns:ds="http://schemas.openxmlformats.org/officeDocument/2006/customXml" ds:itemID="{3836F65B-1B07-41EE-A0E8-BC6EF3855225}">
-  <ds:schemaRefs>
-    <ds:schemaRef ds:uri="http://schemas.microsoft.com/sharepoint/v3/contenttype/forms"/>
-  </ds:schemaRefs>
-</ds:datastoreItem>
-</file>
-
-<file path=customXml/itemProps3.xml><?xml version="1.0" encoding="utf-8"?>
 <ds:datastoreItem xmlns:ds="http://schemas.openxmlformats.org/officeDocument/2006/customXml" ds:itemID="{60C67BEE-D13F-4BD2-98A5-34D8A0977F68}">
   <ds:schemaRefs>
     <ds:schemaRef ds:uri="4873beb7-5857-4685-be1f-d57550cc96cc"/>
@@ -10384,4 +12806,12 @@
     <ds:schemaRef ds:uri="http://purl.org/dc/dcmitype/"/>
   </ds:schemaRefs>
 </ds:datastoreItem>
+</file>
+
+<file path=customXml/itemProps3.xml><?xml version="1.0" encoding="utf-8"?>
+<ds:datastoreItem xmlns:ds="http://schemas.openxmlformats.org/officeDocument/2006/customXml" ds:itemID="{3836F65B-1B07-41EE-A0E8-BC6EF3855225}">
+  <ds:schemaRefs>
+    <ds:schemaRef ds:uri="http://schemas.microsoft.com/sharepoint/v3/contenttype/forms"/>
+  </ds:schemaRefs>
+</ds:datastoreItem>
 </file>
--- a/Apresentação/Deslize.pptx
+++ b/Apresentação/Deslize.pptx
@@ -5,10 +5,10 @@
     <p:sldMasterId id="2147483660" r:id="rId4"/>
   </p:sldMasterIdLst>
   <p:notesMasterIdLst>
-    <p:notesMasterId r:id="rId13"/>
+    <p:notesMasterId r:id="rId14"/>
   </p:notesMasterIdLst>
   <p:handoutMasterIdLst>
-    <p:handoutMasterId r:id="rId14"/>
+    <p:handoutMasterId r:id="rId15"/>
   </p:handoutMasterIdLst>
   <p:sldIdLst>
     <p:sldId id="257" r:id="rId5"/>
@@ -18,7 +18,8 @@
     <p:sldId id="265" r:id="rId9"/>
     <p:sldId id="274" r:id="rId10"/>
     <p:sldId id="275" r:id="rId11"/>
-    <p:sldId id="272" r:id="rId12"/>
+    <p:sldId id="276" r:id="rId12"/>
+    <p:sldId id="272" r:id="rId13"/>
   </p:sldIdLst>
   <p:sldSz cx="12188825" cy="6858000"/>
   <p:notesSz cx="6858000" cy="9144000"/>
@@ -9495,8 +9496,8 @@
         </p:nvSpPr>
         <p:spPr>
           <a:xfrm>
-            <a:off x="4870276" y="379244"/>
-            <a:ext cx="7239220" cy="6247864"/>
+            <a:off x="4870276" y="185727"/>
+            <a:ext cx="7239220" cy="6555641"/>
           </a:xfrm>
           <a:prstGeom prst="rect">
             <a:avLst/>
@@ -9890,12 +9891,32 @@
               <a:t>indice</a:t>
             </a:r>
             <a:r>
+              <a:rPr lang="pt-BR" sz="2000" dirty="0" smtClean="0">
+                <a:latin typeface="Courier New" panose="02070309020205020404" pitchFamily="49" charset="0"/>
+                <a:cs typeface="Courier New" panose="02070309020205020404" pitchFamily="49" charset="0"/>
+              </a:rPr>
+              <a:t>]</a:t>
+            </a:r>
+          </a:p>
+          <a:p>
+            <a:r>
               <a:rPr lang="pt-BR" sz="2000" dirty="0">
                 <a:latin typeface="Courier New" panose="02070309020205020404" pitchFamily="49" charset="0"/>
                 <a:cs typeface="Courier New" panose="02070309020205020404" pitchFamily="49" charset="0"/>
               </a:rPr>
-              <a:t>]</a:t>
-            </a:r>
+              <a:t> </a:t>
+            </a:r>
+            <a:r>
+              <a:rPr lang="pt-BR" sz="2000" dirty="0" smtClean="0">
+                <a:latin typeface="Courier New" panose="02070309020205020404" pitchFamily="49" charset="0"/>
+                <a:cs typeface="Courier New" panose="02070309020205020404" pitchFamily="49" charset="0"/>
+              </a:rPr>
+              <a:t>     movimentos = movimentos + 1</a:t>
+            </a:r>
+            <a:endParaRPr lang="pt-BR" sz="2000" dirty="0">
+              <a:latin typeface="Courier New" panose="02070309020205020404" pitchFamily="49" charset="0"/>
+              <a:cs typeface="Courier New" panose="02070309020205020404" pitchFamily="49" charset="0"/>
+            </a:endParaRPr>
           </a:p>
           <a:p>
             <a:r>
@@ -10382,6 +10403,771 @@
 </file>
 
 <file path=ppt/slides/slide8.xml><?xml version="1.0" encoding="utf-8"?>
+<p:sld xmlns:a="http://schemas.openxmlformats.org/drawingml/2006/main" xmlns:r="http://schemas.openxmlformats.org/officeDocument/2006/relationships" xmlns:p="http://schemas.openxmlformats.org/presentationml/2006/main">
+  <p:cSld>
+    <p:spTree>
+      <p:nvGrpSpPr>
+        <p:cNvPr id="1" name=""/>
+        <p:cNvGrpSpPr/>
+        <p:nvPr/>
+      </p:nvGrpSpPr>
+      <p:grpSpPr>
+        <a:xfrm>
+          <a:off x="0" y="0"/>
+          <a:ext cx="0" cy="0"/>
+          <a:chOff x="0" y="0"/>
+          <a:chExt cx="0" cy="0"/>
+        </a:xfrm>
+      </p:grpSpPr>
+      <p:sp>
+        <p:nvSpPr>
+          <p:cNvPr id="2" name="Título 1"/>
+          <p:cNvSpPr>
+            <a:spLocks noGrp="1"/>
+          </p:cNvSpPr>
+          <p:nvPr>
+            <p:ph type="title"/>
+          </p:nvPr>
+        </p:nvSpPr>
+        <p:spPr/>
+        <p:txBody>
+          <a:bodyPr/>
+          <a:lstStyle/>
+          <a:p>
+            <a:r>
+              <a:rPr lang="pt-BR" dirty="0" smtClean="0"/>
+              <a:t>Vitória e Pontuação</a:t>
+            </a:r>
+            <a:endParaRPr lang="pt-BR" dirty="0"/>
+          </a:p>
+        </p:txBody>
+      </p:sp>
+      <p:sp>
+        <p:nvSpPr>
+          <p:cNvPr id="5" name="Retângulo 4"/>
+          <p:cNvSpPr/>
+          <p:nvPr/>
+        </p:nvSpPr>
+        <p:spPr>
+          <a:xfrm>
+            <a:off x="5446340" y="476672"/>
+            <a:ext cx="6552728" cy="5940088"/>
+          </a:xfrm>
+          <a:prstGeom prst="rect">
+            <a:avLst/>
+          </a:prstGeom>
+        </p:spPr>
+        <p:txBody>
+          <a:bodyPr wrap="square">
+            <a:spAutoFit/>
+          </a:bodyPr>
+          <a:lstStyle/>
+          <a:p>
+            <a:r>
+              <a:rPr lang="pt-BR" sz="2000" b="1" dirty="0" err="1">
+                <a:solidFill>
+                  <a:schemeClr val="accent1"/>
+                </a:solidFill>
+                <a:latin typeface="Courier New" panose="02070309020205020404" pitchFamily="49" charset="0"/>
+                <a:cs typeface="Courier New" panose="02070309020205020404" pitchFamily="49" charset="0"/>
+              </a:rPr>
+              <a:t>function</a:t>
+            </a:r>
+            <a:r>
+              <a:rPr lang="pt-BR" sz="2000" dirty="0">
+                <a:solidFill>
+                  <a:schemeClr val="accent1"/>
+                </a:solidFill>
+                <a:latin typeface="Courier New" panose="02070309020205020404" pitchFamily="49" charset="0"/>
+                <a:cs typeface="Courier New" panose="02070309020205020404" pitchFamily="49" charset="0"/>
+              </a:rPr>
+              <a:t> </a:t>
+            </a:r>
+            <a:r>
+              <a:rPr lang="pt-BR" sz="2000" dirty="0" err="1">
+                <a:latin typeface="Courier New" panose="02070309020205020404" pitchFamily="49" charset="0"/>
+                <a:cs typeface="Courier New" panose="02070309020205020404" pitchFamily="49" charset="0"/>
+              </a:rPr>
+              <a:t>verifica_vitoria</a:t>
+            </a:r>
+            <a:r>
+              <a:rPr lang="pt-BR" sz="2000" dirty="0">
+                <a:latin typeface="Courier New" panose="02070309020205020404" pitchFamily="49" charset="0"/>
+                <a:cs typeface="Courier New" panose="02070309020205020404" pitchFamily="49" charset="0"/>
+              </a:rPr>
+              <a:t>()</a:t>
+            </a:r>
+          </a:p>
+          <a:p>
+            <a:r>
+              <a:rPr lang="pt-BR" sz="2000" dirty="0" smtClean="0">
+                <a:latin typeface="Courier New" panose="02070309020205020404" pitchFamily="49" charset="0"/>
+                <a:cs typeface="Courier New" panose="02070309020205020404" pitchFamily="49" charset="0"/>
+              </a:rPr>
+              <a:t>  </a:t>
+            </a:r>
+            <a:r>
+              <a:rPr lang="pt-BR" sz="2000" b="1" dirty="0" smtClean="0">
+                <a:solidFill>
+                  <a:schemeClr val="accent1"/>
+                </a:solidFill>
+                <a:latin typeface="Courier New" panose="02070309020205020404" pitchFamily="49" charset="0"/>
+                <a:cs typeface="Courier New" panose="02070309020205020404" pitchFamily="49" charset="0"/>
+              </a:rPr>
+              <a:t>for</a:t>
+            </a:r>
+            <a:r>
+              <a:rPr lang="pt-BR" sz="2000" dirty="0" smtClean="0">
+                <a:latin typeface="Courier New" panose="02070309020205020404" pitchFamily="49" charset="0"/>
+                <a:cs typeface="Courier New" panose="02070309020205020404" pitchFamily="49" charset="0"/>
+              </a:rPr>
+              <a:t> </a:t>
+            </a:r>
+            <a:r>
+              <a:rPr lang="pt-BR" sz="2000" dirty="0">
+                <a:latin typeface="Courier New" panose="02070309020205020404" pitchFamily="49" charset="0"/>
+                <a:cs typeface="Courier New" panose="02070309020205020404" pitchFamily="49" charset="0"/>
+              </a:rPr>
+              <a:t>i=1, </a:t>
+            </a:r>
+            <a:r>
+              <a:rPr lang="pt-BR" sz="2000" dirty="0" err="1">
+                <a:latin typeface="Courier New" panose="02070309020205020404" pitchFamily="49" charset="0"/>
+                <a:cs typeface="Courier New" panose="02070309020205020404" pitchFamily="49" charset="0"/>
+              </a:rPr>
+              <a:t>qnt_tiles</a:t>
+            </a:r>
+            <a:r>
+              <a:rPr lang="pt-BR" sz="2000" dirty="0">
+                <a:latin typeface="Courier New" panose="02070309020205020404" pitchFamily="49" charset="0"/>
+                <a:cs typeface="Courier New" panose="02070309020205020404" pitchFamily="49" charset="0"/>
+              </a:rPr>
+              <a:t> </a:t>
+            </a:r>
+            <a:r>
+              <a:rPr lang="pt-BR" sz="2000" b="1" dirty="0">
+                <a:solidFill>
+                  <a:schemeClr val="accent1"/>
+                </a:solidFill>
+                <a:latin typeface="Courier New" panose="02070309020205020404" pitchFamily="49" charset="0"/>
+                <a:cs typeface="Courier New" panose="02070309020205020404" pitchFamily="49" charset="0"/>
+              </a:rPr>
+              <a:t>do</a:t>
+            </a:r>
+          </a:p>
+          <a:p>
+            <a:r>
+              <a:rPr lang="pt-BR" sz="2000" dirty="0" smtClean="0">
+                <a:latin typeface="Courier New" panose="02070309020205020404" pitchFamily="49" charset="0"/>
+                <a:cs typeface="Courier New" panose="02070309020205020404" pitchFamily="49" charset="0"/>
+              </a:rPr>
+              <a:t>    </a:t>
+            </a:r>
+            <a:r>
+              <a:rPr lang="pt-BR" sz="2000" b="1" dirty="0" err="1" smtClean="0">
+                <a:solidFill>
+                  <a:schemeClr val="accent1"/>
+                </a:solidFill>
+                <a:latin typeface="Courier New" panose="02070309020205020404" pitchFamily="49" charset="0"/>
+                <a:cs typeface="Courier New" panose="02070309020205020404" pitchFamily="49" charset="0"/>
+              </a:rPr>
+              <a:t>if</a:t>
+            </a:r>
+            <a:r>
+              <a:rPr lang="pt-BR" sz="2000" dirty="0" smtClean="0">
+                <a:solidFill>
+                  <a:schemeClr val="accent1"/>
+                </a:solidFill>
+                <a:latin typeface="Courier New" panose="02070309020205020404" pitchFamily="49" charset="0"/>
+                <a:cs typeface="Courier New" panose="02070309020205020404" pitchFamily="49" charset="0"/>
+              </a:rPr>
+              <a:t> </a:t>
+            </a:r>
+            <a:r>
+              <a:rPr lang="pt-BR" sz="2000" dirty="0">
+                <a:latin typeface="Courier New" panose="02070309020205020404" pitchFamily="49" charset="0"/>
+                <a:cs typeface="Courier New" panose="02070309020205020404" pitchFamily="49" charset="0"/>
+              </a:rPr>
+              <a:t>tiles[i].index ~= i </a:t>
+            </a:r>
+            <a:r>
+              <a:rPr lang="pt-BR" sz="2000" b="1" dirty="0" err="1">
+                <a:solidFill>
+                  <a:schemeClr val="accent1"/>
+                </a:solidFill>
+                <a:latin typeface="Courier New" panose="02070309020205020404" pitchFamily="49" charset="0"/>
+                <a:cs typeface="Courier New" panose="02070309020205020404" pitchFamily="49" charset="0"/>
+              </a:rPr>
+              <a:t>then</a:t>
+            </a:r>
+            <a:endParaRPr lang="pt-BR" sz="2000" b="1" dirty="0">
+              <a:solidFill>
+                <a:schemeClr val="accent1"/>
+              </a:solidFill>
+              <a:latin typeface="Courier New" panose="02070309020205020404" pitchFamily="49" charset="0"/>
+              <a:cs typeface="Courier New" panose="02070309020205020404" pitchFamily="49" charset="0"/>
+            </a:endParaRPr>
+          </a:p>
+          <a:p>
+            <a:r>
+              <a:rPr lang="pt-BR" sz="2000" dirty="0" smtClean="0">
+                <a:latin typeface="Courier New" panose="02070309020205020404" pitchFamily="49" charset="0"/>
+                <a:cs typeface="Courier New" panose="02070309020205020404" pitchFamily="49" charset="0"/>
+              </a:rPr>
+              <a:t>      </a:t>
+            </a:r>
+            <a:r>
+              <a:rPr lang="pt-BR" sz="2000" b="1" dirty="0" err="1" smtClean="0">
+                <a:solidFill>
+                  <a:schemeClr val="accent1"/>
+                </a:solidFill>
+                <a:latin typeface="Courier New" panose="02070309020205020404" pitchFamily="49" charset="0"/>
+                <a:cs typeface="Courier New" panose="02070309020205020404" pitchFamily="49" charset="0"/>
+              </a:rPr>
+              <a:t>return</a:t>
+            </a:r>
+            <a:r>
+              <a:rPr lang="pt-BR" sz="2000" dirty="0" smtClean="0">
+                <a:solidFill>
+                  <a:schemeClr val="accent1"/>
+                </a:solidFill>
+                <a:latin typeface="Courier New" panose="02070309020205020404" pitchFamily="49" charset="0"/>
+                <a:cs typeface="Courier New" panose="02070309020205020404" pitchFamily="49" charset="0"/>
+              </a:rPr>
+              <a:t> </a:t>
+            </a:r>
+            <a:r>
+              <a:rPr lang="pt-BR" sz="2000" dirty="0">
+                <a:latin typeface="Courier New" panose="02070309020205020404" pitchFamily="49" charset="0"/>
+                <a:cs typeface="Courier New" panose="02070309020205020404" pitchFamily="49" charset="0"/>
+              </a:rPr>
+              <a:t>false</a:t>
+            </a:r>
+          </a:p>
+          <a:p>
+            <a:r>
+              <a:rPr lang="pt-BR" sz="2000" dirty="0">
+                <a:latin typeface="Courier New" panose="02070309020205020404" pitchFamily="49" charset="0"/>
+                <a:cs typeface="Courier New" panose="02070309020205020404" pitchFamily="49" charset="0"/>
+              </a:rPr>
+              <a:t>    </a:t>
+            </a:r>
+            <a:r>
+              <a:rPr lang="pt-BR" sz="2000" b="1" dirty="0" err="1" smtClean="0">
+                <a:solidFill>
+                  <a:schemeClr val="accent1"/>
+                </a:solidFill>
+                <a:latin typeface="Courier New" panose="02070309020205020404" pitchFamily="49" charset="0"/>
+                <a:cs typeface="Courier New" panose="02070309020205020404" pitchFamily="49" charset="0"/>
+              </a:rPr>
+              <a:t>end</a:t>
+            </a:r>
+            <a:endParaRPr lang="pt-BR" sz="2000" b="1" dirty="0">
+              <a:solidFill>
+                <a:schemeClr val="accent1"/>
+              </a:solidFill>
+              <a:latin typeface="Courier New" panose="02070309020205020404" pitchFamily="49" charset="0"/>
+              <a:cs typeface="Courier New" panose="02070309020205020404" pitchFamily="49" charset="0"/>
+            </a:endParaRPr>
+          </a:p>
+          <a:p>
+            <a:r>
+              <a:rPr lang="pt-BR" sz="2000" dirty="0">
+                <a:latin typeface="Courier New" panose="02070309020205020404" pitchFamily="49" charset="0"/>
+                <a:cs typeface="Courier New" panose="02070309020205020404" pitchFamily="49" charset="0"/>
+              </a:rPr>
+              <a:t>  </a:t>
+            </a:r>
+            <a:r>
+              <a:rPr lang="pt-BR" sz="2000" b="1" dirty="0" err="1" smtClean="0">
+                <a:solidFill>
+                  <a:schemeClr val="accent1"/>
+                </a:solidFill>
+                <a:latin typeface="Courier New" panose="02070309020205020404" pitchFamily="49" charset="0"/>
+                <a:cs typeface="Courier New" panose="02070309020205020404" pitchFamily="49" charset="0"/>
+              </a:rPr>
+              <a:t>end</a:t>
+            </a:r>
+            <a:endParaRPr lang="pt-BR" sz="2000" b="1" dirty="0">
+              <a:solidFill>
+                <a:schemeClr val="accent1"/>
+              </a:solidFill>
+              <a:latin typeface="Courier New" panose="02070309020205020404" pitchFamily="49" charset="0"/>
+              <a:cs typeface="Courier New" panose="02070309020205020404" pitchFamily="49" charset="0"/>
+            </a:endParaRPr>
+          </a:p>
+          <a:p>
+            <a:r>
+              <a:rPr lang="pt-BR" sz="2000" dirty="0" smtClean="0">
+                <a:latin typeface="Courier New" panose="02070309020205020404" pitchFamily="49" charset="0"/>
+                <a:cs typeface="Courier New" panose="02070309020205020404" pitchFamily="49" charset="0"/>
+              </a:rPr>
+              <a:t>  </a:t>
+            </a:r>
+            <a:r>
+              <a:rPr lang="pt-BR" sz="2000" b="1" dirty="0" err="1" smtClean="0">
+                <a:solidFill>
+                  <a:schemeClr val="accent1"/>
+                </a:solidFill>
+                <a:latin typeface="Courier New" panose="02070309020205020404" pitchFamily="49" charset="0"/>
+                <a:cs typeface="Courier New" panose="02070309020205020404" pitchFamily="49" charset="0"/>
+              </a:rPr>
+              <a:t>return</a:t>
+            </a:r>
+            <a:r>
+              <a:rPr lang="pt-BR" sz="2000" dirty="0" smtClean="0">
+                <a:solidFill>
+                  <a:schemeClr val="accent1"/>
+                </a:solidFill>
+                <a:latin typeface="Courier New" panose="02070309020205020404" pitchFamily="49" charset="0"/>
+                <a:cs typeface="Courier New" panose="02070309020205020404" pitchFamily="49" charset="0"/>
+              </a:rPr>
+              <a:t> </a:t>
+            </a:r>
+            <a:r>
+              <a:rPr lang="pt-BR" sz="2000" dirty="0" err="1">
+                <a:latin typeface="Courier New" panose="02070309020205020404" pitchFamily="49" charset="0"/>
+                <a:cs typeface="Courier New" panose="02070309020205020404" pitchFamily="49" charset="0"/>
+              </a:rPr>
+              <a:t>true</a:t>
+            </a:r>
+            <a:endParaRPr lang="pt-BR" sz="2000" dirty="0">
+              <a:latin typeface="Courier New" panose="02070309020205020404" pitchFamily="49" charset="0"/>
+              <a:cs typeface="Courier New" panose="02070309020205020404" pitchFamily="49" charset="0"/>
+            </a:endParaRPr>
+          </a:p>
+          <a:p>
+            <a:r>
+              <a:rPr lang="pt-BR" sz="2000" b="1" dirty="0" err="1" smtClean="0">
+                <a:solidFill>
+                  <a:schemeClr val="accent1"/>
+                </a:solidFill>
+                <a:latin typeface="Courier New" panose="02070309020205020404" pitchFamily="49" charset="0"/>
+                <a:cs typeface="Courier New" panose="02070309020205020404" pitchFamily="49" charset="0"/>
+              </a:rPr>
+              <a:t>end</a:t>
+            </a:r>
+            <a:endParaRPr lang="pt-BR" sz="2000" b="1" dirty="0" smtClean="0">
+              <a:solidFill>
+                <a:schemeClr val="accent1"/>
+              </a:solidFill>
+              <a:latin typeface="Courier New" panose="02070309020205020404" pitchFamily="49" charset="0"/>
+              <a:cs typeface="Courier New" panose="02070309020205020404" pitchFamily="49" charset="0"/>
+            </a:endParaRPr>
+          </a:p>
+          <a:p>
+            <a:endParaRPr lang="pt-BR" sz="2000" dirty="0" smtClean="0">
+              <a:latin typeface="Courier New" panose="02070309020205020404" pitchFamily="49" charset="0"/>
+              <a:cs typeface="Courier New" panose="02070309020205020404" pitchFamily="49" charset="0"/>
+            </a:endParaRPr>
+          </a:p>
+          <a:p>
+            <a:r>
+              <a:rPr lang="pt-BR" sz="2000" b="1" dirty="0" err="1">
+                <a:solidFill>
+                  <a:schemeClr val="accent1"/>
+                </a:solidFill>
+                <a:latin typeface="Courier New" panose="02070309020205020404" pitchFamily="49" charset="0"/>
+                <a:cs typeface="Courier New" panose="02070309020205020404" pitchFamily="49" charset="0"/>
+              </a:rPr>
+              <a:t>function</a:t>
+            </a:r>
+            <a:r>
+              <a:rPr lang="pt-BR" sz="2000" dirty="0">
+                <a:solidFill>
+                  <a:schemeClr val="accent1"/>
+                </a:solidFill>
+                <a:latin typeface="Courier New" panose="02070309020205020404" pitchFamily="49" charset="0"/>
+                <a:cs typeface="Courier New" panose="02070309020205020404" pitchFamily="49" charset="0"/>
+              </a:rPr>
+              <a:t> </a:t>
+            </a:r>
+            <a:r>
+              <a:rPr lang="pt-BR" sz="2000" dirty="0" err="1" smtClean="0">
+                <a:latin typeface="Courier New" panose="02070309020205020404" pitchFamily="49" charset="0"/>
+                <a:cs typeface="Courier New" panose="02070309020205020404" pitchFamily="49" charset="0"/>
+              </a:rPr>
+              <a:t>love.mousepressed</a:t>
+            </a:r>
+            <a:r>
+              <a:rPr lang="pt-BR" sz="2000" dirty="0" smtClean="0">
+                <a:latin typeface="Courier New" panose="02070309020205020404" pitchFamily="49" charset="0"/>
+                <a:cs typeface="Courier New" panose="02070309020205020404" pitchFamily="49" charset="0"/>
+              </a:rPr>
+              <a:t>(</a:t>
+            </a:r>
+            <a:r>
+              <a:rPr lang="pt-BR" sz="2000" dirty="0" err="1" smtClean="0">
+                <a:latin typeface="Courier New" panose="02070309020205020404" pitchFamily="49" charset="0"/>
+                <a:cs typeface="Courier New" panose="02070309020205020404" pitchFamily="49" charset="0"/>
+              </a:rPr>
+              <a:t>x,y,bt</a:t>
+            </a:r>
+            <a:r>
+              <a:rPr lang="pt-BR" sz="2000" dirty="0" smtClean="0">
+                <a:latin typeface="Courier New" panose="02070309020205020404" pitchFamily="49" charset="0"/>
+                <a:cs typeface="Courier New" panose="02070309020205020404" pitchFamily="49" charset="0"/>
+              </a:rPr>
+              <a:t>)</a:t>
+            </a:r>
+            <a:endParaRPr lang="pt-BR" sz="2000" dirty="0">
+              <a:latin typeface="Courier New" panose="02070309020205020404" pitchFamily="49" charset="0"/>
+              <a:cs typeface="Courier New" panose="02070309020205020404" pitchFamily="49" charset="0"/>
+            </a:endParaRPr>
+          </a:p>
+          <a:p>
+            <a:r>
+              <a:rPr lang="pt-BR" sz="2000" dirty="0" smtClean="0">
+                <a:latin typeface="Courier New" panose="02070309020205020404" pitchFamily="49" charset="0"/>
+                <a:cs typeface="Courier New" panose="02070309020205020404" pitchFamily="49" charset="0"/>
+              </a:rPr>
+              <a:t>  </a:t>
+            </a:r>
+            <a:r>
+              <a:rPr lang="pt-BR" sz="2000" b="1" dirty="0" err="1" smtClean="0">
+                <a:solidFill>
+                  <a:schemeClr val="accent1"/>
+                </a:solidFill>
+                <a:latin typeface="Courier New" panose="02070309020205020404" pitchFamily="49" charset="0"/>
+                <a:cs typeface="Courier New" panose="02070309020205020404" pitchFamily="49" charset="0"/>
+              </a:rPr>
+              <a:t>if</a:t>
+            </a:r>
+            <a:r>
+              <a:rPr lang="pt-BR" sz="2000" dirty="0" smtClean="0">
+                <a:solidFill>
+                  <a:schemeClr val="accent1"/>
+                </a:solidFill>
+                <a:latin typeface="Courier New" panose="02070309020205020404" pitchFamily="49" charset="0"/>
+                <a:cs typeface="Courier New" panose="02070309020205020404" pitchFamily="49" charset="0"/>
+              </a:rPr>
+              <a:t> </a:t>
+            </a:r>
+            <a:r>
+              <a:rPr lang="pt-BR" sz="2000" dirty="0" err="1">
+                <a:latin typeface="Courier New" panose="02070309020205020404" pitchFamily="49" charset="0"/>
+                <a:cs typeface="Courier New" panose="02070309020205020404" pitchFamily="49" charset="0"/>
+              </a:rPr>
+              <a:t>verifica_vitoria</a:t>
+            </a:r>
+            <a:r>
+              <a:rPr lang="pt-BR" sz="2000" dirty="0">
+                <a:latin typeface="Courier New" panose="02070309020205020404" pitchFamily="49" charset="0"/>
+                <a:cs typeface="Courier New" panose="02070309020205020404" pitchFamily="49" charset="0"/>
+              </a:rPr>
+              <a:t>() </a:t>
+            </a:r>
+            <a:r>
+              <a:rPr lang="pt-BR" sz="2000" b="1" dirty="0" err="1">
+                <a:solidFill>
+                  <a:schemeClr val="accent1"/>
+                </a:solidFill>
+                <a:latin typeface="Courier New" panose="02070309020205020404" pitchFamily="49" charset="0"/>
+                <a:cs typeface="Courier New" panose="02070309020205020404" pitchFamily="49" charset="0"/>
+              </a:rPr>
+              <a:t>then</a:t>
+            </a:r>
+            <a:endParaRPr lang="pt-BR" sz="2000" b="1" dirty="0">
+              <a:solidFill>
+                <a:schemeClr val="accent1"/>
+              </a:solidFill>
+              <a:latin typeface="Courier New" panose="02070309020205020404" pitchFamily="49" charset="0"/>
+              <a:cs typeface="Courier New" panose="02070309020205020404" pitchFamily="49" charset="0"/>
+            </a:endParaRPr>
+          </a:p>
+          <a:p>
+            <a:r>
+              <a:rPr lang="pt-BR" sz="2000" dirty="0" smtClean="0">
+                <a:latin typeface="Courier New" panose="02070309020205020404" pitchFamily="49" charset="0"/>
+                <a:cs typeface="Courier New" panose="02070309020205020404" pitchFamily="49" charset="0"/>
+              </a:rPr>
+              <a:t>    resolvendo </a:t>
+            </a:r>
+            <a:r>
+              <a:rPr lang="pt-BR" sz="2000" dirty="0">
+                <a:latin typeface="Courier New" panose="02070309020205020404" pitchFamily="49" charset="0"/>
+                <a:cs typeface="Courier New" panose="02070309020205020404" pitchFamily="49" charset="0"/>
+              </a:rPr>
+              <a:t>= false</a:t>
+            </a:r>
+          </a:p>
+          <a:p>
+            <a:r>
+              <a:rPr lang="pt-BR" sz="2000" dirty="0" smtClean="0">
+                <a:latin typeface="Courier New" panose="02070309020205020404" pitchFamily="49" charset="0"/>
+                <a:cs typeface="Courier New" panose="02070309020205020404" pitchFamily="49" charset="0"/>
+              </a:rPr>
+              <a:t>    </a:t>
+            </a:r>
+            <a:r>
+              <a:rPr lang="pt-BR" sz="2000" dirty="0" err="1" smtClean="0">
+                <a:latin typeface="Courier New" panose="02070309020205020404" pitchFamily="49" charset="0"/>
+                <a:cs typeface="Courier New" panose="02070309020205020404" pitchFamily="49" charset="0"/>
+              </a:rPr>
+              <a:t>tFim</a:t>
+            </a:r>
+            <a:r>
+              <a:rPr lang="pt-BR" sz="2000" dirty="0" smtClean="0">
+                <a:latin typeface="Courier New" panose="02070309020205020404" pitchFamily="49" charset="0"/>
+                <a:cs typeface="Courier New" panose="02070309020205020404" pitchFamily="49" charset="0"/>
+              </a:rPr>
+              <a:t> </a:t>
+            </a:r>
+            <a:r>
+              <a:rPr lang="pt-BR" sz="2000" dirty="0">
+                <a:latin typeface="Courier New" panose="02070309020205020404" pitchFamily="49" charset="0"/>
+                <a:cs typeface="Courier New" panose="02070309020205020404" pitchFamily="49" charset="0"/>
+              </a:rPr>
+              <a:t>= </a:t>
+            </a:r>
+            <a:r>
+              <a:rPr lang="pt-BR" sz="2000" dirty="0" err="1">
+                <a:latin typeface="Courier New" panose="02070309020205020404" pitchFamily="49" charset="0"/>
+                <a:cs typeface="Courier New" panose="02070309020205020404" pitchFamily="49" charset="0"/>
+              </a:rPr>
+              <a:t>love.timer.getTime</a:t>
+            </a:r>
+            <a:r>
+              <a:rPr lang="pt-BR" sz="2000" dirty="0">
+                <a:latin typeface="Courier New" panose="02070309020205020404" pitchFamily="49" charset="0"/>
+                <a:cs typeface="Courier New" panose="02070309020205020404" pitchFamily="49" charset="0"/>
+              </a:rPr>
+              <a:t>()</a:t>
+            </a:r>
+          </a:p>
+          <a:p>
+            <a:r>
+              <a:rPr lang="pt-BR" sz="2000" dirty="0" smtClean="0">
+                <a:latin typeface="Courier New" panose="02070309020205020404" pitchFamily="49" charset="0"/>
+                <a:cs typeface="Courier New" panose="02070309020205020404" pitchFamily="49" charset="0"/>
+              </a:rPr>
+              <a:t>    </a:t>
+            </a:r>
+            <a:r>
+              <a:rPr lang="pt-BR" sz="2000" dirty="0" err="1" smtClean="0">
+                <a:latin typeface="Courier New" panose="02070309020205020404" pitchFamily="49" charset="0"/>
+                <a:cs typeface="Courier New" panose="02070309020205020404" pitchFamily="49" charset="0"/>
+              </a:rPr>
+              <a:t>duracao</a:t>
+            </a:r>
+            <a:r>
+              <a:rPr lang="pt-BR" sz="2000" dirty="0" smtClean="0">
+                <a:latin typeface="Courier New" panose="02070309020205020404" pitchFamily="49" charset="0"/>
+                <a:cs typeface="Courier New" panose="02070309020205020404" pitchFamily="49" charset="0"/>
+              </a:rPr>
+              <a:t> </a:t>
+            </a:r>
+            <a:r>
+              <a:rPr lang="pt-BR" sz="2000" dirty="0">
+                <a:latin typeface="Courier New" panose="02070309020205020404" pitchFamily="49" charset="0"/>
+                <a:cs typeface="Courier New" panose="02070309020205020404" pitchFamily="49" charset="0"/>
+              </a:rPr>
+              <a:t>= </a:t>
+            </a:r>
+            <a:r>
+              <a:rPr lang="pt-BR" sz="2000" dirty="0" err="1">
+                <a:latin typeface="Courier New" panose="02070309020205020404" pitchFamily="49" charset="0"/>
+                <a:cs typeface="Courier New" panose="02070309020205020404" pitchFamily="49" charset="0"/>
+              </a:rPr>
+              <a:t>tFim</a:t>
+            </a:r>
+            <a:r>
+              <a:rPr lang="pt-BR" sz="2000" dirty="0">
+                <a:latin typeface="Courier New" panose="02070309020205020404" pitchFamily="49" charset="0"/>
+                <a:cs typeface="Courier New" panose="02070309020205020404" pitchFamily="49" charset="0"/>
+              </a:rPr>
+              <a:t> - </a:t>
+            </a:r>
+            <a:r>
+              <a:rPr lang="pt-BR" sz="2000" dirty="0" err="1">
+                <a:latin typeface="Courier New" panose="02070309020205020404" pitchFamily="49" charset="0"/>
+                <a:cs typeface="Courier New" panose="02070309020205020404" pitchFamily="49" charset="0"/>
+              </a:rPr>
+              <a:t>tInicio</a:t>
+            </a:r>
+            <a:endParaRPr lang="pt-BR" sz="2000" dirty="0">
+              <a:latin typeface="Courier New" panose="02070309020205020404" pitchFamily="49" charset="0"/>
+              <a:cs typeface="Courier New" panose="02070309020205020404" pitchFamily="49" charset="0"/>
+            </a:endParaRPr>
+          </a:p>
+          <a:p>
+            <a:r>
+              <a:rPr lang="pt-BR" sz="2000" dirty="0" smtClean="0">
+                <a:latin typeface="Courier New" panose="02070309020205020404" pitchFamily="49" charset="0"/>
+                <a:cs typeface="Courier New" panose="02070309020205020404" pitchFamily="49" charset="0"/>
+              </a:rPr>
+              <a:t>    </a:t>
+            </a:r>
+            <a:r>
+              <a:rPr lang="pt-BR" sz="2000" dirty="0" err="1" smtClean="0">
+                <a:latin typeface="Courier New" panose="02070309020205020404" pitchFamily="49" charset="0"/>
+                <a:cs typeface="Courier New" panose="02070309020205020404" pitchFamily="49" charset="0"/>
+              </a:rPr>
+              <a:t>pontuacao</a:t>
+            </a:r>
+            <a:r>
+              <a:rPr lang="pt-BR" sz="2000" dirty="0" smtClean="0">
+                <a:latin typeface="Courier New" panose="02070309020205020404" pitchFamily="49" charset="0"/>
+                <a:cs typeface="Courier New" panose="02070309020205020404" pitchFamily="49" charset="0"/>
+              </a:rPr>
+              <a:t> </a:t>
+            </a:r>
+            <a:r>
+              <a:rPr lang="pt-BR" sz="2000" dirty="0">
+                <a:latin typeface="Courier New" panose="02070309020205020404" pitchFamily="49" charset="0"/>
+                <a:cs typeface="Courier New" panose="02070309020205020404" pitchFamily="49" charset="0"/>
+              </a:rPr>
+              <a:t>= </a:t>
+            </a:r>
+            <a:r>
+              <a:rPr lang="pt-BR" sz="2000" dirty="0" err="1" smtClean="0">
+                <a:latin typeface="Courier New" panose="02070309020205020404" pitchFamily="49" charset="0"/>
+                <a:cs typeface="Courier New" panose="02070309020205020404" pitchFamily="49" charset="0"/>
+              </a:rPr>
+              <a:t>math.ceil</a:t>
+            </a:r>
+            <a:r>
+              <a:rPr lang="pt-BR" sz="2000" dirty="0" smtClean="0">
+                <a:latin typeface="Courier New" panose="02070309020205020404" pitchFamily="49" charset="0"/>
+                <a:cs typeface="Courier New" panose="02070309020205020404" pitchFamily="49" charset="0"/>
+              </a:rPr>
+              <a:t>(200</a:t>
+            </a:r>
+          </a:p>
+          <a:p>
+            <a:r>
+              <a:rPr lang="pt-BR" sz="2000" dirty="0" smtClean="0">
+                <a:latin typeface="Courier New" panose="02070309020205020404" pitchFamily="49" charset="0"/>
+                <a:cs typeface="Courier New" panose="02070309020205020404" pitchFamily="49" charset="0"/>
+              </a:rPr>
+              <a:t>    * </a:t>
+            </a:r>
+            <a:r>
+              <a:rPr lang="pt-BR" sz="2000" dirty="0">
+                <a:latin typeface="Courier New" panose="02070309020205020404" pitchFamily="49" charset="0"/>
+                <a:cs typeface="Courier New" panose="02070309020205020404" pitchFamily="49" charset="0"/>
+              </a:rPr>
+              <a:t>dificuldade - movimentos - </a:t>
+            </a:r>
+            <a:r>
+              <a:rPr lang="pt-BR" sz="2000" dirty="0" err="1" smtClean="0">
+                <a:latin typeface="Courier New" panose="02070309020205020404" pitchFamily="49" charset="0"/>
+                <a:cs typeface="Courier New" panose="02070309020205020404" pitchFamily="49" charset="0"/>
+              </a:rPr>
+              <a:t>duracao</a:t>
+            </a:r>
+            <a:r>
+              <a:rPr lang="pt-BR" sz="2000" dirty="0" smtClean="0">
+                <a:latin typeface="Courier New" panose="02070309020205020404" pitchFamily="49" charset="0"/>
+                <a:cs typeface="Courier New" panose="02070309020205020404" pitchFamily="49" charset="0"/>
+              </a:rPr>
+              <a:t>)</a:t>
+            </a:r>
+            <a:endParaRPr lang="pt-BR" sz="2000" dirty="0">
+              <a:latin typeface="Courier New" panose="02070309020205020404" pitchFamily="49" charset="0"/>
+              <a:cs typeface="Courier New" panose="02070309020205020404" pitchFamily="49" charset="0"/>
+            </a:endParaRPr>
+          </a:p>
+          <a:p>
+            <a:r>
+              <a:rPr lang="pt-BR" sz="2000" dirty="0" smtClean="0">
+                <a:latin typeface="Courier New" panose="02070309020205020404" pitchFamily="49" charset="0"/>
+                <a:cs typeface="Courier New" panose="02070309020205020404" pitchFamily="49" charset="0"/>
+              </a:rPr>
+              <a:t>    terminado </a:t>
+            </a:r>
+            <a:r>
+              <a:rPr lang="pt-BR" sz="2000" dirty="0">
+                <a:latin typeface="Courier New" panose="02070309020205020404" pitchFamily="49" charset="0"/>
+                <a:cs typeface="Courier New" panose="02070309020205020404" pitchFamily="49" charset="0"/>
+              </a:rPr>
+              <a:t>= </a:t>
+            </a:r>
+            <a:r>
+              <a:rPr lang="pt-BR" sz="2000" dirty="0" err="1">
+                <a:latin typeface="Courier New" panose="02070309020205020404" pitchFamily="49" charset="0"/>
+                <a:cs typeface="Courier New" panose="02070309020205020404" pitchFamily="49" charset="0"/>
+              </a:rPr>
+              <a:t>true</a:t>
+            </a:r>
+            <a:endParaRPr lang="pt-BR" sz="2000" dirty="0">
+              <a:latin typeface="Courier New" panose="02070309020205020404" pitchFamily="49" charset="0"/>
+              <a:cs typeface="Courier New" panose="02070309020205020404" pitchFamily="49" charset="0"/>
+            </a:endParaRPr>
+          </a:p>
+          <a:p>
+            <a:r>
+              <a:rPr lang="pt-BR" sz="2000" dirty="0" smtClean="0">
+                <a:latin typeface="Courier New" panose="02070309020205020404" pitchFamily="49" charset="0"/>
+                <a:cs typeface="Courier New" panose="02070309020205020404" pitchFamily="49" charset="0"/>
+              </a:rPr>
+              <a:t>  </a:t>
+            </a:r>
+            <a:r>
+              <a:rPr lang="pt-BR" sz="2000" b="1" dirty="0" err="1" smtClean="0">
+                <a:solidFill>
+                  <a:schemeClr val="accent1"/>
+                </a:solidFill>
+                <a:latin typeface="Courier New" panose="02070309020205020404" pitchFamily="49" charset="0"/>
+                <a:cs typeface="Courier New" panose="02070309020205020404" pitchFamily="49" charset="0"/>
+              </a:rPr>
+              <a:t>end</a:t>
+            </a:r>
+            <a:endParaRPr lang="pt-BR" sz="2000" b="1" dirty="0" smtClean="0">
+              <a:solidFill>
+                <a:schemeClr val="accent1"/>
+              </a:solidFill>
+              <a:latin typeface="Courier New" panose="02070309020205020404" pitchFamily="49" charset="0"/>
+              <a:cs typeface="Courier New" panose="02070309020205020404" pitchFamily="49" charset="0"/>
+            </a:endParaRPr>
+          </a:p>
+          <a:p>
+            <a:r>
+              <a:rPr lang="pt-BR" sz="2000" b="1" dirty="0" err="1" smtClean="0">
+                <a:solidFill>
+                  <a:schemeClr val="accent1"/>
+                </a:solidFill>
+                <a:latin typeface="Courier New" panose="02070309020205020404" pitchFamily="49" charset="0"/>
+                <a:cs typeface="Courier New" panose="02070309020205020404" pitchFamily="49" charset="0"/>
+              </a:rPr>
+              <a:t>end</a:t>
+            </a:r>
+            <a:endParaRPr lang="pt-BR" sz="2000" b="1" dirty="0">
+              <a:solidFill>
+                <a:schemeClr val="accent1"/>
+              </a:solidFill>
+              <a:latin typeface="Courier New" panose="02070309020205020404" pitchFamily="49" charset="0"/>
+              <a:cs typeface="Courier New" panose="02070309020205020404" pitchFamily="49" charset="0"/>
+            </a:endParaRPr>
+          </a:p>
+        </p:txBody>
+      </p:sp>
+    </p:spTree>
+    <p:extLst>
+      <p:ext uri="{BB962C8B-B14F-4D97-AF65-F5344CB8AC3E}">
+        <p14:creationId xmlns:p14="http://schemas.microsoft.com/office/powerpoint/2010/main" val="326499891"/>
+      </p:ext>
+    </p:extLst>
+  </p:cSld>
+  <p:clrMapOvr>
+    <a:masterClrMapping/>
+  </p:clrMapOvr>
+  <mc:AlternateContent xmlns:mc="http://schemas.openxmlformats.org/markup-compatibility/2006" xmlns:p14="http://schemas.microsoft.com/office/powerpoint/2010/main">
+    <mc:Choice Requires="p14">
+      <p:transition spd="med" p14:dur="700">
+        <p:fade/>
+      </p:transition>
+    </mc:Choice>
+    <mc:Fallback xmlns="">
+      <p:transition spd="med">
+        <p:fade/>
+      </p:transition>
+    </mc:Fallback>
+  </mc:AlternateContent>
+</p:sld>
+</file>
+
+<file path=ppt/slides/slide9.xml><?xml version="1.0" encoding="utf-8"?>
 <p:sld xmlns:a="http://schemas.openxmlformats.org/drawingml/2006/main" xmlns:r="http://schemas.openxmlformats.org/officeDocument/2006/relationships" xmlns:p="http://schemas.openxmlformats.org/presentationml/2006/main">
   <p:cSld>
     <p:spTree>
@@ -12630,6 +13416,15 @@
 </file>
 
 <file path=customXml/item2.xml><?xml version="1.0" encoding="utf-8"?>
+<?mso-contentType ?>
+<FormTemplates xmlns="http://schemas.microsoft.com/sharepoint/v3/contenttype/forms">
+  <Display>DocumentLibraryForm</Display>
+  <Edit>AssetEditForm</Edit>
+  <New>DocumentLibraryForm</New>
+</FormTemplates>
+</file>
+
+<file path=customXml/item3.xml><?xml version="1.0" encoding="utf-8"?>
 <p:properties xmlns:p="http://schemas.microsoft.com/office/2006/metadata/properties" xmlns:xsi="http://www.w3.org/2001/XMLSchema-instance" xmlns:pc="http://schemas.microsoft.com/office/infopath/2007/PartnerControls">
   <documentManagement>
     <LocPublishedLinkedAssetsLookup xmlns="4873beb7-5857-4685-be1f-d57550cc96cc" xsi:nil="true"/>
@@ -12765,15 +13560,6 @@
 </p:properties>
 </file>
 
-<file path=customXml/item3.xml><?xml version="1.0" encoding="utf-8"?>
-<?mso-contentType ?>
-<FormTemplates xmlns="http://schemas.microsoft.com/sharepoint/v3/contenttype/forms">
-  <Display>DocumentLibraryForm</Display>
-  <Edit>AssetEditForm</Edit>
-  <New>DocumentLibraryForm</New>
-</FormTemplates>
-</file>
-
 <file path=customXml/itemProps1.xml><?xml version="1.0" encoding="utf-8"?>
 <ds:datastoreItem xmlns:ds="http://schemas.openxmlformats.org/officeDocument/2006/customXml" ds:itemID="{A09BF4D4-EF60-4196-BFC3-9462D607978C}">
   <ds:schemaRefs>
@@ -12793,6 +13579,14 @@
 </file>
 
 <file path=customXml/itemProps2.xml><?xml version="1.0" encoding="utf-8"?>
+<ds:datastoreItem xmlns:ds="http://schemas.openxmlformats.org/officeDocument/2006/customXml" ds:itemID="{3836F65B-1B07-41EE-A0E8-BC6EF3855225}">
+  <ds:schemaRefs>
+    <ds:schemaRef ds:uri="http://schemas.microsoft.com/sharepoint/v3/contenttype/forms"/>
+  </ds:schemaRefs>
+</ds:datastoreItem>
+</file>
+
+<file path=customXml/itemProps3.xml><?xml version="1.0" encoding="utf-8"?>
 <ds:datastoreItem xmlns:ds="http://schemas.openxmlformats.org/officeDocument/2006/customXml" ds:itemID="{60C67BEE-D13F-4BD2-98A5-34D8A0977F68}">
   <ds:schemaRefs>
     <ds:schemaRef ds:uri="4873beb7-5857-4685-be1f-d57550cc96cc"/>
@@ -12806,12 +13600,4 @@
     <ds:schemaRef ds:uri="http://purl.org/dc/dcmitype/"/>
   </ds:schemaRefs>
 </ds:datastoreItem>
-</file>
-
-<file path=customXml/itemProps3.xml><?xml version="1.0" encoding="utf-8"?>
-<ds:datastoreItem xmlns:ds="http://schemas.openxmlformats.org/officeDocument/2006/customXml" ds:itemID="{3836F65B-1B07-41EE-A0E8-BC6EF3855225}">
-  <ds:schemaRefs>
-    <ds:schemaRef ds:uri="http://schemas.microsoft.com/sharepoint/v3/contenttype/forms"/>
-  </ds:schemaRefs>
-</ds:datastoreItem>
 </file>
--- a/Apresentação/Deslize.pptx
+++ b/Apresentação/Deslize.pptx
@@ -149,6 +149,3040 @@
     </p:ext>
   </p:extLst>
 </p:presentation>
+</file>
+
+<file path=ppt/diagrams/colors1.xml><?xml version="1.0" encoding="utf-8"?>
+<dgm:colorsDef xmlns:dgm="http://schemas.openxmlformats.org/drawingml/2006/diagram" xmlns:a="http://schemas.openxmlformats.org/drawingml/2006/main" uniqueId="urn:microsoft.com/office/officeart/2005/8/colors/accent6_5">
+  <dgm:title val=""/>
+  <dgm:desc val=""/>
+  <dgm:catLst>
+    <dgm:cat type="accent6" pri="11500"/>
+  </dgm:catLst>
+  <dgm:styleLbl name="node0">
+    <dgm:fillClrLst meth="cycle">
+      <a:schemeClr val="accent6">
+        <a:alpha val="80000"/>
+      </a:schemeClr>
+    </dgm:fillClrLst>
+    <dgm:linClrLst meth="repeat">
+      <a:schemeClr val="lt1"/>
+    </dgm:linClrLst>
+    <dgm:effectClrLst/>
+    <dgm:txLinClrLst/>
+    <dgm:txFillClrLst/>
+    <dgm:txEffectClrLst/>
+  </dgm:styleLbl>
+  <dgm:styleLbl name="alignNode1">
+    <dgm:fillClrLst>
+      <a:schemeClr val="accent6">
+        <a:alpha val="90000"/>
+      </a:schemeClr>
+      <a:schemeClr val="accent6">
+        <a:alpha val="50000"/>
+      </a:schemeClr>
+    </dgm:fillClrLst>
+    <dgm:linClrLst>
+      <a:schemeClr val="accent6">
+        <a:alpha val="90000"/>
+      </a:schemeClr>
+      <a:schemeClr val="accent6">
+        <a:alpha val="50000"/>
+      </a:schemeClr>
+    </dgm:linClrLst>
+    <dgm:effectClrLst/>
+    <dgm:txLinClrLst/>
+    <dgm:txFillClrLst/>
+    <dgm:txEffectClrLst/>
+  </dgm:styleLbl>
+  <dgm:styleLbl name="node1">
+    <dgm:fillClrLst>
+      <a:schemeClr val="accent6">
+        <a:alpha val="90000"/>
+      </a:schemeClr>
+      <a:schemeClr val="accent6">
+        <a:alpha val="50000"/>
+      </a:schemeClr>
+    </dgm:fillClrLst>
+    <dgm:linClrLst meth="repeat">
+      <a:schemeClr val="lt1"/>
+    </dgm:linClrLst>
+    <dgm:effectClrLst/>
+    <dgm:txLinClrLst/>
+    <dgm:txFillClrLst/>
+    <dgm:txEffectClrLst/>
+  </dgm:styleLbl>
+  <dgm:styleLbl name="lnNode1">
+    <dgm:fillClrLst>
+      <a:schemeClr val="accent6">
+        <a:shade val="90000"/>
+      </a:schemeClr>
+      <a:schemeClr val="accent6">
+        <a:tint val="50000"/>
+        <a:alpha val="50000"/>
+      </a:schemeClr>
+    </dgm:fillClrLst>
+    <dgm:linClrLst meth="repeat">
+      <a:schemeClr val="lt1"/>
+    </dgm:linClrLst>
+    <dgm:effectClrLst/>
+    <dgm:txLinClrLst/>
+    <dgm:txFillClrLst/>
+    <dgm:txEffectClrLst/>
+  </dgm:styleLbl>
+  <dgm:styleLbl name="vennNode1">
+    <dgm:fillClrLst>
+      <a:schemeClr val="accent6">
+        <a:shade val="80000"/>
+        <a:alpha val="50000"/>
+      </a:schemeClr>
+      <a:schemeClr val="accent6">
+        <a:alpha val="80000"/>
+      </a:schemeClr>
+    </dgm:fillClrLst>
+    <dgm:linClrLst meth="repeat">
+      <a:schemeClr val="lt1"/>
+    </dgm:linClrLst>
+    <dgm:effectClrLst/>
+    <dgm:txLinClrLst/>
+    <dgm:txFillClrLst/>
+    <dgm:txEffectClrLst/>
+  </dgm:styleLbl>
+  <dgm:styleLbl name="node2">
+    <dgm:fillClrLst>
+      <a:schemeClr val="accent6">
+        <a:alpha val="70000"/>
+      </a:schemeClr>
+    </dgm:fillClrLst>
+    <dgm:linClrLst meth="repeat">
+      <a:schemeClr val="lt1"/>
+    </dgm:linClrLst>
+    <dgm:effectClrLst/>
+    <dgm:txLinClrLst/>
+    <dgm:txFillClrLst/>
+    <dgm:txEffectClrLst/>
+  </dgm:styleLbl>
+  <dgm:styleLbl name="node3">
+    <dgm:fillClrLst>
+      <a:schemeClr val="accent6">
+        <a:alpha val="50000"/>
+      </a:schemeClr>
+    </dgm:fillClrLst>
+    <dgm:linClrLst meth="repeat">
+      <a:schemeClr val="lt1"/>
+    </dgm:linClrLst>
+    <dgm:effectClrLst/>
+    <dgm:txLinClrLst/>
+    <dgm:txFillClrLst/>
+    <dgm:txEffectClrLst/>
+  </dgm:styleLbl>
+  <dgm:styleLbl name="node4">
+    <dgm:fillClrLst>
+      <a:schemeClr val="accent6">
+        <a:alpha val="30000"/>
+      </a:schemeClr>
+    </dgm:fillClrLst>
+    <dgm:linClrLst meth="repeat">
+      <a:schemeClr val="lt1"/>
+    </dgm:linClrLst>
+    <dgm:effectClrLst/>
+    <dgm:txLinClrLst/>
+    <dgm:txFillClrLst/>
+    <dgm:txEffectClrLst/>
+  </dgm:styleLbl>
+  <dgm:styleLbl name="fgImgPlace1">
+    <dgm:fillClrLst>
+      <a:schemeClr val="accent6">
+        <a:tint val="50000"/>
+        <a:alpha val="90000"/>
+      </a:schemeClr>
+      <a:schemeClr val="accent6">
+        <a:tint val="20000"/>
+        <a:alpha val="50000"/>
+      </a:schemeClr>
+    </dgm:fillClrLst>
+    <dgm:linClrLst meth="repeat">
+      <a:schemeClr val="lt1"/>
+    </dgm:linClrLst>
+    <dgm:effectClrLst/>
+    <dgm:txLinClrLst/>
+    <dgm:txFillClrLst meth="repeat">
+      <a:schemeClr val="lt1"/>
+    </dgm:txFillClrLst>
+    <dgm:txEffectClrLst/>
+  </dgm:styleLbl>
+  <dgm:styleLbl name="alignImgPlace1">
+    <dgm:fillClrLst>
+      <a:schemeClr val="accent6">
+        <a:tint val="50000"/>
+      </a:schemeClr>
+      <a:schemeClr val="accent6">
+        <a:tint val="20000"/>
+      </a:schemeClr>
+    </dgm:fillClrLst>
+    <dgm:linClrLst meth="repeat">
+      <a:schemeClr val="lt1"/>
+    </dgm:linClrLst>
+    <dgm:effectClrLst/>
+    <dgm:txLinClrLst/>
+    <dgm:txFillClrLst meth="repeat">
+      <a:schemeClr val="lt1"/>
+    </dgm:txFillClrLst>
+    <dgm:txEffectClrLst/>
+  </dgm:styleLbl>
+  <dgm:styleLbl name="bgImgPlace1">
+    <dgm:fillClrLst>
+      <a:schemeClr val="accent6">
+        <a:tint val="50000"/>
+      </a:schemeClr>
+      <a:schemeClr val="accent6">
+        <a:tint val="20000"/>
+      </a:schemeClr>
+    </dgm:fillClrLst>
+    <dgm:linClrLst meth="repeat">
+      <a:schemeClr val="lt1"/>
+    </dgm:linClrLst>
+    <dgm:effectClrLst/>
+    <dgm:txLinClrLst/>
+    <dgm:txFillClrLst meth="repeat">
+      <a:schemeClr val="lt1"/>
+    </dgm:txFillClrLst>
+    <dgm:txEffectClrLst/>
+  </dgm:styleLbl>
+  <dgm:styleLbl name="sibTrans2D1">
+    <dgm:fillClrLst>
+      <a:schemeClr val="accent6">
+        <a:shade val="90000"/>
+      </a:schemeClr>
+      <a:schemeClr val="accent6">
+        <a:tint val="50000"/>
+      </a:schemeClr>
+    </dgm:fillClrLst>
+    <dgm:linClrLst>
+      <a:schemeClr val="accent6">
+        <a:shade val="90000"/>
+      </a:schemeClr>
+      <a:schemeClr val="accent6">
+        <a:tint val="50000"/>
+      </a:schemeClr>
+    </dgm:linClrLst>
+    <dgm:effectClrLst/>
+    <dgm:txLinClrLst/>
+    <dgm:txFillClrLst/>
+    <dgm:txEffectClrLst/>
+  </dgm:styleLbl>
+  <dgm:styleLbl name="fgSibTrans2D1">
+    <dgm:fillClrLst>
+      <a:schemeClr val="accent6">
+        <a:shade val="90000"/>
+      </a:schemeClr>
+      <a:schemeClr val="accent6">
+        <a:tint val="50000"/>
+      </a:schemeClr>
+    </dgm:fillClrLst>
+    <dgm:linClrLst>
+      <a:schemeClr val="accent6">
+        <a:shade val="90000"/>
+      </a:schemeClr>
+      <a:schemeClr val="accent6">
+        <a:tint val="50000"/>
+      </a:schemeClr>
+    </dgm:linClrLst>
+    <dgm:effectClrLst/>
+    <dgm:txLinClrLst/>
+    <dgm:txFillClrLst/>
+    <dgm:txEffectClrLst/>
+  </dgm:styleLbl>
+  <dgm:styleLbl name="bgSibTrans2D1">
+    <dgm:fillClrLst>
+      <a:schemeClr val="accent6">
+        <a:shade val="90000"/>
+      </a:schemeClr>
+      <a:schemeClr val="accent6">
+        <a:tint val="50000"/>
+      </a:schemeClr>
+    </dgm:fillClrLst>
+    <dgm:linClrLst>
+      <a:schemeClr val="accent6">
+        <a:shade val="90000"/>
+      </a:schemeClr>
+      <a:schemeClr val="accent6">
+        <a:tint val="50000"/>
+      </a:schemeClr>
+    </dgm:linClrLst>
+    <dgm:effectClrLst/>
+    <dgm:txLinClrLst/>
+    <dgm:txFillClrLst/>
+    <dgm:txEffectClrLst/>
+  </dgm:styleLbl>
+  <dgm:styleLbl name="sibTrans1D1">
+    <dgm:fillClrLst>
+      <a:schemeClr val="accent6">
+        <a:shade val="90000"/>
+      </a:schemeClr>
+      <a:schemeClr val="accent6">
+        <a:tint val="50000"/>
+      </a:schemeClr>
+    </dgm:fillClrLst>
+    <dgm:linClrLst>
+      <a:schemeClr val="accent6">
+        <a:shade val="90000"/>
+      </a:schemeClr>
+      <a:schemeClr val="accent6">
+        <a:tint val="50000"/>
+      </a:schemeClr>
+    </dgm:linClrLst>
+    <dgm:effectClrLst/>
+    <dgm:txLinClrLst/>
+    <dgm:txFillClrLst meth="repeat">
+      <a:schemeClr val="tx1"/>
+    </dgm:txFillClrLst>
+    <dgm:txEffectClrLst/>
+  </dgm:styleLbl>
+  <dgm:styleLbl name="callout">
+    <dgm:fillClrLst meth="repeat">
+      <a:schemeClr val="accent6"/>
+    </dgm:fillClrLst>
+    <dgm:linClrLst meth="repeat">
+      <a:schemeClr val="accent6"/>
+    </dgm:linClrLst>
+    <dgm:effectClrLst/>
+    <dgm:txLinClrLst/>
+    <dgm:txFillClrLst meth="repeat">
+      <a:schemeClr val="tx1"/>
+    </dgm:txFillClrLst>
+    <dgm:txEffectClrLst/>
+  </dgm:styleLbl>
+  <dgm:styleLbl name="asst0">
+    <dgm:fillClrLst meth="repeat">
+      <a:schemeClr val="accent6">
+        <a:alpha val="90000"/>
+      </a:schemeClr>
+    </dgm:fillClrLst>
+    <dgm:linClrLst meth="repeat">
+      <a:schemeClr val="lt1"/>
+    </dgm:linClrLst>
+    <dgm:effectClrLst/>
+    <dgm:txLinClrLst/>
+    <dgm:txFillClrLst/>
+    <dgm:txEffectClrLst/>
+  </dgm:styleLbl>
+  <dgm:styleLbl name="asst1">
+    <dgm:fillClrLst meth="repeat">
+      <a:schemeClr val="accent6">
+        <a:alpha val="90000"/>
+      </a:schemeClr>
+    </dgm:fillClrLst>
+    <dgm:linClrLst meth="repeat">
+      <a:schemeClr val="lt1"/>
+    </dgm:linClrLst>
+    <dgm:effectClrLst/>
+    <dgm:txLinClrLst/>
+    <dgm:txFillClrLst/>
+    <dgm:txEffectClrLst/>
+  </dgm:styleLbl>
+  <dgm:styleLbl name="asst2">
+    <dgm:fillClrLst>
+      <a:schemeClr val="accent6">
+        <a:alpha val="90000"/>
+      </a:schemeClr>
+    </dgm:fillClrLst>
+    <dgm:linClrLst meth="repeat">
+      <a:schemeClr val="lt1"/>
+    </dgm:linClrLst>
+    <dgm:effectClrLst/>
+    <dgm:txLinClrLst/>
+    <dgm:txFillClrLst/>
+    <dgm:txEffectClrLst/>
+  </dgm:styleLbl>
+  <dgm:styleLbl name="asst3">
+    <dgm:fillClrLst>
+      <a:schemeClr val="accent6">
+        <a:alpha val="70000"/>
+      </a:schemeClr>
+    </dgm:fillClrLst>
+    <dgm:linClrLst meth="repeat">
+      <a:schemeClr val="lt1"/>
+    </dgm:linClrLst>
+    <dgm:effectClrLst/>
+    <dgm:txLinClrLst/>
+    <dgm:txFillClrLst/>
+    <dgm:txEffectClrLst/>
+  </dgm:styleLbl>
+  <dgm:styleLbl name="asst4">
+    <dgm:fillClrLst>
+      <a:schemeClr val="accent6">
+        <a:alpha val="50000"/>
+      </a:schemeClr>
+    </dgm:fillClrLst>
+    <dgm:linClrLst meth="repeat">
+      <a:schemeClr val="lt1"/>
+    </dgm:linClrLst>
+    <dgm:effectClrLst/>
+    <dgm:txLinClrLst/>
+    <dgm:txFillClrLst/>
+    <dgm:txEffectClrLst/>
+  </dgm:styleLbl>
+  <dgm:styleLbl name="parChTrans2D1">
+    <dgm:fillClrLst meth="repeat">
+      <a:schemeClr val="accent6">
+        <a:shade val="80000"/>
+      </a:schemeClr>
+    </dgm:fillClrLst>
+    <dgm:linClrLst meth="repeat">
+      <a:schemeClr val="accent6">
+        <a:shade val="80000"/>
+      </a:schemeClr>
+    </dgm:linClrLst>
+    <dgm:effectClrLst/>
+    <dgm:txLinClrLst/>
+    <dgm:txFillClrLst/>
+    <dgm:txEffectClrLst/>
+  </dgm:styleLbl>
+  <dgm:styleLbl name="parChTrans2D2">
+    <dgm:fillClrLst meth="repeat">
+      <a:schemeClr val="accent6">
+        <a:tint val="90000"/>
+      </a:schemeClr>
+    </dgm:fillClrLst>
+    <dgm:linClrLst meth="repeat">
+      <a:schemeClr val="accent6">
+        <a:tint val="90000"/>
+      </a:schemeClr>
+    </dgm:linClrLst>
+    <dgm:effectClrLst/>
+    <dgm:txLinClrLst/>
+    <dgm:txFillClrLst/>
+    <dgm:txEffectClrLst/>
+  </dgm:styleLbl>
+  <dgm:styleLbl name="parChTrans2D3">
+    <dgm:fillClrLst meth="repeat">
+      <a:schemeClr val="accent6">
+        <a:tint val="70000"/>
+      </a:schemeClr>
+    </dgm:fillClrLst>
+    <dgm:linClrLst meth="repeat">
+      <a:schemeClr val="accent6">
+        <a:tint val="70000"/>
+      </a:schemeClr>
+    </dgm:linClrLst>
+    <dgm:effectClrLst/>
+    <dgm:txLinClrLst/>
+    <dgm:txFillClrLst/>
+    <dgm:txEffectClrLst/>
+  </dgm:styleLbl>
+  <dgm:styleLbl name="parChTrans2D4">
+    <dgm:fillClrLst meth="repeat">
+      <a:schemeClr val="accent6">
+        <a:tint val="50000"/>
+      </a:schemeClr>
+    </dgm:fillClrLst>
+    <dgm:linClrLst meth="repeat">
+      <a:schemeClr val="accent6">
+        <a:tint val="50000"/>
+      </a:schemeClr>
+    </dgm:linClrLst>
+    <dgm:effectClrLst/>
+    <dgm:txLinClrLst/>
+    <dgm:txFillClrLst meth="repeat">
+      <a:schemeClr val="dk1"/>
+    </dgm:txFillClrLst>
+    <dgm:txEffectClrLst/>
+  </dgm:styleLbl>
+  <dgm:styleLbl name="parChTrans1D1">
+    <dgm:fillClrLst meth="repeat">
+      <a:schemeClr val="accent6">
+        <a:shade val="80000"/>
+      </a:schemeClr>
+    </dgm:fillClrLst>
+    <dgm:linClrLst meth="repeat">
+      <a:schemeClr val="accent6">
+        <a:shade val="80000"/>
+      </a:schemeClr>
+    </dgm:linClrLst>
+    <dgm:effectClrLst/>
+    <dgm:txLinClrLst/>
+    <dgm:txFillClrLst meth="repeat">
+      <a:schemeClr val="tx1"/>
+    </dgm:txFillClrLst>
+    <dgm:txEffectClrLst/>
+  </dgm:styleLbl>
+  <dgm:styleLbl name="parChTrans1D2">
+    <dgm:fillClrLst meth="repeat">
+      <a:schemeClr val="accent6">
+        <a:tint val="90000"/>
+      </a:schemeClr>
+    </dgm:fillClrLst>
+    <dgm:linClrLst meth="repeat">
+      <a:schemeClr val="accent6">
+        <a:tint val="90000"/>
+      </a:schemeClr>
+    </dgm:linClrLst>
+    <dgm:effectClrLst/>
+    <dgm:txLinClrLst/>
+    <dgm:txFillClrLst meth="repeat">
+      <a:schemeClr val="tx1"/>
+    </dgm:txFillClrLst>
+    <dgm:txEffectClrLst/>
+  </dgm:styleLbl>
+  <dgm:styleLbl name="parChTrans1D3">
+    <dgm:fillClrLst meth="repeat">
+      <a:schemeClr val="accent6">
+        <a:tint val="70000"/>
+      </a:schemeClr>
+    </dgm:fillClrLst>
+    <dgm:linClrLst meth="repeat">
+      <a:schemeClr val="accent6">
+        <a:tint val="70000"/>
+      </a:schemeClr>
+    </dgm:linClrLst>
+    <dgm:effectClrLst/>
+    <dgm:txLinClrLst/>
+    <dgm:txFillClrLst meth="repeat">
+      <a:schemeClr val="tx1"/>
+    </dgm:txFillClrLst>
+    <dgm:txEffectClrLst/>
+  </dgm:styleLbl>
+  <dgm:styleLbl name="parChTrans1D4">
+    <dgm:fillClrLst meth="repeat">
+      <a:schemeClr val="accent6">
+        <a:tint val="50000"/>
+      </a:schemeClr>
+    </dgm:fillClrLst>
+    <dgm:linClrLst meth="repeat">
+      <a:schemeClr val="accent6">
+        <a:tint val="50000"/>
+      </a:schemeClr>
+    </dgm:linClrLst>
+    <dgm:effectClrLst/>
+    <dgm:txLinClrLst/>
+    <dgm:txFillClrLst meth="repeat">
+      <a:schemeClr val="tx1"/>
+    </dgm:txFillClrLst>
+    <dgm:txEffectClrLst/>
+  </dgm:styleLbl>
+  <dgm:styleLbl name="fgAcc1">
+    <dgm:fillClrLst meth="repeat">
+      <a:schemeClr val="lt1">
+        <a:alpha val="90000"/>
+      </a:schemeClr>
+    </dgm:fillClrLst>
+    <dgm:linClrLst>
+      <a:schemeClr val="accent6">
+        <a:alpha val="90000"/>
+      </a:schemeClr>
+      <a:schemeClr val="accent6">
+        <a:alpha val="50000"/>
+      </a:schemeClr>
+    </dgm:linClrLst>
+    <dgm:effectClrLst/>
+    <dgm:txLinClrLst/>
+    <dgm:txFillClrLst meth="repeat">
+      <a:schemeClr val="dk1"/>
+    </dgm:txFillClrLst>
+    <dgm:txEffectClrLst/>
+  </dgm:styleLbl>
+  <dgm:styleLbl name="conFgAcc1">
+    <dgm:fillClrLst meth="repeat">
+      <a:schemeClr val="lt1">
+        <a:alpha val="90000"/>
+      </a:schemeClr>
+    </dgm:fillClrLst>
+    <dgm:linClrLst>
+      <a:schemeClr val="accent6">
+        <a:alpha val="90000"/>
+      </a:schemeClr>
+      <a:schemeClr val="accent6">
+        <a:alpha val="50000"/>
+      </a:schemeClr>
+    </dgm:linClrLst>
+    <dgm:effectClrLst/>
+    <dgm:txLinClrLst/>
+    <dgm:txFillClrLst meth="repeat">
+      <a:schemeClr val="dk1"/>
+    </dgm:txFillClrLst>
+    <dgm:txEffectClrLst/>
+  </dgm:styleLbl>
+  <dgm:styleLbl name="alignAcc1">
+    <dgm:fillClrLst meth="repeat">
+      <a:schemeClr val="lt1">
+        <a:alpha val="90000"/>
+      </a:schemeClr>
+    </dgm:fillClrLst>
+    <dgm:linClrLst>
+      <a:schemeClr val="accent6">
+        <a:alpha val="90000"/>
+      </a:schemeClr>
+      <a:schemeClr val="accent6">
+        <a:alpha val="50000"/>
+      </a:schemeClr>
+    </dgm:linClrLst>
+    <dgm:effectClrLst/>
+    <dgm:txLinClrLst/>
+    <dgm:txFillClrLst meth="repeat">
+      <a:schemeClr val="dk1"/>
+    </dgm:txFillClrLst>
+    <dgm:txEffectClrLst/>
+  </dgm:styleLbl>
+  <dgm:styleLbl name="trAlignAcc1">
+    <dgm:fillClrLst meth="repeat">
+      <a:schemeClr val="lt1">
+        <a:alpha val="40000"/>
+      </a:schemeClr>
+    </dgm:fillClrLst>
+    <dgm:linClrLst>
+      <a:schemeClr val="accent6">
+        <a:alpha val="90000"/>
+      </a:schemeClr>
+      <a:schemeClr val="accent6">
+        <a:alpha val="50000"/>
+      </a:schemeClr>
+    </dgm:linClrLst>
+    <dgm:effectClrLst/>
+    <dgm:txLinClrLst/>
+    <dgm:txFillClrLst meth="repeat">
+      <a:schemeClr val="dk1"/>
+    </dgm:txFillClrLst>
+    <dgm:txEffectClrLst/>
+  </dgm:styleLbl>
+  <dgm:styleLbl name="bgAcc1">
+    <dgm:fillClrLst meth="repeat">
+      <a:schemeClr val="lt1">
+        <a:alpha val="90000"/>
+      </a:schemeClr>
+    </dgm:fillClrLst>
+    <dgm:linClrLst>
+      <a:schemeClr val="accent6">
+        <a:alpha val="90000"/>
+      </a:schemeClr>
+      <a:schemeClr val="accent6">
+        <a:alpha val="50000"/>
+      </a:schemeClr>
+    </dgm:linClrLst>
+    <dgm:effectClrLst/>
+    <dgm:txLinClrLst/>
+    <dgm:txFillClrLst meth="repeat">
+      <a:schemeClr val="dk1"/>
+    </dgm:txFillClrLst>
+    <dgm:txEffectClrLst/>
+  </dgm:styleLbl>
+  <dgm:styleLbl name="solidFgAcc1">
+    <dgm:fillClrLst meth="repeat">
+      <a:schemeClr val="lt1"/>
+    </dgm:fillClrLst>
+    <dgm:linClrLst>
+      <a:schemeClr val="accent6">
+        <a:alpha val="90000"/>
+      </a:schemeClr>
+      <a:schemeClr val="accent6">
+        <a:alpha val="50000"/>
+      </a:schemeClr>
+    </dgm:linClrLst>
+    <dgm:effectClrLst/>
+    <dgm:txLinClrLst/>
+    <dgm:txFillClrLst meth="repeat">
+      <a:schemeClr val="dk1"/>
+    </dgm:txFillClrLst>
+    <dgm:txEffectClrLst/>
+  </dgm:styleLbl>
+  <dgm:styleLbl name="solidAlignAcc1">
+    <dgm:fillClrLst meth="repeat">
+      <a:schemeClr val="lt1"/>
+    </dgm:fillClrLst>
+    <dgm:linClrLst meth="repeat">
+      <a:schemeClr val="accent6"/>
+    </dgm:linClrLst>
+    <dgm:effectClrLst/>
+    <dgm:txLinClrLst/>
+    <dgm:txFillClrLst meth="repeat">
+      <a:schemeClr val="dk1"/>
+    </dgm:txFillClrLst>
+    <dgm:txEffectClrLst/>
+  </dgm:styleLbl>
+  <dgm:styleLbl name="solidBgAcc1">
+    <dgm:fillClrLst meth="repeat">
+      <a:schemeClr val="lt1"/>
+    </dgm:fillClrLst>
+    <dgm:linClrLst meth="repeat">
+      <a:schemeClr val="accent6"/>
+    </dgm:linClrLst>
+    <dgm:effectClrLst/>
+    <dgm:txLinClrLst/>
+    <dgm:txFillClrLst meth="repeat">
+      <a:schemeClr val="dk1"/>
+    </dgm:txFillClrLst>
+    <dgm:txEffectClrLst/>
+  </dgm:styleLbl>
+  <dgm:styleLbl name="fgAccFollowNode1">
+    <dgm:fillClrLst>
+      <a:schemeClr val="accent6">
+        <a:alpha val="90000"/>
+        <a:tint val="40000"/>
+      </a:schemeClr>
+      <a:schemeClr val="accent6">
+        <a:alpha val="50000"/>
+        <a:tint val="40000"/>
+      </a:schemeClr>
+    </dgm:fillClrLst>
+    <dgm:linClrLst meth="repeat">
+      <a:schemeClr val="accent6">
+        <a:alpha val="90000"/>
+        <a:tint val="40000"/>
+      </a:schemeClr>
+    </dgm:linClrLst>
+    <dgm:effectClrLst/>
+    <dgm:txLinClrLst/>
+    <dgm:txFillClrLst meth="repeat">
+      <a:schemeClr val="dk1"/>
+    </dgm:txFillClrLst>
+    <dgm:txEffectClrLst/>
+  </dgm:styleLbl>
+  <dgm:styleLbl name="alignAccFollowNode1">
+    <dgm:fillClrLst meth="repeat">
+      <a:schemeClr val="accent6">
+        <a:alpha val="90000"/>
+        <a:tint val="40000"/>
+      </a:schemeClr>
+    </dgm:fillClrLst>
+    <dgm:linClrLst meth="repeat">
+      <a:schemeClr val="accent6">
+        <a:alpha val="90000"/>
+        <a:tint val="40000"/>
+      </a:schemeClr>
+    </dgm:linClrLst>
+    <dgm:effectClrLst/>
+    <dgm:txLinClrLst/>
+    <dgm:txFillClrLst meth="repeat">
+      <a:schemeClr val="dk1"/>
+    </dgm:txFillClrLst>
+    <dgm:txEffectClrLst/>
+  </dgm:styleLbl>
+  <dgm:styleLbl name="bgAccFollowNode1">
+    <dgm:fillClrLst meth="repeat">
+      <a:schemeClr val="accent6">
+        <a:alpha val="90000"/>
+        <a:tint val="40000"/>
+      </a:schemeClr>
+    </dgm:fillClrLst>
+    <dgm:linClrLst meth="repeat">
+      <a:schemeClr val="lt1"/>
+    </dgm:linClrLst>
+    <dgm:effectClrLst/>
+    <dgm:txLinClrLst/>
+    <dgm:txFillClrLst meth="repeat">
+      <a:schemeClr val="dk1"/>
+    </dgm:txFillClrLst>
+    <dgm:txEffectClrLst/>
+  </dgm:styleLbl>
+  <dgm:styleLbl name="fgAcc0">
+    <dgm:fillClrLst meth="repeat">
+      <a:schemeClr val="lt1">
+        <a:alpha val="90000"/>
+      </a:schemeClr>
+    </dgm:fillClrLst>
+    <dgm:linClrLst meth="repeat">
+      <a:schemeClr val="accent6">
+        <a:shade val="80000"/>
+      </a:schemeClr>
+    </dgm:linClrLst>
+    <dgm:effectClrLst/>
+    <dgm:txLinClrLst/>
+    <dgm:txFillClrLst meth="repeat">
+      <a:schemeClr val="dk1"/>
+    </dgm:txFillClrLst>
+    <dgm:txEffectClrLst/>
+  </dgm:styleLbl>
+  <dgm:styleLbl name="fgAcc2">
+    <dgm:fillClrLst meth="repeat">
+      <a:schemeClr val="lt1">
+        <a:alpha val="90000"/>
+      </a:schemeClr>
+    </dgm:fillClrLst>
+    <dgm:linClrLst meth="repeat">
+      <a:schemeClr val="accent6">
+        <a:tint val="90000"/>
+      </a:schemeClr>
+    </dgm:linClrLst>
+    <dgm:effectClrLst/>
+    <dgm:txLinClrLst/>
+    <dgm:txFillClrLst meth="repeat">
+      <a:schemeClr val="dk1"/>
+    </dgm:txFillClrLst>
+    <dgm:txEffectClrLst/>
+  </dgm:styleLbl>
+  <dgm:styleLbl name="fgAcc3">
+    <dgm:fillClrLst meth="repeat">
+      <a:schemeClr val="lt1">
+        <a:alpha val="90000"/>
+      </a:schemeClr>
+    </dgm:fillClrLst>
+    <dgm:linClrLst meth="repeat">
+      <a:schemeClr val="accent6">
+        <a:tint val="70000"/>
+      </a:schemeClr>
+    </dgm:linClrLst>
+    <dgm:effectClrLst/>
+    <dgm:txLinClrLst/>
+    <dgm:txFillClrLst meth="repeat">
+      <a:schemeClr val="dk1"/>
+    </dgm:txFillClrLst>
+    <dgm:txEffectClrLst/>
+  </dgm:styleLbl>
+  <dgm:styleLbl name="fgAcc4">
+    <dgm:fillClrLst meth="repeat">
+      <a:schemeClr val="lt1">
+        <a:alpha val="90000"/>
+      </a:schemeClr>
+    </dgm:fillClrLst>
+    <dgm:linClrLst meth="repeat">
+      <a:schemeClr val="accent6">
+        <a:tint val="50000"/>
+      </a:schemeClr>
+    </dgm:linClrLst>
+    <dgm:effectClrLst/>
+    <dgm:txLinClrLst/>
+    <dgm:txFillClrLst meth="repeat">
+      <a:schemeClr val="dk1"/>
+    </dgm:txFillClrLst>
+    <dgm:txEffectClrLst/>
+  </dgm:styleLbl>
+  <dgm:styleLbl name="bgShp">
+    <dgm:fillClrLst meth="repeat">
+      <a:schemeClr val="accent6">
+        <a:tint val="40000"/>
+      </a:schemeClr>
+    </dgm:fillClrLst>
+    <dgm:linClrLst meth="repeat">
+      <a:schemeClr val="dk1"/>
+    </dgm:linClrLst>
+    <dgm:effectClrLst/>
+    <dgm:txLinClrLst/>
+    <dgm:txFillClrLst meth="repeat">
+      <a:schemeClr val="dk1"/>
+    </dgm:txFillClrLst>
+    <dgm:txEffectClrLst/>
+  </dgm:styleLbl>
+  <dgm:styleLbl name="dkBgShp">
+    <dgm:fillClrLst meth="repeat">
+      <a:schemeClr val="accent6">
+        <a:shade val="90000"/>
+      </a:schemeClr>
+    </dgm:fillClrLst>
+    <dgm:linClrLst meth="repeat">
+      <a:schemeClr val="dk1"/>
+    </dgm:linClrLst>
+    <dgm:effectClrLst/>
+    <dgm:txLinClrLst/>
+    <dgm:txFillClrLst meth="repeat">
+      <a:schemeClr val="lt1"/>
+    </dgm:txFillClrLst>
+    <dgm:txEffectClrLst/>
+  </dgm:styleLbl>
+  <dgm:styleLbl name="trBgShp">
+    <dgm:fillClrLst meth="repeat">
+      <a:schemeClr val="accent6">
+        <a:tint val="50000"/>
+        <a:alpha val="40000"/>
+      </a:schemeClr>
+    </dgm:fillClrLst>
+    <dgm:linClrLst meth="repeat">
+      <a:schemeClr val="accent6"/>
+    </dgm:linClrLst>
+    <dgm:effectClrLst/>
+    <dgm:txLinClrLst/>
+    <dgm:txFillClrLst meth="repeat">
+      <a:schemeClr val="lt1"/>
+    </dgm:txFillClrLst>
+    <dgm:txEffectClrLst/>
+  </dgm:styleLbl>
+  <dgm:styleLbl name="fgShp">
+    <dgm:fillClrLst meth="repeat">
+      <a:schemeClr val="accent6">
+        <a:tint val="40000"/>
+      </a:schemeClr>
+    </dgm:fillClrLst>
+    <dgm:linClrLst meth="repeat">
+      <a:schemeClr val="lt1"/>
+    </dgm:linClrLst>
+    <dgm:effectClrLst/>
+    <dgm:txLinClrLst/>
+    <dgm:txFillClrLst meth="repeat">
+      <a:schemeClr val="dk1"/>
+    </dgm:txFillClrLst>
+    <dgm:txEffectClrLst/>
+  </dgm:styleLbl>
+  <dgm:styleLbl name="revTx">
+    <dgm:fillClrLst meth="repeat">
+      <a:schemeClr val="lt1">
+        <a:alpha val="0"/>
+      </a:schemeClr>
+    </dgm:fillClrLst>
+    <dgm:linClrLst meth="repeat">
+      <a:schemeClr val="dk1">
+        <a:alpha val="0"/>
+      </a:schemeClr>
+    </dgm:linClrLst>
+    <dgm:effectClrLst/>
+    <dgm:txLinClrLst/>
+    <dgm:txFillClrLst meth="repeat">
+      <a:schemeClr val="tx1"/>
+    </dgm:txFillClrLst>
+    <dgm:txEffectClrLst/>
+  </dgm:styleLbl>
+</dgm:colorsDef>
+</file>
+
+<file path=ppt/diagrams/data1.xml><?xml version="1.0" encoding="utf-8"?>
+<dgm:dataModel xmlns:dgm="http://schemas.openxmlformats.org/drawingml/2006/diagram" xmlns:a="http://schemas.openxmlformats.org/drawingml/2006/main">
+  <dgm:ptLst>
+    <dgm:pt modelId="{DF439C4A-194B-4B3E-82E8-A02C8332182D}" type="doc">
+      <dgm:prSet loTypeId="urn:microsoft.com/office/officeart/2005/8/layout/cycle1" loCatId="cycle" qsTypeId="urn:microsoft.com/office/officeart/2005/8/quickstyle/simple3" qsCatId="simple" csTypeId="urn:microsoft.com/office/officeart/2005/8/colors/accent6_5" csCatId="accent6" phldr="1"/>
+      <dgm:spPr/>
+      <dgm:t>
+        <a:bodyPr/>
+        <a:lstStyle/>
+        <a:p>
+          <a:endParaRPr lang="pt-BR"/>
+        </a:p>
+      </dgm:t>
+    </dgm:pt>
+    <dgm:pt modelId="{4E9A5267-6EEE-4D5A-9C61-3C6E0926958E}">
+      <dgm:prSet phldrT="[Texto]"/>
+      <dgm:spPr>
+        <a:ln>
+          <a:noFill/>
+        </a:ln>
+      </dgm:spPr>
+      <dgm:t>
+        <a:bodyPr/>
+        <a:lstStyle/>
+        <a:p>
+          <a:r>
+            <a:rPr lang="pt-BR" b="1" i="1" dirty="0" smtClean="0"/>
+            <a:t>Selecionado</a:t>
+          </a:r>
+          <a:endParaRPr lang="pt-BR" b="1" i="1" dirty="0"/>
+        </a:p>
+      </dgm:t>
+    </dgm:pt>
+    <dgm:pt modelId="{8BFDD144-FFF6-4D1A-86C2-AD6F0D9E581E}" type="parTrans" cxnId="{617C4D5F-97B3-4DCE-B859-D2AC93FD17C1}">
+      <dgm:prSet/>
+      <dgm:spPr/>
+      <dgm:t>
+        <a:bodyPr/>
+        <a:lstStyle/>
+        <a:p>
+          <a:endParaRPr lang="pt-BR"/>
+        </a:p>
+      </dgm:t>
+    </dgm:pt>
+    <dgm:pt modelId="{6F82FF22-BB25-4394-A016-6DF3A9D29E2E}" type="sibTrans" cxnId="{617C4D5F-97B3-4DCE-B859-D2AC93FD17C1}">
+      <dgm:prSet/>
+      <dgm:spPr/>
+      <dgm:t>
+        <a:bodyPr/>
+        <a:lstStyle/>
+        <a:p>
+          <a:endParaRPr lang="pt-BR"/>
+        </a:p>
+      </dgm:t>
+    </dgm:pt>
+    <dgm:pt modelId="{D645F258-701E-4659-BF93-A7DD0CBF3173}">
+      <dgm:prSet phldrT="[Texto]"/>
+      <dgm:spPr>
+        <a:ln>
+          <a:noFill/>
+        </a:ln>
+      </dgm:spPr>
+      <dgm:t>
+        <a:bodyPr/>
+        <a:lstStyle/>
+        <a:p>
+          <a:r>
+            <a:rPr lang="pt-BR" b="1" i="1" dirty="0" smtClean="0"/>
+            <a:t>Resolvendo</a:t>
+          </a:r>
+          <a:endParaRPr lang="pt-BR" b="1" i="1" dirty="0"/>
+        </a:p>
+      </dgm:t>
+    </dgm:pt>
+    <dgm:pt modelId="{AF4F53CC-CA9F-4411-A63C-91A9B50AE090}" type="parTrans" cxnId="{DE14076C-CB98-4F09-8284-42CCB906E920}">
+      <dgm:prSet/>
+      <dgm:spPr/>
+      <dgm:t>
+        <a:bodyPr/>
+        <a:lstStyle/>
+        <a:p>
+          <a:endParaRPr lang="pt-BR"/>
+        </a:p>
+      </dgm:t>
+    </dgm:pt>
+    <dgm:pt modelId="{CEA60D74-9962-4AC2-8FAC-8F4E9F6AAC20}" type="sibTrans" cxnId="{DE14076C-CB98-4F09-8284-42CCB906E920}">
+      <dgm:prSet/>
+      <dgm:spPr/>
+      <dgm:t>
+        <a:bodyPr/>
+        <a:lstStyle/>
+        <a:p>
+          <a:endParaRPr lang="pt-BR"/>
+        </a:p>
+      </dgm:t>
+    </dgm:pt>
+    <dgm:pt modelId="{1D68F09B-2EC8-476E-9815-E55F69E6F28C}">
+      <dgm:prSet phldrT="[Texto]"/>
+      <dgm:spPr>
+        <a:ln>
+          <a:noFill/>
+        </a:ln>
+      </dgm:spPr>
+      <dgm:t>
+        <a:bodyPr/>
+        <a:lstStyle/>
+        <a:p>
+          <a:r>
+            <a:rPr lang="pt-BR" b="1" i="1" dirty="0" smtClean="0"/>
+            <a:t>Terminado</a:t>
+          </a:r>
+          <a:endParaRPr lang="pt-BR" b="1" i="1" dirty="0"/>
+        </a:p>
+      </dgm:t>
+    </dgm:pt>
+    <dgm:pt modelId="{016B267A-0D6A-4E7A-BDB7-8BBA47C8E3D1}" type="parTrans" cxnId="{E36055D8-A4E4-4B0D-A28B-4F9D9D1B6402}">
+      <dgm:prSet/>
+      <dgm:spPr/>
+      <dgm:t>
+        <a:bodyPr/>
+        <a:lstStyle/>
+        <a:p>
+          <a:endParaRPr lang="pt-BR"/>
+        </a:p>
+      </dgm:t>
+    </dgm:pt>
+    <dgm:pt modelId="{42B98C3E-FBD4-4A94-9F06-A2E47FB8DC64}" type="sibTrans" cxnId="{E36055D8-A4E4-4B0D-A28B-4F9D9D1B6402}">
+      <dgm:prSet/>
+      <dgm:spPr/>
+      <dgm:t>
+        <a:bodyPr/>
+        <a:lstStyle/>
+        <a:p>
+          <a:endParaRPr lang="pt-BR"/>
+        </a:p>
+      </dgm:t>
+    </dgm:pt>
+    <dgm:pt modelId="{318C7EAB-1944-46E4-B65B-98EB5255A452}">
+      <dgm:prSet phldrT="[Texto]"/>
+      <dgm:spPr>
+        <a:solidFill>
+          <a:sysClr val="windowText" lastClr="000000"/>
+        </a:solidFill>
+        <a:ln>
+          <a:noFill/>
+        </a:ln>
+      </dgm:spPr>
+      <dgm:t>
+        <a:bodyPr/>
+        <a:lstStyle/>
+        <a:p>
+          <a:r>
+            <a:rPr lang="pt-BR" b="1" i="1" dirty="0" smtClean="0"/>
+            <a:t>Abertura</a:t>
+          </a:r>
+          <a:endParaRPr lang="pt-BR" b="1" i="1" dirty="0"/>
+        </a:p>
+      </dgm:t>
+    </dgm:pt>
+    <dgm:pt modelId="{791F1554-1633-4A22-AAB9-061FFCE74141}" type="parTrans" cxnId="{2FCF3E58-A99A-46C6-9562-6879C84B8AE5}">
+      <dgm:prSet/>
+      <dgm:spPr/>
+      <dgm:t>
+        <a:bodyPr/>
+        <a:lstStyle/>
+        <a:p>
+          <a:endParaRPr lang="pt-BR"/>
+        </a:p>
+      </dgm:t>
+    </dgm:pt>
+    <dgm:pt modelId="{C0C45353-D750-4977-8B16-F0D35A1B72B5}" type="sibTrans" cxnId="{2FCF3E58-A99A-46C6-9562-6879C84B8AE5}">
+      <dgm:prSet/>
+      <dgm:spPr/>
+      <dgm:t>
+        <a:bodyPr/>
+        <a:lstStyle/>
+        <a:p>
+          <a:endParaRPr lang="pt-BR"/>
+        </a:p>
+      </dgm:t>
+    </dgm:pt>
+    <dgm:pt modelId="{92131F2E-2CCF-4575-9011-84043A939AEC}" type="pres">
+      <dgm:prSet presAssocID="{DF439C4A-194B-4B3E-82E8-A02C8332182D}" presName="cycle" presStyleCnt="0">
+        <dgm:presLayoutVars>
+          <dgm:dir/>
+          <dgm:resizeHandles val="exact"/>
+        </dgm:presLayoutVars>
+      </dgm:prSet>
+      <dgm:spPr/>
+    </dgm:pt>
+    <dgm:pt modelId="{DDA6DD6D-8500-4572-AD74-15D9DE96C6AA}" type="pres">
+      <dgm:prSet presAssocID="{4E9A5267-6EEE-4D5A-9C61-3C6E0926958E}" presName="dummy" presStyleCnt="0"/>
+      <dgm:spPr/>
+    </dgm:pt>
+    <dgm:pt modelId="{4E1AC838-F05D-487D-8D01-9527620828A3}" type="pres">
+      <dgm:prSet presAssocID="{4E9A5267-6EEE-4D5A-9C61-3C6E0926958E}" presName="node" presStyleLbl="revTx" presStyleIdx="0" presStyleCnt="4" custScaleY="41270" custRadScaleRad="97615" custRadScaleInc="11859">
+        <dgm:presLayoutVars>
+          <dgm:bulletEnabled val="1"/>
+        </dgm:presLayoutVars>
+      </dgm:prSet>
+      <dgm:spPr/>
+    </dgm:pt>
+    <dgm:pt modelId="{BF481B34-A956-4AA1-BF8A-FE346E10B846}" type="pres">
+      <dgm:prSet presAssocID="{6F82FF22-BB25-4394-A016-6DF3A9D29E2E}" presName="sibTrans" presStyleLbl="node1" presStyleIdx="0" presStyleCnt="4"/>
+      <dgm:spPr/>
+    </dgm:pt>
+    <dgm:pt modelId="{D71240F5-0A36-4775-8462-C4FAFF68D969}" type="pres">
+      <dgm:prSet presAssocID="{D645F258-701E-4659-BF93-A7DD0CBF3173}" presName="dummy" presStyleCnt="0"/>
+      <dgm:spPr/>
+    </dgm:pt>
+    <dgm:pt modelId="{450E53F1-337D-48E6-BD65-6F7CF99A0732}" type="pres">
+      <dgm:prSet presAssocID="{D645F258-701E-4659-BF93-A7DD0CBF3173}" presName="node" presStyleLbl="revTx" presStyleIdx="1" presStyleCnt="4" custScaleY="38723" custRadScaleRad="100166" custRadScaleInc="4456">
+        <dgm:presLayoutVars>
+          <dgm:bulletEnabled val="1"/>
+        </dgm:presLayoutVars>
+      </dgm:prSet>
+      <dgm:spPr/>
+    </dgm:pt>
+    <dgm:pt modelId="{B8C9B045-D74E-4E94-8C35-40DDACC3AA2D}" type="pres">
+      <dgm:prSet presAssocID="{CEA60D74-9962-4AC2-8FAC-8F4E9F6AAC20}" presName="sibTrans" presStyleLbl="node1" presStyleIdx="1" presStyleCnt="4"/>
+      <dgm:spPr/>
+    </dgm:pt>
+    <dgm:pt modelId="{9DE727A4-389A-4674-BCDF-F2ADE319C686}" type="pres">
+      <dgm:prSet presAssocID="{1D68F09B-2EC8-476E-9815-E55F69E6F28C}" presName="dummy" presStyleCnt="0"/>
+      <dgm:spPr/>
+    </dgm:pt>
+    <dgm:pt modelId="{6F5137E6-F902-4EB9-9E29-8C05D3E70788}" type="pres">
+      <dgm:prSet presAssocID="{1D68F09B-2EC8-476E-9815-E55F69E6F28C}" presName="node" presStyleLbl="revTx" presStyleIdx="2" presStyleCnt="4" custScaleY="38723" custRadScaleRad="100938" custRadScaleInc="-2931">
+        <dgm:presLayoutVars>
+          <dgm:bulletEnabled val="1"/>
+        </dgm:presLayoutVars>
+      </dgm:prSet>
+      <dgm:spPr/>
+    </dgm:pt>
+    <dgm:pt modelId="{B9BCD160-E255-4AB4-BB9D-8715E4D17606}" type="pres">
+      <dgm:prSet presAssocID="{42B98C3E-FBD4-4A94-9F06-A2E47FB8DC64}" presName="sibTrans" presStyleLbl="node1" presStyleIdx="2" presStyleCnt="4" custScaleY="99882"/>
+      <dgm:spPr/>
+    </dgm:pt>
+    <dgm:pt modelId="{4A1AF5E7-2505-4AA7-BAB5-64E9D2A05C45}" type="pres">
+      <dgm:prSet presAssocID="{318C7EAB-1944-46E4-B65B-98EB5255A452}" presName="dummy" presStyleCnt="0"/>
+      <dgm:spPr/>
+    </dgm:pt>
+    <dgm:pt modelId="{2A3827B7-1136-4C54-AD98-CF445ACC219B}" type="pres">
+      <dgm:prSet presAssocID="{318C7EAB-1944-46E4-B65B-98EB5255A452}" presName="node" presStyleLbl="revTx" presStyleIdx="3" presStyleCnt="4" custScaleY="41270" custRadScaleRad="99769" custRadScaleInc="-7666">
+        <dgm:presLayoutVars>
+          <dgm:bulletEnabled val="1"/>
+        </dgm:presLayoutVars>
+      </dgm:prSet>
+      <dgm:spPr/>
+    </dgm:pt>
+    <dgm:pt modelId="{4A0B3232-50B7-4DB1-8985-E57229810206}" type="pres">
+      <dgm:prSet presAssocID="{C0C45353-D750-4977-8B16-F0D35A1B72B5}" presName="sibTrans" presStyleLbl="node1" presStyleIdx="3" presStyleCnt="4"/>
+      <dgm:spPr/>
+    </dgm:pt>
+  </dgm:ptLst>
+  <dgm:cxnLst>
+    <dgm:cxn modelId="{4092B5A5-E61A-4860-A9A4-71C9B53C6BD6}" type="presOf" srcId="{4E9A5267-6EEE-4D5A-9C61-3C6E0926958E}" destId="{4E1AC838-F05D-487D-8D01-9527620828A3}" srcOrd="0" destOrd="0" presId="urn:microsoft.com/office/officeart/2005/8/layout/cycle1"/>
+    <dgm:cxn modelId="{617C4D5F-97B3-4DCE-B859-D2AC93FD17C1}" srcId="{DF439C4A-194B-4B3E-82E8-A02C8332182D}" destId="{4E9A5267-6EEE-4D5A-9C61-3C6E0926958E}" srcOrd="0" destOrd="0" parTransId="{8BFDD144-FFF6-4D1A-86C2-AD6F0D9E581E}" sibTransId="{6F82FF22-BB25-4394-A016-6DF3A9D29E2E}"/>
+    <dgm:cxn modelId="{C432035F-E63C-45FD-8ED6-C5584E1A1EB9}" type="presOf" srcId="{1D68F09B-2EC8-476E-9815-E55F69E6F28C}" destId="{6F5137E6-F902-4EB9-9E29-8C05D3E70788}" srcOrd="0" destOrd="0" presId="urn:microsoft.com/office/officeart/2005/8/layout/cycle1"/>
+    <dgm:cxn modelId="{FFEAE03A-19DB-4169-9D0C-BC4C1C3CABC7}" type="presOf" srcId="{D645F258-701E-4659-BF93-A7DD0CBF3173}" destId="{450E53F1-337D-48E6-BD65-6F7CF99A0732}" srcOrd="0" destOrd="0" presId="urn:microsoft.com/office/officeart/2005/8/layout/cycle1"/>
+    <dgm:cxn modelId="{F5974BBB-0CD6-47AD-B18C-442D3CCF0D39}" type="presOf" srcId="{CEA60D74-9962-4AC2-8FAC-8F4E9F6AAC20}" destId="{B8C9B045-D74E-4E94-8C35-40DDACC3AA2D}" srcOrd="0" destOrd="0" presId="urn:microsoft.com/office/officeart/2005/8/layout/cycle1"/>
+    <dgm:cxn modelId="{0E14A2CD-A81B-4B52-8807-D5424CA7E423}" type="presOf" srcId="{DF439C4A-194B-4B3E-82E8-A02C8332182D}" destId="{92131F2E-2CCF-4575-9011-84043A939AEC}" srcOrd="0" destOrd="0" presId="urn:microsoft.com/office/officeart/2005/8/layout/cycle1"/>
+    <dgm:cxn modelId="{C12E896C-1261-4762-AF9D-9D4E58698316}" type="presOf" srcId="{C0C45353-D750-4977-8B16-F0D35A1B72B5}" destId="{4A0B3232-50B7-4DB1-8985-E57229810206}" srcOrd="0" destOrd="0" presId="urn:microsoft.com/office/officeart/2005/8/layout/cycle1"/>
+    <dgm:cxn modelId="{44D66B0A-A303-4E33-8A51-8ECCEB383DA0}" type="presOf" srcId="{42B98C3E-FBD4-4A94-9F06-A2E47FB8DC64}" destId="{B9BCD160-E255-4AB4-BB9D-8715E4D17606}" srcOrd="0" destOrd="0" presId="urn:microsoft.com/office/officeart/2005/8/layout/cycle1"/>
+    <dgm:cxn modelId="{2FCF3E58-A99A-46C6-9562-6879C84B8AE5}" srcId="{DF439C4A-194B-4B3E-82E8-A02C8332182D}" destId="{318C7EAB-1944-46E4-B65B-98EB5255A452}" srcOrd="3" destOrd="0" parTransId="{791F1554-1633-4A22-AAB9-061FFCE74141}" sibTransId="{C0C45353-D750-4977-8B16-F0D35A1B72B5}"/>
+    <dgm:cxn modelId="{DE14076C-CB98-4F09-8284-42CCB906E920}" srcId="{DF439C4A-194B-4B3E-82E8-A02C8332182D}" destId="{D645F258-701E-4659-BF93-A7DD0CBF3173}" srcOrd="1" destOrd="0" parTransId="{AF4F53CC-CA9F-4411-A63C-91A9B50AE090}" sibTransId="{CEA60D74-9962-4AC2-8FAC-8F4E9F6AAC20}"/>
+    <dgm:cxn modelId="{E36055D8-A4E4-4B0D-A28B-4F9D9D1B6402}" srcId="{DF439C4A-194B-4B3E-82E8-A02C8332182D}" destId="{1D68F09B-2EC8-476E-9815-E55F69E6F28C}" srcOrd="2" destOrd="0" parTransId="{016B267A-0D6A-4E7A-BDB7-8BBA47C8E3D1}" sibTransId="{42B98C3E-FBD4-4A94-9F06-A2E47FB8DC64}"/>
+    <dgm:cxn modelId="{36735403-837F-4A38-B577-20AA794A4EE0}" type="presOf" srcId="{6F82FF22-BB25-4394-A016-6DF3A9D29E2E}" destId="{BF481B34-A956-4AA1-BF8A-FE346E10B846}" srcOrd="0" destOrd="0" presId="urn:microsoft.com/office/officeart/2005/8/layout/cycle1"/>
+    <dgm:cxn modelId="{1194F316-5C01-41F8-B3D7-3225D04D610D}" type="presOf" srcId="{318C7EAB-1944-46E4-B65B-98EB5255A452}" destId="{2A3827B7-1136-4C54-AD98-CF445ACC219B}" srcOrd="0" destOrd="0" presId="urn:microsoft.com/office/officeart/2005/8/layout/cycle1"/>
+    <dgm:cxn modelId="{2991C2E4-B6BA-46B1-8C2A-AFBB57318D2D}" type="presParOf" srcId="{92131F2E-2CCF-4575-9011-84043A939AEC}" destId="{DDA6DD6D-8500-4572-AD74-15D9DE96C6AA}" srcOrd="0" destOrd="0" presId="urn:microsoft.com/office/officeart/2005/8/layout/cycle1"/>
+    <dgm:cxn modelId="{20595120-AEC0-43A9-B2DA-3AE91E422722}" type="presParOf" srcId="{92131F2E-2CCF-4575-9011-84043A939AEC}" destId="{4E1AC838-F05D-487D-8D01-9527620828A3}" srcOrd="1" destOrd="0" presId="urn:microsoft.com/office/officeart/2005/8/layout/cycle1"/>
+    <dgm:cxn modelId="{B368D76A-ECF4-4D55-AC88-49E6C6A5111A}" type="presParOf" srcId="{92131F2E-2CCF-4575-9011-84043A939AEC}" destId="{BF481B34-A956-4AA1-BF8A-FE346E10B846}" srcOrd="2" destOrd="0" presId="urn:microsoft.com/office/officeart/2005/8/layout/cycle1"/>
+    <dgm:cxn modelId="{1FB72A0A-39B0-4E0F-A681-1196F6F048AD}" type="presParOf" srcId="{92131F2E-2CCF-4575-9011-84043A939AEC}" destId="{D71240F5-0A36-4775-8462-C4FAFF68D969}" srcOrd="3" destOrd="0" presId="urn:microsoft.com/office/officeart/2005/8/layout/cycle1"/>
+    <dgm:cxn modelId="{FFB41DB8-245C-4802-BAF5-1BC7098BD720}" type="presParOf" srcId="{92131F2E-2CCF-4575-9011-84043A939AEC}" destId="{450E53F1-337D-48E6-BD65-6F7CF99A0732}" srcOrd="4" destOrd="0" presId="urn:microsoft.com/office/officeart/2005/8/layout/cycle1"/>
+    <dgm:cxn modelId="{87110B1D-B3F1-4A8A-B2B0-1AF441FE7E01}" type="presParOf" srcId="{92131F2E-2CCF-4575-9011-84043A939AEC}" destId="{B8C9B045-D74E-4E94-8C35-40DDACC3AA2D}" srcOrd="5" destOrd="0" presId="urn:microsoft.com/office/officeart/2005/8/layout/cycle1"/>
+    <dgm:cxn modelId="{111A968B-00C3-4E2B-A0CE-55FED3D15B51}" type="presParOf" srcId="{92131F2E-2CCF-4575-9011-84043A939AEC}" destId="{9DE727A4-389A-4674-BCDF-F2ADE319C686}" srcOrd="6" destOrd="0" presId="urn:microsoft.com/office/officeart/2005/8/layout/cycle1"/>
+    <dgm:cxn modelId="{7AC70B34-18AF-47DE-A033-CB44305354AF}" type="presParOf" srcId="{92131F2E-2CCF-4575-9011-84043A939AEC}" destId="{6F5137E6-F902-4EB9-9E29-8C05D3E70788}" srcOrd="7" destOrd="0" presId="urn:microsoft.com/office/officeart/2005/8/layout/cycle1"/>
+    <dgm:cxn modelId="{F1EFC6A6-42D0-4300-8C0D-8976AEB04CB9}" type="presParOf" srcId="{92131F2E-2CCF-4575-9011-84043A939AEC}" destId="{B9BCD160-E255-4AB4-BB9D-8715E4D17606}" srcOrd="8" destOrd="0" presId="urn:microsoft.com/office/officeart/2005/8/layout/cycle1"/>
+    <dgm:cxn modelId="{ADE79C35-38CB-463B-A655-B86FA6A4F57D}" type="presParOf" srcId="{92131F2E-2CCF-4575-9011-84043A939AEC}" destId="{4A1AF5E7-2505-4AA7-BAB5-64E9D2A05C45}" srcOrd="9" destOrd="0" presId="urn:microsoft.com/office/officeart/2005/8/layout/cycle1"/>
+    <dgm:cxn modelId="{BCC1FA65-E18F-4707-8177-40F996E0E28D}" type="presParOf" srcId="{92131F2E-2CCF-4575-9011-84043A939AEC}" destId="{2A3827B7-1136-4C54-AD98-CF445ACC219B}" srcOrd="10" destOrd="0" presId="urn:microsoft.com/office/officeart/2005/8/layout/cycle1"/>
+    <dgm:cxn modelId="{9F5969A8-6F20-44C0-8BCE-5435DAF1DA19}" type="presParOf" srcId="{92131F2E-2CCF-4575-9011-84043A939AEC}" destId="{4A0B3232-50B7-4DB1-8985-E57229810206}" srcOrd="11" destOrd="0" presId="urn:microsoft.com/office/officeart/2005/8/layout/cycle1"/>
+  </dgm:cxnLst>
+  <dgm:bg>
+    <a:noFill/>
+  </dgm:bg>
+  <dgm:whole>
+    <a:ln>
+      <a:noFill/>
+    </a:ln>
+  </dgm:whole>
+  <dgm:extLst>
+    <a:ext uri="http://schemas.microsoft.com/office/drawing/2008/diagram">
+      <dsp:dataModelExt xmlns:dsp="http://schemas.microsoft.com/office/drawing/2008/diagram" relId="rId6" minVer="http://schemas.openxmlformats.org/drawingml/2006/diagram"/>
+    </a:ext>
+  </dgm:extLst>
+</dgm:dataModel>
+</file>
+
+<file path=ppt/diagrams/drawing1.xml><?xml version="1.0" encoding="utf-8"?>
+<dsp:drawing xmlns:dgm="http://schemas.openxmlformats.org/drawingml/2006/diagram" xmlns:dsp="http://schemas.microsoft.com/office/drawing/2008/diagram" xmlns:a="http://schemas.openxmlformats.org/drawingml/2006/main">
+  <dsp:spTree>
+    <dsp:nvGrpSpPr>
+      <dsp:cNvPr id="0" name=""/>
+      <dsp:cNvGrpSpPr/>
+    </dsp:nvGrpSpPr>
+    <dsp:grpSpPr/>
+    <dsp:sp modelId="{4E1AC838-F05D-487D-8D01-9527620828A3}">
+      <dsp:nvSpPr>
+        <dsp:cNvPr id="0" name=""/>
+        <dsp:cNvSpPr/>
+      </dsp:nvSpPr>
+      <dsp:spPr>
+        <a:xfrm>
+          <a:off x="5041349" y="844716"/>
+          <a:ext cx="1966247" cy="811470"/>
+        </a:xfrm>
+        <a:prstGeom prst="rect">
+          <a:avLst/>
+        </a:prstGeom>
+        <a:noFill/>
+        <a:ln>
+          <a:noFill/>
+        </a:ln>
+        <a:effectLst/>
+      </dsp:spPr>
+      <dsp:style>
+        <a:lnRef idx="0">
+          <a:scrgbClr r="0" g="0" b="0"/>
+        </a:lnRef>
+        <a:fillRef idx="0">
+          <a:scrgbClr r="0" g="0" b="0"/>
+        </a:fillRef>
+        <a:effectRef idx="0">
+          <a:scrgbClr r="0" g="0" b="0"/>
+        </a:effectRef>
+        <a:fontRef idx="minor"/>
+      </dsp:style>
+      <dsp:txBody>
+        <a:bodyPr spcFirstLastPara="0" vert="horz" wrap="square" lIns="36830" tIns="36830" rIns="36830" bIns="36830" numCol="1" spcCol="1270" anchor="ctr" anchorCtr="0">
+          <a:noAutofit/>
+        </a:bodyPr>
+        <a:lstStyle/>
+        <a:p>
+          <a:pPr lvl="0" algn="ctr" defTabSz="1289050">
+            <a:lnSpc>
+              <a:spcPct val="90000"/>
+            </a:lnSpc>
+            <a:spcBef>
+              <a:spcPct val="0"/>
+            </a:spcBef>
+            <a:spcAft>
+              <a:spcPct val="35000"/>
+            </a:spcAft>
+          </a:pPr>
+          <a:r>
+            <a:rPr lang="pt-BR" sz="2900" b="1" i="1" kern="1200" dirty="0" smtClean="0"/>
+            <a:t>Selecionado</a:t>
+          </a:r>
+          <a:endParaRPr lang="pt-BR" sz="2900" b="1" i="1" kern="1200" dirty="0"/>
+        </a:p>
+      </dsp:txBody>
+      <dsp:txXfrm>
+        <a:off x="5041349" y="844716"/>
+        <a:ext cx="1966247" cy="811470"/>
+      </dsp:txXfrm>
+    </dsp:sp>
+    <dsp:sp modelId="{BF481B34-A956-4AA1-BF8A-FE346E10B846}">
+      <dsp:nvSpPr>
+        <dsp:cNvPr id="0" name=""/>
+        <dsp:cNvSpPr/>
+      </dsp:nvSpPr>
+      <dsp:spPr>
+        <a:xfrm>
+          <a:off x="1489684" y="56461"/>
+          <a:ext cx="5550553" cy="5550553"/>
+        </a:xfrm>
+        <a:prstGeom prst="circularArrow">
+          <a:avLst>
+            <a:gd name="adj1" fmla="val 6908"/>
+            <a:gd name="adj2" fmla="val 465804"/>
+            <a:gd name="adj3" fmla="val 1492400"/>
+            <a:gd name="adj4" fmla="val 19807401"/>
+            <a:gd name="adj5" fmla="val 8059"/>
+          </a:avLst>
+        </a:prstGeom>
+        <a:gradFill rotWithShape="0">
+          <a:gsLst>
+            <a:gs pos="0">
+              <a:schemeClr val="accent6">
+                <a:alpha val="90000"/>
+                <a:hueOff val="0"/>
+                <a:satOff val="0"/>
+                <a:lumOff val="0"/>
+                <a:alphaOff val="0"/>
+                <a:tint val="20000"/>
+                <a:satMod val="180000"/>
+                <a:lumMod val="98000"/>
+              </a:schemeClr>
+            </a:gs>
+            <a:gs pos="40000">
+              <a:schemeClr val="accent6">
+                <a:alpha val="90000"/>
+                <a:hueOff val="0"/>
+                <a:satOff val="0"/>
+                <a:lumOff val="0"/>
+                <a:alphaOff val="0"/>
+                <a:tint val="30000"/>
+                <a:satMod val="260000"/>
+                <a:lumMod val="84000"/>
+              </a:schemeClr>
+            </a:gs>
+            <a:gs pos="100000">
+              <a:schemeClr val="accent6">
+                <a:alpha val="90000"/>
+                <a:hueOff val="0"/>
+                <a:satOff val="0"/>
+                <a:lumOff val="0"/>
+                <a:alphaOff val="0"/>
+                <a:tint val="100000"/>
+                <a:satMod val="110000"/>
+              </a:schemeClr>
+            </a:gs>
+          </a:gsLst>
+          <a:lin ang="5040000" scaled="1"/>
+        </a:gradFill>
+        <a:ln>
+          <a:noFill/>
+        </a:ln>
+        <a:effectLst/>
+        <a:scene3d>
+          <a:camera prst="orthographicFront"/>
+          <a:lightRig rig="flat" dir="t"/>
+        </a:scene3d>
+        <a:sp3d prstMaterial="dkEdge">
+          <a:bevelT w="8200" h="38100"/>
+        </a:sp3d>
+      </dsp:spPr>
+      <dsp:style>
+        <a:lnRef idx="0">
+          <a:scrgbClr r="0" g="0" b="0"/>
+        </a:lnRef>
+        <a:fillRef idx="2">
+          <a:scrgbClr r="0" g="0" b="0"/>
+        </a:fillRef>
+        <a:effectRef idx="1">
+          <a:scrgbClr r="0" g="0" b="0"/>
+        </a:effectRef>
+        <a:fontRef idx="minor">
+          <a:schemeClr val="dk1"/>
+        </a:fontRef>
+      </dsp:style>
+    </dsp:sp>
+    <dsp:sp modelId="{450E53F1-337D-48E6-BD65-6F7CF99A0732}">
+      <dsp:nvSpPr>
+        <dsp:cNvPr id="0" name=""/>
+        <dsp:cNvSpPr/>
+      </dsp:nvSpPr>
+      <dsp:spPr>
+        <a:xfrm>
+          <a:off x="4946528" y="4104461"/>
+          <a:ext cx="1966247" cy="761390"/>
+        </a:xfrm>
+        <a:prstGeom prst="rect">
+          <a:avLst/>
+        </a:prstGeom>
+        <a:noFill/>
+        <a:ln>
+          <a:noFill/>
+        </a:ln>
+        <a:effectLst/>
+      </dsp:spPr>
+      <dsp:style>
+        <a:lnRef idx="0">
+          <a:scrgbClr r="0" g="0" b="0"/>
+        </a:lnRef>
+        <a:fillRef idx="0">
+          <a:scrgbClr r="0" g="0" b="0"/>
+        </a:fillRef>
+        <a:effectRef idx="0">
+          <a:scrgbClr r="0" g="0" b="0"/>
+        </a:effectRef>
+        <a:fontRef idx="minor"/>
+      </dsp:style>
+      <dsp:txBody>
+        <a:bodyPr spcFirstLastPara="0" vert="horz" wrap="square" lIns="36830" tIns="36830" rIns="36830" bIns="36830" numCol="1" spcCol="1270" anchor="ctr" anchorCtr="0">
+          <a:noAutofit/>
+        </a:bodyPr>
+        <a:lstStyle/>
+        <a:p>
+          <a:pPr lvl="0" algn="ctr" defTabSz="1289050">
+            <a:lnSpc>
+              <a:spcPct val="90000"/>
+            </a:lnSpc>
+            <a:spcBef>
+              <a:spcPct val="0"/>
+            </a:spcBef>
+            <a:spcAft>
+              <a:spcPct val="35000"/>
+            </a:spcAft>
+          </a:pPr>
+          <a:r>
+            <a:rPr lang="pt-BR" sz="2900" b="1" i="1" kern="1200" dirty="0" smtClean="0"/>
+            <a:t>Resolvendo</a:t>
+          </a:r>
+          <a:endParaRPr lang="pt-BR" sz="2900" b="1" i="1" kern="1200" dirty="0"/>
+        </a:p>
+      </dsp:txBody>
+      <dsp:txXfrm>
+        <a:off x="4946528" y="4104461"/>
+        <a:ext cx="1966247" cy="761390"/>
+      </dsp:txXfrm>
+    </dsp:sp>
+    <dsp:sp modelId="{B8C9B045-D74E-4E94-8C35-40DDACC3AA2D}">
+      <dsp:nvSpPr>
+        <dsp:cNvPr id="0" name=""/>
+        <dsp:cNvSpPr/>
+      </dsp:nvSpPr>
+      <dsp:spPr>
+        <a:xfrm>
+          <a:off x="1503088" y="14591"/>
+          <a:ext cx="5550553" cy="5550553"/>
+        </a:xfrm>
+        <a:prstGeom prst="circularArrow">
+          <a:avLst>
+            <a:gd name="adj1" fmla="val 6908"/>
+            <a:gd name="adj2" fmla="val 465804"/>
+            <a:gd name="adj3" fmla="val 6637928"/>
+            <a:gd name="adj4" fmla="val 3696290"/>
+            <a:gd name="adj5" fmla="val 8059"/>
+          </a:avLst>
+        </a:prstGeom>
+        <a:gradFill rotWithShape="0">
+          <a:gsLst>
+            <a:gs pos="0">
+              <a:schemeClr val="accent6">
+                <a:alpha val="90000"/>
+                <a:hueOff val="0"/>
+                <a:satOff val="0"/>
+                <a:lumOff val="0"/>
+                <a:alphaOff val="-13333"/>
+                <a:tint val="20000"/>
+                <a:satMod val="180000"/>
+                <a:lumMod val="98000"/>
+              </a:schemeClr>
+            </a:gs>
+            <a:gs pos="40000">
+              <a:schemeClr val="accent6">
+                <a:alpha val="90000"/>
+                <a:hueOff val="0"/>
+                <a:satOff val="0"/>
+                <a:lumOff val="0"/>
+                <a:alphaOff val="-13333"/>
+                <a:tint val="30000"/>
+                <a:satMod val="260000"/>
+                <a:lumMod val="84000"/>
+              </a:schemeClr>
+            </a:gs>
+            <a:gs pos="100000">
+              <a:schemeClr val="accent6">
+                <a:alpha val="90000"/>
+                <a:hueOff val="0"/>
+                <a:satOff val="0"/>
+                <a:lumOff val="0"/>
+                <a:alphaOff val="-13333"/>
+                <a:tint val="100000"/>
+                <a:satMod val="110000"/>
+              </a:schemeClr>
+            </a:gs>
+          </a:gsLst>
+          <a:lin ang="5040000" scaled="1"/>
+        </a:gradFill>
+        <a:ln>
+          <a:noFill/>
+        </a:ln>
+        <a:effectLst/>
+        <a:scene3d>
+          <a:camera prst="orthographicFront"/>
+          <a:lightRig rig="flat" dir="t"/>
+        </a:scene3d>
+        <a:sp3d prstMaterial="dkEdge">
+          <a:bevelT w="8200" h="38100"/>
+        </a:sp3d>
+      </dsp:spPr>
+      <dsp:style>
+        <a:lnRef idx="0">
+          <a:scrgbClr r="0" g="0" b="0"/>
+        </a:lnRef>
+        <a:fillRef idx="2">
+          <a:scrgbClr r="0" g="0" b="0"/>
+        </a:fillRef>
+        <a:effectRef idx="1">
+          <a:scrgbClr r="0" g="0" b="0"/>
+        </a:effectRef>
+        <a:fontRef idx="minor">
+          <a:schemeClr val="dk1"/>
+        </a:fontRef>
+      </dsp:style>
+    </dsp:sp>
+    <dsp:sp modelId="{6F5137E6-F902-4EB9-9E29-8C05D3E70788}">
+      <dsp:nvSpPr>
+        <dsp:cNvPr id="0" name=""/>
+        <dsp:cNvSpPr/>
+      </dsp:nvSpPr>
+      <dsp:spPr>
+        <a:xfrm>
+          <a:off x="1656190" y="4104453"/>
+          <a:ext cx="1966247" cy="761390"/>
+        </a:xfrm>
+        <a:prstGeom prst="rect">
+          <a:avLst/>
+        </a:prstGeom>
+        <a:noFill/>
+        <a:ln>
+          <a:noFill/>
+        </a:ln>
+        <a:effectLst/>
+      </dsp:spPr>
+      <dsp:style>
+        <a:lnRef idx="0">
+          <a:scrgbClr r="0" g="0" b="0"/>
+        </a:lnRef>
+        <a:fillRef idx="0">
+          <a:scrgbClr r="0" g="0" b="0"/>
+        </a:fillRef>
+        <a:effectRef idx="0">
+          <a:scrgbClr r="0" g="0" b="0"/>
+        </a:effectRef>
+        <a:fontRef idx="minor"/>
+      </dsp:style>
+      <dsp:txBody>
+        <a:bodyPr spcFirstLastPara="0" vert="horz" wrap="square" lIns="36830" tIns="36830" rIns="36830" bIns="36830" numCol="1" spcCol="1270" anchor="ctr" anchorCtr="0">
+          <a:noAutofit/>
+        </a:bodyPr>
+        <a:lstStyle/>
+        <a:p>
+          <a:pPr lvl="0" algn="ctr" defTabSz="1289050">
+            <a:lnSpc>
+              <a:spcPct val="90000"/>
+            </a:lnSpc>
+            <a:spcBef>
+              <a:spcPct val="0"/>
+            </a:spcBef>
+            <a:spcAft>
+              <a:spcPct val="35000"/>
+            </a:spcAft>
+          </a:pPr>
+          <a:r>
+            <a:rPr lang="pt-BR" sz="2900" b="1" i="1" kern="1200" dirty="0" smtClean="0"/>
+            <a:t>Terminado</a:t>
+          </a:r>
+          <a:endParaRPr lang="pt-BR" sz="2900" b="1" i="1" kern="1200" dirty="0"/>
+        </a:p>
+      </dsp:txBody>
+      <dsp:txXfrm>
+        <a:off x="1656190" y="4104453"/>
+        <a:ext cx="1966247" cy="761390"/>
+      </dsp:txXfrm>
+    </dsp:sp>
+    <dsp:sp modelId="{B9BCD160-E255-4AB4-BB9D-8715E4D17606}">
+      <dsp:nvSpPr>
+        <dsp:cNvPr id="0" name=""/>
+        <dsp:cNvSpPr/>
+      </dsp:nvSpPr>
+      <dsp:spPr>
+        <a:xfrm>
+          <a:off x="1513170" y="29260"/>
+          <a:ext cx="5550553" cy="5544003"/>
+        </a:xfrm>
+        <a:prstGeom prst="circularArrow">
+          <a:avLst>
+            <a:gd name="adj1" fmla="val 6908"/>
+            <a:gd name="adj2" fmla="val 465804"/>
+            <a:gd name="adj3" fmla="val 12196996"/>
+            <a:gd name="adj4" fmla="val 8788825"/>
+            <a:gd name="adj5" fmla="val 8059"/>
+          </a:avLst>
+        </a:prstGeom>
+        <a:gradFill rotWithShape="0">
+          <a:gsLst>
+            <a:gs pos="0">
+              <a:schemeClr val="accent6">
+                <a:alpha val="90000"/>
+                <a:hueOff val="0"/>
+                <a:satOff val="0"/>
+                <a:lumOff val="0"/>
+                <a:alphaOff val="-26667"/>
+                <a:tint val="20000"/>
+                <a:satMod val="180000"/>
+                <a:lumMod val="98000"/>
+              </a:schemeClr>
+            </a:gs>
+            <a:gs pos="40000">
+              <a:schemeClr val="accent6">
+                <a:alpha val="90000"/>
+                <a:hueOff val="0"/>
+                <a:satOff val="0"/>
+                <a:lumOff val="0"/>
+                <a:alphaOff val="-26667"/>
+                <a:tint val="30000"/>
+                <a:satMod val="260000"/>
+                <a:lumMod val="84000"/>
+              </a:schemeClr>
+            </a:gs>
+            <a:gs pos="100000">
+              <a:schemeClr val="accent6">
+                <a:alpha val="90000"/>
+                <a:hueOff val="0"/>
+                <a:satOff val="0"/>
+                <a:lumOff val="0"/>
+                <a:alphaOff val="-26667"/>
+                <a:tint val="100000"/>
+                <a:satMod val="110000"/>
+              </a:schemeClr>
+            </a:gs>
+          </a:gsLst>
+          <a:lin ang="5040000" scaled="1"/>
+        </a:gradFill>
+        <a:ln>
+          <a:noFill/>
+        </a:ln>
+        <a:effectLst/>
+        <a:scene3d>
+          <a:camera prst="orthographicFront"/>
+          <a:lightRig rig="flat" dir="t"/>
+        </a:scene3d>
+        <a:sp3d prstMaterial="dkEdge">
+          <a:bevelT w="8200" h="38100"/>
+        </a:sp3d>
+      </dsp:spPr>
+      <dsp:style>
+        <a:lnRef idx="0">
+          <a:scrgbClr r="0" g="0" b="0"/>
+        </a:lnRef>
+        <a:fillRef idx="2">
+          <a:scrgbClr r="0" g="0" b="0"/>
+        </a:fillRef>
+        <a:effectRef idx="1">
+          <a:scrgbClr r="0" g="0" b="0"/>
+        </a:effectRef>
+        <a:fontRef idx="minor">
+          <a:schemeClr val="dk1"/>
+        </a:fontRef>
+      </dsp:style>
+    </dsp:sp>
+    <dsp:sp modelId="{2A3827B7-1136-4C54-AD98-CF445ACC219B}">
+      <dsp:nvSpPr>
+        <dsp:cNvPr id="0" name=""/>
+        <dsp:cNvSpPr/>
+      </dsp:nvSpPr>
+      <dsp:spPr>
+        <a:xfrm>
+          <a:off x="1584184" y="772702"/>
+          <a:ext cx="1966247" cy="811470"/>
+        </a:xfrm>
+        <a:prstGeom prst="rect">
+          <a:avLst/>
+        </a:prstGeom>
+        <a:solidFill>
+          <a:sysClr val="windowText" lastClr="000000"/>
+        </a:solidFill>
+        <a:ln>
+          <a:noFill/>
+        </a:ln>
+        <a:effectLst/>
+      </dsp:spPr>
+      <dsp:style>
+        <a:lnRef idx="0">
+          <a:scrgbClr r="0" g="0" b="0"/>
+        </a:lnRef>
+        <a:fillRef idx="0">
+          <a:scrgbClr r="0" g="0" b="0"/>
+        </a:fillRef>
+        <a:effectRef idx="0">
+          <a:scrgbClr r="0" g="0" b="0"/>
+        </a:effectRef>
+        <a:fontRef idx="minor"/>
+      </dsp:style>
+      <dsp:txBody>
+        <a:bodyPr spcFirstLastPara="0" vert="horz" wrap="square" lIns="36830" tIns="36830" rIns="36830" bIns="36830" numCol="1" spcCol="1270" anchor="ctr" anchorCtr="0">
+          <a:noAutofit/>
+        </a:bodyPr>
+        <a:lstStyle/>
+        <a:p>
+          <a:pPr lvl="0" algn="ctr" defTabSz="1289050">
+            <a:lnSpc>
+              <a:spcPct val="90000"/>
+            </a:lnSpc>
+            <a:spcBef>
+              <a:spcPct val="0"/>
+            </a:spcBef>
+            <a:spcAft>
+              <a:spcPct val="35000"/>
+            </a:spcAft>
+          </a:pPr>
+          <a:r>
+            <a:rPr lang="pt-BR" sz="2900" b="1" i="1" kern="1200" dirty="0" smtClean="0"/>
+            <a:t>Abertura</a:t>
+          </a:r>
+          <a:endParaRPr lang="pt-BR" sz="2900" b="1" i="1" kern="1200" dirty="0"/>
+        </a:p>
+      </dsp:txBody>
+      <dsp:txXfrm>
+        <a:off x="1584184" y="772702"/>
+        <a:ext cx="1966247" cy="811470"/>
+      </dsp:txXfrm>
+    </dsp:sp>
+    <dsp:sp modelId="{4A0B3232-50B7-4DB1-8985-E57229810206}">
+      <dsp:nvSpPr>
+        <dsp:cNvPr id="0" name=""/>
+        <dsp:cNvSpPr/>
+      </dsp:nvSpPr>
+      <dsp:spPr>
+        <a:xfrm>
+          <a:off x="1473882" y="35354"/>
+          <a:ext cx="5550553" cy="5550553"/>
+        </a:xfrm>
+        <a:prstGeom prst="circularArrow">
+          <a:avLst>
+            <a:gd name="adj1" fmla="val 6908"/>
+            <a:gd name="adj2" fmla="val 465804"/>
+            <a:gd name="adj3" fmla="val 17749412"/>
+            <a:gd name="adj4" fmla="val 14383143"/>
+            <a:gd name="adj5" fmla="val 8059"/>
+          </a:avLst>
+        </a:prstGeom>
+        <a:gradFill rotWithShape="0">
+          <a:gsLst>
+            <a:gs pos="0">
+              <a:schemeClr val="accent6">
+                <a:alpha val="90000"/>
+                <a:hueOff val="0"/>
+                <a:satOff val="0"/>
+                <a:lumOff val="0"/>
+                <a:alphaOff val="-40000"/>
+                <a:tint val="20000"/>
+                <a:satMod val="180000"/>
+                <a:lumMod val="98000"/>
+              </a:schemeClr>
+            </a:gs>
+            <a:gs pos="40000">
+              <a:schemeClr val="accent6">
+                <a:alpha val="90000"/>
+                <a:hueOff val="0"/>
+                <a:satOff val="0"/>
+                <a:lumOff val="0"/>
+                <a:alphaOff val="-40000"/>
+                <a:tint val="30000"/>
+                <a:satMod val="260000"/>
+                <a:lumMod val="84000"/>
+              </a:schemeClr>
+            </a:gs>
+            <a:gs pos="100000">
+              <a:schemeClr val="accent6">
+                <a:alpha val="90000"/>
+                <a:hueOff val="0"/>
+                <a:satOff val="0"/>
+                <a:lumOff val="0"/>
+                <a:alphaOff val="-40000"/>
+                <a:tint val="100000"/>
+                <a:satMod val="110000"/>
+              </a:schemeClr>
+            </a:gs>
+          </a:gsLst>
+          <a:lin ang="5040000" scaled="1"/>
+        </a:gradFill>
+        <a:ln>
+          <a:noFill/>
+        </a:ln>
+        <a:effectLst/>
+        <a:scene3d>
+          <a:camera prst="orthographicFront"/>
+          <a:lightRig rig="flat" dir="t"/>
+        </a:scene3d>
+        <a:sp3d prstMaterial="dkEdge">
+          <a:bevelT w="8200" h="38100"/>
+        </a:sp3d>
+      </dsp:spPr>
+      <dsp:style>
+        <a:lnRef idx="0">
+          <a:scrgbClr r="0" g="0" b="0"/>
+        </a:lnRef>
+        <a:fillRef idx="2">
+          <a:scrgbClr r="0" g="0" b="0"/>
+        </a:fillRef>
+        <a:effectRef idx="1">
+          <a:scrgbClr r="0" g="0" b="0"/>
+        </a:effectRef>
+        <a:fontRef idx="minor">
+          <a:schemeClr val="dk1"/>
+        </a:fontRef>
+      </dsp:style>
+    </dsp:sp>
+  </dsp:spTree>
+</dsp:drawing>
+</file>
+
+<file path=ppt/diagrams/layout1.xml><?xml version="1.0" encoding="utf-8"?>
+<dgm:layoutDef xmlns:dgm="http://schemas.openxmlformats.org/drawingml/2006/diagram" xmlns:a="http://schemas.openxmlformats.org/drawingml/2006/main" uniqueId="urn:microsoft.com/office/officeart/2005/8/layout/cycle1">
+  <dgm:title val=""/>
+  <dgm:desc val=""/>
+  <dgm:catLst>
+    <dgm:cat type="cycle" pri="2000"/>
+  </dgm:catLst>
+  <dgm:sampData>
+    <dgm:dataModel>
+      <dgm:ptLst>
+        <dgm:pt modelId="0" type="doc"/>
+        <dgm:pt modelId="1">
+          <dgm:prSet phldr="1"/>
+        </dgm:pt>
+        <dgm:pt modelId="2">
+          <dgm:prSet phldr="1"/>
+        </dgm:pt>
+        <dgm:pt modelId="3">
+          <dgm:prSet phldr="1"/>
+        </dgm:pt>
+        <dgm:pt modelId="4">
+          <dgm:prSet phldr="1"/>
+        </dgm:pt>
+        <dgm:pt modelId="5">
+          <dgm:prSet phldr="1"/>
+        </dgm:pt>
+      </dgm:ptLst>
+      <dgm:cxnLst>
+        <dgm:cxn modelId="6" srcId="0" destId="1" srcOrd="0" destOrd="0"/>
+        <dgm:cxn modelId="7" srcId="0" destId="2" srcOrd="1" destOrd="0"/>
+        <dgm:cxn modelId="8" srcId="0" destId="3" srcOrd="2" destOrd="0"/>
+        <dgm:cxn modelId="9" srcId="0" destId="4" srcOrd="3" destOrd="0"/>
+        <dgm:cxn modelId="10" srcId="0" destId="5" srcOrd="4" destOrd="0"/>
+      </dgm:cxnLst>
+      <dgm:bg/>
+      <dgm:whole/>
+    </dgm:dataModel>
+  </dgm:sampData>
+  <dgm:styleData>
+    <dgm:dataModel>
+      <dgm:ptLst>
+        <dgm:pt modelId="0" type="doc"/>
+        <dgm:pt modelId="1"/>
+        <dgm:pt modelId="2"/>
+        <dgm:pt modelId="3"/>
+      </dgm:ptLst>
+      <dgm:cxnLst>
+        <dgm:cxn modelId="4" srcId="0" destId="1" srcOrd="0" destOrd="0"/>
+        <dgm:cxn modelId="5" srcId="0" destId="2" srcOrd="1" destOrd="0"/>
+        <dgm:cxn modelId="6" srcId="0" destId="3" srcOrd="2" destOrd="0"/>
+      </dgm:cxnLst>
+      <dgm:bg/>
+      <dgm:whole/>
+    </dgm:dataModel>
+  </dgm:styleData>
+  <dgm:clrData>
+    <dgm:dataModel>
+      <dgm:ptLst>
+        <dgm:pt modelId="0" type="doc"/>
+        <dgm:pt modelId="1"/>
+        <dgm:pt modelId="2"/>
+        <dgm:pt modelId="3"/>
+        <dgm:pt modelId="4"/>
+        <dgm:pt modelId="5"/>
+        <dgm:pt modelId="6"/>
+      </dgm:ptLst>
+      <dgm:cxnLst>
+        <dgm:cxn modelId="7" srcId="0" destId="1" srcOrd="0" destOrd="0"/>
+        <dgm:cxn modelId="8" srcId="0" destId="2" srcOrd="1" destOrd="0"/>
+        <dgm:cxn modelId="9" srcId="0" destId="3" srcOrd="2" destOrd="0"/>
+        <dgm:cxn modelId="10" srcId="0" destId="4" srcOrd="3" destOrd="0"/>
+        <dgm:cxn modelId="11" srcId="0" destId="5" srcOrd="4" destOrd="0"/>
+        <dgm:cxn modelId="12" srcId="0" destId="6" srcOrd="5" destOrd="0"/>
+      </dgm:cxnLst>
+      <dgm:bg/>
+      <dgm:whole/>
+    </dgm:dataModel>
+  </dgm:clrData>
+  <dgm:layoutNode name="cycle">
+    <dgm:varLst>
+      <dgm:dir/>
+      <dgm:resizeHandles val="exact"/>
+    </dgm:varLst>
+    <dgm:choose name="Name0">
+      <dgm:if name="Name1" func="var" arg="dir" op="equ" val="norm">
+        <dgm:alg type="cycle">
+          <dgm:param type="stAng" val="0"/>
+          <dgm:param type="spanAng" val="360"/>
+        </dgm:alg>
+      </dgm:if>
+      <dgm:else name="Name2">
+        <dgm:alg type="cycle">
+          <dgm:param type="stAng" val="0"/>
+          <dgm:param type="spanAng" val="-360"/>
+        </dgm:alg>
+      </dgm:else>
+    </dgm:choose>
+    <dgm:shape xmlns:r="http://schemas.openxmlformats.org/officeDocument/2006/relationships" r:blip="">
+      <dgm:adjLst/>
+    </dgm:shape>
+    <dgm:presOf/>
+    <dgm:choose name="Name3">
+      <dgm:if name="Name4" func="var" arg="dir" op="equ" val="norm">
+        <dgm:constrLst>
+          <dgm:constr type="diam" val="1"/>
+          <dgm:constr type="w" for="ch" forName="node" refType="w"/>
+          <dgm:constr type="w" for="ch" ptType="sibTrans" refType="w" refFor="ch" refForName="node" fact="0.5"/>
+          <dgm:constr type="h" for="ch" ptType="sibTrans" op="equ"/>
+          <dgm:constr type="diam" for="ch" ptType="sibTrans" refType="diam" op="equ"/>
+          <dgm:constr type="sibSp" refType="w" refFor="ch" refForName="node" fact="0.15"/>
+          <dgm:constr type="w" for="ch" forName="dummy" refType="sibSp" fact="2.8"/>
+          <dgm:constr type="primFontSz" for="ch" forName="node" op="equ" val="65"/>
+        </dgm:constrLst>
+      </dgm:if>
+      <dgm:else name="Name5">
+        <dgm:constrLst>
+          <dgm:constr type="diam" val="1"/>
+          <dgm:constr type="w" for="ch" forName="node" refType="w"/>
+          <dgm:constr type="w" for="ch" ptType="sibTrans" refType="w" refFor="ch" refForName="node" fact="0.5"/>
+          <dgm:constr type="h" for="ch" ptType="sibTrans" op="equ"/>
+          <dgm:constr type="diam" for="ch" ptType="sibTrans" refType="diam" op="equ" fact="-1"/>
+          <dgm:constr type="sibSp" refType="w" refFor="ch" refForName="node" fact="0.15"/>
+          <dgm:constr type="w" for="ch" forName="dummy" refType="sibSp" fact="2.8"/>
+          <dgm:constr type="primFontSz" for="ch" forName="node" op="equ" val="65"/>
+        </dgm:constrLst>
+      </dgm:else>
+    </dgm:choose>
+    <dgm:ruleLst>
+      <dgm:rule type="diam" val="INF" fact="NaN" max="NaN"/>
+    </dgm:ruleLst>
+    <dgm:forEach name="nodesForEach" axis="ch" ptType="node">
+      <dgm:choose name="Name6">
+        <dgm:if name="Name7" axis="par ch" ptType="doc node" func="cnt" op="gt" val="1">
+          <dgm:layoutNode name="dummy">
+            <dgm:alg type="sp"/>
+            <dgm:shape xmlns:r="http://schemas.openxmlformats.org/officeDocument/2006/relationships" r:blip="">
+              <dgm:adjLst/>
+            </dgm:shape>
+            <dgm:presOf/>
+            <dgm:constrLst>
+              <dgm:constr type="h" refType="w"/>
+            </dgm:constrLst>
+            <dgm:ruleLst/>
+          </dgm:layoutNode>
+        </dgm:if>
+        <dgm:else name="Name8"/>
+      </dgm:choose>
+      <dgm:layoutNode name="node" styleLbl="revTx">
+        <dgm:varLst>
+          <dgm:bulletEnabled val="1"/>
+        </dgm:varLst>
+        <dgm:alg type="tx">
+          <dgm:param type="txAnchorVertCh" val="mid"/>
+        </dgm:alg>
+        <dgm:shape xmlns:r="http://schemas.openxmlformats.org/officeDocument/2006/relationships" type="rect" r:blip="">
+          <dgm:adjLst/>
+        </dgm:shape>
+        <dgm:presOf axis="desOrSelf" ptType="node"/>
+        <dgm:constrLst>
+          <dgm:constr type="h" refType="w"/>
+          <dgm:constr type="lMarg" refType="primFontSz" fact="0.1"/>
+          <dgm:constr type="rMarg" refType="primFontSz" fact="0.1"/>
+          <dgm:constr type="tMarg" refType="primFontSz" fact="0.1"/>
+          <dgm:constr type="bMarg" refType="primFontSz" fact="0.1"/>
+        </dgm:constrLst>
+        <dgm:ruleLst>
+          <dgm:rule type="primFontSz" val="5" fact="NaN" max="NaN"/>
+        </dgm:ruleLst>
+      </dgm:layoutNode>
+      <dgm:choose name="Name9">
+        <dgm:if name="Name10" axis="par ch" ptType="doc node" func="cnt" op="gt" val="1">
+          <dgm:forEach name="Name11" axis="followSib" ptType="sibTrans" hideLastTrans="0" cnt="1">
+            <dgm:layoutNode name="sibTrans" styleLbl="node1">
+              <dgm:alg type="conn">
+                <dgm:param type="connRout" val="curve"/>
+                <dgm:param type="begPts" val="radial"/>
+                <dgm:param type="endPts" val="radial"/>
+              </dgm:alg>
+              <dgm:shape xmlns:r="http://schemas.openxmlformats.org/officeDocument/2006/relationships" type="conn" r:blip="">
+                <dgm:adjLst/>
+              </dgm:shape>
+              <dgm:presOf axis="self"/>
+              <dgm:constrLst>
+                <dgm:constr type="h" refType="w" fact="0.65"/>
+                <dgm:constr type="begPad"/>
+                <dgm:constr type="endPad"/>
+              </dgm:constrLst>
+              <dgm:ruleLst/>
+            </dgm:layoutNode>
+          </dgm:forEach>
+        </dgm:if>
+        <dgm:else name="Name12"/>
+      </dgm:choose>
+    </dgm:forEach>
+  </dgm:layoutNode>
+</dgm:layoutDef>
+</file>
+
+<file path=ppt/diagrams/quickStyle1.xml><?xml version="1.0" encoding="utf-8"?>
+<dgm:styleDef xmlns:dgm="http://schemas.openxmlformats.org/drawingml/2006/diagram" xmlns:a="http://schemas.openxmlformats.org/drawingml/2006/main" uniqueId="urn:microsoft.com/office/officeart/2005/8/quickstyle/simple3">
+  <dgm:title val=""/>
+  <dgm:desc val=""/>
+  <dgm:catLst>
+    <dgm:cat type="simple" pri="10300"/>
+  </dgm:catLst>
+  <dgm:scene3d>
+    <a:camera prst="orthographicFront"/>
+    <a:lightRig rig="threePt" dir="t"/>
+  </dgm:scene3d>
+  <dgm:styleLbl name="node0">
+    <dgm:scene3d>
+      <a:camera prst="orthographicFront"/>
+      <a:lightRig rig="flat" dir="t"/>
+    </dgm:scene3d>
+    <dgm:sp3d prstMaterial="dkEdge">
+      <a:bevelT w="8200" h="38100"/>
+    </dgm:sp3d>
+    <dgm:txPr/>
+    <dgm:style>
+      <a:lnRef idx="0">
+        <a:scrgbClr r="0" g="0" b="0"/>
+      </a:lnRef>
+      <a:fillRef idx="2">
+        <a:scrgbClr r="0" g="0" b="0"/>
+      </a:fillRef>
+      <a:effectRef idx="1">
+        <a:scrgbClr r="0" g="0" b="0"/>
+      </a:effectRef>
+      <a:fontRef idx="minor">
+        <a:schemeClr val="dk1"/>
+      </a:fontRef>
+    </dgm:style>
+  </dgm:styleLbl>
+  <dgm:styleLbl name="lnNode1">
+    <dgm:scene3d>
+      <a:camera prst="orthographicFront"/>
+      <a:lightRig rig="flat" dir="t"/>
+    </dgm:scene3d>
+    <dgm:sp3d prstMaterial="dkEdge">
+      <a:bevelT w="8200" h="38100"/>
+    </dgm:sp3d>
+    <dgm:txPr/>
+    <dgm:style>
+      <a:lnRef idx="1">
+        <a:scrgbClr r="0" g="0" b="0"/>
+      </a:lnRef>
+      <a:fillRef idx="2">
+        <a:scrgbClr r="0" g="0" b="0"/>
+      </a:fillRef>
+      <a:effectRef idx="0">
+        <a:scrgbClr r="0" g="0" b="0"/>
+      </a:effectRef>
+      <a:fontRef idx="minor">
+        <a:schemeClr val="dk1"/>
+      </a:fontRef>
+    </dgm:style>
+  </dgm:styleLbl>
+  <dgm:styleLbl name="vennNode1">
+    <dgm:scene3d>
+      <a:camera prst="orthographicFront"/>
+      <a:lightRig rig="flat" dir="t"/>
+    </dgm:scene3d>
+    <dgm:sp3d prstMaterial="dkEdge">
+      <a:bevelT w="8200" h="38100"/>
+    </dgm:sp3d>
+    <dgm:txPr/>
+    <dgm:style>
+      <a:lnRef idx="0">
+        <a:scrgbClr r="0" g="0" b="0"/>
+      </a:lnRef>
+      <a:fillRef idx="2">
+        <a:scrgbClr r="0" g="0" b="0"/>
+      </a:fillRef>
+      <a:effectRef idx="0">
+        <a:scrgbClr r="0" g="0" b="0"/>
+      </a:effectRef>
+      <a:fontRef idx="minor">
+        <a:schemeClr val="tx1"/>
+      </a:fontRef>
+    </dgm:style>
+  </dgm:styleLbl>
+  <dgm:styleLbl name="alignNode1">
+    <dgm:scene3d>
+      <a:camera prst="orthographicFront"/>
+      <a:lightRig rig="threePt" dir="t"/>
+    </dgm:scene3d>
+    <dgm:sp3d/>
+    <dgm:txPr/>
+    <dgm:style>
+      <a:lnRef idx="1">
+        <a:scrgbClr r="0" g="0" b="0"/>
+      </a:lnRef>
+      <a:fillRef idx="2">
+        <a:scrgbClr r="0" g="0" b="0"/>
+      </a:fillRef>
+      <a:effectRef idx="1">
+        <a:scrgbClr r="0" g="0" b="0"/>
+      </a:effectRef>
+      <a:fontRef idx="minor">
+        <a:schemeClr val="dk1"/>
+      </a:fontRef>
+    </dgm:style>
+  </dgm:styleLbl>
+  <dgm:styleLbl name="node1">
+    <dgm:scene3d>
+      <a:camera prst="orthographicFront"/>
+      <a:lightRig rig="flat" dir="t"/>
+    </dgm:scene3d>
+    <dgm:sp3d prstMaterial="dkEdge">
+      <a:bevelT w="8200" h="38100"/>
+    </dgm:sp3d>
+    <dgm:txPr/>
+    <dgm:style>
+      <a:lnRef idx="0">
+        <a:scrgbClr r="0" g="0" b="0"/>
+      </a:lnRef>
+      <a:fillRef idx="2">
+        <a:scrgbClr r="0" g="0" b="0"/>
+      </a:fillRef>
+      <a:effectRef idx="1">
+        <a:scrgbClr r="0" g="0" b="0"/>
+      </a:effectRef>
+      <a:fontRef idx="minor">
+        <a:schemeClr val="dk1"/>
+      </a:fontRef>
+    </dgm:style>
+  </dgm:styleLbl>
+  <dgm:styleLbl name="node2">
+    <dgm:scene3d>
+      <a:camera prst="orthographicFront"/>
+      <a:lightRig rig="flat" dir="t"/>
+    </dgm:scene3d>
+    <dgm:sp3d prstMaterial="dkEdge">
+      <a:bevelT w="8200" h="38100"/>
+    </dgm:sp3d>
+    <dgm:txPr/>
+    <dgm:style>
+      <a:lnRef idx="0">
+        <a:scrgbClr r="0" g="0" b="0"/>
+      </a:lnRef>
+      <a:fillRef idx="2">
+        <a:scrgbClr r="0" g="0" b="0"/>
+      </a:fillRef>
+      <a:effectRef idx="1">
+        <a:scrgbClr r="0" g="0" b="0"/>
+      </a:effectRef>
+      <a:fontRef idx="minor">
+        <a:schemeClr val="dk1"/>
+      </a:fontRef>
+    </dgm:style>
+  </dgm:styleLbl>
+  <dgm:styleLbl name="node3">
+    <dgm:scene3d>
+      <a:camera prst="orthographicFront"/>
+      <a:lightRig rig="flat" dir="t"/>
+    </dgm:scene3d>
+    <dgm:sp3d prstMaterial="dkEdge">
+      <a:bevelT w="8200" h="38100"/>
+    </dgm:sp3d>
+    <dgm:txPr/>
+    <dgm:style>
+      <a:lnRef idx="0">
+        <a:scrgbClr r="0" g="0" b="0"/>
+      </a:lnRef>
+      <a:fillRef idx="2">
+        <a:scrgbClr r="0" g="0" b="0"/>
+      </a:fillRef>
+      <a:effectRef idx="1">
+        <a:scrgbClr r="0" g="0" b="0"/>
+      </a:effectRef>
+      <a:fontRef idx="minor">
+        <a:schemeClr val="dk1"/>
+      </a:fontRef>
+    </dgm:style>
+  </dgm:styleLbl>
+  <dgm:styleLbl name="node4">
+    <dgm:scene3d>
+      <a:camera prst="orthographicFront"/>
+      <a:lightRig rig="flat" dir="t"/>
+    </dgm:scene3d>
+    <dgm:sp3d prstMaterial="dkEdge">
+      <a:bevelT w="8200" h="38100"/>
+    </dgm:sp3d>
+    <dgm:txPr/>
+    <dgm:style>
+      <a:lnRef idx="0">
+        <a:scrgbClr r="0" g="0" b="0"/>
+      </a:lnRef>
+      <a:fillRef idx="2">
+        <a:scrgbClr r="0" g="0" b="0"/>
+      </a:fillRef>
+      <a:effectRef idx="1">
+        <a:scrgbClr r="0" g="0" b="0"/>
+      </a:effectRef>
+      <a:fontRef idx="minor">
+        <a:schemeClr val="dk1"/>
+      </a:fontRef>
+    </dgm:style>
+  </dgm:styleLbl>
+  <dgm:styleLbl name="fgImgPlace1">
+    <dgm:scene3d>
+      <a:camera prst="orthographicFront"/>
+      <a:lightRig rig="threePt" dir="t"/>
+    </dgm:scene3d>
+    <dgm:sp3d/>
+    <dgm:txPr/>
+    <dgm:style>
+      <a:lnRef idx="1">
+        <a:scrgbClr r="0" g="0" b="0"/>
+      </a:lnRef>
+      <a:fillRef idx="1">
+        <a:scrgbClr r="0" g="0" b="0"/>
+      </a:fillRef>
+      <a:effectRef idx="1">
+        <a:scrgbClr r="0" g="0" b="0"/>
+      </a:effectRef>
+      <a:fontRef idx="minor"/>
+    </dgm:style>
+  </dgm:styleLbl>
+  <dgm:styleLbl name="alignImgPlace1">
+    <dgm:scene3d>
+      <a:camera prst="orthographicFront"/>
+      <a:lightRig rig="threePt" dir="t"/>
+    </dgm:scene3d>
+    <dgm:sp3d/>
+    <dgm:txPr/>
+    <dgm:style>
+      <a:lnRef idx="1">
+        <a:scrgbClr r="0" g="0" b="0"/>
+      </a:lnRef>
+      <a:fillRef idx="1">
+        <a:scrgbClr r="0" g="0" b="0"/>
+      </a:fillRef>
+      <a:effectRef idx="1">
+        <a:scrgbClr r="0" g="0" b="0"/>
+      </a:effectRef>
+      <a:fontRef idx="minor"/>
+    </dgm:style>
+  </dgm:styleLbl>
+  <dgm:styleLbl name="bgImgPlace1">
+    <dgm:scene3d>
+      <a:camera prst="orthographicFront"/>
+      <a:lightRig rig="threePt" dir="t"/>
+    </dgm:scene3d>
+    <dgm:sp3d/>
+    <dgm:txPr/>
+    <dgm:style>
+      <a:lnRef idx="1">
+        <a:scrgbClr r="0" g="0" b="0"/>
+      </a:lnRef>
+      <a:fillRef idx="1">
+        <a:scrgbClr r="0" g="0" b="0"/>
+      </a:fillRef>
+      <a:effectRef idx="1">
+        <a:scrgbClr r="0" g="0" b="0"/>
+      </a:effectRef>
+      <a:fontRef idx="minor"/>
+    </dgm:style>
+  </dgm:styleLbl>
+  <dgm:styleLbl name="sibTrans2D1">
+    <dgm:scene3d>
+      <a:camera prst="orthographicFront"/>
+      <a:lightRig rig="threePt" dir="t"/>
+    </dgm:scene3d>
+    <dgm:sp3d/>
+    <dgm:txPr/>
+    <dgm:style>
+      <a:lnRef idx="0">
+        <a:scrgbClr r="0" g="0" b="0"/>
+      </a:lnRef>
+      <a:fillRef idx="2">
+        <a:scrgbClr r="0" g="0" b="0"/>
+      </a:fillRef>
+      <a:effectRef idx="1">
+        <a:scrgbClr r="0" g="0" b="0"/>
+      </a:effectRef>
+      <a:fontRef idx="minor">
+        <a:schemeClr val="dk1"/>
+      </a:fontRef>
+    </dgm:style>
+  </dgm:styleLbl>
+  <dgm:styleLbl name="fgSibTrans2D1">
+    <dgm:scene3d>
+      <a:camera prst="orthographicFront"/>
+      <a:lightRig rig="threePt" dir="t"/>
+    </dgm:scene3d>
+    <dgm:sp3d/>
+    <dgm:txPr/>
+    <dgm:style>
+      <a:lnRef idx="0">
+        <a:scrgbClr r="0" g="0" b="0"/>
+      </a:lnRef>
+      <a:fillRef idx="2">
+        <a:scrgbClr r="0" g="0" b="0"/>
+      </a:fillRef>
+      <a:effectRef idx="1">
+        <a:scrgbClr r="0" g="0" b="0"/>
+      </a:effectRef>
+      <a:fontRef idx="minor">
+        <a:schemeClr val="dk1"/>
+      </a:fontRef>
+    </dgm:style>
+  </dgm:styleLbl>
+  <dgm:styleLbl name="bgSibTrans2D1">
+    <dgm:scene3d>
+      <a:camera prst="orthographicFront"/>
+      <a:lightRig rig="threePt" dir="t"/>
+    </dgm:scene3d>
+    <dgm:sp3d/>
+    <dgm:txPr/>
+    <dgm:style>
+      <a:lnRef idx="0">
+        <a:scrgbClr r="0" g="0" b="0"/>
+      </a:lnRef>
+      <a:fillRef idx="2">
+        <a:scrgbClr r="0" g="0" b="0"/>
+      </a:fillRef>
+      <a:effectRef idx="1">
+        <a:scrgbClr r="0" g="0" b="0"/>
+      </a:effectRef>
+      <a:fontRef idx="minor">
+        <a:schemeClr val="dk1"/>
+      </a:fontRef>
+    </dgm:style>
+  </dgm:styleLbl>
+  <dgm:styleLbl name="sibTrans1D1">
+    <dgm:scene3d>
+      <a:camera prst="orthographicFront"/>
+      <a:lightRig rig="threePt" dir="t"/>
+    </dgm:scene3d>
+    <dgm:sp3d/>
+    <dgm:txPr/>
+    <dgm:style>
+      <a:lnRef idx="1">
+        <a:scrgbClr r="0" g="0" b="0"/>
+      </a:lnRef>
+      <a:fillRef idx="0">
+        <a:scrgbClr r="0" g="0" b="0"/>
+      </a:fillRef>
+      <a:effectRef idx="0">
+        <a:scrgbClr r="0" g="0" b="0"/>
+      </a:effectRef>
+      <a:fontRef idx="minor"/>
+    </dgm:style>
+  </dgm:styleLbl>
+  <dgm:styleLbl name="callout">
+    <dgm:scene3d>
+      <a:camera prst="orthographicFront"/>
+      <a:lightRig rig="threePt" dir="t"/>
+    </dgm:scene3d>
+    <dgm:sp3d/>
+    <dgm:txPr/>
+    <dgm:style>
+      <a:lnRef idx="1">
+        <a:scrgbClr r="0" g="0" b="0"/>
+      </a:lnRef>
+      <a:fillRef idx="2">
+        <a:scrgbClr r="0" g="0" b="0"/>
+      </a:fillRef>
+      <a:effectRef idx="1">
+        <a:scrgbClr r="0" g="0" b="0"/>
+      </a:effectRef>
+      <a:fontRef idx="minor"/>
+    </dgm:style>
+  </dgm:styleLbl>
+  <dgm:styleLbl name="asst0">
+    <dgm:scene3d>
+      <a:camera prst="orthographicFront"/>
+      <a:lightRig rig="flat" dir="t"/>
+    </dgm:scene3d>
+    <dgm:sp3d prstMaterial="dkEdge">
+      <a:bevelT w="8200" h="38100"/>
+    </dgm:sp3d>
+    <dgm:txPr/>
+    <dgm:style>
+      <a:lnRef idx="0">
+        <a:scrgbClr r="0" g="0" b="0"/>
+      </a:lnRef>
+      <a:fillRef idx="2">
+        <a:scrgbClr r="0" g="0" b="0"/>
+      </a:fillRef>
+      <a:effectRef idx="1">
+        <a:scrgbClr r="0" g="0" b="0"/>
+      </a:effectRef>
+      <a:fontRef idx="minor">
+        <a:schemeClr val="dk1"/>
+      </a:fontRef>
+    </dgm:style>
+  </dgm:styleLbl>
+  <dgm:styleLbl name="asst1">
+    <dgm:scene3d>
+      <a:camera prst="orthographicFront"/>
+      <a:lightRig rig="flat" dir="t"/>
+    </dgm:scene3d>
+    <dgm:sp3d prstMaterial="dkEdge">
+      <a:bevelT w="8200" h="38100"/>
+    </dgm:sp3d>
+    <dgm:txPr/>
+    <dgm:style>
+      <a:lnRef idx="0">
+        <a:scrgbClr r="0" g="0" b="0"/>
+      </a:lnRef>
+      <a:fillRef idx="2">
+        <a:scrgbClr r="0" g="0" b="0"/>
+      </a:fillRef>
+      <a:effectRef idx="1">
+        <a:scrgbClr r="0" g="0" b="0"/>
+      </a:effectRef>
+      <a:fontRef idx="minor">
+        <a:schemeClr val="dk1"/>
+      </a:fontRef>
+    </dgm:style>
+  </dgm:styleLbl>
+  <dgm:styleLbl name="asst2">
+    <dgm:scene3d>
+      <a:camera prst="orthographicFront"/>
+      <a:lightRig rig="flat" dir="t"/>
+    </dgm:scene3d>
+    <dgm:sp3d prstMaterial="dkEdge">
+      <a:bevelT w="8200" h="38100"/>
+    </dgm:sp3d>
+    <dgm:txPr/>
+    <dgm:style>
+      <a:lnRef idx="0">
+        <a:scrgbClr r="0" g="0" b="0"/>
+      </a:lnRef>
+      <a:fillRef idx="2">
+        <a:scrgbClr r="0" g="0" b="0"/>
+      </a:fillRef>
+      <a:effectRef idx="1">
+        <a:scrgbClr r="0" g="0" b="0"/>
+      </a:effectRef>
+      <a:fontRef idx="minor">
+        <a:schemeClr val="dk1"/>
+      </a:fontRef>
+    </dgm:style>
+  </dgm:styleLbl>
+  <dgm:styleLbl name="asst3">
+    <dgm:scene3d>
+      <a:camera prst="orthographicFront"/>
+      <a:lightRig rig="flat" dir="t"/>
+    </dgm:scene3d>
+    <dgm:sp3d prstMaterial="dkEdge">
+      <a:bevelT w="8200" h="38100"/>
+    </dgm:sp3d>
+    <dgm:txPr/>
+    <dgm:style>
+      <a:lnRef idx="0">
+        <a:scrgbClr r="0" g="0" b="0"/>
+      </a:lnRef>
+      <a:fillRef idx="2">
+        <a:scrgbClr r="0" g="0" b="0"/>
+      </a:fillRef>
+      <a:effectRef idx="1">
+        <a:scrgbClr r="0" g="0" b="0"/>
+      </a:effectRef>
+      <a:fontRef idx="minor">
+        <a:schemeClr val="dk1"/>
+      </a:fontRef>
+    </dgm:style>
+  </dgm:styleLbl>
+  <dgm:styleLbl name="asst4">
+    <dgm:scene3d>
+      <a:camera prst="orthographicFront"/>
+      <a:lightRig rig="flat" dir="t"/>
+    </dgm:scene3d>
+    <dgm:sp3d prstMaterial="dkEdge">
+      <a:bevelT w="8200" h="38100"/>
+    </dgm:sp3d>
+    <dgm:txPr/>
+    <dgm:style>
+      <a:lnRef idx="0">
+        <a:scrgbClr r="0" g="0" b="0"/>
+      </a:lnRef>
+      <a:fillRef idx="2">
+        <a:scrgbClr r="0" g="0" b="0"/>
+      </a:fillRef>
+      <a:effectRef idx="1">
+        <a:scrgbClr r="0" g="0" b="0"/>
+      </a:effectRef>
+      <a:fontRef idx="minor">
+        <a:schemeClr val="dk1"/>
+      </a:fontRef>
+    </dgm:style>
+  </dgm:styleLbl>
+  <dgm:styleLbl name="parChTrans2D1">
+    <dgm:scene3d>
+      <a:camera prst="orthographicFront"/>
+      <a:lightRig rig="threePt" dir="t"/>
+    </dgm:scene3d>
+    <dgm:sp3d/>
+    <dgm:txPr/>
+    <dgm:style>
+      <a:lnRef idx="1">
+        <a:scrgbClr r="0" g="0" b="0"/>
+      </a:lnRef>
+      <a:fillRef idx="2">
+        <a:scrgbClr r="0" g="0" b="0"/>
+      </a:fillRef>
+      <a:effectRef idx="1">
+        <a:scrgbClr r="0" g="0" b="0"/>
+      </a:effectRef>
+      <a:fontRef idx="minor">
+        <a:schemeClr val="dk1"/>
+      </a:fontRef>
+    </dgm:style>
+  </dgm:styleLbl>
+  <dgm:styleLbl name="parChTrans2D2">
+    <dgm:scene3d>
+      <a:camera prst="orthographicFront"/>
+      <a:lightRig rig="threePt" dir="t"/>
+    </dgm:scene3d>
+    <dgm:sp3d/>
+    <dgm:txPr/>
+    <dgm:style>
+      <a:lnRef idx="1">
+        <a:scrgbClr r="0" g="0" b="0"/>
+      </a:lnRef>
+      <a:fillRef idx="2">
+        <a:scrgbClr r="0" g="0" b="0"/>
+      </a:fillRef>
+      <a:effectRef idx="1">
+        <a:scrgbClr r="0" g="0" b="0"/>
+      </a:effectRef>
+      <a:fontRef idx="minor">
+        <a:schemeClr val="dk1"/>
+      </a:fontRef>
+    </dgm:style>
+  </dgm:styleLbl>
+  <dgm:styleLbl name="parChTrans2D3">
+    <dgm:scene3d>
+      <a:camera prst="orthographicFront"/>
+      <a:lightRig rig="threePt" dir="t"/>
+    </dgm:scene3d>
+    <dgm:sp3d/>
+    <dgm:txPr/>
+    <dgm:style>
+      <a:lnRef idx="1">
+        <a:scrgbClr r="0" g="0" b="0"/>
+      </a:lnRef>
+      <a:fillRef idx="2">
+        <a:scrgbClr r="0" g="0" b="0"/>
+      </a:fillRef>
+      <a:effectRef idx="1">
+        <a:scrgbClr r="0" g="0" b="0"/>
+      </a:effectRef>
+      <a:fontRef idx="minor">
+        <a:schemeClr val="dk1"/>
+      </a:fontRef>
+    </dgm:style>
+  </dgm:styleLbl>
+  <dgm:styleLbl name="parChTrans2D4">
+    <dgm:scene3d>
+      <a:camera prst="orthographicFront"/>
+      <a:lightRig rig="threePt" dir="t"/>
+    </dgm:scene3d>
+    <dgm:sp3d/>
+    <dgm:txPr/>
+    <dgm:style>
+      <a:lnRef idx="1">
+        <a:scrgbClr r="0" g="0" b="0"/>
+      </a:lnRef>
+      <a:fillRef idx="2">
+        <a:scrgbClr r="0" g="0" b="0"/>
+      </a:fillRef>
+      <a:effectRef idx="1">
+        <a:scrgbClr r="0" g="0" b="0"/>
+      </a:effectRef>
+      <a:fontRef idx="minor">
+        <a:schemeClr val="dk1"/>
+      </a:fontRef>
+    </dgm:style>
+  </dgm:styleLbl>
+  <dgm:styleLbl name="parChTrans1D1">
+    <dgm:scene3d>
+      <a:camera prst="orthographicFront"/>
+      <a:lightRig rig="threePt" dir="t"/>
+    </dgm:scene3d>
+    <dgm:sp3d/>
+    <dgm:txPr/>
+    <dgm:style>
+      <a:lnRef idx="2">
+        <a:scrgbClr r="0" g="0" b="0"/>
+      </a:lnRef>
+      <a:fillRef idx="0">
+        <a:scrgbClr r="0" g="0" b="0"/>
+      </a:fillRef>
+      <a:effectRef idx="0">
+        <a:scrgbClr r="0" g="0" b="0"/>
+      </a:effectRef>
+      <a:fontRef idx="minor"/>
+    </dgm:style>
+  </dgm:styleLbl>
+  <dgm:styleLbl name="parChTrans1D2">
+    <dgm:scene3d>
+      <a:camera prst="orthographicFront"/>
+      <a:lightRig rig="threePt" dir="t"/>
+    </dgm:scene3d>
+    <dgm:sp3d/>
+    <dgm:txPr/>
+    <dgm:style>
+      <a:lnRef idx="2">
+        <a:scrgbClr r="0" g="0" b="0"/>
+      </a:lnRef>
+      <a:fillRef idx="0">
+        <a:scrgbClr r="0" g="0" b="0"/>
+      </a:fillRef>
+      <a:effectRef idx="0">
+        <a:scrgbClr r="0" g="0" b="0"/>
+      </a:effectRef>
+      <a:fontRef idx="minor"/>
+    </dgm:style>
+  </dgm:styleLbl>
+  <dgm:styleLbl name="parChTrans1D3">
+    <dgm:scene3d>
+      <a:camera prst="orthographicFront"/>
+      <a:lightRig rig="threePt" dir="t"/>
+    </dgm:scene3d>
+    <dgm:sp3d/>
+    <dgm:txPr/>
+    <dgm:style>
+      <a:lnRef idx="2">
+        <a:scrgbClr r="0" g="0" b="0"/>
+      </a:lnRef>
+      <a:fillRef idx="0">
+        <a:scrgbClr r="0" g="0" b="0"/>
+      </a:fillRef>
+      <a:effectRef idx="0">
+        <a:scrgbClr r="0" g="0" b="0"/>
+      </a:effectRef>
+      <a:fontRef idx="minor"/>
+    </dgm:style>
+  </dgm:styleLbl>
+  <dgm:styleLbl name="parChTrans1D4">
+    <dgm:scene3d>
+      <a:camera prst="orthographicFront"/>
+      <a:lightRig rig="threePt" dir="t"/>
+    </dgm:scene3d>
+    <dgm:sp3d/>
+    <dgm:txPr/>
+    <dgm:style>
+      <a:lnRef idx="2">
+        <a:scrgbClr r="0" g="0" b="0"/>
+      </a:lnRef>
+      <a:fillRef idx="0">
+        <a:scrgbClr r="0" g="0" b="0"/>
+      </a:fillRef>
+      <a:effectRef idx="0">
+        <a:scrgbClr r="0" g="0" b="0"/>
+      </a:effectRef>
+      <a:fontRef idx="minor"/>
+    </dgm:style>
+  </dgm:styleLbl>
+  <dgm:styleLbl name="fgAcc1">
+    <dgm:scene3d>
+      <a:camera prst="orthographicFront"/>
+      <a:lightRig rig="threePt" dir="t"/>
+    </dgm:scene3d>
+    <dgm:sp3d/>
+    <dgm:txPr/>
+    <dgm:style>
+      <a:lnRef idx="1">
+        <a:scrgbClr r="0" g="0" b="0"/>
+      </a:lnRef>
+      <a:fillRef idx="1">
+        <a:scrgbClr r="0" g="0" b="0"/>
+      </a:fillRef>
+      <a:effectRef idx="0">
+        <a:scrgbClr r="0" g="0" b="0"/>
+      </a:effectRef>
+      <a:fontRef idx="minor"/>
+    </dgm:style>
+  </dgm:styleLbl>
+  <dgm:styleLbl name="conFgAcc1">
+    <dgm:scene3d>
+      <a:camera prst="orthographicFront"/>
+      <a:lightRig rig="threePt" dir="t"/>
+    </dgm:scene3d>
+    <dgm:sp3d/>
+    <dgm:txPr/>
+    <dgm:style>
+      <a:lnRef idx="1">
+        <a:scrgbClr r="0" g="0" b="0"/>
+      </a:lnRef>
+      <a:fillRef idx="1">
+        <a:scrgbClr r="0" g="0" b="0"/>
+      </a:fillRef>
+      <a:effectRef idx="0">
+        <a:scrgbClr r="0" g="0" b="0"/>
+      </a:effectRef>
+      <a:fontRef idx="minor"/>
+    </dgm:style>
+  </dgm:styleLbl>
+  <dgm:styleLbl name="alignAcc1">
+    <dgm:scene3d>
+      <a:camera prst="orthographicFront"/>
+      <a:lightRig rig="threePt" dir="t"/>
+    </dgm:scene3d>
+    <dgm:sp3d/>
+    <dgm:txPr/>
+    <dgm:style>
+      <a:lnRef idx="1">
+        <a:scrgbClr r="0" g="0" b="0"/>
+      </a:lnRef>
+      <a:fillRef idx="1">
+        <a:scrgbClr r="0" g="0" b="0"/>
+      </a:fillRef>
+      <a:effectRef idx="0">
+        <a:scrgbClr r="0" g="0" b="0"/>
+      </a:effectRef>
+      <a:fontRef idx="minor"/>
+    </dgm:style>
+  </dgm:styleLbl>
+  <dgm:styleLbl name="trAlignAcc1">
+    <dgm:scene3d>
+      <a:camera prst="orthographicFront"/>
+      <a:lightRig rig="threePt" dir="t"/>
+    </dgm:scene3d>
+    <dgm:sp3d/>
+    <dgm:txPr/>
+    <dgm:style>
+      <a:lnRef idx="1">
+        <a:scrgbClr r="0" g="0" b="0"/>
+      </a:lnRef>
+      <a:fillRef idx="1">
+        <a:scrgbClr r="0" g="0" b="0"/>
+      </a:fillRef>
+      <a:effectRef idx="0">
+        <a:scrgbClr r="0" g="0" b="0"/>
+      </a:effectRef>
+      <a:fontRef idx="minor"/>
+    </dgm:style>
+  </dgm:styleLbl>
+  <dgm:styleLbl name="bgAcc1">
+    <dgm:scene3d>
+      <a:camera prst="orthographicFront"/>
+      <a:lightRig rig="threePt" dir="t"/>
+    </dgm:scene3d>
+    <dgm:sp3d/>
+    <dgm:txPr/>
+    <dgm:style>
+      <a:lnRef idx="1">
+        <a:scrgbClr r="0" g="0" b="0"/>
+      </a:lnRef>
+      <a:fillRef idx="1">
+        <a:scrgbClr r="0" g="0" b="0"/>
+      </a:fillRef>
+      <a:effectRef idx="0">
+        <a:scrgbClr r="0" g="0" b="0"/>
+      </a:effectRef>
+      <a:fontRef idx="minor"/>
+    </dgm:style>
+  </dgm:styleLbl>
+  <dgm:styleLbl name="solidFgAcc1">
+    <dgm:scene3d>
+      <a:camera prst="orthographicFront"/>
+      <a:lightRig rig="threePt" dir="t"/>
+    </dgm:scene3d>
+    <dgm:sp3d/>
+    <dgm:txPr/>
+    <dgm:style>
+      <a:lnRef idx="1">
+        <a:scrgbClr r="0" g="0" b="0"/>
+      </a:lnRef>
+      <a:fillRef idx="2">
+        <a:scrgbClr r="0" g="0" b="0"/>
+      </a:fillRef>
+      <a:effectRef idx="0">
+        <a:scrgbClr r="0" g="0" b="0"/>
+      </a:effectRef>
+      <a:fontRef idx="minor"/>
+    </dgm:style>
+  </dgm:styleLbl>
+  <dgm:styleLbl name="solidAlignAcc1">
+    <dgm:scene3d>
+      <a:camera prst="orthographicFront"/>
+      <a:lightRig rig="threePt" dir="t"/>
+    </dgm:scene3d>
+    <dgm:sp3d/>
+    <dgm:txPr/>
+    <dgm:style>
+      <a:lnRef idx="1">
+        <a:scrgbClr r="0" g="0" b="0"/>
+      </a:lnRef>
+      <a:fillRef idx="1">
+        <a:scrgbClr r="0" g="0" b="0"/>
+      </a:fillRef>
+      <a:effectRef idx="0">
+        <a:scrgbClr r="0" g="0" b="0"/>
+      </a:effectRef>
+      <a:fontRef idx="minor"/>
+    </dgm:style>
+  </dgm:styleLbl>
+  <dgm:styleLbl name="solidBgAcc1">
+    <dgm:scene3d>
+      <a:camera prst="orthographicFront"/>
+      <a:lightRig rig="threePt" dir="t"/>
+    </dgm:scene3d>
+    <dgm:sp3d/>
+    <dgm:txPr/>
+    <dgm:style>
+      <a:lnRef idx="1">
+        <a:scrgbClr r="0" g="0" b="0"/>
+      </a:lnRef>
+      <a:fillRef idx="1">
+        <a:scrgbClr r="0" g="0" b="0"/>
+      </a:fillRef>
+      <a:effectRef idx="0">
+        <a:scrgbClr r="0" g="0" b="0"/>
+      </a:effectRef>
+      <a:fontRef idx="minor"/>
+    </dgm:style>
+  </dgm:styleLbl>
+  <dgm:styleLbl name="fgAccFollowNode1">
+    <dgm:scene3d>
+      <a:camera prst="orthographicFront"/>
+      <a:lightRig rig="threePt" dir="t"/>
+    </dgm:scene3d>
+    <dgm:sp3d/>
+    <dgm:txPr/>
+    <dgm:style>
+      <a:lnRef idx="1">
+        <a:scrgbClr r="0" g="0" b="0"/>
+      </a:lnRef>
+      <a:fillRef idx="1">
+        <a:scrgbClr r="0" g="0" b="0"/>
+      </a:fillRef>
+      <a:effectRef idx="0">
+        <a:scrgbClr r="0" g="0" b="0"/>
+      </a:effectRef>
+      <a:fontRef idx="minor"/>
+    </dgm:style>
+  </dgm:styleLbl>
+  <dgm:styleLbl name="alignAccFollowNode1">
+    <dgm:scene3d>
+      <a:camera prst="orthographicFront"/>
+      <a:lightRig rig="threePt" dir="t"/>
+    </dgm:scene3d>
+    <dgm:sp3d/>
+    <dgm:txPr/>
+    <dgm:style>
+      <a:lnRef idx="1">
+        <a:scrgbClr r="0" g="0" b="0"/>
+      </a:lnRef>
+      <a:fillRef idx="1">
+        <a:scrgbClr r="0" g="0" b="0"/>
+      </a:fillRef>
+      <a:effectRef idx="0">
+        <a:scrgbClr r="0" g="0" b="0"/>
+      </a:effectRef>
+      <a:fontRef idx="minor"/>
+    </dgm:style>
+  </dgm:styleLbl>
+  <dgm:styleLbl name="bgAccFollowNode1">
+    <dgm:scene3d>
+      <a:camera prst="orthographicFront"/>
+      <a:lightRig rig="threePt" dir="t"/>
+    </dgm:scene3d>
+    <dgm:sp3d/>
+    <dgm:txPr/>
+    <dgm:style>
+      <a:lnRef idx="1">
+        <a:scrgbClr r="0" g="0" b="0"/>
+      </a:lnRef>
+      <a:fillRef idx="1">
+        <a:scrgbClr r="0" g="0" b="0"/>
+      </a:fillRef>
+      <a:effectRef idx="0">
+        <a:scrgbClr r="0" g="0" b="0"/>
+      </a:effectRef>
+      <a:fontRef idx="minor"/>
+    </dgm:style>
+  </dgm:styleLbl>
+  <dgm:styleLbl name="fgAcc0">
+    <dgm:scene3d>
+      <a:camera prst="orthographicFront"/>
+      <a:lightRig rig="threePt" dir="t"/>
+    </dgm:scene3d>
+    <dgm:sp3d/>
+    <dgm:txPr/>
+    <dgm:style>
+      <a:lnRef idx="1">
+        <a:scrgbClr r="0" g="0" b="0"/>
+      </a:lnRef>
+      <a:fillRef idx="1">
+        <a:scrgbClr r="0" g="0" b="0"/>
+      </a:fillRef>
+      <a:effectRef idx="0">
+        <a:scrgbClr r="0" g="0" b="0"/>
+      </a:effectRef>
+      <a:fontRef idx="minor"/>
+    </dgm:style>
+  </dgm:styleLbl>
+  <dgm:styleLbl name="fgAcc2">
+    <dgm:scene3d>
+      <a:camera prst="orthographicFront"/>
+      <a:lightRig rig="threePt" dir="t"/>
+    </dgm:scene3d>
+    <dgm:sp3d/>
+    <dgm:txPr/>
+    <dgm:style>
+      <a:lnRef idx="1">
+        <a:scrgbClr r="0" g="0" b="0"/>
+      </a:lnRef>
+      <a:fillRef idx="1">
+        <a:scrgbClr r="0" g="0" b="0"/>
+      </a:fillRef>
+      <a:effectRef idx="0">
+        <a:scrgbClr r="0" g="0" b="0"/>
+      </a:effectRef>
+      <a:fontRef idx="minor"/>
+    </dgm:style>
+  </dgm:styleLbl>
+  <dgm:styleLbl name="fgAcc3">
+    <dgm:scene3d>
+      <a:camera prst="orthographicFront"/>
+      <a:lightRig rig="threePt" dir="t"/>
+    </dgm:scene3d>
+    <dgm:sp3d/>
+    <dgm:txPr/>
+    <dgm:style>
+      <a:lnRef idx="1">
+        <a:scrgbClr r="0" g="0" b="0"/>
+      </a:lnRef>
+      <a:fillRef idx="1">
+        <a:scrgbClr r="0" g="0" b="0"/>
+      </a:fillRef>
+      <a:effectRef idx="0">
+        <a:scrgbClr r="0" g="0" b="0"/>
+      </a:effectRef>
+      <a:fontRef idx="minor"/>
+    </dgm:style>
+  </dgm:styleLbl>
+  <dgm:styleLbl name="fgAcc4">
+    <dgm:scene3d>
+      <a:camera prst="orthographicFront"/>
+      <a:lightRig rig="threePt" dir="t"/>
+    </dgm:scene3d>
+    <dgm:sp3d/>
+    <dgm:txPr/>
+    <dgm:style>
+      <a:lnRef idx="1">
+        <a:scrgbClr r="0" g="0" b="0"/>
+      </a:lnRef>
+      <a:fillRef idx="1">
+        <a:scrgbClr r="0" g="0" b="0"/>
+      </a:fillRef>
+      <a:effectRef idx="0">
+        <a:scrgbClr r="0" g="0" b="0"/>
+      </a:effectRef>
+      <a:fontRef idx="minor"/>
+    </dgm:style>
+  </dgm:styleLbl>
+  <dgm:styleLbl name="bgShp">
+    <dgm:scene3d>
+      <a:camera prst="orthographicFront"/>
+      <a:lightRig rig="threePt" dir="t"/>
+    </dgm:scene3d>
+    <dgm:sp3d/>
+    <dgm:txPr/>
+    <dgm:style>
+      <a:lnRef idx="0">
+        <a:scrgbClr r="0" g="0" b="0"/>
+      </a:lnRef>
+      <a:fillRef idx="1">
+        <a:scrgbClr r="0" g="0" b="0"/>
+      </a:fillRef>
+      <a:effectRef idx="1">
+        <a:scrgbClr r="0" g="0" b="0"/>
+      </a:effectRef>
+      <a:fontRef idx="minor"/>
+    </dgm:style>
+  </dgm:styleLbl>
+  <dgm:styleLbl name="dkBgShp">
+    <dgm:scene3d>
+      <a:camera prst="orthographicFront"/>
+      <a:lightRig rig="threePt" dir="t"/>
+    </dgm:scene3d>
+    <dgm:sp3d/>
+    <dgm:txPr/>
+    <dgm:style>
+      <a:lnRef idx="0">
+        <a:scrgbClr r="0" g="0" b="0"/>
+      </a:lnRef>
+      <a:fillRef idx="1">
+        <a:scrgbClr r="0" g="0" b="0"/>
+      </a:fillRef>
+      <a:effectRef idx="1">
+        <a:scrgbClr r="0" g="0" b="0"/>
+      </a:effectRef>
+      <a:fontRef idx="minor"/>
+    </dgm:style>
+  </dgm:styleLbl>
+  <dgm:styleLbl name="trBgShp">
+    <dgm:scene3d>
+      <a:camera prst="orthographicFront"/>
+      <a:lightRig rig="threePt" dir="t"/>
+    </dgm:scene3d>
+    <dgm:sp3d/>
+    <dgm:txPr/>
+    <dgm:style>
+      <a:lnRef idx="0">
+        <a:scrgbClr r="0" g="0" b="0"/>
+      </a:lnRef>
+      <a:fillRef idx="1">
+        <a:scrgbClr r="0" g="0" b="0"/>
+      </a:fillRef>
+      <a:effectRef idx="0">
+        <a:scrgbClr r="0" g="0" b="0"/>
+      </a:effectRef>
+      <a:fontRef idx="minor"/>
+    </dgm:style>
+  </dgm:styleLbl>
+  <dgm:styleLbl name="fgShp">
+    <dgm:scene3d>
+      <a:camera prst="orthographicFront"/>
+      <a:lightRig rig="flat" dir="t"/>
+    </dgm:scene3d>
+    <dgm:sp3d prstMaterial="dkEdge">
+      <a:bevelT w="8200" h="38100"/>
+    </dgm:sp3d>
+    <dgm:txPr/>
+    <dgm:style>
+      <a:lnRef idx="1">
+        <a:scrgbClr r="0" g="0" b="0"/>
+      </a:lnRef>
+      <a:fillRef idx="2">
+        <a:scrgbClr r="0" g="0" b="0"/>
+      </a:fillRef>
+      <a:effectRef idx="1">
+        <a:scrgbClr r="0" g="0" b="0"/>
+      </a:effectRef>
+      <a:fontRef idx="minor"/>
+    </dgm:style>
+  </dgm:styleLbl>
+  <dgm:styleLbl name="revTx">
+    <dgm:scene3d>
+      <a:camera prst="orthographicFront"/>
+      <a:lightRig rig="threePt" dir="t"/>
+    </dgm:scene3d>
+    <dgm:sp3d/>
+    <dgm:txPr/>
+    <dgm:style>
+      <a:lnRef idx="0">
+        <a:scrgbClr r="0" g="0" b="0"/>
+      </a:lnRef>
+      <a:fillRef idx="0">
+        <a:scrgbClr r="0" g="0" b="0"/>
+      </a:fillRef>
+      <a:effectRef idx="0">
+        <a:scrgbClr r="0" g="0" b="0"/>
+      </a:effectRef>
+      <a:fontRef idx="minor"/>
+    </dgm:style>
+  </dgm:styleLbl>
+</dgm:styleDef>
 </file>
 
 <file path=ppt/handoutMasters/handoutMaster1.xml><?xml version="1.0" encoding="utf-8"?>
@@ -5779,35 +8813,180 @@
           </a:p>
         </p:txBody>
       </p:sp>
-      <p:pic>
-        <p:nvPicPr>
-          <p:cNvPr id="7" name="Espaço Reservado para Conteúdo 6"/>
-          <p:cNvPicPr>
-            <a:picLocks noGrp="1" noChangeAspect="1"/>
-          </p:cNvPicPr>
+      <p:graphicFrame>
+        <p:nvGraphicFramePr>
+          <p:cNvPr id="3" name="Diagrama 2"/>
+          <p:cNvGraphicFramePr/>
           <p:nvPr>
-            <p:ph idx="1"/>
+            <p:extLst>
+              <p:ext uri="{D42A27DB-BD31-4B8C-83A1-F6EECF244321}">
+                <p14:modId xmlns:p14="http://schemas.microsoft.com/office/powerpoint/2010/main" val="722475370"/>
+              </p:ext>
+            </p:extLst>
           </p:nvPr>
-        </p:nvPicPr>
-        <p:blipFill>
-          <a:blip r:embed="rId2">
-            <a:extLst>
-              <a:ext uri="{28A0092B-C50C-407E-A947-70E740481C1C}">
-                <a14:useLocalDpi xmlns:a14="http://schemas.microsoft.com/office/drawing/2010/main" val="0"/>
-              </a:ext>
-            </a:extLst>
-          </a:blip>
-          <a:stretch>
-            <a:fillRect/>
-          </a:stretch>
-        </p:blipFill>
+        </p:nvGraphicFramePr>
+        <p:xfrm>
+          <a:off x="3862164" y="692696"/>
+          <a:ext cx="8595252" cy="5550281"/>
+        </p:xfrm>
+        <a:graphic>
+          <a:graphicData uri="http://schemas.openxmlformats.org/drawingml/2006/diagram">
+            <dgm:relIds xmlns:dgm="http://schemas.openxmlformats.org/drawingml/2006/diagram" xmlns:r="http://schemas.openxmlformats.org/officeDocument/2006/relationships" r:dm="rId2" r:lo="rId3" r:qs="rId4" r:cs="rId5"/>
+          </a:graphicData>
+        </a:graphic>
+      </p:graphicFrame>
+      <p:sp>
+        <p:nvSpPr>
+          <p:cNvPr id="4" name="CaixaDeTexto 3"/>
+          <p:cNvSpPr txBox="1"/>
+          <p:nvPr/>
+        </p:nvSpPr>
         <p:spPr>
           <a:xfrm>
-            <a:off x="5484813" y="1093951"/>
-            <a:ext cx="6094412" cy="4568497"/>
+            <a:off x="7704312" y="431086"/>
+            <a:ext cx="910955" cy="523220"/>
           </a:xfrm>
+          <a:prstGeom prst="rect">
+            <a:avLst/>
+          </a:prstGeom>
+          <a:noFill/>
         </p:spPr>
-      </p:pic>
+        <p:txBody>
+          <a:bodyPr wrap="none" rtlCol="0">
+            <a:spAutoFit/>
+          </a:bodyPr>
+          <a:lstStyle/>
+          <a:p>
+            <a:r>
+              <a:rPr lang="pt-BR" sz="2800" dirty="0" smtClean="0">
+                <a:solidFill>
+                  <a:schemeClr val="accent6"/>
+                </a:solidFill>
+              </a:rPr>
+              <a:t>Tecla</a:t>
+            </a:r>
+            <a:endParaRPr lang="pt-BR" sz="2800" dirty="0">
+              <a:solidFill>
+                <a:schemeClr val="accent6"/>
+              </a:solidFill>
+            </a:endParaRPr>
+          </a:p>
+        </p:txBody>
+      </p:sp>
+      <p:sp>
+        <p:nvSpPr>
+          <p:cNvPr id="6" name="CaixaDeTexto 5"/>
+          <p:cNvSpPr txBox="1"/>
+          <p:nvPr/>
+        </p:nvSpPr>
+        <p:spPr>
+          <a:xfrm>
+            <a:off x="10774932" y="3033246"/>
+            <a:ext cx="1095172" cy="523220"/>
+          </a:xfrm>
+          <a:prstGeom prst="rect">
+            <a:avLst/>
+          </a:prstGeom>
+          <a:noFill/>
+        </p:spPr>
+        <p:txBody>
+          <a:bodyPr wrap="none" rtlCol="0">
+            <a:spAutoFit/>
+          </a:bodyPr>
+          <a:lstStyle/>
+          <a:p>
+            <a:r>
+              <a:rPr lang="pt-BR" sz="2800" dirty="0" smtClean="0">
+                <a:solidFill>
+                  <a:schemeClr val="accent6"/>
+                </a:solidFill>
+              </a:rPr>
+              <a:t>Clique</a:t>
+            </a:r>
+            <a:endParaRPr lang="pt-BR" sz="2800" dirty="0">
+              <a:solidFill>
+                <a:schemeClr val="accent6"/>
+              </a:solidFill>
+            </a:endParaRPr>
+          </a:p>
+        </p:txBody>
+      </p:sp>
+      <p:sp>
+        <p:nvSpPr>
+          <p:cNvPr id="8" name="CaixaDeTexto 7"/>
+          <p:cNvSpPr txBox="1"/>
+          <p:nvPr/>
+        </p:nvSpPr>
+        <p:spPr>
+          <a:xfrm>
+            <a:off x="7704650" y="5981367"/>
+            <a:ext cx="1238096" cy="523220"/>
+          </a:xfrm>
+          <a:prstGeom prst="rect">
+            <a:avLst/>
+          </a:prstGeom>
+          <a:noFill/>
+        </p:spPr>
+        <p:txBody>
+          <a:bodyPr wrap="none" rtlCol="0">
+            <a:spAutoFit/>
+          </a:bodyPr>
+          <a:lstStyle/>
+          <a:p>
+            <a:r>
+              <a:rPr lang="pt-BR" sz="2800" dirty="0" smtClean="0">
+                <a:solidFill>
+                  <a:schemeClr val="accent6"/>
+                </a:solidFill>
+              </a:rPr>
+              <a:t>Função</a:t>
+            </a:r>
+            <a:endParaRPr lang="pt-BR" sz="2800" dirty="0">
+              <a:solidFill>
+                <a:schemeClr val="accent6"/>
+              </a:solidFill>
+            </a:endParaRPr>
+          </a:p>
+        </p:txBody>
+      </p:sp>
+      <p:sp>
+        <p:nvSpPr>
+          <p:cNvPr id="9" name="CaixaDeTexto 8"/>
+          <p:cNvSpPr txBox="1"/>
+          <p:nvPr/>
+        </p:nvSpPr>
+        <p:spPr>
+          <a:xfrm>
+            <a:off x="4664525" y="3294856"/>
+            <a:ext cx="910955" cy="523220"/>
+          </a:xfrm>
+          <a:prstGeom prst="rect">
+            <a:avLst/>
+          </a:prstGeom>
+          <a:noFill/>
+        </p:spPr>
+        <p:txBody>
+          <a:bodyPr wrap="none" rtlCol="0">
+            <a:spAutoFit/>
+          </a:bodyPr>
+          <a:lstStyle/>
+          <a:p>
+            <a:r>
+              <a:rPr lang="pt-BR" sz="2800" dirty="0" smtClean="0">
+                <a:solidFill>
+                  <a:schemeClr val="accent6"/>
+                </a:solidFill>
+              </a:rPr>
+              <a:t>Tecla</a:t>
+            </a:r>
+            <a:endParaRPr lang="pt-BR" sz="2800" dirty="0">
+              <a:solidFill>
+                <a:schemeClr val="accent6"/>
+              </a:solidFill>
+            </a:endParaRPr>
+          </a:p>
+        </p:txBody>
+      </p:sp>
     </p:spTree>
     <p:extLst>
       <p:ext uri="{BB962C8B-B14F-4D97-AF65-F5344CB8AC3E}">
@@ -6283,287 +9462,29 @@
           </p:style>
         </p:cxnSp>
       </p:grpSp>
-      <p:sp>
-        <p:nvSpPr>
-          <p:cNvPr id="33" name="Elipse 32"/>
-          <p:cNvSpPr/>
-          <p:nvPr/>
-        </p:nvSpPr>
-        <p:spPr>
-          <a:xfrm>
-            <a:off x="1554195" y="491057"/>
-            <a:ext cx="144016" cy="144016"/>
-          </a:xfrm>
-          <a:prstGeom prst="ellipse">
-            <a:avLst/>
-          </a:prstGeom>
-          <a:solidFill>
-            <a:schemeClr val="tx1"/>
-          </a:solidFill>
-        </p:spPr>
-        <p:style>
-          <a:lnRef idx="2">
-            <a:schemeClr val="accent1">
-              <a:shade val="50000"/>
-            </a:schemeClr>
-          </a:lnRef>
-          <a:fillRef idx="1">
-            <a:schemeClr val="accent1"/>
-          </a:fillRef>
-          <a:effectRef idx="0">
-            <a:schemeClr val="accent1"/>
-          </a:effectRef>
-          <a:fontRef idx="minor">
-            <a:schemeClr val="lt1"/>
-          </a:fontRef>
-        </p:style>
-        <p:txBody>
-          <a:bodyPr rtlCol="0" anchor="ctr"/>
-          <a:lstStyle/>
-          <a:p>
-            <a:pPr algn="ctr"/>
-            <a:endParaRPr lang="pt-BR" sz="2800"/>
-          </a:p>
-        </p:txBody>
-      </p:sp>
-      <p:sp>
-        <p:nvSpPr>
-          <p:cNvPr id="34" name="Elipse 33"/>
-          <p:cNvSpPr/>
-          <p:nvPr/>
-        </p:nvSpPr>
-        <p:spPr>
-          <a:xfrm>
-            <a:off x="3718147" y="492639"/>
-            <a:ext cx="144016" cy="144016"/>
-          </a:xfrm>
-          <a:prstGeom prst="ellipse">
-            <a:avLst/>
-          </a:prstGeom>
-          <a:solidFill>
-            <a:schemeClr val="tx1"/>
-          </a:solidFill>
-        </p:spPr>
-        <p:style>
-          <a:lnRef idx="2">
-            <a:schemeClr val="accent1">
-              <a:shade val="50000"/>
-            </a:schemeClr>
-          </a:lnRef>
-          <a:fillRef idx="1">
-            <a:schemeClr val="accent1"/>
-          </a:fillRef>
-          <a:effectRef idx="0">
-            <a:schemeClr val="accent1"/>
-          </a:effectRef>
-          <a:fontRef idx="minor">
-            <a:schemeClr val="lt1"/>
-          </a:fontRef>
-        </p:style>
-        <p:txBody>
-          <a:bodyPr rtlCol="0" anchor="ctr"/>
-          <a:lstStyle/>
-          <a:p>
-            <a:pPr algn="ctr"/>
-            <a:endParaRPr lang="pt-BR" sz="2800"/>
-          </a:p>
-        </p:txBody>
-      </p:sp>
-      <p:sp>
-        <p:nvSpPr>
-          <p:cNvPr id="35" name="Elipse 34"/>
-          <p:cNvSpPr/>
-          <p:nvPr/>
-        </p:nvSpPr>
-        <p:spPr>
-          <a:xfrm>
-            <a:off x="2566020" y="487281"/>
-            <a:ext cx="144016" cy="144016"/>
-          </a:xfrm>
-          <a:prstGeom prst="ellipse">
-            <a:avLst/>
-          </a:prstGeom>
-          <a:solidFill>
-            <a:schemeClr val="tx1"/>
-          </a:solidFill>
-        </p:spPr>
-        <p:style>
-          <a:lnRef idx="2">
-            <a:schemeClr val="accent1">
-              <a:shade val="50000"/>
-            </a:schemeClr>
-          </a:lnRef>
-          <a:fillRef idx="1">
-            <a:schemeClr val="accent1"/>
-          </a:fillRef>
-          <a:effectRef idx="0">
-            <a:schemeClr val="accent1"/>
-          </a:effectRef>
-          <a:fontRef idx="minor">
-            <a:schemeClr val="lt1"/>
-          </a:fontRef>
-        </p:style>
-        <p:txBody>
-          <a:bodyPr rtlCol="0" anchor="ctr"/>
-          <a:lstStyle/>
-          <a:p>
-            <a:pPr algn="ctr"/>
-            <a:endParaRPr lang="pt-BR" sz="2800"/>
-          </a:p>
-        </p:txBody>
-      </p:sp>
-      <p:sp>
-        <p:nvSpPr>
-          <p:cNvPr id="36" name="Elipse 35"/>
-          <p:cNvSpPr/>
-          <p:nvPr/>
-        </p:nvSpPr>
-        <p:spPr>
-          <a:xfrm>
-            <a:off x="1546953" y="1406515"/>
-            <a:ext cx="144016" cy="144016"/>
-          </a:xfrm>
-          <a:prstGeom prst="ellipse">
-            <a:avLst/>
-          </a:prstGeom>
-          <a:solidFill>
-            <a:schemeClr val="tx1"/>
-          </a:solidFill>
-        </p:spPr>
-        <p:style>
-          <a:lnRef idx="2">
-            <a:schemeClr val="accent1">
-              <a:shade val="50000"/>
-            </a:schemeClr>
-          </a:lnRef>
-          <a:fillRef idx="1">
-            <a:schemeClr val="accent1"/>
-          </a:fillRef>
-          <a:effectRef idx="0">
-            <a:schemeClr val="accent1"/>
-          </a:effectRef>
-          <a:fontRef idx="minor">
-            <a:schemeClr val="lt1"/>
-          </a:fontRef>
-        </p:style>
-        <p:txBody>
-          <a:bodyPr rtlCol="0" anchor="ctr"/>
-          <a:lstStyle/>
-          <a:p>
-            <a:pPr algn="ctr"/>
-            <a:endParaRPr lang="pt-BR" sz="2800"/>
-          </a:p>
-        </p:txBody>
-      </p:sp>
-      <p:sp>
-        <p:nvSpPr>
-          <p:cNvPr id="37" name="Elipse 36"/>
-          <p:cNvSpPr/>
-          <p:nvPr/>
-        </p:nvSpPr>
-        <p:spPr>
-          <a:xfrm>
-            <a:off x="2566020" y="1405734"/>
-            <a:ext cx="144016" cy="144016"/>
-          </a:xfrm>
-          <a:prstGeom prst="ellipse">
-            <a:avLst/>
-          </a:prstGeom>
-          <a:solidFill>
-            <a:schemeClr val="tx1"/>
-          </a:solidFill>
-        </p:spPr>
-        <p:style>
-          <a:lnRef idx="2">
-            <a:schemeClr val="accent1">
-              <a:shade val="50000"/>
-            </a:schemeClr>
-          </a:lnRef>
-          <a:fillRef idx="1">
-            <a:schemeClr val="accent1"/>
-          </a:fillRef>
-          <a:effectRef idx="0">
-            <a:schemeClr val="accent1"/>
-          </a:effectRef>
-          <a:fontRef idx="minor">
-            <a:schemeClr val="lt1"/>
-          </a:fontRef>
-        </p:style>
-        <p:txBody>
-          <a:bodyPr rtlCol="0" anchor="ctr"/>
-          <a:lstStyle/>
-          <a:p>
-            <a:pPr algn="ctr"/>
-            <a:endParaRPr lang="pt-BR" sz="2800"/>
-          </a:p>
-        </p:txBody>
-      </p:sp>
-      <p:sp>
-        <p:nvSpPr>
-          <p:cNvPr id="38" name="Elipse 37"/>
-          <p:cNvSpPr/>
-          <p:nvPr/>
-        </p:nvSpPr>
-        <p:spPr>
-          <a:xfrm>
-            <a:off x="3718147" y="1406515"/>
-            <a:ext cx="144016" cy="144016"/>
-          </a:xfrm>
-          <a:prstGeom prst="ellipse">
-            <a:avLst/>
-          </a:prstGeom>
-          <a:solidFill>
-            <a:schemeClr val="tx1"/>
-          </a:solidFill>
-        </p:spPr>
-        <p:style>
-          <a:lnRef idx="2">
-            <a:schemeClr val="accent1">
-              <a:shade val="50000"/>
-            </a:schemeClr>
-          </a:lnRef>
-          <a:fillRef idx="1">
-            <a:schemeClr val="accent1"/>
-          </a:fillRef>
-          <a:effectRef idx="0">
-            <a:schemeClr val="accent1"/>
-          </a:effectRef>
-          <a:fontRef idx="minor">
-            <a:schemeClr val="lt1"/>
-          </a:fontRef>
-        </p:style>
-        <p:txBody>
-          <a:bodyPr rtlCol="0" anchor="ctr"/>
-          <a:lstStyle/>
-          <a:p>
-            <a:pPr algn="ctr"/>
-            <a:endParaRPr lang="pt-BR" sz="2800"/>
-          </a:p>
-        </p:txBody>
-      </p:sp>
       <p:grpSp>
         <p:nvGrpSpPr>
-          <p:cNvPr id="41" name="Grupo 40"/>
+          <p:cNvPr id="6" name="Grupo 5"/>
           <p:cNvGrpSpPr/>
           <p:nvPr/>
         </p:nvGrpSpPr>
         <p:grpSpPr>
           <a:xfrm>
-            <a:off x="1293995" y="4829090"/>
-            <a:ext cx="785464" cy="400110"/>
-            <a:chOff x="1293995" y="4829090"/>
-            <a:chExt cx="785464" cy="400110"/>
+            <a:off x="1293995" y="491057"/>
+            <a:ext cx="785464" cy="4738143"/>
+            <a:chOff x="1293995" y="491057"/>
+            <a:chExt cx="785464" cy="4738143"/>
           </a:xfrm>
         </p:grpSpPr>
         <p:sp>
           <p:nvSpPr>
-            <p:cNvPr id="39" name="Elipse 38"/>
+            <p:cNvPr id="33" name="Elipse 32"/>
             <p:cNvSpPr/>
             <p:nvPr/>
           </p:nvSpPr>
           <p:spPr>
             <a:xfrm>
-              <a:off x="1293995" y="4945929"/>
+              <a:off x="1554195" y="491057"/>
               <a:ext cx="144016" cy="144016"/>
             </a:xfrm>
             <a:prstGeom prst="ellipse">
@@ -6594,64 +9515,122 @@
             <a:lstStyle/>
             <a:p>
               <a:pPr algn="ctr"/>
-              <a:endParaRPr lang="pt-BR" sz="2800" dirty="0"/>
+              <a:endParaRPr lang="pt-BR" sz="2800"/>
             </a:p>
           </p:txBody>
         </p:sp>
-        <p:sp>
-          <p:nvSpPr>
-            <p:cNvPr id="40" name="CaixaDeTexto 39"/>
-            <p:cNvSpPr txBox="1"/>
+        <p:grpSp>
+          <p:nvGrpSpPr>
+            <p:cNvPr id="41" name="Grupo 40"/>
+            <p:cNvGrpSpPr/>
             <p:nvPr/>
-          </p:nvSpPr>
-          <p:spPr>
+          </p:nvGrpSpPr>
+          <p:grpSpPr>
             <a:xfrm>
-              <a:off x="1413892" y="4829090"/>
-              <a:ext cx="665567" cy="400110"/>
+              <a:off x="1293995" y="4829090"/>
+              <a:ext cx="785464" cy="400110"/>
+              <a:chOff x="1293995" y="4829090"/>
+              <a:chExt cx="785464" cy="400110"/>
             </a:xfrm>
-            <a:prstGeom prst="rect">
-              <a:avLst/>
-            </a:prstGeom>
-            <a:noFill/>
-          </p:spPr>
-          <p:txBody>
-            <a:bodyPr wrap="none" rtlCol="0">
-              <a:spAutoFit/>
-            </a:bodyPr>
-            <a:lstStyle/>
-            <a:p>
-              <a:r>
-                <a:rPr lang="pt-BR" sz="2000" dirty="0" smtClean="0"/>
-                <a:t>(0,0)</a:t>
-              </a:r>
-              <a:endParaRPr lang="pt-BR" sz="2000" dirty="0"/>
-            </a:p>
-          </p:txBody>
-        </p:sp>
+          </p:grpSpPr>
+          <p:sp>
+            <p:nvSpPr>
+              <p:cNvPr id="39" name="Elipse 38"/>
+              <p:cNvSpPr/>
+              <p:nvPr/>
+            </p:nvSpPr>
+            <p:spPr>
+              <a:xfrm>
+                <a:off x="1293995" y="4945929"/>
+                <a:ext cx="144016" cy="144016"/>
+              </a:xfrm>
+              <a:prstGeom prst="ellipse">
+                <a:avLst/>
+              </a:prstGeom>
+              <a:solidFill>
+                <a:schemeClr val="tx1"/>
+              </a:solidFill>
+            </p:spPr>
+            <p:style>
+              <a:lnRef idx="2">
+                <a:schemeClr val="accent1">
+                  <a:shade val="50000"/>
+                </a:schemeClr>
+              </a:lnRef>
+              <a:fillRef idx="1">
+                <a:schemeClr val="accent1"/>
+              </a:fillRef>
+              <a:effectRef idx="0">
+                <a:schemeClr val="accent1"/>
+              </a:effectRef>
+              <a:fontRef idx="minor">
+                <a:schemeClr val="lt1"/>
+              </a:fontRef>
+            </p:style>
+            <p:txBody>
+              <a:bodyPr rtlCol="0" anchor="ctr"/>
+              <a:lstStyle/>
+              <a:p>
+                <a:pPr algn="ctr"/>
+                <a:endParaRPr lang="pt-BR" sz="2800" dirty="0"/>
+              </a:p>
+            </p:txBody>
+          </p:sp>
+          <p:sp>
+            <p:nvSpPr>
+              <p:cNvPr id="40" name="CaixaDeTexto 39"/>
+              <p:cNvSpPr txBox="1"/>
+              <p:nvPr/>
+            </p:nvSpPr>
+            <p:spPr>
+              <a:xfrm>
+                <a:off x="1413892" y="4829090"/>
+                <a:ext cx="665567" cy="400110"/>
+              </a:xfrm>
+              <a:prstGeom prst="rect">
+                <a:avLst/>
+              </a:prstGeom>
+              <a:noFill/>
+            </p:spPr>
+            <p:txBody>
+              <a:bodyPr wrap="none" rtlCol="0">
+                <a:spAutoFit/>
+              </a:bodyPr>
+              <a:lstStyle/>
+              <a:p>
+                <a:r>
+                  <a:rPr lang="pt-BR" sz="2000" dirty="0" smtClean="0"/>
+                  <a:t>(0,0)</a:t>
+                </a:r>
+                <a:endParaRPr lang="pt-BR" sz="2000" dirty="0"/>
+              </a:p>
+            </p:txBody>
+          </p:sp>
+        </p:grpSp>
       </p:grpSp>
       <p:grpSp>
         <p:nvGrpSpPr>
-          <p:cNvPr id="42" name="Grupo 41"/>
+          <p:cNvPr id="9" name="Grupo 8"/>
           <p:cNvGrpSpPr/>
           <p:nvPr/>
         </p:nvGrpSpPr>
         <p:grpSpPr>
           <a:xfrm>
-            <a:off x="1293995" y="5263057"/>
-            <a:ext cx="1045150" cy="400110"/>
-            <a:chOff x="1293995" y="4829090"/>
-            <a:chExt cx="1045150" cy="400110"/>
+            <a:off x="1293995" y="1406515"/>
+            <a:ext cx="1045150" cy="4256652"/>
+            <a:chOff x="1293995" y="1406515"/>
+            <a:chExt cx="1045150" cy="4256652"/>
           </a:xfrm>
         </p:grpSpPr>
         <p:sp>
           <p:nvSpPr>
-            <p:cNvPr id="43" name="Elipse 42"/>
+            <p:cNvPr id="36" name="Elipse 35"/>
             <p:cNvSpPr/>
             <p:nvPr/>
           </p:nvSpPr>
           <p:spPr>
             <a:xfrm>
-              <a:off x="1293995" y="4945929"/>
+              <a:off x="1546953" y="1406515"/>
               <a:ext cx="144016" cy="144016"/>
             </a:xfrm>
             <a:prstGeom prst="ellipse">
@@ -6682,64 +9661,122 @@
             <a:lstStyle/>
             <a:p>
               <a:pPr algn="ctr"/>
-              <a:endParaRPr lang="pt-BR" sz="2800" dirty="0"/>
+              <a:endParaRPr lang="pt-BR" sz="2800"/>
             </a:p>
           </p:txBody>
         </p:sp>
-        <p:sp>
-          <p:nvSpPr>
-            <p:cNvPr id="44" name="CaixaDeTexto 43"/>
-            <p:cNvSpPr txBox="1"/>
+        <p:grpSp>
+          <p:nvGrpSpPr>
+            <p:cNvPr id="42" name="Grupo 41"/>
+            <p:cNvGrpSpPr/>
             <p:nvPr/>
-          </p:nvSpPr>
-          <p:spPr>
+          </p:nvGrpSpPr>
+          <p:grpSpPr>
             <a:xfrm>
-              <a:off x="1413892" y="4829090"/>
-              <a:ext cx="925253" cy="400110"/>
+              <a:off x="1293995" y="5263057"/>
+              <a:ext cx="1045150" cy="400110"/>
+              <a:chOff x="1293995" y="4829090"/>
+              <a:chExt cx="1045150" cy="400110"/>
             </a:xfrm>
-            <a:prstGeom prst="rect">
-              <a:avLst/>
-            </a:prstGeom>
-            <a:noFill/>
-          </p:spPr>
-          <p:txBody>
-            <a:bodyPr wrap="none" rtlCol="0">
-              <a:spAutoFit/>
-            </a:bodyPr>
-            <a:lstStyle/>
-            <a:p>
-              <a:r>
-                <a:rPr lang="pt-BR" sz="2000" dirty="0" smtClean="0"/>
-                <a:t>(0,300)</a:t>
-              </a:r>
-              <a:endParaRPr lang="pt-BR" sz="2000" dirty="0"/>
-            </a:p>
-          </p:txBody>
-        </p:sp>
+          </p:grpSpPr>
+          <p:sp>
+            <p:nvSpPr>
+              <p:cNvPr id="43" name="Elipse 42"/>
+              <p:cNvSpPr/>
+              <p:nvPr/>
+            </p:nvSpPr>
+            <p:spPr>
+              <a:xfrm>
+                <a:off x="1293995" y="4945929"/>
+                <a:ext cx="144016" cy="144016"/>
+              </a:xfrm>
+              <a:prstGeom prst="ellipse">
+                <a:avLst/>
+              </a:prstGeom>
+              <a:solidFill>
+                <a:schemeClr val="tx1"/>
+              </a:solidFill>
+            </p:spPr>
+            <p:style>
+              <a:lnRef idx="2">
+                <a:schemeClr val="accent1">
+                  <a:shade val="50000"/>
+                </a:schemeClr>
+              </a:lnRef>
+              <a:fillRef idx="1">
+                <a:schemeClr val="accent1"/>
+              </a:fillRef>
+              <a:effectRef idx="0">
+                <a:schemeClr val="accent1"/>
+              </a:effectRef>
+              <a:fontRef idx="minor">
+                <a:schemeClr val="lt1"/>
+              </a:fontRef>
+            </p:style>
+            <p:txBody>
+              <a:bodyPr rtlCol="0" anchor="ctr"/>
+              <a:lstStyle/>
+              <a:p>
+                <a:pPr algn="ctr"/>
+                <a:endParaRPr lang="pt-BR" sz="2800" dirty="0"/>
+              </a:p>
+            </p:txBody>
+          </p:sp>
+          <p:sp>
+            <p:nvSpPr>
+              <p:cNvPr id="44" name="CaixaDeTexto 43"/>
+              <p:cNvSpPr txBox="1"/>
+              <p:nvPr/>
+            </p:nvSpPr>
+            <p:spPr>
+              <a:xfrm>
+                <a:off x="1413892" y="4829090"/>
+                <a:ext cx="925253" cy="400110"/>
+              </a:xfrm>
+              <a:prstGeom prst="rect">
+                <a:avLst/>
+              </a:prstGeom>
+              <a:noFill/>
+            </p:spPr>
+            <p:txBody>
+              <a:bodyPr wrap="none" rtlCol="0">
+                <a:spAutoFit/>
+              </a:bodyPr>
+              <a:lstStyle/>
+              <a:p>
+                <a:r>
+                  <a:rPr lang="pt-BR" sz="2000" dirty="0" smtClean="0"/>
+                  <a:t>(0,300)</a:t>
+                </a:r>
+                <a:endParaRPr lang="pt-BR" sz="2000" dirty="0"/>
+              </a:p>
+            </p:txBody>
+          </p:sp>
+        </p:grpSp>
       </p:grpSp>
       <p:grpSp>
         <p:nvGrpSpPr>
-          <p:cNvPr id="45" name="Grupo 44"/>
+          <p:cNvPr id="10" name="Grupo 9"/>
           <p:cNvGrpSpPr/>
           <p:nvPr/>
         </p:nvGrpSpPr>
         <p:grpSpPr>
           <a:xfrm>
-            <a:off x="3325415" y="4829090"/>
-            <a:ext cx="1045150" cy="400110"/>
-            <a:chOff x="1293995" y="4829090"/>
-            <a:chExt cx="1045150" cy="400110"/>
+            <a:off x="3325415" y="492639"/>
+            <a:ext cx="1045150" cy="4736561"/>
+            <a:chOff x="3325415" y="492639"/>
+            <a:chExt cx="1045150" cy="4736561"/>
           </a:xfrm>
         </p:grpSpPr>
         <p:sp>
           <p:nvSpPr>
-            <p:cNvPr id="46" name="Elipse 45"/>
+            <p:cNvPr id="34" name="Elipse 33"/>
             <p:cNvSpPr/>
             <p:nvPr/>
           </p:nvSpPr>
           <p:spPr>
             <a:xfrm>
-              <a:off x="1293995" y="4945929"/>
+              <a:off x="3718147" y="492639"/>
               <a:ext cx="144016" cy="144016"/>
             </a:xfrm>
             <a:prstGeom prst="ellipse">
@@ -6770,64 +9807,122 @@
             <a:lstStyle/>
             <a:p>
               <a:pPr algn="ctr"/>
-              <a:endParaRPr lang="pt-BR" sz="2800" dirty="0"/>
+              <a:endParaRPr lang="pt-BR" sz="2800"/>
             </a:p>
           </p:txBody>
         </p:sp>
-        <p:sp>
-          <p:nvSpPr>
-            <p:cNvPr id="47" name="CaixaDeTexto 46"/>
-            <p:cNvSpPr txBox="1"/>
+        <p:grpSp>
+          <p:nvGrpSpPr>
+            <p:cNvPr id="45" name="Grupo 44"/>
+            <p:cNvGrpSpPr/>
             <p:nvPr/>
-          </p:nvSpPr>
-          <p:spPr>
+          </p:nvGrpSpPr>
+          <p:grpSpPr>
             <a:xfrm>
-              <a:off x="1413892" y="4829090"/>
-              <a:ext cx="925253" cy="400110"/>
+              <a:off x="3325415" y="4829090"/>
+              <a:ext cx="1045150" cy="400110"/>
+              <a:chOff x="1293995" y="4829090"/>
+              <a:chExt cx="1045150" cy="400110"/>
             </a:xfrm>
-            <a:prstGeom prst="rect">
-              <a:avLst/>
-            </a:prstGeom>
-            <a:noFill/>
-          </p:spPr>
-          <p:txBody>
-            <a:bodyPr wrap="none" rtlCol="0">
-              <a:spAutoFit/>
-            </a:bodyPr>
-            <a:lstStyle/>
-            <a:p>
-              <a:r>
-                <a:rPr lang="pt-BR" sz="2000" dirty="0" smtClean="0"/>
-                <a:t>(600,0)</a:t>
-              </a:r>
-              <a:endParaRPr lang="pt-BR" sz="2000" dirty="0"/>
-            </a:p>
-          </p:txBody>
-        </p:sp>
+          </p:grpSpPr>
+          <p:sp>
+            <p:nvSpPr>
+              <p:cNvPr id="46" name="Elipse 45"/>
+              <p:cNvSpPr/>
+              <p:nvPr/>
+            </p:nvSpPr>
+            <p:spPr>
+              <a:xfrm>
+                <a:off x="1293995" y="4945929"/>
+                <a:ext cx="144016" cy="144016"/>
+              </a:xfrm>
+              <a:prstGeom prst="ellipse">
+                <a:avLst/>
+              </a:prstGeom>
+              <a:solidFill>
+                <a:schemeClr val="tx1"/>
+              </a:solidFill>
+            </p:spPr>
+            <p:style>
+              <a:lnRef idx="2">
+                <a:schemeClr val="accent1">
+                  <a:shade val="50000"/>
+                </a:schemeClr>
+              </a:lnRef>
+              <a:fillRef idx="1">
+                <a:schemeClr val="accent1"/>
+              </a:fillRef>
+              <a:effectRef idx="0">
+                <a:schemeClr val="accent1"/>
+              </a:effectRef>
+              <a:fontRef idx="minor">
+                <a:schemeClr val="lt1"/>
+              </a:fontRef>
+            </p:style>
+            <p:txBody>
+              <a:bodyPr rtlCol="0" anchor="ctr"/>
+              <a:lstStyle/>
+              <a:p>
+                <a:pPr algn="ctr"/>
+                <a:endParaRPr lang="pt-BR" sz="2800" dirty="0"/>
+              </a:p>
+            </p:txBody>
+          </p:sp>
+          <p:sp>
+            <p:nvSpPr>
+              <p:cNvPr id="47" name="CaixaDeTexto 46"/>
+              <p:cNvSpPr txBox="1"/>
+              <p:nvPr/>
+            </p:nvSpPr>
+            <p:spPr>
+              <a:xfrm>
+                <a:off x="1413892" y="4829090"/>
+                <a:ext cx="925253" cy="400110"/>
+              </a:xfrm>
+              <a:prstGeom prst="rect">
+                <a:avLst/>
+              </a:prstGeom>
+              <a:noFill/>
+            </p:spPr>
+            <p:txBody>
+              <a:bodyPr wrap="none" rtlCol="0">
+                <a:spAutoFit/>
+              </a:bodyPr>
+              <a:lstStyle/>
+              <a:p>
+                <a:r>
+                  <a:rPr lang="pt-BR" sz="2000" dirty="0" smtClean="0"/>
+                  <a:t>(600,0)</a:t>
+                </a:r>
+                <a:endParaRPr lang="pt-BR" sz="2000" dirty="0"/>
+              </a:p>
+            </p:txBody>
+          </p:sp>
+        </p:grpSp>
       </p:grpSp>
       <p:grpSp>
         <p:nvGrpSpPr>
-          <p:cNvPr id="48" name="Grupo 47"/>
+          <p:cNvPr id="12" name="Grupo 11"/>
           <p:cNvGrpSpPr/>
           <p:nvPr/>
         </p:nvGrpSpPr>
         <p:grpSpPr>
           <a:xfrm>
-            <a:off x="2199356" y="4829090"/>
-            <a:ext cx="1045150" cy="400110"/>
-            <a:chOff x="1293995" y="4829090"/>
-            <a:chExt cx="1045150" cy="400110"/>
+            <a:off x="2199356" y="487281"/>
+            <a:ext cx="1045150" cy="4741919"/>
+            <a:chOff x="2199356" y="487281"/>
+            <a:chExt cx="1045150" cy="4741919"/>
           </a:xfrm>
         </p:grpSpPr>
         <p:sp>
           <p:nvSpPr>
-            <p:cNvPr id="49" name="Elipse 48"/>
+            <p:cNvPr id="35" name="Elipse 34"/>
             <p:cNvSpPr/>
             <p:nvPr/>
           </p:nvSpPr>
           <p:spPr>
             <a:xfrm>
-              <a:off x="1293995" y="4945929"/>
+              <a:off x="2566020" y="487281"/>
               <a:ext cx="144016" cy="144016"/>
             </a:xfrm>
             <a:prstGeom prst="ellipse">
@@ -6858,64 +9953,122 @@
             <a:lstStyle/>
             <a:p>
               <a:pPr algn="ctr"/>
-              <a:endParaRPr lang="pt-BR" sz="2800" dirty="0"/>
+              <a:endParaRPr lang="pt-BR" sz="2800"/>
             </a:p>
           </p:txBody>
         </p:sp>
-        <p:sp>
-          <p:nvSpPr>
-            <p:cNvPr id="50" name="CaixaDeTexto 49"/>
-            <p:cNvSpPr txBox="1"/>
+        <p:grpSp>
+          <p:nvGrpSpPr>
+            <p:cNvPr id="48" name="Grupo 47"/>
+            <p:cNvGrpSpPr/>
             <p:nvPr/>
-          </p:nvSpPr>
-          <p:spPr>
+          </p:nvGrpSpPr>
+          <p:grpSpPr>
             <a:xfrm>
-              <a:off x="1413892" y="4829090"/>
-              <a:ext cx="925253" cy="400110"/>
+              <a:off x="2199356" y="4829090"/>
+              <a:ext cx="1045150" cy="400110"/>
+              <a:chOff x="1293995" y="4829090"/>
+              <a:chExt cx="1045150" cy="400110"/>
             </a:xfrm>
-            <a:prstGeom prst="rect">
-              <a:avLst/>
-            </a:prstGeom>
-            <a:noFill/>
-          </p:spPr>
-          <p:txBody>
-            <a:bodyPr wrap="none" rtlCol="0">
-              <a:spAutoFit/>
-            </a:bodyPr>
-            <a:lstStyle/>
-            <a:p>
-              <a:r>
-                <a:rPr lang="pt-BR" sz="2000" dirty="0" smtClean="0"/>
-                <a:t>(300,0)</a:t>
-              </a:r>
-              <a:endParaRPr lang="pt-BR" sz="2000" dirty="0"/>
-            </a:p>
-          </p:txBody>
-        </p:sp>
+          </p:grpSpPr>
+          <p:sp>
+            <p:nvSpPr>
+              <p:cNvPr id="49" name="Elipse 48"/>
+              <p:cNvSpPr/>
+              <p:nvPr/>
+            </p:nvSpPr>
+            <p:spPr>
+              <a:xfrm>
+                <a:off x="1293995" y="4945929"/>
+                <a:ext cx="144016" cy="144016"/>
+              </a:xfrm>
+              <a:prstGeom prst="ellipse">
+                <a:avLst/>
+              </a:prstGeom>
+              <a:solidFill>
+                <a:schemeClr val="tx1"/>
+              </a:solidFill>
+            </p:spPr>
+            <p:style>
+              <a:lnRef idx="2">
+                <a:schemeClr val="accent1">
+                  <a:shade val="50000"/>
+                </a:schemeClr>
+              </a:lnRef>
+              <a:fillRef idx="1">
+                <a:schemeClr val="accent1"/>
+              </a:fillRef>
+              <a:effectRef idx="0">
+                <a:schemeClr val="accent1"/>
+              </a:effectRef>
+              <a:fontRef idx="minor">
+                <a:schemeClr val="lt1"/>
+              </a:fontRef>
+            </p:style>
+            <p:txBody>
+              <a:bodyPr rtlCol="0" anchor="ctr"/>
+              <a:lstStyle/>
+              <a:p>
+                <a:pPr algn="ctr"/>
+                <a:endParaRPr lang="pt-BR" sz="2800" dirty="0"/>
+              </a:p>
+            </p:txBody>
+          </p:sp>
+          <p:sp>
+            <p:nvSpPr>
+              <p:cNvPr id="50" name="CaixaDeTexto 49"/>
+              <p:cNvSpPr txBox="1"/>
+              <p:nvPr/>
+            </p:nvSpPr>
+            <p:spPr>
+              <a:xfrm>
+                <a:off x="1413892" y="4829090"/>
+                <a:ext cx="925253" cy="400110"/>
+              </a:xfrm>
+              <a:prstGeom prst="rect">
+                <a:avLst/>
+              </a:prstGeom>
+              <a:noFill/>
+            </p:spPr>
+            <p:txBody>
+              <a:bodyPr wrap="none" rtlCol="0">
+                <a:spAutoFit/>
+              </a:bodyPr>
+              <a:lstStyle/>
+              <a:p>
+                <a:r>
+                  <a:rPr lang="pt-BR" sz="2000" dirty="0" smtClean="0"/>
+                  <a:t>(300,0)</a:t>
+                </a:r>
+                <a:endParaRPr lang="pt-BR" sz="2000" dirty="0"/>
+              </a:p>
+            </p:txBody>
+          </p:sp>
+        </p:grpSp>
       </p:grpSp>
       <p:grpSp>
         <p:nvGrpSpPr>
-          <p:cNvPr id="51" name="Grupo 50"/>
+          <p:cNvPr id="8" name="Grupo 7"/>
           <p:cNvGrpSpPr/>
           <p:nvPr/>
         </p:nvGrpSpPr>
         <p:grpSpPr>
           <a:xfrm>
-            <a:off x="2367523" y="5263057"/>
-            <a:ext cx="1304837" cy="400110"/>
-            <a:chOff x="1293995" y="4829090"/>
-            <a:chExt cx="1304837" cy="400110"/>
+            <a:off x="2367523" y="1405734"/>
+            <a:ext cx="1304837" cy="4257433"/>
+            <a:chOff x="2367523" y="1405734"/>
+            <a:chExt cx="1304837" cy="4257433"/>
           </a:xfrm>
         </p:grpSpPr>
         <p:sp>
           <p:nvSpPr>
-            <p:cNvPr id="52" name="Elipse 51"/>
+            <p:cNvPr id="37" name="Elipse 36"/>
             <p:cNvSpPr/>
             <p:nvPr/>
           </p:nvSpPr>
           <p:spPr>
             <a:xfrm>
-              <a:off x="1293995" y="4945929"/>
+              <a:off x="2566020" y="1405734"/>
               <a:ext cx="144016" cy="144016"/>
             </a:xfrm>
             <a:prstGeom prst="ellipse">
@@ -6946,64 +10099,122 @@
             <a:lstStyle/>
             <a:p>
               <a:pPr algn="ctr"/>
-              <a:endParaRPr lang="pt-BR" sz="2800" dirty="0"/>
+              <a:endParaRPr lang="pt-BR" sz="2800"/>
             </a:p>
           </p:txBody>
         </p:sp>
-        <p:sp>
-          <p:nvSpPr>
-            <p:cNvPr id="53" name="CaixaDeTexto 52"/>
-            <p:cNvSpPr txBox="1"/>
+        <p:grpSp>
+          <p:nvGrpSpPr>
+            <p:cNvPr id="51" name="Grupo 50"/>
+            <p:cNvGrpSpPr/>
             <p:nvPr/>
-          </p:nvSpPr>
-          <p:spPr>
+          </p:nvGrpSpPr>
+          <p:grpSpPr>
             <a:xfrm>
-              <a:off x="1413892" y="4829090"/>
-              <a:ext cx="1184940" cy="400110"/>
+              <a:off x="2367523" y="5263057"/>
+              <a:ext cx="1304837" cy="400110"/>
+              <a:chOff x="1293995" y="4829090"/>
+              <a:chExt cx="1304837" cy="400110"/>
             </a:xfrm>
-            <a:prstGeom prst="rect">
-              <a:avLst/>
-            </a:prstGeom>
-            <a:noFill/>
-          </p:spPr>
-          <p:txBody>
-            <a:bodyPr wrap="none" rtlCol="0">
-              <a:spAutoFit/>
-            </a:bodyPr>
-            <a:lstStyle/>
-            <a:p>
-              <a:r>
-                <a:rPr lang="pt-BR" sz="2000" dirty="0" smtClean="0"/>
-                <a:t>(300,300)</a:t>
-              </a:r>
-              <a:endParaRPr lang="pt-BR" sz="2000" dirty="0"/>
-            </a:p>
-          </p:txBody>
-        </p:sp>
+          </p:grpSpPr>
+          <p:sp>
+            <p:nvSpPr>
+              <p:cNvPr id="52" name="Elipse 51"/>
+              <p:cNvSpPr/>
+              <p:nvPr/>
+            </p:nvSpPr>
+            <p:spPr>
+              <a:xfrm>
+                <a:off x="1293995" y="4945929"/>
+                <a:ext cx="144016" cy="144016"/>
+              </a:xfrm>
+              <a:prstGeom prst="ellipse">
+                <a:avLst/>
+              </a:prstGeom>
+              <a:solidFill>
+                <a:schemeClr val="tx1"/>
+              </a:solidFill>
+            </p:spPr>
+            <p:style>
+              <a:lnRef idx="2">
+                <a:schemeClr val="accent1">
+                  <a:shade val="50000"/>
+                </a:schemeClr>
+              </a:lnRef>
+              <a:fillRef idx="1">
+                <a:schemeClr val="accent1"/>
+              </a:fillRef>
+              <a:effectRef idx="0">
+                <a:schemeClr val="accent1"/>
+              </a:effectRef>
+              <a:fontRef idx="minor">
+                <a:schemeClr val="lt1"/>
+              </a:fontRef>
+            </p:style>
+            <p:txBody>
+              <a:bodyPr rtlCol="0" anchor="ctr"/>
+              <a:lstStyle/>
+              <a:p>
+                <a:pPr algn="ctr"/>
+                <a:endParaRPr lang="pt-BR" sz="2800" dirty="0"/>
+              </a:p>
+            </p:txBody>
+          </p:sp>
+          <p:sp>
+            <p:nvSpPr>
+              <p:cNvPr id="53" name="CaixaDeTexto 52"/>
+              <p:cNvSpPr txBox="1"/>
+              <p:nvPr/>
+            </p:nvSpPr>
+            <p:spPr>
+              <a:xfrm>
+                <a:off x="1413892" y="4829090"/>
+                <a:ext cx="1184940" cy="400110"/>
+              </a:xfrm>
+              <a:prstGeom prst="rect">
+                <a:avLst/>
+              </a:prstGeom>
+              <a:noFill/>
+            </p:spPr>
+            <p:txBody>
+              <a:bodyPr wrap="none" rtlCol="0">
+                <a:spAutoFit/>
+              </a:bodyPr>
+              <a:lstStyle/>
+              <a:p>
+                <a:r>
+                  <a:rPr lang="pt-BR" sz="2000" dirty="0" smtClean="0"/>
+                  <a:t>(300,300)</a:t>
+                </a:r>
+                <a:endParaRPr lang="pt-BR" sz="2000" dirty="0"/>
+              </a:p>
+            </p:txBody>
+          </p:sp>
+        </p:grpSp>
       </p:grpSp>
       <p:grpSp>
         <p:nvGrpSpPr>
-          <p:cNvPr id="54" name="Grupo 53"/>
+          <p:cNvPr id="7" name="Grupo 6"/>
           <p:cNvGrpSpPr/>
           <p:nvPr/>
         </p:nvGrpSpPr>
         <p:grpSpPr>
           <a:xfrm>
-            <a:off x="3757396" y="5249330"/>
-            <a:ext cx="1304837" cy="400110"/>
-            <a:chOff x="1293995" y="4829090"/>
-            <a:chExt cx="1304837" cy="400110"/>
+            <a:off x="3718147" y="1406515"/>
+            <a:ext cx="1344086" cy="4242925"/>
+            <a:chOff x="3718147" y="1406515"/>
+            <a:chExt cx="1344086" cy="4242925"/>
           </a:xfrm>
         </p:grpSpPr>
         <p:sp>
           <p:nvSpPr>
-            <p:cNvPr id="55" name="Elipse 54"/>
+            <p:cNvPr id="38" name="Elipse 37"/>
             <p:cNvSpPr/>
             <p:nvPr/>
           </p:nvSpPr>
           <p:spPr>
             <a:xfrm>
-              <a:off x="1293995" y="4945929"/>
+              <a:off x="3718147" y="1406515"/>
               <a:ext cx="144016" cy="144016"/>
             </a:xfrm>
             <a:prstGeom prst="ellipse">
@@ -7034,40 +10245,98 @@
             <a:lstStyle/>
             <a:p>
               <a:pPr algn="ctr"/>
-              <a:endParaRPr lang="pt-BR" sz="2800" dirty="0"/>
+              <a:endParaRPr lang="pt-BR" sz="2800"/>
             </a:p>
           </p:txBody>
         </p:sp>
-        <p:sp>
-          <p:nvSpPr>
-            <p:cNvPr id="56" name="CaixaDeTexto 55"/>
-            <p:cNvSpPr txBox="1"/>
+        <p:grpSp>
+          <p:nvGrpSpPr>
+            <p:cNvPr id="54" name="Grupo 53"/>
+            <p:cNvGrpSpPr/>
             <p:nvPr/>
-          </p:nvSpPr>
-          <p:spPr>
+          </p:nvGrpSpPr>
+          <p:grpSpPr>
             <a:xfrm>
-              <a:off x="1413892" y="4829090"/>
-              <a:ext cx="1184940" cy="400110"/>
+              <a:off x="3757396" y="5249330"/>
+              <a:ext cx="1304837" cy="400110"/>
+              <a:chOff x="1293995" y="4829090"/>
+              <a:chExt cx="1304837" cy="400110"/>
             </a:xfrm>
-            <a:prstGeom prst="rect">
-              <a:avLst/>
-            </a:prstGeom>
-            <a:noFill/>
-          </p:spPr>
-          <p:txBody>
-            <a:bodyPr wrap="none" rtlCol="0">
-              <a:spAutoFit/>
-            </a:bodyPr>
-            <a:lstStyle/>
-            <a:p>
-              <a:r>
-                <a:rPr lang="pt-BR" sz="2000" dirty="0" smtClean="0"/>
-                <a:t>(600,300)</a:t>
-              </a:r>
-              <a:endParaRPr lang="pt-BR" sz="2000" dirty="0"/>
-            </a:p>
-          </p:txBody>
-        </p:sp>
+          </p:grpSpPr>
+          <p:sp>
+            <p:nvSpPr>
+              <p:cNvPr id="55" name="Elipse 54"/>
+              <p:cNvSpPr/>
+              <p:nvPr/>
+            </p:nvSpPr>
+            <p:spPr>
+              <a:xfrm>
+                <a:off x="1293995" y="4945929"/>
+                <a:ext cx="144016" cy="144016"/>
+              </a:xfrm>
+              <a:prstGeom prst="ellipse">
+                <a:avLst/>
+              </a:prstGeom>
+              <a:solidFill>
+                <a:schemeClr val="tx1"/>
+              </a:solidFill>
+            </p:spPr>
+            <p:style>
+              <a:lnRef idx="2">
+                <a:schemeClr val="accent1">
+                  <a:shade val="50000"/>
+                </a:schemeClr>
+              </a:lnRef>
+              <a:fillRef idx="1">
+                <a:schemeClr val="accent1"/>
+              </a:fillRef>
+              <a:effectRef idx="0">
+                <a:schemeClr val="accent1"/>
+              </a:effectRef>
+              <a:fontRef idx="minor">
+                <a:schemeClr val="lt1"/>
+              </a:fontRef>
+            </p:style>
+            <p:txBody>
+              <a:bodyPr rtlCol="0" anchor="ctr"/>
+              <a:lstStyle/>
+              <a:p>
+                <a:pPr algn="ctr"/>
+                <a:endParaRPr lang="pt-BR" sz="2800" dirty="0"/>
+              </a:p>
+            </p:txBody>
+          </p:sp>
+          <p:sp>
+            <p:nvSpPr>
+              <p:cNvPr id="56" name="CaixaDeTexto 55"/>
+              <p:cNvSpPr txBox="1"/>
+              <p:nvPr/>
+            </p:nvSpPr>
+            <p:spPr>
+              <a:xfrm>
+                <a:off x="1413892" y="4829090"/>
+                <a:ext cx="1184940" cy="400110"/>
+              </a:xfrm>
+              <a:prstGeom prst="rect">
+                <a:avLst/>
+              </a:prstGeom>
+              <a:noFill/>
+            </p:spPr>
+            <p:txBody>
+              <a:bodyPr wrap="none" rtlCol="0">
+                <a:spAutoFit/>
+              </a:bodyPr>
+              <a:lstStyle/>
+              <a:p>
+                <a:r>
+                  <a:rPr lang="pt-BR" sz="2000" dirty="0" smtClean="0"/>
+                  <a:t>(600,300)</a:t>
+                </a:r>
+                <a:endParaRPr lang="pt-BR" sz="2000" dirty="0"/>
+              </a:p>
+            </p:txBody>
+          </p:sp>
+        </p:grpSp>
       </p:grpSp>
       <p:sp>
         <p:nvSpPr>
@@ -7116,7 +10385,7 @@
               <a:t> </a:t>
             </a:r>
             <a:r>
-              <a:rPr lang="pt-BR" sz="1600" u="sng" dirty="0" err="1" smtClean="0">
+              <a:rPr lang="pt-BR" sz="1600" dirty="0" err="1" smtClean="0">
                 <a:latin typeface="Courier New" panose="02070309020205020404" pitchFamily="49" charset="0"/>
                 <a:cs typeface="Courier New" panose="02070309020205020404" pitchFamily="49" charset="0"/>
               </a:rPr>
@@ -7611,10 +10880,17 @@
                 <a:latin typeface="Courier New" panose="02070309020205020404" pitchFamily="49" charset="0"/>
                 <a:cs typeface="Courier New" panose="02070309020205020404" pitchFamily="49" charset="0"/>
               </a:rPr>
-              <a:t>[#tiles+</a:t>
-            </a:r>
-            <a:r>
-              <a:rPr lang="pt-BR" sz="1600" dirty="0">
+              <a:t>[#</a:t>
+            </a:r>
+            <a:r>
+              <a:rPr lang="pt-BR" sz="1600" dirty="0" smtClean="0">
+                <a:latin typeface="Courier New" panose="02070309020205020404" pitchFamily="49" charset="0"/>
+                <a:cs typeface="Courier New" panose="02070309020205020404" pitchFamily="49" charset="0"/>
+              </a:rPr>
+              <a:t>tiles + </a:t>
+            </a:r>
+            <a:r>
+              <a:rPr lang="pt-BR" sz="1600" dirty="0" smtClean="0">
                 <a:solidFill>
                   <a:schemeClr val="accent2"/>
                 </a:solidFill>
@@ -7670,7 +10946,14 @@
                 <a:latin typeface="Courier New" panose="02070309020205020404" pitchFamily="49" charset="0"/>
                 <a:cs typeface="Courier New" panose="02070309020205020404" pitchFamily="49" charset="0"/>
               </a:rPr>
-              <a:t>                      </a:t>
+              <a:t>                  </a:t>
+            </a:r>
+            <a:r>
+              <a:rPr lang="pt-BR" sz="1600" dirty="0" smtClean="0">
+                <a:latin typeface="Courier New" panose="02070309020205020404" pitchFamily="49" charset="0"/>
+                <a:cs typeface="Courier New" panose="02070309020205020404" pitchFamily="49" charset="0"/>
+              </a:rPr>
+              <a:t>      </a:t>
             </a:r>
             <a:r>
               <a:rPr lang="pt-BR" sz="1600" dirty="0" err="1" smtClean="0">
@@ -7726,7 +11009,14 @@
                 <a:latin typeface="Courier New" panose="02070309020205020404" pitchFamily="49" charset="0"/>
                 <a:cs typeface="Courier New" panose="02070309020205020404" pitchFamily="49" charset="0"/>
               </a:rPr>
-              <a:t>                      </a:t>
+              <a:t>                    </a:t>
+            </a:r>
+            <a:r>
+              <a:rPr lang="pt-BR" sz="1600" dirty="0" smtClean="0">
+                <a:latin typeface="Courier New" panose="02070309020205020404" pitchFamily="49" charset="0"/>
+                <a:cs typeface="Courier New" panose="02070309020205020404" pitchFamily="49" charset="0"/>
+              </a:rPr>
+              <a:t>    </a:t>
             </a:r>
             <a:r>
               <a:rPr lang="pt-BR" sz="1600" dirty="0" err="1" smtClean="0">
@@ -7795,11 +11085,21 @@
               <a:t>if</a:t>
             </a:r>
             <a:r>
+              <a:rPr lang="pt-BR" sz="1600" b="1" dirty="0" smtClean="0">
+                <a:solidFill>
+                  <a:schemeClr val="accent1"/>
+                </a:solidFill>
+                <a:latin typeface="Courier New" panose="02070309020205020404" pitchFamily="49" charset="0"/>
+                <a:cs typeface="Courier New" panose="02070309020205020404" pitchFamily="49" charset="0"/>
+              </a:rPr>
+              <a:t> </a:t>
+            </a:r>
+            <a:r>
               <a:rPr lang="pt-BR" sz="1600" dirty="0" smtClean="0">
                 <a:latin typeface="Courier New" panose="02070309020205020404" pitchFamily="49" charset="0"/>
                 <a:cs typeface="Courier New" panose="02070309020205020404" pitchFamily="49" charset="0"/>
               </a:rPr>
-              <a:t>(x</a:t>
+              <a:t>x</a:t>
             </a:r>
             <a:r>
               <a:rPr lang="pt-BR" sz="1600" dirty="0" smtClean="0">
@@ -7812,14 +11112,14 @@
               <a:t> </a:t>
             </a:r>
             <a:r>
-              <a:rPr lang="pt-BR" sz="1600" dirty="0">
-                <a:latin typeface="Courier New" panose="02070309020205020404" pitchFamily="49" charset="0"/>
-                <a:cs typeface="Courier New" panose="02070309020205020404" pitchFamily="49" charset="0"/>
-              </a:rPr>
-              <a:t>== </a:t>
-            </a:r>
-            <a:r>
-              <a:rPr lang="pt-BR" sz="1600" dirty="0">
+              <a:rPr lang="pt-BR" sz="1600" dirty="0" smtClean="0">
+                <a:latin typeface="Courier New" panose="02070309020205020404" pitchFamily="49" charset="0"/>
+                <a:cs typeface="Courier New" panose="02070309020205020404" pitchFamily="49" charset="0"/>
+              </a:rPr>
+              <a:t>== (</a:t>
+            </a:r>
+            <a:r>
+              <a:rPr lang="pt-BR" sz="1600" dirty="0" smtClean="0">
                 <a:solidFill>
                   <a:schemeClr val="accent2"/>
                 </a:solidFill>
@@ -7829,11 +11129,18 @@
               <a:t>900</a:t>
             </a:r>
             <a:r>
+              <a:rPr lang="pt-BR" sz="1600" dirty="0" smtClean="0">
+                <a:latin typeface="Courier New" panose="02070309020205020404" pitchFamily="49" charset="0"/>
+                <a:cs typeface="Courier New" panose="02070309020205020404" pitchFamily="49" charset="0"/>
+              </a:rPr>
+              <a:t> </a:t>
+            </a:r>
+            <a:r>
               <a:rPr lang="pt-BR" sz="1600" dirty="0">
                 <a:latin typeface="Courier New" panose="02070309020205020404" pitchFamily="49" charset="0"/>
                 <a:cs typeface="Courier New" panose="02070309020205020404" pitchFamily="49" charset="0"/>
               </a:rPr>
-              <a:t> - </a:t>
+              <a:t>- </a:t>
             </a:r>
             <a:r>
               <a:rPr lang="pt-BR" sz="1600" dirty="0" err="1">
@@ -7874,7 +11181,14 @@
                 <a:latin typeface="Courier New" panose="02070309020205020404" pitchFamily="49" charset="0"/>
                 <a:cs typeface="Courier New" panose="02070309020205020404" pitchFamily="49" charset="0"/>
               </a:rPr>
-              <a:t>--p/ </a:t>
+              <a:t>--</a:t>
+            </a:r>
+            <a:r>
+              <a:rPr lang="pt-BR" sz="1600" dirty="0" smtClean="0">
+                <a:latin typeface="Courier New" panose="02070309020205020404" pitchFamily="49" charset="0"/>
+                <a:cs typeface="Courier New" panose="02070309020205020404" pitchFamily="49" charset="0"/>
+              </a:rPr>
+              <a:t>p/</a:t>
             </a:r>
             <a:r>
               <a:rPr lang="pt-BR" sz="1600" dirty="0" err="1" smtClean="0">
@@ -8141,7 +11455,14 @@
                 <a:latin typeface="Courier New" panose="02070309020205020404" pitchFamily="49" charset="0"/>
                 <a:cs typeface="Courier New" panose="02070309020205020404" pitchFamily="49" charset="0"/>
               </a:rPr>
-              <a:t>deixa o ultimo </a:t>
+              <a:t>deixa o </a:t>
+            </a:r>
+            <a:r>
+              <a:rPr lang="pt-BR" sz="1600" dirty="0" smtClean="0">
+                <a:latin typeface="Courier New" panose="02070309020205020404" pitchFamily="49" charset="0"/>
+                <a:cs typeface="Courier New" panose="02070309020205020404" pitchFamily="49" charset="0"/>
+              </a:rPr>
+              <a:t>último </a:t>
             </a:r>
             <a:r>
               <a:rPr lang="pt-BR" sz="1600" dirty="0" smtClean="0">
@@ -8300,7 +11621,576 @@
   <p:timing>
     <p:tnLst>
       <p:par>
-        <p:cTn id="1" dur="indefinite" restart="never" nodeType="tmRoot"/>
+        <p:cTn id="1" dur="indefinite" restart="never" nodeType="tmRoot">
+          <p:childTnLst>
+            <p:seq concurrent="1" nextAc="seek">
+              <p:cTn id="2" dur="indefinite" nodeType="mainSeq">
+                <p:childTnLst>
+                  <p:par>
+                    <p:cTn id="3" fill="hold">
+                      <p:stCondLst>
+                        <p:cond delay="indefinite"/>
+                      </p:stCondLst>
+                      <p:childTnLst>
+                        <p:par>
+                          <p:cTn id="4" fill="hold">
+                            <p:stCondLst>
+                              <p:cond delay="0"/>
+                            </p:stCondLst>
+                            <p:childTnLst>
+                              <p:par>
+                                <p:cTn id="5" presetID="10" presetClass="entr" presetSubtype="0" fill="hold" nodeType="clickEffect">
+                                  <p:stCondLst>
+                                    <p:cond delay="0"/>
+                                  </p:stCondLst>
+                                  <p:childTnLst>
+                                    <p:set>
+                                      <p:cBhvr>
+                                        <p:cTn id="6" dur="1" fill="hold">
+                                          <p:stCondLst>
+                                            <p:cond delay="0"/>
+                                          </p:stCondLst>
+                                        </p:cTn>
+                                        <p:tgtEl>
+                                          <p:spTgt spid="6"/>
+                                        </p:tgtEl>
+                                        <p:attrNameLst>
+                                          <p:attrName>style.visibility</p:attrName>
+                                        </p:attrNameLst>
+                                      </p:cBhvr>
+                                      <p:to>
+                                        <p:strVal val="visible"/>
+                                      </p:to>
+                                    </p:set>
+                                    <p:animEffect transition="in" filter="fade">
+                                      <p:cBhvr>
+                                        <p:cTn id="7" dur="500"/>
+                                        <p:tgtEl>
+                                          <p:spTgt spid="6"/>
+                                        </p:tgtEl>
+                                      </p:cBhvr>
+                                    </p:animEffect>
+                                  </p:childTnLst>
+                                </p:cTn>
+                              </p:par>
+                            </p:childTnLst>
+                          </p:cTn>
+                        </p:par>
+                      </p:childTnLst>
+                    </p:cTn>
+                  </p:par>
+                  <p:par>
+                    <p:cTn id="8" fill="hold">
+                      <p:stCondLst>
+                        <p:cond delay="indefinite"/>
+                      </p:stCondLst>
+                      <p:childTnLst>
+                        <p:par>
+                          <p:cTn id="9" fill="hold">
+                            <p:stCondLst>
+                              <p:cond delay="0"/>
+                            </p:stCondLst>
+                            <p:childTnLst>
+                              <p:par>
+                                <p:cTn id="10" presetID="10" presetClass="exit" presetSubtype="0" fill="hold" nodeType="clickEffect">
+                                  <p:stCondLst>
+                                    <p:cond delay="0"/>
+                                  </p:stCondLst>
+                                  <p:childTnLst>
+                                    <p:animEffect transition="out" filter="fade">
+                                      <p:cBhvr>
+                                        <p:cTn id="11" dur="500"/>
+                                        <p:tgtEl>
+                                          <p:spTgt spid="6"/>
+                                        </p:tgtEl>
+                                      </p:cBhvr>
+                                    </p:animEffect>
+                                    <p:set>
+                                      <p:cBhvr>
+                                        <p:cTn id="12" dur="1" fill="hold">
+                                          <p:stCondLst>
+                                            <p:cond delay="499"/>
+                                          </p:stCondLst>
+                                        </p:cTn>
+                                        <p:tgtEl>
+                                          <p:spTgt spid="6"/>
+                                        </p:tgtEl>
+                                        <p:attrNameLst>
+                                          <p:attrName>style.visibility</p:attrName>
+                                        </p:attrNameLst>
+                                      </p:cBhvr>
+                                      <p:to>
+                                        <p:strVal val="hidden"/>
+                                      </p:to>
+                                    </p:set>
+                                  </p:childTnLst>
+                                </p:cTn>
+                              </p:par>
+                              <p:par>
+                                <p:cTn id="13" presetID="10" presetClass="entr" presetSubtype="0" fill="hold" nodeType="withEffect">
+                                  <p:stCondLst>
+                                    <p:cond delay="0"/>
+                                  </p:stCondLst>
+                                  <p:childTnLst>
+                                    <p:set>
+                                      <p:cBhvr>
+                                        <p:cTn id="14" dur="1" fill="hold">
+                                          <p:stCondLst>
+                                            <p:cond delay="0"/>
+                                          </p:stCondLst>
+                                        </p:cTn>
+                                        <p:tgtEl>
+                                          <p:spTgt spid="12"/>
+                                        </p:tgtEl>
+                                        <p:attrNameLst>
+                                          <p:attrName>style.visibility</p:attrName>
+                                        </p:attrNameLst>
+                                      </p:cBhvr>
+                                      <p:to>
+                                        <p:strVal val="visible"/>
+                                      </p:to>
+                                    </p:set>
+                                    <p:animEffect transition="in" filter="fade">
+                                      <p:cBhvr>
+                                        <p:cTn id="15" dur="500"/>
+                                        <p:tgtEl>
+                                          <p:spTgt spid="12"/>
+                                        </p:tgtEl>
+                                      </p:cBhvr>
+                                    </p:animEffect>
+                                  </p:childTnLst>
+                                </p:cTn>
+                              </p:par>
+                            </p:childTnLst>
+                          </p:cTn>
+                        </p:par>
+                      </p:childTnLst>
+                    </p:cTn>
+                  </p:par>
+                  <p:par>
+                    <p:cTn id="16" fill="hold">
+                      <p:stCondLst>
+                        <p:cond delay="indefinite"/>
+                      </p:stCondLst>
+                      <p:childTnLst>
+                        <p:par>
+                          <p:cTn id="17" fill="hold">
+                            <p:stCondLst>
+                              <p:cond delay="0"/>
+                            </p:stCondLst>
+                            <p:childTnLst>
+                              <p:par>
+                                <p:cTn id="18" presetID="10" presetClass="exit" presetSubtype="0" fill="hold" nodeType="clickEffect">
+                                  <p:stCondLst>
+                                    <p:cond delay="0"/>
+                                  </p:stCondLst>
+                                  <p:childTnLst>
+                                    <p:animEffect transition="out" filter="fade">
+                                      <p:cBhvr>
+                                        <p:cTn id="19" dur="500"/>
+                                        <p:tgtEl>
+                                          <p:spTgt spid="12"/>
+                                        </p:tgtEl>
+                                      </p:cBhvr>
+                                    </p:animEffect>
+                                    <p:set>
+                                      <p:cBhvr>
+                                        <p:cTn id="20" dur="1" fill="hold">
+                                          <p:stCondLst>
+                                            <p:cond delay="499"/>
+                                          </p:stCondLst>
+                                        </p:cTn>
+                                        <p:tgtEl>
+                                          <p:spTgt spid="12"/>
+                                        </p:tgtEl>
+                                        <p:attrNameLst>
+                                          <p:attrName>style.visibility</p:attrName>
+                                        </p:attrNameLst>
+                                      </p:cBhvr>
+                                      <p:to>
+                                        <p:strVal val="hidden"/>
+                                      </p:to>
+                                    </p:set>
+                                  </p:childTnLst>
+                                </p:cTn>
+                              </p:par>
+                              <p:par>
+                                <p:cTn id="21" presetID="10" presetClass="entr" presetSubtype="0" fill="hold" nodeType="withEffect">
+                                  <p:stCondLst>
+                                    <p:cond delay="0"/>
+                                  </p:stCondLst>
+                                  <p:childTnLst>
+                                    <p:set>
+                                      <p:cBhvr>
+                                        <p:cTn id="22" dur="1" fill="hold">
+                                          <p:stCondLst>
+                                            <p:cond delay="0"/>
+                                          </p:stCondLst>
+                                        </p:cTn>
+                                        <p:tgtEl>
+                                          <p:spTgt spid="10"/>
+                                        </p:tgtEl>
+                                        <p:attrNameLst>
+                                          <p:attrName>style.visibility</p:attrName>
+                                        </p:attrNameLst>
+                                      </p:cBhvr>
+                                      <p:to>
+                                        <p:strVal val="visible"/>
+                                      </p:to>
+                                    </p:set>
+                                    <p:animEffect transition="in" filter="fade">
+                                      <p:cBhvr>
+                                        <p:cTn id="23" dur="500"/>
+                                        <p:tgtEl>
+                                          <p:spTgt spid="10"/>
+                                        </p:tgtEl>
+                                      </p:cBhvr>
+                                    </p:animEffect>
+                                  </p:childTnLst>
+                                </p:cTn>
+                              </p:par>
+                            </p:childTnLst>
+                          </p:cTn>
+                        </p:par>
+                      </p:childTnLst>
+                    </p:cTn>
+                  </p:par>
+                  <p:par>
+                    <p:cTn id="24" fill="hold">
+                      <p:stCondLst>
+                        <p:cond delay="indefinite"/>
+                      </p:stCondLst>
+                      <p:childTnLst>
+                        <p:par>
+                          <p:cTn id="25" fill="hold">
+                            <p:stCondLst>
+                              <p:cond delay="0"/>
+                            </p:stCondLst>
+                            <p:childTnLst>
+                              <p:par>
+                                <p:cTn id="26" presetID="10" presetClass="exit" presetSubtype="0" fill="hold" nodeType="clickEffect">
+                                  <p:stCondLst>
+                                    <p:cond delay="0"/>
+                                  </p:stCondLst>
+                                  <p:childTnLst>
+                                    <p:animEffect transition="out" filter="fade">
+                                      <p:cBhvr>
+                                        <p:cTn id="27" dur="500"/>
+                                        <p:tgtEl>
+                                          <p:spTgt spid="10"/>
+                                        </p:tgtEl>
+                                      </p:cBhvr>
+                                    </p:animEffect>
+                                    <p:set>
+                                      <p:cBhvr>
+                                        <p:cTn id="28" dur="1" fill="hold">
+                                          <p:stCondLst>
+                                            <p:cond delay="499"/>
+                                          </p:stCondLst>
+                                        </p:cTn>
+                                        <p:tgtEl>
+                                          <p:spTgt spid="10"/>
+                                        </p:tgtEl>
+                                        <p:attrNameLst>
+                                          <p:attrName>style.visibility</p:attrName>
+                                        </p:attrNameLst>
+                                      </p:cBhvr>
+                                      <p:to>
+                                        <p:strVal val="hidden"/>
+                                      </p:to>
+                                    </p:set>
+                                  </p:childTnLst>
+                                </p:cTn>
+                              </p:par>
+                              <p:par>
+                                <p:cTn id="29" presetID="10" presetClass="entr" presetSubtype="0" fill="hold" nodeType="withEffect">
+                                  <p:stCondLst>
+                                    <p:cond delay="0"/>
+                                  </p:stCondLst>
+                                  <p:childTnLst>
+                                    <p:set>
+                                      <p:cBhvr>
+                                        <p:cTn id="30" dur="1" fill="hold">
+                                          <p:stCondLst>
+                                            <p:cond delay="0"/>
+                                          </p:stCondLst>
+                                        </p:cTn>
+                                        <p:tgtEl>
+                                          <p:spTgt spid="9"/>
+                                        </p:tgtEl>
+                                        <p:attrNameLst>
+                                          <p:attrName>style.visibility</p:attrName>
+                                        </p:attrNameLst>
+                                      </p:cBhvr>
+                                      <p:to>
+                                        <p:strVal val="visible"/>
+                                      </p:to>
+                                    </p:set>
+                                    <p:animEffect transition="in" filter="fade">
+                                      <p:cBhvr>
+                                        <p:cTn id="31" dur="500"/>
+                                        <p:tgtEl>
+                                          <p:spTgt spid="9"/>
+                                        </p:tgtEl>
+                                      </p:cBhvr>
+                                    </p:animEffect>
+                                  </p:childTnLst>
+                                </p:cTn>
+                              </p:par>
+                            </p:childTnLst>
+                          </p:cTn>
+                        </p:par>
+                      </p:childTnLst>
+                    </p:cTn>
+                  </p:par>
+                  <p:par>
+                    <p:cTn id="32" fill="hold">
+                      <p:stCondLst>
+                        <p:cond delay="indefinite"/>
+                      </p:stCondLst>
+                      <p:childTnLst>
+                        <p:par>
+                          <p:cTn id="33" fill="hold">
+                            <p:stCondLst>
+                              <p:cond delay="0"/>
+                            </p:stCondLst>
+                            <p:childTnLst>
+                              <p:par>
+                                <p:cTn id="34" presetID="10" presetClass="exit" presetSubtype="0" fill="hold" nodeType="clickEffect">
+                                  <p:stCondLst>
+                                    <p:cond delay="0"/>
+                                  </p:stCondLst>
+                                  <p:childTnLst>
+                                    <p:animEffect transition="out" filter="fade">
+                                      <p:cBhvr>
+                                        <p:cTn id="35" dur="500"/>
+                                        <p:tgtEl>
+                                          <p:spTgt spid="9"/>
+                                        </p:tgtEl>
+                                      </p:cBhvr>
+                                    </p:animEffect>
+                                    <p:set>
+                                      <p:cBhvr>
+                                        <p:cTn id="36" dur="1" fill="hold">
+                                          <p:stCondLst>
+                                            <p:cond delay="499"/>
+                                          </p:stCondLst>
+                                        </p:cTn>
+                                        <p:tgtEl>
+                                          <p:spTgt spid="9"/>
+                                        </p:tgtEl>
+                                        <p:attrNameLst>
+                                          <p:attrName>style.visibility</p:attrName>
+                                        </p:attrNameLst>
+                                      </p:cBhvr>
+                                      <p:to>
+                                        <p:strVal val="hidden"/>
+                                      </p:to>
+                                    </p:set>
+                                  </p:childTnLst>
+                                </p:cTn>
+                              </p:par>
+                              <p:par>
+                                <p:cTn id="37" presetID="10" presetClass="entr" presetSubtype="0" fill="hold" nodeType="withEffect">
+                                  <p:stCondLst>
+                                    <p:cond delay="0"/>
+                                  </p:stCondLst>
+                                  <p:childTnLst>
+                                    <p:set>
+                                      <p:cBhvr>
+                                        <p:cTn id="38" dur="1" fill="hold">
+                                          <p:stCondLst>
+                                            <p:cond delay="0"/>
+                                          </p:stCondLst>
+                                        </p:cTn>
+                                        <p:tgtEl>
+                                          <p:spTgt spid="8"/>
+                                        </p:tgtEl>
+                                        <p:attrNameLst>
+                                          <p:attrName>style.visibility</p:attrName>
+                                        </p:attrNameLst>
+                                      </p:cBhvr>
+                                      <p:to>
+                                        <p:strVal val="visible"/>
+                                      </p:to>
+                                    </p:set>
+                                    <p:animEffect transition="in" filter="fade">
+                                      <p:cBhvr>
+                                        <p:cTn id="39" dur="500"/>
+                                        <p:tgtEl>
+                                          <p:spTgt spid="8"/>
+                                        </p:tgtEl>
+                                      </p:cBhvr>
+                                    </p:animEffect>
+                                  </p:childTnLst>
+                                </p:cTn>
+                              </p:par>
+                            </p:childTnLst>
+                          </p:cTn>
+                        </p:par>
+                      </p:childTnLst>
+                    </p:cTn>
+                  </p:par>
+                  <p:par>
+                    <p:cTn id="40" fill="hold">
+                      <p:stCondLst>
+                        <p:cond delay="indefinite"/>
+                      </p:stCondLst>
+                      <p:childTnLst>
+                        <p:par>
+                          <p:cTn id="41" fill="hold">
+                            <p:stCondLst>
+                              <p:cond delay="0"/>
+                            </p:stCondLst>
+                            <p:childTnLst>
+                              <p:par>
+                                <p:cTn id="42" presetID="10" presetClass="exit" presetSubtype="0" fill="hold" nodeType="clickEffect">
+                                  <p:stCondLst>
+                                    <p:cond delay="0"/>
+                                  </p:stCondLst>
+                                  <p:childTnLst>
+                                    <p:animEffect transition="out" filter="fade">
+                                      <p:cBhvr>
+                                        <p:cTn id="43" dur="500"/>
+                                        <p:tgtEl>
+                                          <p:spTgt spid="8"/>
+                                        </p:tgtEl>
+                                      </p:cBhvr>
+                                    </p:animEffect>
+                                    <p:set>
+                                      <p:cBhvr>
+                                        <p:cTn id="44" dur="1" fill="hold">
+                                          <p:stCondLst>
+                                            <p:cond delay="499"/>
+                                          </p:stCondLst>
+                                        </p:cTn>
+                                        <p:tgtEl>
+                                          <p:spTgt spid="8"/>
+                                        </p:tgtEl>
+                                        <p:attrNameLst>
+                                          <p:attrName>style.visibility</p:attrName>
+                                        </p:attrNameLst>
+                                      </p:cBhvr>
+                                      <p:to>
+                                        <p:strVal val="hidden"/>
+                                      </p:to>
+                                    </p:set>
+                                  </p:childTnLst>
+                                </p:cTn>
+                              </p:par>
+                              <p:par>
+                                <p:cTn id="45" presetID="10" presetClass="entr" presetSubtype="0" fill="hold" nodeType="withEffect">
+                                  <p:stCondLst>
+                                    <p:cond delay="0"/>
+                                  </p:stCondLst>
+                                  <p:childTnLst>
+                                    <p:set>
+                                      <p:cBhvr>
+                                        <p:cTn id="46" dur="1" fill="hold">
+                                          <p:stCondLst>
+                                            <p:cond delay="0"/>
+                                          </p:stCondLst>
+                                        </p:cTn>
+                                        <p:tgtEl>
+                                          <p:spTgt spid="7"/>
+                                        </p:tgtEl>
+                                        <p:attrNameLst>
+                                          <p:attrName>style.visibility</p:attrName>
+                                        </p:attrNameLst>
+                                      </p:cBhvr>
+                                      <p:to>
+                                        <p:strVal val="visible"/>
+                                      </p:to>
+                                    </p:set>
+                                    <p:animEffect transition="in" filter="fade">
+                                      <p:cBhvr>
+                                        <p:cTn id="47" dur="500"/>
+                                        <p:tgtEl>
+                                          <p:spTgt spid="7"/>
+                                        </p:tgtEl>
+                                      </p:cBhvr>
+                                    </p:animEffect>
+                                  </p:childTnLst>
+                                </p:cTn>
+                              </p:par>
+                            </p:childTnLst>
+                          </p:cTn>
+                        </p:par>
+                      </p:childTnLst>
+                    </p:cTn>
+                  </p:par>
+                  <p:par>
+                    <p:cTn id="48" fill="hold">
+                      <p:stCondLst>
+                        <p:cond delay="indefinite"/>
+                      </p:stCondLst>
+                      <p:childTnLst>
+                        <p:par>
+                          <p:cTn id="49" fill="hold">
+                            <p:stCondLst>
+                              <p:cond delay="0"/>
+                            </p:stCondLst>
+                            <p:childTnLst>
+                              <p:par>
+                                <p:cTn id="50" presetID="10" presetClass="exit" presetSubtype="0" fill="hold" nodeType="clickEffect">
+                                  <p:stCondLst>
+                                    <p:cond delay="0"/>
+                                  </p:stCondLst>
+                                  <p:childTnLst>
+                                    <p:animEffect transition="out" filter="fade">
+                                      <p:cBhvr>
+                                        <p:cTn id="51" dur="500"/>
+                                        <p:tgtEl>
+                                          <p:spTgt spid="7"/>
+                                        </p:tgtEl>
+                                      </p:cBhvr>
+                                    </p:animEffect>
+                                    <p:set>
+                                      <p:cBhvr>
+                                        <p:cTn id="52" dur="1" fill="hold">
+                                          <p:stCondLst>
+                                            <p:cond delay="499"/>
+                                          </p:stCondLst>
+                                        </p:cTn>
+                                        <p:tgtEl>
+                                          <p:spTgt spid="7"/>
+                                        </p:tgtEl>
+                                        <p:attrNameLst>
+                                          <p:attrName>style.visibility</p:attrName>
+                                        </p:attrNameLst>
+                                      </p:cBhvr>
+                                      <p:to>
+                                        <p:strVal val="hidden"/>
+                                      </p:to>
+                                    </p:set>
+                                  </p:childTnLst>
+                                </p:cTn>
+                              </p:par>
+                            </p:childTnLst>
+                          </p:cTn>
+                        </p:par>
+                      </p:childTnLst>
+                    </p:cTn>
+                  </p:par>
+                </p:childTnLst>
+              </p:cTn>
+              <p:prevCondLst>
+                <p:cond evt="onPrev" delay="0">
+                  <p:tgtEl>
+                    <p:sldTgt/>
+                  </p:tgtEl>
+                </p:cond>
+              </p:prevCondLst>
+              <p:nextCondLst>
+                <p:cond evt="onNext" delay="0">
+                  <p:tgtEl>
+                    <p:sldTgt/>
+                  </p:tgtEl>
+                </p:cond>
+              </p:nextCondLst>
+            </p:seq>
+          </p:childTnLst>
+        </p:cTn>
       </p:par>
     </p:tnLst>
   </p:timing>
@@ -8387,38 +12277,170 @@
           </a:p>
           <a:p>
             <a:r>
+              <a:rPr lang="pt-BR" dirty="0" smtClean="0"/>
+              <a:t>{   </a:t>
+            </a:r>
+            <a:r>
+              <a:rPr lang="pt-BR" dirty="0" smtClean="0">
+                <a:solidFill>
+                  <a:schemeClr val="accent2"/>
+                </a:solidFill>
+              </a:rPr>
+              <a:t>{</a:t>
+            </a:r>
+            <a:r>
+              <a:rPr lang="pt-BR" dirty="0" smtClean="0"/>
+              <a:t>1, Q1, t</a:t>
+            </a:r>
+            <a:r>
+              <a:rPr lang="pt-BR" dirty="0" smtClean="0">
+                <a:solidFill>
+                  <a:schemeClr val="accent2"/>
+                </a:solidFill>
+              </a:rPr>
+              <a:t>}</a:t>
+            </a:r>
+            <a:r>
+              <a:rPr lang="pt-BR" dirty="0" smtClean="0"/>
+              <a:t>, </a:t>
+            </a:r>
+            <a:r>
+              <a:rPr lang="pt-BR" dirty="0" smtClean="0">
+                <a:solidFill>
+                  <a:schemeClr val="accent2"/>
+                </a:solidFill>
+              </a:rPr>
+              <a:t>{</a:t>
+            </a:r>
+            <a:r>
+              <a:rPr lang="pt-BR" dirty="0" smtClean="0"/>
+              <a:t>2, Q2, t</a:t>
+            </a:r>
+            <a:r>
+              <a:rPr lang="pt-BR" dirty="0" smtClean="0">
+                <a:solidFill>
+                  <a:schemeClr val="accent2"/>
+                </a:solidFill>
+              </a:rPr>
+              <a:t>}</a:t>
+            </a:r>
+            <a:r>
+              <a:rPr lang="pt-BR" dirty="0" smtClean="0"/>
+              <a:t>, ..., </a:t>
+            </a:r>
+            <a:r>
+              <a:rPr lang="pt-BR" dirty="0" smtClean="0">
+                <a:solidFill>
+                  <a:schemeClr val="accent2"/>
+                </a:solidFill>
+              </a:rPr>
+              <a:t>{</a:t>
+            </a:r>
+            <a:r>
+              <a:rPr lang="pt-BR" dirty="0" smtClean="0"/>
+              <a:t>9, Q9, f</a:t>
+            </a:r>
+            <a:r>
+              <a:rPr lang="pt-BR" dirty="0" smtClean="0">
+                <a:solidFill>
+                  <a:schemeClr val="accent2"/>
+                </a:solidFill>
+              </a:rPr>
+              <a:t>}</a:t>
+            </a:r>
+            <a:r>
+              <a:rPr lang="pt-BR" dirty="0" smtClean="0"/>
+              <a:t>   }</a:t>
+            </a:r>
+            <a:endParaRPr lang="pt-BR" dirty="0"/>
+          </a:p>
+          <a:p>
+            <a:endParaRPr lang="pt-BR" dirty="0" smtClean="0"/>
+          </a:p>
+          <a:p>
+            <a:r>
+              <a:rPr lang="pt-BR" dirty="0" smtClean="0"/>
+              <a:t>{   </a:t>
+            </a:r>
+            <a:r>
+              <a:rPr lang="pt-BR" dirty="0" smtClean="0">
+                <a:solidFill>
+                  <a:schemeClr val="accent2"/>
+                </a:solidFill>
+              </a:rPr>
+              <a:t>{</a:t>
+            </a:r>
+            <a:r>
+              <a:rPr lang="pt-BR" dirty="0" smtClean="0"/>
+              <a:t>3, Q3, </a:t>
+            </a:r>
+            <a:r>
               <a:rPr lang="pt-BR" dirty="0"/>
-              <a:t> </a:t>
+              <a:t>t</a:t>
+            </a:r>
+            <a:r>
+              <a:rPr lang="pt-BR" dirty="0">
+                <a:solidFill>
+                  <a:schemeClr val="accent2"/>
+                </a:solidFill>
+              </a:rPr>
+              <a:t>}</a:t>
+            </a:r>
+            <a:r>
+              <a:rPr lang="pt-BR" dirty="0"/>
+              <a:t>, </a:t>
+            </a:r>
+            <a:r>
+              <a:rPr lang="pt-BR" dirty="0" smtClean="0">
+                <a:solidFill>
+                  <a:schemeClr val="accent2"/>
+                </a:solidFill>
+              </a:rPr>
+              <a:t>{</a:t>
             </a:r>
             <a:r>
               <a:rPr lang="pt-BR" dirty="0" smtClean="0"/>
-              <a:t>    {1, Q1, t}, {2, Q2, t}, ..., {9, Q9, f}</a:t>
-            </a:r>
-            <a:endParaRPr lang="pt-BR" dirty="0"/>
-          </a:p>
-          <a:p>
-            <a:endParaRPr lang="pt-BR" dirty="0" smtClean="0"/>
-          </a:p>
-          <a:p>
+              <a:t>9, Q9, f</a:t>
+            </a:r>
+            <a:r>
+              <a:rPr lang="pt-BR" dirty="0" smtClean="0">
+                <a:solidFill>
+                  <a:schemeClr val="accent2"/>
+                </a:solidFill>
+              </a:rPr>
+              <a:t>}</a:t>
+            </a:r>
             <a:r>
               <a:rPr lang="pt-BR" dirty="0" smtClean="0"/>
-              <a:t>     {3, Q3, </a:t>
-            </a:r>
-            <a:r>
-              <a:rPr lang="pt-BR" dirty="0"/>
-              <a:t>t}, </a:t>
+              <a:t>, </a:t>
             </a:r>
             <a:r>
               <a:rPr lang="pt-BR" dirty="0" smtClean="0"/>
-              <a:t>{9, Q9, f}, </a:t>
-            </a:r>
-            <a:r>
-              <a:rPr lang="pt-BR" dirty="0"/>
               <a:t>..., </a:t>
             </a:r>
             <a:r>
+              <a:rPr lang="pt-BR" dirty="0" smtClean="0">
+                <a:solidFill>
+                  <a:schemeClr val="accent2"/>
+                </a:solidFill>
+              </a:rPr>
+              <a:t>{</a:t>
+            </a:r>
+            <a:r>
               <a:rPr lang="pt-BR" dirty="0" smtClean="0"/>
-              <a:t>{4, Q4, t}</a:t>
+              <a:t>4, Q4, t</a:t>
+            </a:r>
+            <a:r>
+              <a:rPr lang="pt-BR" dirty="0" smtClean="0">
+                <a:solidFill>
+                  <a:schemeClr val="accent2"/>
+                </a:solidFill>
+              </a:rPr>
+              <a:t>}</a:t>
+            </a:r>
+            <a:r>
+              <a:rPr lang="pt-BR" dirty="0" smtClean="0"/>
+              <a:t>   }</a:t>
             </a:r>
             <a:endParaRPr lang="pt-BR" dirty="0"/>
           </a:p>
@@ -8492,7 +12514,7 @@
           <p:spPr>
             <a:xfrm>
               <a:off x="907022" y="5229200"/>
-              <a:ext cx="506870" cy="400110"/>
+              <a:ext cx="862865" cy="400110"/>
             </a:xfrm>
             <a:prstGeom prst="rect">
               <a:avLst/>
@@ -8507,7 +12529,15 @@
             <a:p>
               <a:r>
                 <a:rPr lang="pt-BR" sz="2000" dirty="0" smtClean="0"/>
-                <a:t>‘id’</a:t>
+                <a:t>‘</a:t>
+              </a:r>
+              <a:r>
+                <a:rPr lang="pt-BR" sz="2000" dirty="0" err="1" smtClean="0"/>
+                <a:t>ident</a:t>
+              </a:r>
+              <a:r>
+                <a:rPr lang="pt-BR" sz="2000" dirty="0" smtClean="0"/>
+                <a:t>’</a:t>
               </a:r>
               <a:endParaRPr lang="pt-BR" sz="2000" dirty="0"/>
             </a:p>
@@ -8686,10 +12716,10 @@
         </p:nvGrpSpPr>
         <p:grpSpPr>
           <a:xfrm>
-            <a:off x="4150196" y="4706483"/>
-            <a:ext cx="864096" cy="954765"/>
-            <a:chOff x="4150196" y="4706483"/>
-            <a:chExt cx="864096" cy="954765"/>
+            <a:off x="4006180" y="4706483"/>
+            <a:ext cx="936104" cy="954765"/>
+            <a:chOff x="4006180" y="4706483"/>
+            <a:chExt cx="936104" cy="954765"/>
           </a:xfrm>
         </p:grpSpPr>
         <p:sp>
@@ -8700,8 +12730,8 @@
           </p:nvSpPr>
           <p:spPr>
             <a:xfrm>
-              <a:off x="4654252" y="4706483"/>
-              <a:ext cx="360040" cy="360040"/>
+              <a:off x="4626868" y="4706483"/>
+              <a:ext cx="315416" cy="360040"/>
             </a:xfrm>
             <a:prstGeom prst="ellipse">
               <a:avLst/>
@@ -8745,8 +12775,8 @@
           </p:nvSpPr>
           <p:spPr>
             <a:xfrm>
-              <a:off x="4150196" y="5261138"/>
-              <a:ext cx="588623" cy="400110"/>
+              <a:off x="4006180" y="5261138"/>
+              <a:ext cx="782587" cy="400110"/>
             </a:xfrm>
             <a:prstGeom prst="rect">
               <a:avLst/>
@@ -8761,7 +12791,15 @@
             <a:p>
               <a:r>
                 <a:rPr lang="pt-BR" sz="2000" dirty="0" smtClean="0"/>
-                <a:t>‘vis’</a:t>
+                <a:t>‘</a:t>
+              </a:r>
+              <a:r>
+                <a:rPr lang="pt-BR" sz="2000" dirty="0" err="1" smtClean="0"/>
+                <a:t>visib</a:t>
+              </a:r>
+              <a:r>
+                <a:rPr lang="pt-BR" sz="2000" dirty="0" smtClean="0"/>
+                <a:t>’</a:t>
               </a:r>
               <a:endParaRPr lang="pt-BR" sz="2000" dirty="0"/>
             </a:p>
@@ -8775,7 +12813,7 @@
           </p:nvCxnSpPr>
           <p:spPr>
             <a:xfrm flipV="1">
-              <a:off x="4626646" y="5133929"/>
+              <a:off x="4482630" y="5133929"/>
               <a:ext cx="198227" cy="188069"/>
             </a:xfrm>
             <a:prstGeom prst="straightConnector1">
@@ -8810,9 +12848,9 @@
         <p:grpSpPr>
           <a:xfrm>
             <a:off x="2009823" y="5661248"/>
-            <a:ext cx="1708325" cy="1022602"/>
+            <a:ext cx="1636318" cy="1022602"/>
             <a:chOff x="2009823" y="5661248"/>
-            <a:chExt cx="1708325" cy="1022602"/>
+            <a:chExt cx="1636318" cy="1022602"/>
           </a:xfrm>
         </p:grpSpPr>
         <p:sp>
@@ -8823,8 +12861,8 @@
           </p:nvSpPr>
           <p:spPr>
             <a:xfrm>
-              <a:off x="2566020" y="5661248"/>
-              <a:ext cx="1152128" cy="432048"/>
+              <a:off x="2566021" y="5661248"/>
+              <a:ext cx="1080120" cy="432048"/>
             </a:xfrm>
             <a:prstGeom prst="ellipse">
               <a:avLst/>
@@ -8869,7 +12907,7 @@
           <p:spPr>
             <a:xfrm>
               <a:off x="2009823" y="6283740"/>
-              <a:ext cx="882870" cy="400110"/>
+              <a:ext cx="1249958" cy="400110"/>
             </a:xfrm>
             <a:prstGeom prst="rect">
               <a:avLst/>
@@ -8884,7 +12922,11 @@
             <a:p>
               <a:r>
                 <a:rPr lang="pt-BR" sz="2000" dirty="0" smtClean="0"/>
-                <a:t>‘index’</a:t>
+                <a:t>‘</a:t>
+              </a:r>
+              <a:r>
+                <a:rPr lang="pt-BR" sz="2000" dirty="0" smtClean="0"/>
+                <a:t>index = 2’</a:t>
               </a:r>
               <a:endParaRPr lang="pt-BR" sz="2000" dirty="0"/>
             </a:p>
@@ -8946,7 +12988,7 @@
         </p:blipFill>
         <p:spPr>
           <a:xfrm>
-            <a:off x="1607604" y="288032"/>
+            <a:off x="1557908" y="288032"/>
             <a:ext cx="3068960" cy="3068960"/>
           </a:xfrm>
           <a:prstGeom prst="rect">
@@ -8976,7 +13018,7 @@
         </p:blipFill>
         <p:spPr>
           <a:xfrm>
-            <a:off x="1910234" y="548031"/>
+            <a:off x="1557908" y="288032"/>
             <a:ext cx="3068960" cy="3068960"/>
           </a:xfrm>
           <a:prstGeom prst="rect">
@@ -9026,7 +13068,7 @@
               <a:t> </a:t>
             </a:r>
             <a:r>
-              <a:rPr lang="pt-BR" u="sng" dirty="0" err="1">
+              <a:rPr lang="pt-BR" dirty="0" err="1">
                 <a:latin typeface="Courier New" panose="02070309020205020404" pitchFamily="49" charset="0"/>
                 <a:cs typeface="Courier New" panose="02070309020205020404" pitchFamily="49" charset="0"/>
               </a:rPr>
@@ -9371,9 +13413,595 @@
   <p:timing>
     <p:tnLst>
       <p:par>
-        <p:cTn id="1" dur="indefinite" restart="never" nodeType="tmRoot"/>
+        <p:cTn id="1" dur="indefinite" restart="never" nodeType="tmRoot">
+          <p:childTnLst>
+            <p:seq concurrent="1" nextAc="seek">
+              <p:cTn id="2" dur="indefinite" nodeType="mainSeq">
+                <p:childTnLst>
+                  <p:par>
+                    <p:cTn id="3" fill="hold">
+                      <p:stCondLst>
+                        <p:cond delay="indefinite"/>
+                      </p:stCondLst>
+                      <p:childTnLst>
+                        <p:par>
+                          <p:cTn id="4" fill="hold">
+                            <p:stCondLst>
+                              <p:cond delay="0"/>
+                            </p:stCondLst>
+                            <p:childTnLst>
+                              <p:par>
+                                <p:cTn id="5" presetID="10" presetClass="entr" presetSubtype="0" fill="hold" grpId="0" nodeType="clickEffect">
+                                  <p:stCondLst>
+                                    <p:cond delay="0"/>
+                                  </p:stCondLst>
+                                  <p:childTnLst>
+                                    <p:set>
+                                      <p:cBhvr>
+                                        <p:cTn id="6" dur="1" fill="hold">
+                                          <p:stCondLst>
+                                            <p:cond delay="0"/>
+                                          </p:stCondLst>
+                                        </p:cTn>
+                                        <p:tgtEl>
+                                          <p:spTgt spid="3">
+                                            <p:txEl>
+                                              <p:pRg st="0" end="0"/>
+                                            </p:txEl>
+                                          </p:spTgt>
+                                        </p:tgtEl>
+                                        <p:attrNameLst>
+                                          <p:attrName>style.visibility</p:attrName>
+                                        </p:attrNameLst>
+                                      </p:cBhvr>
+                                      <p:to>
+                                        <p:strVal val="visible"/>
+                                      </p:to>
+                                    </p:set>
+                                    <p:animEffect transition="in" filter="fade">
+                                      <p:cBhvr>
+                                        <p:cTn id="7" dur="500"/>
+                                        <p:tgtEl>
+                                          <p:spTgt spid="3">
+                                            <p:txEl>
+                                              <p:pRg st="0" end="0"/>
+                                            </p:txEl>
+                                          </p:spTgt>
+                                        </p:tgtEl>
+                                      </p:cBhvr>
+                                    </p:animEffect>
+                                  </p:childTnLst>
+                                </p:cTn>
+                              </p:par>
+                              <p:par>
+                                <p:cTn id="8" presetID="10" presetClass="entr" presetSubtype="0" fill="hold" grpId="0" nodeType="withEffect">
+                                  <p:stCondLst>
+                                    <p:cond delay="0"/>
+                                  </p:stCondLst>
+                                  <p:childTnLst>
+                                    <p:set>
+                                      <p:cBhvr>
+                                        <p:cTn id="9" dur="1" fill="hold">
+                                          <p:stCondLst>
+                                            <p:cond delay="0"/>
+                                          </p:stCondLst>
+                                        </p:cTn>
+                                        <p:tgtEl>
+                                          <p:spTgt spid="3">
+                                            <p:txEl>
+                                              <p:pRg st="1" end="1"/>
+                                            </p:txEl>
+                                          </p:spTgt>
+                                        </p:tgtEl>
+                                        <p:attrNameLst>
+                                          <p:attrName>style.visibility</p:attrName>
+                                        </p:attrNameLst>
+                                      </p:cBhvr>
+                                      <p:to>
+                                        <p:strVal val="visible"/>
+                                      </p:to>
+                                    </p:set>
+                                    <p:animEffect transition="in" filter="fade">
+                                      <p:cBhvr>
+                                        <p:cTn id="10" dur="500"/>
+                                        <p:tgtEl>
+                                          <p:spTgt spid="3">
+                                            <p:txEl>
+                                              <p:pRg st="1" end="1"/>
+                                            </p:txEl>
+                                          </p:spTgt>
+                                        </p:tgtEl>
+                                      </p:cBhvr>
+                                    </p:animEffect>
+                                  </p:childTnLst>
+                                </p:cTn>
+                              </p:par>
+                            </p:childTnLst>
+                          </p:cTn>
+                        </p:par>
+                      </p:childTnLst>
+                    </p:cTn>
+                  </p:par>
+                  <p:par>
+                    <p:cTn id="11" fill="hold">
+                      <p:stCondLst>
+                        <p:cond delay="indefinite"/>
+                      </p:stCondLst>
+                      <p:childTnLst>
+                        <p:par>
+                          <p:cTn id="12" fill="hold">
+                            <p:stCondLst>
+                              <p:cond delay="0"/>
+                            </p:stCondLst>
+                            <p:childTnLst>
+                              <p:par>
+                                <p:cTn id="13" presetID="10" presetClass="entr" presetSubtype="0" fill="hold" grpId="0" nodeType="clickEffect">
+                                  <p:stCondLst>
+                                    <p:cond delay="0"/>
+                                  </p:stCondLst>
+                                  <p:childTnLst>
+                                    <p:set>
+                                      <p:cBhvr>
+                                        <p:cTn id="14" dur="1" fill="hold">
+                                          <p:stCondLst>
+                                            <p:cond delay="0"/>
+                                          </p:stCondLst>
+                                        </p:cTn>
+                                        <p:tgtEl>
+                                          <p:spTgt spid="3">
+                                            <p:txEl>
+                                              <p:pRg st="3" end="3"/>
+                                            </p:txEl>
+                                          </p:spTgt>
+                                        </p:tgtEl>
+                                        <p:attrNameLst>
+                                          <p:attrName>style.visibility</p:attrName>
+                                        </p:attrNameLst>
+                                      </p:cBhvr>
+                                      <p:to>
+                                        <p:strVal val="visible"/>
+                                      </p:to>
+                                    </p:set>
+                                    <p:animEffect transition="in" filter="fade">
+                                      <p:cBhvr>
+                                        <p:cTn id="15" dur="500"/>
+                                        <p:tgtEl>
+                                          <p:spTgt spid="3">
+                                            <p:txEl>
+                                              <p:pRg st="3" end="3"/>
+                                            </p:txEl>
+                                          </p:spTgt>
+                                        </p:tgtEl>
+                                      </p:cBhvr>
+                                    </p:animEffect>
+                                  </p:childTnLst>
+                                </p:cTn>
+                              </p:par>
+                            </p:childTnLst>
+                          </p:cTn>
+                        </p:par>
+                      </p:childTnLst>
+                    </p:cTn>
+                  </p:par>
+                  <p:par>
+                    <p:cTn id="16" fill="hold">
+                      <p:stCondLst>
+                        <p:cond delay="indefinite"/>
+                      </p:stCondLst>
+                      <p:childTnLst>
+                        <p:par>
+                          <p:cTn id="17" fill="hold">
+                            <p:stCondLst>
+                              <p:cond delay="0"/>
+                            </p:stCondLst>
+                            <p:childTnLst>
+                              <p:par>
+                                <p:cTn id="18" presetID="10" presetClass="entr" presetSubtype="0" fill="hold" nodeType="clickEffect">
+                                  <p:stCondLst>
+                                    <p:cond delay="0"/>
+                                  </p:stCondLst>
+                                  <p:childTnLst>
+                                    <p:set>
+                                      <p:cBhvr>
+                                        <p:cTn id="19" dur="1" fill="hold">
+                                          <p:stCondLst>
+                                            <p:cond delay="0"/>
+                                          </p:stCondLst>
+                                        </p:cTn>
+                                        <p:tgtEl>
+                                          <p:spTgt spid="19"/>
+                                        </p:tgtEl>
+                                        <p:attrNameLst>
+                                          <p:attrName>style.visibility</p:attrName>
+                                        </p:attrNameLst>
+                                      </p:cBhvr>
+                                      <p:to>
+                                        <p:strVal val="visible"/>
+                                      </p:to>
+                                    </p:set>
+                                    <p:animEffect transition="in" filter="fade">
+                                      <p:cBhvr>
+                                        <p:cTn id="20" dur="500"/>
+                                        <p:tgtEl>
+                                          <p:spTgt spid="19"/>
+                                        </p:tgtEl>
+                                      </p:cBhvr>
+                                    </p:animEffect>
+                                  </p:childTnLst>
+                                </p:cTn>
+                              </p:par>
+                            </p:childTnLst>
+                          </p:cTn>
+                        </p:par>
+                      </p:childTnLst>
+                    </p:cTn>
+                  </p:par>
+                  <p:par>
+                    <p:cTn id="21" fill="hold">
+                      <p:stCondLst>
+                        <p:cond delay="indefinite"/>
+                      </p:stCondLst>
+                      <p:childTnLst>
+                        <p:par>
+                          <p:cTn id="22" fill="hold">
+                            <p:stCondLst>
+                              <p:cond delay="0"/>
+                            </p:stCondLst>
+                            <p:childTnLst>
+                              <p:par>
+                                <p:cTn id="23" presetID="10" presetClass="entr" presetSubtype="0" fill="hold" nodeType="clickEffect">
+                                  <p:stCondLst>
+                                    <p:cond delay="0"/>
+                                  </p:stCondLst>
+                                  <p:childTnLst>
+                                    <p:set>
+                                      <p:cBhvr>
+                                        <p:cTn id="24" dur="1" fill="hold">
+                                          <p:stCondLst>
+                                            <p:cond delay="0"/>
+                                          </p:stCondLst>
+                                        </p:cTn>
+                                        <p:tgtEl>
+                                          <p:spTgt spid="20"/>
+                                        </p:tgtEl>
+                                        <p:attrNameLst>
+                                          <p:attrName>style.visibility</p:attrName>
+                                        </p:attrNameLst>
+                                      </p:cBhvr>
+                                      <p:to>
+                                        <p:strVal val="visible"/>
+                                      </p:to>
+                                    </p:set>
+                                    <p:animEffect transition="in" filter="fade">
+                                      <p:cBhvr>
+                                        <p:cTn id="25" dur="500"/>
+                                        <p:tgtEl>
+                                          <p:spTgt spid="20"/>
+                                        </p:tgtEl>
+                                      </p:cBhvr>
+                                    </p:animEffect>
+                                  </p:childTnLst>
+                                </p:cTn>
+                              </p:par>
+                            </p:childTnLst>
+                          </p:cTn>
+                        </p:par>
+                      </p:childTnLst>
+                    </p:cTn>
+                  </p:par>
+                  <p:par>
+                    <p:cTn id="26" fill="hold">
+                      <p:stCondLst>
+                        <p:cond delay="indefinite"/>
+                      </p:stCondLst>
+                      <p:childTnLst>
+                        <p:par>
+                          <p:cTn id="27" fill="hold">
+                            <p:stCondLst>
+                              <p:cond delay="0"/>
+                            </p:stCondLst>
+                            <p:childTnLst>
+                              <p:par>
+                                <p:cTn id="28" presetID="10" presetClass="entr" presetSubtype="0" fill="hold" nodeType="clickEffect">
+                                  <p:stCondLst>
+                                    <p:cond delay="0"/>
+                                  </p:stCondLst>
+                                  <p:childTnLst>
+                                    <p:set>
+                                      <p:cBhvr>
+                                        <p:cTn id="29" dur="1" fill="hold">
+                                          <p:stCondLst>
+                                            <p:cond delay="0"/>
+                                          </p:stCondLst>
+                                        </p:cTn>
+                                        <p:tgtEl>
+                                          <p:spTgt spid="21"/>
+                                        </p:tgtEl>
+                                        <p:attrNameLst>
+                                          <p:attrName>style.visibility</p:attrName>
+                                        </p:attrNameLst>
+                                      </p:cBhvr>
+                                      <p:to>
+                                        <p:strVal val="visible"/>
+                                      </p:to>
+                                    </p:set>
+                                    <p:animEffect transition="in" filter="fade">
+                                      <p:cBhvr>
+                                        <p:cTn id="30" dur="500"/>
+                                        <p:tgtEl>
+                                          <p:spTgt spid="21"/>
+                                        </p:tgtEl>
+                                      </p:cBhvr>
+                                    </p:animEffect>
+                                  </p:childTnLst>
+                                </p:cTn>
+                              </p:par>
+                            </p:childTnLst>
+                          </p:cTn>
+                        </p:par>
+                      </p:childTnLst>
+                    </p:cTn>
+                  </p:par>
+                  <p:par>
+                    <p:cTn id="31" fill="hold">
+                      <p:stCondLst>
+                        <p:cond delay="indefinite"/>
+                      </p:stCondLst>
+                      <p:childTnLst>
+                        <p:par>
+                          <p:cTn id="32" fill="hold">
+                            <p:stCondLst>
+                              <p:cond delay="0"/>
+                            </p:stCondLst>
+                            <p:childTnLst>
+                              <p:par>
+                                <p:cTn id="33" presetID="10" presetClass="entr" presetSubtype="0" fill="hold" nodeType="clickEffect">
+                                  <p:stCondLst>
+                                    <p:cond delay="0"/>
+                                  </p:stCondLst>
+                                  <p:childTnLst>
+                                    <p:set>
+                                      <p:cBhvr>
+                                        <p:cTn id="34" dur="1" fill="hold">
+                                          <p:stCondLst>
+                                            <p:cond delay="0"/>
+                                          </p:stCondLst>
+                                        </p:cTn>
+                                        <p:tgtEl>
+                                          <p:spTgt spid="22"/>
+                                        </p:tgtEl>
+                                        <p:attrNameLst>
+                                          <p:attrName>style.visibility</p:attrName>
+                                        </p:attrNameLst>
+                                      </p:cBhvr>
+                                      <p:to>
+                                        <p:strVal val="visible"/>
+                                      </p:to>
+                                    </p:set>
+                                    <p:animEffect transition="in" filter="fade">
+                                      <p:cBhvr>
+                                        <p:cTn id="35" dur="500"/>
+                                        <p:tgtEl>
+                                          <p:spTgt spid="22"/>
+                                        </p:tgtEl>
+                                      </p:cBhvr>
+                                    </p:animEffect>
+                                  </p:childTnLst>
+                                </p:cTn>
+                              </p:par>
+                            </p:childTnLst>
+                          </p:cTn>
+                        </p:par>
+                      </p:childTnLst>
+                    </p:cTn>
+                  </p:par>
+                  <p:par>
+                    <p:cTn id="36" fill="hold">
+                      <p:stCondLst>
+                        <p:cond delay="indefinite"/>
+                      </p:stCondLst>
+                      <p:childTnLst>
+                        <p:par>
+                          <p:cTn id="37" fill="hold">
+                            <p:stCondLst>
+                              <p:cond delay="0"/>
+                            </p:stCondLst>
+                            <p:childTnLst>
+                              <p:par>
+                                <p:cTn id="38" presetID="1" presetClass="entr" presetSubtype="0" fill="hold" nodeType="clickEffect">
+                                  <p:stCondLst>
+                                    <p:cond delay="0"/>
+                                  </p:stCondLst>
+                                  <p:childTnLst>
+                                    <p:set>
+                                      <p:cBhvr>
+                                        <p:cTn id="39" dur="1" fill="hold">
+                                          <p:stCondLst>
+                                            <p:cond delay="0"/>
+                                          </p:stCondLst>
+                                        </p:cTn>
+                                        <p:tgtEl>
+                                          <p:spTgt spid="29"/>
+                                        </p:tgtEl>
+                                        <p:attrNameLst>
+                                          <p:attrName>style.visibility</p:attrName>
+                                        </p:attrNameLst>
+                                      </p:cBhvr>
+                                      <p:to>
+                                        <p:strVal val="visible"/>
+                                      </p:to>
+                                    </p:set>
+                                  </p:childTnLst>
+                                </p:cTn>
+                              </p:par>
+                              <p:par>
+                                <p:cTn id="40" presetID="32" presetClass="emph" presetSubtype="0" fill="hold" nodeType="withEffect">
+                                  <p:stCondLst>
+                                    <p:cond delay="0"/>
+                                  </p:stCondLst>
+                                  <p:childTnLst>
+                                    <p:animRot by="120000">
+                                      <p:cBhvr>
+                                        <p:cTn id="41" dur="100" fill="hold">
+                                          <p:stCondLst>
+                                            <p:cond delay="0"/>
+                                          </p:stCondLst>
+                                        </p:cTn>
+                                        <p:tgtEl>
+                                          <p:spTgt spid="29"/>
+                                        </p:tgtEl>
+                                        <p:attrNameLst>
+                                          <p:attrName>r</p:attrName>
+                                        </p:attrNameLst>
+                                      </p:cBhvr>
+                                    </p:animRot>
+                                    <p:animRot by="-240000">
+                                      <p:cBhvr>
+                                        <p:cTn id="42" dur="200" fill="hold">
+                                          <p:stCondLst>
+                                            <p:cond delay="200"/>
+                                          </p:stCondLst>
+                                        </p:cTn>
+                                        <p:tgtEl>
+                                          <p:spTgt spid="29"/>
+                                        </p:tgtEl>
+                                        <p:attrNameLst>
+                                          <p:attrName>r</p:attrName>
+                                        </p:attrNameLst>
+                                      </p:cBhvr>
+                                    </p:animRot>
+                                    <p:animRot by="240000">
+                                      <p:cBhvr>
+                                        <p:cTn id="43" dur="200" fill="hold">
+                                          <p:stCondLst>
+                                            <p:cond delay="400"/>
+                                          </p:stCondLst>
+                                        </p:cTn>
+                                        <p:tgtEl>
+                                          <p:spTgt spid="29"/>
+                                        </p:tgtEl>
+                                        <p:attrNameLst>
+                                          <p:attrName>r</p:attrName>
+                                        </p:attrNameLst>
+                                      </p:cBhvr>
+                                    </p:animRot>
+                                    <p:animRot by="-240000">
+                                      <p:cBhvr>
+                                        <p:cTn id="44" dur="200" fill="hold">
+                                          <p:stCondLst>
+                                            <p:cond delay="600"/>
+                                          </p:stCondLst>
+                                        </p:cTn>
+                                        <p:tgtEl>
+                                          <p:spTgt spid="29"/>
+                                        </p:tgtEl>
+                                        <p:attrNameLst>
+                                          <p:attrName>r</p:attrName>
+                                        </p:attrNameLst>
+                                      </p:cBhvr>
+                                    </p:animRot>
+                                    <p:animRot by="120000">
+                                      <p:cBhvr>
+                                        <p:cTn id="45" dur="200" fill="hold">
+                                          <p:stCondLst>
+                                            <p:cond delay="800"/>
+                                          </p:stCondLst>
+                                        </p:cTn>
+                                        <p:tgtEl>
+                                          <p:spTgt spid="29"/>
+                                        </p:tgtEl>
+                                        <p:attrNameLst>
+                                          <p:attrName>r</p:attrName>
+                                        </p:attrNameLst>
+                                      </p:cBhvr>
+                                    </p:animRot>
+                                  </p:childTnLst>
+                                </p:cTn>
+                              </p:par>
+                            </p:childTnLst>
+                          </p:cTn>
+                        </p:par>
+                      </p:childTnLst>
+                    </p:cTn>
+                  </p:par>
+                  <p:par>
+                    <p:cTn id="46" fill="hold">
+                      <p:stCondLst>
+                        <p:cond delay="indefinite"/>
+                      </p:stCondLst>
+                      <p:childTnLst>
+                        <p:par>
+                          <p:cTn id="47" fill="hold">
+                            <p:stCondLst>
+                              <p:cond delay="0"/>
+                            </p:stCondLst>
+                            <p:childTnLst>
+                              <p:par>
+                                <p:cTn id="48" presetID="10" presetClass="entr" presetSubtype="0" fill="hold" grpId="0" nodeType="clickEffect">
+                                  <p:stCondLst>
+                                    <p:cond delay="0"/>
+                                  </p:stCondLst>
+                                  <p:childTnLst>
+                                    <p:set>
+                                      <p:cBhvr>
+                                        <p:cTn id="49" dur="1" fill="hold">
+                                          <p:stCondLst>
+                                            <p:cond delay="0"/>
+                                          </p:stCondLst>
+                                        </p:cTn>
+                                        <p:tgtEl>
+                                          <p:spTgt spid="13"/>
+                                        </p:tgtEl>
+                                        <p:attrNameLst>
+                                          <p:attrName>style.visibility</p:attrName>
+                                        </p:attrNameLst>
+                                      </p:cBhvr>
+                                      <p:to>
+                                        <p:strVal val="visible"/>
+                                      </p:to>
+                                    </p:set>
+                                    <p:animEffect transition="in" filter="fade">
+                                      <p:cBhvr>
+                                        <p:cTn id="50" dur="500"/>
+                                        <p:tgtEl>
+                                          <p:spTgt spid="13"/>
+                                        </p:tgtEl>
+                                      </p:cBhvr>
+                                    </p:animEffect>
+                                  </p:childTnLst>
+                                </p:cTn>
+                              </p:par>
+                            </p:childTnLst>
+                          </p:cTn>
+                        </p:par>
+                      </p:childTnLst>
+                    </p:cTn>
+                  </p:par>
+                </p:childTnLst>
+              </p:cTn>
+              <p:prevCondLst>
+                <p:cond evt="onPrev" delay="0">
+                  <p:tgtEl>
+                    <p:sldTgt/>
+                  </p:tgtEl>
+                </p:cond>
+              </p:prevCondLst>
+              <p:nextCondLst>
+                <p:cond evt="onNext" delay="0">
+                  <p:tgtEl>
+                    <p:sldTgt/>
+                  </p:tgtEl>
+                </p:cond>
+              </p:nextCondLst>
+            </p:seq>
+          </p:childTnLst>
+        </p:cTn>
       </p:par>
     </p:tnLst>
+    <p:bldLst>
+      <p:bldP spid="3" grpId="0" uiExpand="1" build="p"/>
+      <p:bldP spid="13" grpId="0"/>
+    </p:bldLst>
   </p:timing>
 </p:sld>
 </file>
@@ -9445,6 +14073,14 @@
           <a:p>
             <a:r>
               <a:rPr lang="pt-BR" dirty="0" err="1" smtClean="0"/>
+              <a:t>indice</a:t>
+            </a:r>
+            <a:r>
+              <a:rPr lang="pt-BR" dirty="0" smtClean="0"/>
+              <a:t> = </a:t>
+            </a:r>
+            <a:r>
+              <a:rPr lang="pt-BR" dirty="0" err="1" smtClean="0"/>
               <a:t>verifica_clique</a:t>
             </a:r>
             <a:endParaRPr lang="pt-BR" dirty="0" smtClean="0"/>
@@ -9455,12 +14091,974 @@
               <a:t>troca_vizinho</a:t>
             </a:r>
             <a:endParaRPr lang="pt-BR" dirty="0"/>
+          </a:p>
+        </p:txBody>
+      </p:sp>
+      <p:sp>
+        <p:nvSpPr>
+          <p:cNvPr id="5" name="Retângulo 4"/>
+          <p:cNvSpPr/>
+          <p:nvPr/>
+        </p:nvSpPr>
+        <p:spPr>
+          <a:xfrm>
+            <a:off x="4870276" y="44624"/>
+            <a:ext cx="7239220" cy="6863417"/>
+          </a:xfrm>
+          <a:prstGeom prst="rect">
+            <a:avLst/>
+          </a:prstGeom>
+        </p:spPr>
+        <p:txBody>
+          <a:bodyPr wrap="square">
+            <a:spAutoFit/>
+          </a:bodyPr>
+          <a:lstStyle/>
+          <a:p>
+            <a:r>
+              <a:rPr lang="pt-BR" sz="2000" b="1" dirty="0" err="1">
+                <a:solidFill>
+                  <a:schemeClr val="accent1"/>
+                </a:solidFill>
+                <a:latin typeface="Courier New" panose="02070309020205020404" pitchFamily="49" charset="0"/>
+                <a:cs typeface="Courier New" panose="02070309020205020404" pitchFamily="49" charset="0"/>
+              </a:rPr>
+              <a:t>function</a:t>
+            </a:r>
+            <a:r>
+              <a:rPr lang="pt-BR" sz="2000" dirty="0">
+                <a:solidFill>
+                  <a:schemeClr val="accent1"/>
+                </a:solidFill>
+                <a:latin typeface="Courier New" panose="02070309020205020404" pitchFamily="49" charset="0"/>
+                <a:cs typeface="Courier New" panose="02070309020205020404" pitchFamily="49" charset="0"/>
+              </a:rPr>
+              <a:t> </a:t>
+            </a:r>
+            <a:r>
+              <a:rPr lang="pt-BR" sz="2000" dirty="0" err="1">
+                <a:latin typeface="Courier New" panose="02070309020205020404" pitchFamily="49" charset="0"/>
+                <a:cs typeface="Courier New" panose="02070309020205020404" pitchFamily="49" charset="0"/>
+              </a:rPr>
+              <a:t>troca_vizinho</a:t>
+            </a:r>
+            <a:r>
+              <a:rPr lang="pt-BR" sz="2000" dirty="0">
+                <a:latin typeface="Courier New" panose="02070309020205020404" pitchFamily="49" charset="0"/>
+                <a:cs typeface="Courier New" panose="02070309020205020404" pitchFamily="49" charset="0"/>
+              </a:rPr>
+              <a:t>(</a:t>
+            </a:r>
+            <a:r>
+              <a:rPr lang="pt-BR" sz="2000" dirty="0" err="1">
+                <a:latin typeface="Courier New" panose="02070309020205020404" pitchFamily="49" charset="0"/>
+                <a:cs typeface="Courier New" panose="02070309020205020404" pitchFamily="49" charset="0"/>
+              </a:rPr>
+              <a:t>indice</a:t>
+            </a:r>
+            <a:r>
+              <a:rPr lang="pt-BR" sz="2000" dirty="0" smtClean="0">
+                <a:latin typeface="Courier New" panose="02070309020205020404" pitchFamily="49" charset="0"/>
+                <a:cs typeface="Courier New" panose="02070309020205020404" pitchFamily="49" charset="0"/>
+              </a:rPr>
+              <a:t>)</a:t>
+            </a:r>
+          </a:p>
+          <a:p>
+            <a:endParaRPr lang="pt-BR" sz="2000" dirty="0">
+              <a:latin typeface="Courier New" panose="02070309020205020404" pitchFamily="49" charset="0"/>
+              <a:cs typeface="Courier New" panose="02070309020205020404" pitchFamily="49" charset="0"/>
+            </a:endParaRPr>
+          </a:p>
+          <a:p>
+            <a:r>
+              <a:rPr lang="pt-BR" sz="2000" dirty="0" smtClean="0">
+                <a:latin typeface="Courier New" panose="02070309020205020404" pitchFamily="49" charset="0"/>
+                <a:cs typeface="Courier New" panose="02070309020205020404" pitchFamily="49" charset="0"/>
+              </a:rPr>
+              <a:t>  --</a:t>
+            </a:r>
+            <a:r>
+              <a:rPr lang="pt-BR" sz="2000" dirty="0">
+                <a:latin typeface="Courier New" panose="02070309020205020404" pitchFamily="49" charset="0"/>
+                <a:cs typeface="Courier New" panose="02070309020205020404" pitchFamily="49" charset="0"/>
+              </a:rPr>
+              <a:t>verifica se tile direita </a:t>
+            </a:r>
+            <a:r>
+              <a:rPr lang="pt-BR" sz="2000" dirty="0" smtClean="0">
+                <a:latin typeface="Courier New" panose="02070309020205020404" pitchFamily="49" charset="0"/>
+                <a:cs typeface="Courier New" panose="02070309020205020404" pitchFamily="49" charset="0"/>
+              </a:rPr>
+              <a:t>está </a:t>
+            </a:r>
+            <a:r>
+              <a:rPr lang="pt-BR" sz="2000" dirty="0">
+                <a:latin typeface="Courier New" panose="02070309020205020404" pitchFamily="49" charset="0"/>
+                <a:cs typeface="Courier New" panose="02070309020205020404" pitchFamily="49" charset="0"/>
+              </a:rPr>
+              <a:t>vazia</a:t>
+            </a:r>
+          </a:p>
+          <a:p>
+            <a:r>
+              <a:rPr lang="pt-BR" sz="2000" dirty="0" smtClean="0">
+                <a:latin typeface="Courier New" panose="02070309020205020404" pitchFamily="49" charset="0"/>
+                <a:cs typeface="Courier New" panose="02070309020205020404" pitchFamily="49" charset="0"/>
+              </a:rPr>
+              <a:t>  </a:t>
+            </a:r>
+            <a:r>
+              <a:rPr lang="pt-BR" sz="2000" b="1" dirty="0" err="1" smtClean="0">
+                <a:solidFill>
+                  <a:schemeClr val="accent1"/>
+                </a:solidFill>
+                <a:latin typeface="Courier New" panose="02070309020205020404" pitchFamily="49" charset="0"/>
+                <a:cs typeface="Courier New" panose="02070309020205020404" pitchFamily="49" charset="0"/>
+              </a:rPr>
+              <a:t>if</a:t>
+            </a:r>
+            <a:r>
+              <a:rPr lang="pt-BR" sz="2000" dirty="0" smtClean="0">
+                <a:solidFill>
+                  <a:schemeClr val="accent1"/>
+                </a:solidFill>
+                <a:latin typeface="Courier New" panose="02070309020205020404" pitchFamily="49" charset="0"/>
+                <a:cs typeface="Courier New" panose="02070309020205020404" pitchFamily="49" charset="0"/>
+              </a:rPr>
+              <a:t> </a:t>
+            </a:r>
+            <a:r>
+              <a:rPr lang="pt-BR" sz="2000" dirty="0" err="1">
+                <a:latin typeface="Courier New" panose="02070309020205020404" pitchFamily="49" charset="0"/>
+                <a:cs typeface="Courier New" panose="02070309020205020404" pitchFamily="49" charset="0"/>
+              </a:rPr>
+              <a:t>indice</a:t>
+            </a:r>
+            <a:r>
+              <a:rPr lang="pt-BR" sz="2000" dirty="0">
+                <a:latin typeface="Courier New" panose="02070309020205020404" pitchFamily="49" charset="0"/>
+                <a:cs typeface="Courier New" panose="02070309020205020404" pitchFamily="49" charset="0"/>
+              </a:rPr>
+              <a:t> % dificuldade ~= </a:t>
+            </a:r>
+            <a:r>
+              <a:rPr lang="pt-BR" sz="2000" dirty="0">
+                <a:solidFill>
+                  <a:schemeClr val="accent2"/>
+                </a:solidFill>
+                <a:latin typeface="Courier New" panose="02070309020205020404" pitchFamily="49" charset="0"/>
+                <a:cs typeface="Courier New" panose="02070309020205020404" pitchFamily="49" charset="0"/>
+              </a:rPr>
+              <a:t>0</a:t>
+            </a:r>
+            <a:r>
+              <a:rPr lang="pt-BR" sz="2000" dirty="0">
+                <a:latin typeface="Courier New" panose="02070309020205020404" pitchFamily="49" charset="0"/>
+                <a:cs typeface="Courier New" panose="02070309020205020404" pitchFamily="49" charset="0"/>
+              </a:rPr>
+              <a:t> </a:t>
+            </a:r>
+            <a:r>
+              <a:rPr lang="pt-BR" sz="2000" b="1" dirty="0" err="1">
+                <a:solidFill>
+                  <a:schemeClr val="accent1"/>
+                </a:solidFill>
+                <a:latin typeface="Courier New" panose="02070309020205020404" pitchFamily="49" charset="0"/>
+                <a:cs typeface="Courier New" panose="02070309020205020404" pitchFamily="49" charset="0"/>
+              </a:rPr>
+              <a:t>then</a:t>
+            </a:r>
+            <a:endParaRPr lang="pt-BR" sz="2000" b="1" dirty="0">
+              <a:solidFill>
+                <a:schemeClr val="accent1"/>
+              </a:solidFill>
+              <a:latin typeface="Courier New" panose="02070309020205020404" pitchFamily="49" charset="0"/>
+              <a:cs typeface="Courier New" panose="02070309020205020404" pitchFamily="49" charset="0"/>
+            </a:endParaRPr>
+          </a:p>
+          <a:p>
+            <a:r>
+              <a:rPr lang="pt-BR" sz="2000" dirty="0" smtClean="0">
+                <a:latin typeface="Courier New" panose="02070309020205020404" pitchFamily="49" charset="0"/>
+                <a:cs typeface="Courier New" panose="02070309020205020404" pitchFamily="49" charset="0"/>
+              </a:rPr>
+              <a:t>    </a:t>
+            </a:r>
+            <a:r>
+              <a:rPr lang="pt-BR" sz="2000" b="1" dirty="0" err="1" smtClean="0">
+                <a:solidFill>
+                  <a:schemeClr val="accent1"/>
+                </a:solidFill>
+                <a:latin typeface="Courier New" panose="02070309020205020404" pitchFamily="49" charset="0"/>
+                <a:cs typeface="Courier New" panose="02070309020205020404" pitchFamily="49" charset="0"/>
+              </a:rPr>
+              <a:t>if</a:t>
+            </a:r>
+            <a:r>
+              <a:rPr lang="pt-BR" sz="2000" dirty="0" smtClean="0">
+                <a:solidFill>
+                  <a:schemeClr val="accent1"/>
+                </a:solidFill>
+                <a:latin typeface="Courier New" panose="02070309020205020404" pitchFamily="49" charset="0"/>
+                <a:cs typeface="Courier New" panose="02070309020205020404" pitchFamily="49" charset="0"/>
+              </a:rPr>
+              <a:t> </a:t>
+            </a:r>
+            <a:r>
+              <a:rPr lang="pt-BR" sz="2000" dirty="0">
+                <a:latin typeface="Courier New" panose="02070309020205020404" pitchFamily="49" charset="0"/>
+                <a:cs typeface="Courier New" panose="02070309020205020404" pitchFamily="49" charset="0"/>
+              </a:rPr>
+              <a:t>tiles[</a:t>
+            </a:r>
+            <a:r>
+              <a:rPr lang="pt-BR" sz="2000" dirty="0" err="1">
+                <a:latin typeface="Courier New" panose="02070309020205020404" pitchFamily="49" charset="0"/>
+                <a:cs typeface="Courier New" panose="02070309020205020404" pitchFamily="49" charset="0"/>
+              </a:rPr>
+              <a:t>indice</a:t>
+            </a:r>
+            <a:r>
+              <a:rPr lang="pt-BR" sz="2000" dirty="0">
+                <a:latin typeface="Courier New" panose="02070309020205020404" pitchFamily="49" charset="0"/>
+                <a:cs typeface="Courier New" panose="02070309020205020404" pitchFamily="49" charset="0"/>
+              </a:rPr>
+              <a:t> + </a:t>
+            </a:r>
+            <a:r>
+              <a:rPr lang="pt-BR" sz="2000" dirty="0">
+                <a:solidFill>
+                  <a:schemeClr val="accent2"/>
+                </a:solidFill>
+                <a:latin typeface="Courier New" panose="02070309020205020404" pitchFamily="49" charset="0"/>
+                <a:cs typeface="Courier New" panose="02070309020205020404" pitchFamily="49" charset="0"/>
+              </a:rPr>
+              <a:t>1</a:t>
+            </a:r>
+            <a:r>
+              <a:rPr lang="pt-BR" sz="2000" dirty="0">
+                <a:latin typeface="Courier New" panose="02070309020205020404" pitchFamily="49" charset="0"/>
+                <a:cs typeface="Courier New" panose="02070309020205020404" pitchFamily="49" charset="0"/>
+              </a:rPr>
+              <a:t>].</a:t>
+            </a:r>
+            <a:r>
+              <a:rPr lang="pt-BR" sz="2000" dirty="0" err="1">
+                <a:latin typeface="Courier New" panose="02070309020205020404" pitchFamily="49" charset="0"/>
+                <a:cs typeface="Courier New" panose="02070309020205020404" pitchFamily="49" charset="0"/>
+              </a:rPr>
+              <a:t>visivel</a:t>
+            </a:r>
+            <a:r>
+              <a:rPr lang="pt-BR" sz="2000" dirty="0">
+                <a:latin typeface="Courier New" panose="02070309020205020404" pitchFamily="49" charset="0"/>
+                <a:cs typeface="Courier New" panose="02070309020205020404" pitchFamily="49" charset="0"/>
+              </a:rPr>
+              <a:t> == false </a:t>
+            </a:r>
+            <a:r>
+              <a:rPr lang="pt-BR" sz="2000" b="1" dirty="0" err="1">
+                <a:solidFill>
+                  <a:schemeClr val="accent1"/>
+                </a:solidFill>
+                <a:latin typeface="Courier New" panose="02070309020205020404" pitchFamily="49" charset="0"/>
+                <a:cs typeface="Courier New" panose="02070309020205020404" pitchFamily="49" charset="0"/>
+              </a:rPr>
+              <a:t>then</a:t>
+            </a:r>
+            <a:endParaRPr lang="pt-BR" sz="2000" b="1" dirty="0">
+              <a:solidFill>
+                <a:schemeClr val="accent1"/>
+              </a:solidFill>
+              <a:latin typeface="Courier New" panose="02070309020205020404" pitchFamily="49" charset="0"/>
+              <a:cs typeface="Courier New" panose="02070309020205020404" pitchFamily="49" charset="0"/>
+            </a:endParaRPr>
+          </a:p>
+          <a:p>
+            <a:r>
+              <a:rPr lang="pt-BR" sz="2000" dirty="0" smtClean="0">
+                <a:latin typeface="Courier New" panose="02070309020205020404" pitchFamily="49" charset="0"/>
+                <a:cs typeface="Courier New" panose="02070309020205020404" pitchFamily="49" charset="0"/>
+              </a:rPr>
+              <a:t>      tiles[</a:t>
+            </a:r>
+            <a:r>
+              <a:rPr lang="pt-BR" sz="2000" dirty="0" err="1" smtClean="0">
+                <a:latin typeface="Courier New" panose="02070309020205020404" pitchFamily="49" charset="0"/>
+                <a:cs typeface="Courier New" panose="02070309020205020404" pitchFamily="49" charset="0"/>
+              </a:rPr>
+              <a:t>indice</a:t>
+            </a:r>
+            <a:r>
+              <a:rPr lang="pt-BR" sz="2000" dirty="0">
+                <a:latin typeface="Courier New" panose="02070309020205020404" pitchFamily="49" charset="0"/>
+                <a:cs typeface="Courier New" panose="02070309020205020404" pitchFamily="49" charset="0"/>
+              </a:rPr>
+              <a:t>], tiles[</a:t>
+            </a:r>
+            <a:r>
+              <a:rPr lang="pt-BR" sz="2000" dirty="0" err="1">
+                <a:latin typeface="Courier New" panose="02070309020205020404" pitchFamily="49" charset="0"/>
+                <a:cs typeface="Courier New" panose="02070309020205020404" pitchFamily="49" charset="0"/>
+              </a:rPr>
+              <a:t>indice</a:t>
+            </a:r>
+            <a:r>
+              <a:rPr lang="pt-BR" sz="2000" dirty="0">
+                <a:latin typeface="Courier New" panose="02070309020205020404" pitchFamily="49" charset="0"/>
+                <a:cs typeface="Courier New" panose="02070309020205020404" pitchFamily="49" charset="0"/>
+              </a:rPr>
+              <a:t> + </a:t>
+            </a:r>
+            <a:r>
+              <a:rPr lang="pt-BR" sz="2000" dirty="0">
+                <a:solidFill>
+                  <a:schemeClr val="accent2"/>
+                </a:solidFill>
+                <a:latin typeface="Courier New" panose="02070309020205020404" pitchFamily="49" charset="0"/>
+                <a:cs typeface="Courier New" panose="02070309020205020404" pitchFamily="49" charset="0"/>
+              </a:rPr>
+              <a:t>1</a:t>
+            </a:r>
+            <a:r>
+              <a:rPr lang="pt-BR" sz="2000" dirty="0">
+                <a:latin typeface="Courier New" panose="02070309020205020404" pitchFamily="49" charset="0"/>
+                <a:cs typeface="Courier New" panose="02070309020205020404" pitchFamily="49" charset="0"/>
+              </a:rPr>
+              <a:t>] = </a:t>
+            </a:r>
+            <a:r>
+              <a:rPr lang="pt-BR" sz="2000" dirty="0" smtClean="0">
+                <a:latin typeface="Courier New" panose="02070309020205020404" pitchFamily="49" charset="0"/>
+                <a:cs typeface="Courier New" panose="02070309020205020404" pitchFamily="49" charset="0"/>
+              </a:rPr>
+              <a:t>   </a:t>
+            </a:r>
+          </a:p>
+          <a:p>
+            <a:r>
+              <a:rPr lang="pt-BR" sz="2000" dirty="0">
+                <a:latin typeface="Courier New" panose="02070309020205020404" pitchFamily="49" charset="0"/>
+                <a:cs typeface="Courier New" panose="02070309020205020404" pitchFamily="49" charset="0"/>
+              </a:rPr>
+              <a:t> </a:t>
+            </a:r>
+            <a:r>
+              <a:rPr lang="pt-BR" sz="2000" dirty="0" smtClean="0">
+                <a:latin typeface="Courier New" panose="02070309020205020404" pitchFamily="49" charset="0"/>
+                <a:cs typeface="Courier New" panose="02070309020205020404" pitchFamily="49" charset="0"/>
+              </a:rPr>
+              <a:t>     tiles[</a:t>
+            </a:r>
+            <a:r>
+              <a:rPr lang="pt-BR" sz="2000" dirty="0" err="1" smtClean="0">
+                <a:latin typeface="Courier New" panose="02070309020205020404" pitchFamily="49" charset="0"/>
+                <a:cs typeface="Courier New" panose="02070309020205020404" pitchFamily="49" charset="0"/>
+              </a:rPr>
+              <a:t>indice</a:t>
+            </a:r>
+            <a:r>
+              <a:rPr lang="pt-BR" sz="2000" dirty="0" smtClean="0">
+                <a:latin typeface="Courier New" panose="02070309020205020404" pitchFamily="49" charset="0"/>
+                <a:cs typeface="Courier New" panose="02070309020205020404" pitchFamily="49" charset="0"/>
+              </a:rPr>
+              <a:t> </a:t>
+            </a:r>
+            <a:r>
+              <a:rPr lang="pt-BR" sz="2000" dirty="0">
+                <a:latin typeface="Courier New" panose="02070309020205020404" pitchFamily="49" charset="0"/>
+                <a:cs typeface="Courier New" panose="02070309020205020404" pitchFamily="49" charset="0"/>
+              </a:rPr>
+              <a:t>+ </a:t>
+            </a:r>
+            <a:r>
+              <a:rPr lang="pt-BR" sz="2000" dirty="0">
+                <a:solidFill>
+                  <a:schemeClr val="accent2"/>
+                </a:solidFill>
+                <a:latin typeface="Courier New" panose="02070309020205020404" pitchFamily="49" charset="0"/>
+                <a:cs typeface="Courier New" panose="02070309020205020404" pitchFamily="49" charset="0"/>
+              </a:rPr>
+              <a:t>1</a:t>
+            </a:r>
+            <a:r>
+              <a:rPr lang="pt-BR" sz="2000" dirty="0">
+                <a:latin typeface="Courier New" panose="02070309020205020404" pitchFamily="49" charset="0"/>
+                <a:cs typeface="Courier New" panose="02070309020205020404" pitchFamily="49" charset="0"/>
+              </a:rPr>
+              <a:t>], tiles[</a:t>
+            </a:r>
+            <a:r>
+              <a:rPr lang="pt-BR" sz="2000" dirty="0" err="1">
+                <a:latin typeface="Courier New" panose="02070309020205020404" pitchFamily="49" charset="0"/>
+                <a:cs typeface="Courier New" panose="02070309020205020404" pitchFamily="49" charset="0"/>
+              </a:rPr>
+              <a:t>indice</a:t>
+            </a:r>
+            <a:r>
+              <a:rPr lang="pt-BR" sz="2000" dirty="0" smtClean="0">
+                <a:latin typeface="Courier New" panose="02070309020205020404" pitchFamily="49" charset="0"/>
+                <a:cs typeface="Courier New" panose="02070309020205020404" pitchFamily="49" charset="0"/>
+              </a:rPr>
+              <a:t>]</a:t>
+            </a:r>
+          </a:p>
+          <a:p>
+            <a:r>
+              <a:rPr lang="pt-BR" sz="2000" dirty="0">
+                <a:latin typeface="Courier New" panose="02070309020205020404" pitchFamily="49" charset="0"/>
+                <a:cs typeface="Courier New" panose="02070309020205020404" pitchFamily="49" charset="0"/>
+              </a:rPr>
+              <a:t> </a:t>
+            </a:r>
+            <a:r>
+              <a:rPr lang="pt-BR" sz="2000" dirty="0" smtClean="0">
+                <a:latin typeface="Courier New" panose="02070309020205020404" pitchFamily="49" charset="0"/>
+                <a:cs typeface="Courier New" panose="02070309020205020404" pitchFamily="49" charset="0"/>
+              </a:rPr>
+              <a:t>     movimentos = movimentos + </a:t>
+            </a:r>
+            <a:r>
+              <a:rPr lang="pt-BR" sz="2000" dirty="0" smtClean="0">
+                <a:solidFill>
+                  <a:schemeClr val="accent2"/>
+                </a:solidFill>
+                <a:latin typeface="Courier New" panose="02070309020205020404" pitchFamily="49" charset="0"/>
+                <a:cs typeface="Courier New" panose="02070309020205020404" pitchFamily="49" charset="0"/>
+              </a:rPr>
+              <a:t>1</a:t>
+            </a:r>
+            <a:endParaRPr lang="pt-BR" sz="2000" dirty="0">
+              <a:solidFill>
+                <a:schemeClr val="accent2"/>
+              </a:solidFill>
+              <a:latin typeface="Courier New" panose="02070309020205020404" pitchFamily="49" charset="0"/>
+              <a:cs typeface="Courier New" panose="02070309020205020404" pitchFamily="49" charset="0"/>
+            </a:endParaRPr>
+          </a:p>
+          <a:p>
+            <a:r>
+              <a:rPr lang="pt-BR" sz="2000" dirty="0" smtClean="0">
+                <a:latin typeface="Courier New" panose="02070309020205020404" pitchFamily="49" charset="0"/>
+                <a:cs typeface="Courier New" panose="02070309020205020404" pitchFamily="49" charset="0"/>
+              </a:rPr>
+              <a:t>    </a:t>
+            </a:r>
+            <a:r>
+              <a:rPr lang="pt-BR" sz="2000" b="1" dirty="0" err="1" smtClean="0">
+                <a:solidFill>
+                  <a:schemeClr val="accent1"/>
+                </a:solidFill>
+                <a:latin typeface="Courier New" panose="02070309020205020404" pitchFamily="49" charset="0"/>
+                <a:cs typeface="Courier New" panose="02070309020205020404" pitchFamily="49" charset="0"/>
+              </a:rPr>
+              <a:t>end</a:t>
+            </a:r>
+            <a:endParaRPr lang="pt-BR" sz="2000" b="1" dirty="0">
+              <a:solidFill>
+                <a:schemeClr val="accent1"/>
+              </a:solidFill>
+              <a:latin typeface="Courier New" panose="02070309020205020404" pitchFamily="49" charset="0"/>
+              <a:cs typeface="Courier New" panose="02070309020205020404" pitchFamily="49" charset="0"/>
+            </a:endParaRPr>
+          </a:p>
+          <a:p>
+            <a:r>
+              <a:rPr lang="pt-BR" sz="2000" dirty="0" smtClean="0">
+                <a:latin typeface="Courier New" panose="02070309020205020404" pitchFamily="49" charset="0"/>
+                <a:cs typeface="Courier New" panose="02070309020205020404" pitchFamily="49" charset="0"/>
+              </a:rPr>
+              <a:t>  </a:t>
+            </a:r>
+            <a:r>
+              <a:rPr lang="pt-BR" sz="2000" b="1" dirty="0" err="1" smtClean="0">
+                <a:solidFill>
+                  <a:schemeClr val="accent1"/>
+                </a:solidFill>
+                <a:latin typeface="Courier New" panose="02070309020205020404" pitchFamily="49" charset="0"/>
+                <a:cs typeface="Courier New" panose="02070309020205020404" pitchFamily="49" charset="0"/>
+              </a:rPr>
+              <a:t>end</a:t>
+            </a:r>
+            <a:endParaRPr lang="pt-BR" sz="2000" b="1" dirty="0" smtClean="0">
+              <a:solidFill>
+                <a:schemeClr val="accent1"/>
+              </a:solidFill>
+              <a:latin typeface="Courier New" panose="02070309020205020404" pitchFamily="49" charset="0"/>
+              <a:cs typeface="Courier New" panose="02070309020205020404" pitchFamily="49" charset="0"/>
+            </a:endParaRPr>
+          </a:p>
+          <a:p>
+            <a:endParaRPr lang="pt-BR" sz="2000" b="1" dirty="0">
+              <a:solidFill>
+                <a:schemeClr val="accent1"/>
+              </a:solidFill>
+              <a:latin typeface="Courier New" panose="02070309020205020404" pitchFamily="49" charset="0"/>
+              <a:cs typeface="Courier New" panose="02070309020205020404" pitchFamily="49" charset="0"/>
+            </a:endParaRPr>
+          </a:p>
+          <a:p>
+            <a:r>
+              <a:rPr lang="pt-BR" sz="2000" b="1" dirty="0" smtClean="0">
+                <a:solidFill>
+                  <a:schemeClr val="accent1"/>
+                </a:solidFill>
+                <a:latin typeface="Courier New" panose="02070309020205020404" pitchFamily="49" charset="0"/>
+                <a:cs typeface="Courier New" panose="02070309020205020404" pitchFamily="49" charset="0"/>
+              </a:rPr>
+              <a:t>  </a:t>
+            </a:r>
+            <a:r>
+              <a:rPr lang="pt-BR" sz="2000" dirty="0" smtClean="0">
+                <a:latin typeface="Courier New" panose="02070309020205020404" pitchFamily="49" charset="0"/>
+                <a:cs typeface="Courier New" panose="02070309020205020404" pitchFamily="49" charset="0"/>
+              </a:rPr>
+              <a:t>--tile esquerda:</a:t>
+            </a:r>
+          </a:p>
+          <a:p>
+            <a:r>
+              <a:rPr lang="pt-BR" sz="2000" b="1" dirty="0" smtClean="0">
+                <a:solidFill>
+                  <a:schemeClr val="accent1"/>
+                </a:solidFill>
+                <a:latin typeface="Courier New" panose="02070309020205020404" pitchFamily="49" charset="0"/>
+                <a:cs typeface="Courier New" panose="02070309020205020404" pitchFamily="49" charset="0"/>
+              </a:rPr>
+              <a:t>  </a:t>
+            </a:r>
+            <a:r>
+              <a:rPr lang="pt-BR" sz="2000" b="1" dirty="0" err="1" smtClean="0">
+                <a:solidFill>
+                  <a:schemeClr val="accent1"/>
+                </a:solidFill>
+                <a:latin typeface="Courier New" panose="02070309020205020404" pitchFamily="49" charset="0"/>
+                <a:cs typeface="Courier New" panose="02070309020205020404" pitchFamily="49" charset="0"/>
+              </a:rPr>
+              <a:t>if</a:t>
+            </a:r>
+            <a:r>
+              <a:rPr lang="pt-BR" sz="2000" b="1" dirty="0" smtClean="0">
+                <a:solidFill>
+                  <a:schemeClr val="accent1"/>
+                </a:solidFill>
+                <a:latin typeface="Courier New" panose="02070309020205020404" pitchFamily="49" charset="0"/>
+                <a:cs typeface="Courier New" panose="02070309020205020404" pitchFamily="49" charset="0"/>
+              </a:rPr>
+              <a:t> </a:t>
+            </a:r>
+            <a:r>
+              <a:rPr lang="pt-BR" sz="2000" dirty="0" smtClean="0">
+                <a:latin typeface="Courier New" panose="02070309020205020404" pitchFamily="49" charset="0"/>
+                <a:cs typeface="Courier New" panose="02070309020205020404" pitchFamily="49" charset="0"/>
+              </a:rPr>
+              <a:t>(</a:t>
+            </a:r>
+            <a:r>
+              <a:rPr lang="pt-BR" sz="2000" dirty="0" err="1" smtClean="0">
+                <a:latin typeface="Courier New" panose="02070309020205020404" pitchFamily="49" charset="0"/>
+                <a:cs typeface="Courier New" panose="02070309020205020404" pitchFamily="49" charset="0"/>
+              </a:rPr>
+              <a:t>indice</a:t>
+            </a:r>
+            <a:r>
+              <a:rPr lang="pt-BR" sz="2000" dirty="0" smtClean="0">
+                <a:latin typeface="Courier New" panose="02070309020205020404" pitchFamily="49" charset="0"/>
+                <a:cs typeface="Courier New" panose="02070309020205020404" pitchFamily="49" charset="0"/>
+              </a:rPr>
+              <a:t> – </a:t>
+            </a:r>
+            <a:r>
+              <a:rPr lang="pt-BR" sz="2000" dirty="0" smtClean="0">
+                <a:solidFill>
+                  <a:schemeClr val="accent2"/>
+                </a:solidFill>
+                <a:latin typeface="Courier New" panose="02070309020205020404" pitchFamily="49" charset="0"/>
+                <a:cs typeface="Courier New" panose="02070309020205020404" pitchFamily="49" charset="0"/>
+              </a:rPr>
+              <a:t>1</a:t>
+            </a:r>
+            <a:r>
+              <a:rPr lang="pt-BR" sz="2000" dirty="0" smtClean="0">
+                <a:latin typeface="Courier New" panose="02070309020205020404" pitchFamily="49" charset="0"/>
+                <a:cs typeface="Courier New" panose="02070309020205020404" pitchFamily="49" charset="0"/>
+              </a:rPr>
+              <a:t>)</a:t>
+            </a:r>
+            <a:r>
+              <a:rPr lang="pt-BR" sz="2000" dirty="0">
+                <a:latin typeface="Courier New" panose="02070309020205020404" pitchFamily="49" charset="0"/>
+                <a:cs typeface="Courier New" panose="02070309020205020404" pitchFamily="49" charset="0"/>
+              </a:rPr>
+              <a:t> % dificuldade ~= </a:t>
+            </a:r>
+            <a:r>
+              <a:rPr lang="pt-BR" sz="2000" dirty="0">
+                <a:solidFill>
+                  <a:schemeClr val="accent2"/>
+                </a:solidFill>
+                <a:latin typeface="Courier New" panose="02070309020205020404" pitchFamily="49" charset="0"/>
+                <a:cs typeface="Courier New" panose="02070309020205020404" pitchFamily="49" charset="0"/>
+              </a:rPr>
+              <a:t>0</a:t>
+            </a:r>
+            <a:r>
+              <a:rPr lang="pt-BR" sz="2000" dirty="0">
+                <a:latin typeface="Courier New" panose="02070309020205020404" pitchFamily="49" charset="0"/>
+                <a:cs typeface="Courier New" panose="02070309020205020404" pitchFamily="49" charset="0"/>
+              </a:rPr>
+              <a:t> </a:t>
+            </a:r>
+            <a:r>
+              <a:rPr lang="pt-BR" sz="2000" b="1" dirty="0" err="1" smtClean="0">
+                <a:solidFill>
+                  <a:schemeClr val="accent1"/>
+                </a:solidFill>
+                <a:latin typeface="Courier New" panose="02070309020205020404" pitchFamily="49" charset="0"/>
+                <a:cs typeface="Courier New" panose="02070309020205020404" pitchFamily="49" charset="0"/>
+              </a:rPr>
+              <a:t>then</a:t>
+            </a:r>
+            <a:endParaRPr lang="pt-BR" sz="2000" dirty="0" smtClean="0">
+              <a:latin typeface="Courier New" panose="02070309020205020404" pitchFamily="49" charset="0"/>
+              <a:cs typeface="Courier New" panose="02070309020205020404" pitchFamily="49" charset="0"/>
+            </a:endParaRPr>
+          </a:p>
+          <a:p>
+            <a:r>
+              <a:rPr lang="pt-BR" sz="2000" b="1" dirty="0">
+                <a:solidFill>
+                  <a:schemeClr val="accent1"/>
+                </a:solidFill>
+                <a:latin typeface="Courier New" panose="02070309020205020404" pitchFamily="49" charset="0"/>
+                <a:cs typeface="Courier New" panose="02070309020205020404" pitchFamily="49" charset="0"/>
+              </a:rPr>
+              <a:t> </a:t>
+            </a:r>
+            <a:r>
+              <a:rPr lang="pt-BR" sz="2000" b="1" dirty="0" smtClean="0">
+                <a:solidFill>
+                  <a:schemeClr val="accent1"/>
+                </a:solidFill>
+                <a:latin typeface="Courier New" panose="02070309020205020404" pitchFamily="49" charset="0"/>
+                <a:cs typeface="Courier New" panose="02070309020205020404" pitchFamily="49" charset="0"/>
+              </a:rPr>
+              <a:t> ...</a:t>
+            </a:r>
+            <a:endParaRPr lang="pt-BR" sz="2000" b="1" dirty="0" smtClean="0">
+              <a:solidFill>
+                <a:schemeClr val="accent1"/>
+              </a:solidFill>
+              <a:latin typeface="Courier New" panose="02070309020205020404" pitchFamily="49" charset="0"/>
+              <a:cs typeface="Courier New" panose="02070309020205020404" pitchFamily="49" charset="0"/>
+            </a:endParaRPr>
+          </a:p>
+          <a:p>
+            <a:pPr>
+              <a:lnSpc>
+                <a:spcPct val="150000"/>
+              </a:lnSpc>
+            </a:pPr>
+            <a:r>
+              <a:rPr lang="pt-BR" sz="2000" b="1" dirty="0" smtClean="0">
+                <a:solidFill>
+                  <a:schemeClr val="accent1"/>
+                </a:solidFill>
+                <a:latin typeface="Courier New" panose="02070309020205020404" pitchFamily="49" charset="0"/>
+                <a:cs typeface="Courier New" panose="02070309020205020404" pitchFamily="49" charset="0"/>
+              </a:rPr>
+              <a:t>  </a:t>
+            </a:r>
+            <a:r>
+              <a:rPr lang="pt-BR" sz="2000" dirty="0">
+                <a:latin typeface="Courier New" panose="02070309020205020404" pitchFamily="49" charset="0"/>
+                <a:cs typeface="Courier New" panose="02070309020205020404" pitchFamily="49" charset="0"/>
+              </a:rPr>
+              <a:t>--tile </a:t>
+            </a:r>
+            <a:r>
+              <a:rPr lang="pt-BR" sz="2000" dirty="0" smtClean="0">
+                <a:latin typeface="Courier New" panose="02070309020205020404" pitchFamily="49" charset="0"/>
+                <a:cs typeface="Courier New" panose="02070309020205020404" pitchFamily="49" charset="0"/>
+              </a:rPr>
+              <a:t>superior:</a:t>
+            </a:r>
+          </a:p>
+          <a:p>
+            <a:r>
+              <a:rPr lang="pt-BR" sz="2000" dirty="0" smtClean="0">
+                <a:latin typeface="Courier New" panose="02070309020205020404" pitchFamily="49" charset="0"/>
+                <a:cs typeface="Courier New" panose="02070309020205020404" pitchFamily="49" charset="0"/>
+              </a:rPr>
+              <a:t>  </a:t>
+            </a:r>
+            <a:r>
+              <a:rPr lang="pt-BR" sz="2000" b="1" dirty="0" err="1" smtClean="0">
+                <a:solidFill>
+                  <a:schemeClr val="accent1"/>
+                </a:solidFill>
+                <a:latin typeface="Courier New" panose="02070309020205020404" pitchFamily="49" charset="0"/>
+                <a:cs typeface="Courier New" panose="02070309020205020404" pitchFamily="49" charset="0"/>
+              </a:rPr>
+              <a:t>if</a:t>
+            </a:r>
+            <a:r>
+              <a:rPr lang="pt-BR" sz="2000" b="1" dirty="0" smtClean="0">
+                <a:solidFill>
+                  <a:schemeClr val="accent1"/>
+                </a:solidFill>
+                <a:latin typeface="Courier New" panose="02070309020205020404" pitchFamily="49" charset="0"/>
+                <a:cs typeface="Courier New" panose="02070309020205020404" pitchFamily="49" charset="0"/>
+              </a:rPr>
+              <a:t> </a:t>
+            </a:r>
+            <a:r>
+              <a:rPr lang="pt-BR" sz="2000" dirty="0" smtClean="0">
+                <a:latin typeface="Courier New" panose="02070309020205020404" pitchFamily="49" charset="0"/>
+                <a:cs typeface="Courier New" panose="02070309020205020404" pitchFamily="49" charset="0"/>
+              </a:rPr>
+              <a:t>(</a:t>
+            </a:r>
+            <a:r>
+              <a:rPr lang="pt-BR" sz="2000" dirty="0" err="1" smtClean="0">
+                <a:latin typeface="Courier New" panose="02070309020205020404" pitchFamily="49" charset="0"/>
+                <a:cs typeface="Courier New" panose="02070309020205020404" pitchFamily="49" charset="0"/>
+              </a:rPr>
+              <a:t>indice</a:t>
+            </a:r>
+            <a:r>
+              <a:rPr lang="pt-BR" sz="2000" dirty="0" smtClean="0">
+                <a:latin typeface="Courier New" panose="02070309020205020404" pitchFamily="49" charset="0"/>
+                <a:cs typeface="Courier New" panose="02070309020205020404" pitchFamily="49" charset="0"/>
+              </a:rPr>
+              <a:t> </a:t>
+            </a:r>
+            <a:r>
+              <a:rPr lang="pt-BR" sz="2000" dirty="0">
+                <a:latin typeface="Courier New" panose="02070309020205020404" pitchFamily="49" charset="0"/>
+                <a:cs typeface="Courier New" panose="02070309020205020404" pitchFamily="49" charset="0"/>
+              </a:rPr>
+              <a:t>– </a:t>
+            </a:r>
+            <a:r>
+              <a:rPr lang="pt-BR" sz="2000" dirty="0" smtClean="0">
+                <a:latin typeface="Courier New" panose="02070309020205020404" pitchFamily="49" charset="0"/>
+                <a:cs typeface="Courier New" panose="02070309020205020404" pitchFamily="49" charset="0"/>
+              </a:rPr>
+              <a:t>dificuldade) &gt; </a:t>
+            </a:r>
+            <a:r>
+              <a:rPr lang="pt-BR" sz="2000" dirty="0" smtClean="0">
+                <a:solidFill>
+                  <a:schemeClr val="accent2"/>
+                </a:solidFill>
+                <a:latin typeface="Courier New" panose="02070309020205020404" pitchFamily="49" charset="0"/>
+                <a:cs typeface="Courier New" panose="02070309020205020404" pitchFamily="49" charset="0"/>
+              </a:rPr>
+              <a:t>0</a:t>
+            </a:r>
+          </a:p>
+          <a:p>
+            <a:r>
+              <a:rPr lang="pt-BR" sz="2000" b="1" dirty="0" smtClean="0">
+                <a:solidFill>
+                  <a:schemeClr val="accent1"/>
+                </a:solidFill>
+                <a:latin typeface="Courier New" panose="02070309020205020404" pitchFamily="49" charset="0"/>
+                <a:cs typeface="Courier New" panose="02070309020205020404" pitchFamily="49" charset="0"/>
+              </a:rPr>
+              <a:t>  ...</a:t>
+            </a:r>
+            <a:endParaRPr lang="pt-BR" sz="2000" b="1" dirty="0" smtClean="0">
+              <a:solidFill>
+                <a:schemeClr val="accent1"/>
+              </a:solidFill>
+              <a:latin typeface="Courier New" panose="02070309020205020404" pitchFamily="49" charset="0"/>
+              <a:cs typeface="Courier New" panose="02070309020205020404" pitchFamily="49" charset="0"/>
+            </a:endParaRPr>
+          </a:p>
+          <a:p>
+            <a:pPr>
+              <a:lnSpc>
+                <a:spcPct val="150000"/>
+              </a:lnSpc>
+            </a:pPr>
+            <a:r>
+              <a:rPr lang="pt-BR" sz="2000" b="1" dirty="0" smtClean="0">
+                <a:solidFill>
+                  <a:schemeClr val="accent1"/>
+                </a:solidFill>
+                <a:latin typeface="Courier New" panose="02070309020205020404" pitchFamily="49" charset="0"/>
+                <a:cs typeface="Courier New" panose="02070309020205020404" pitchFamily="49" charset="0"/>
+              </a:rPr>
+              <a:t>  </a:t>
+            </a:r>
+            <a:r>
+              <a:rPr lang="pt-BR" sz="2000" dirty="0">
+                <a:latin typeface="Courier New" panose="02070309020205020404" pitchFamily="49" charset="0"/>
+                <a:cs typeface="Courier New" panose="02070309020205020404" pitchFamily="49" charset="0"/>
+              </a:rPr>
+              <a:t>--tile </a:t>
+            </a:r>
+            <a:r>
+              <a:rPr lang="pt-BR" sz="2000" dirty="0" smtClean="0">
+                <a:latin typeface="Courier New" panose="02070309020205020404" pitchFamily="49" charset="0"/>
+                <a:cs typeface="Courier New" panose="02070309020205020404" pitchFamily="49" charset="0"/>
+              </a:rPr>
+              <a:t>inferior:</a:t>
+            </a:r>
+            <a:endParaRPr lang="pt-BR" sz="2000" b="1" dirty="0" smtClean="0">
+              <a:solidFill>
+                <a:schemeClr val="accent1"/>
+              </a:solidFill>
+              <a:latin typeface="Courier New" panose="02070309020205020404" pitchFamily="49" charset="0"/>
+              <a:cs typeface="Courier New" panose="02070309020205020404" pitchFamily="49" charset="0"/>
+            </a:endParaRPr>
+          </a:p>
+          <a:p>
+            <a:r>
+              <a:rPr lang="pt-BR" sz="2000" b="1" dirty="0" smtClean="0">
+                <a:solidFill>
+                  <a:schemeClr val="accent1"/>
+                </a:solidFill>
+                <a:latin typeface="Courier New" panose="02070309020205020404" pitchFamily="49" charset="0"/>
+                <a:cs typeface="Courier New" panose="02070309020205020404" pitchFamily="49" charset="0"/>
+              </a:rPr>
+              <a:t>  </a:t>
+            </a:r>
+            <a:r>
+              <a:rPr lang="pt-BR" sz="2000" b="1" dirty="0" err="1" smtClean="0">
+                <a:solidFill>
+                  <a:schemeClr val="accent1"/>
+                </a:solidFill>
+                <a:latin typeface="Courier New" panose="02070309020205020404" pitchFamily="49" charset="0"/>
+                <a:cs typeface="Courier New" panose="02070309020205020404" pitchFamily="49" charset="0"/>
+              </a:rPr>
+              <a:t>if</a:t>
+            </a:r>
+            <a:r>
+              <a:rPr lang="pt-BR" sz="2000" b="1" dirty="0" smtClean="0">
+                <a:solidFill>
+                  <a:schemeClr val="accent1"/>
+                </a:solidFill>
+                <a:latin typeface="Courier New" panose="02070309020205020404" pitchFamily="49" charset="0"/>
+                <a:cs typeface="Courier New" panose="02070309020205020404" pitchFamily="49" charset="0"/>
+              </a:rPr>
+              <a:t> </a:t>
+            </a:r>
+            <a:r>
+              <a:rPr lang="pt-BR" sz="2000" dirty="0" smtClean="0">
+                <a:latin typeface="Courier New" panose="02070309020205020404" pitchFamily="49" charset="0"/>
+                <a:cs typeface="Courier New" panose="02070309020205020404" pitchFamily="49" charset="0"/>
+              </a:rPr>
+              <a:t>(</a:t>
+            </a:r>
+            <a:r>
+              <a:rPr lang="pt-BR" sz="2000" dirty="0" err="1" smtClean="0">
+                <a:latin typeface="Courier New" panose="02070309020205020404" pitchFamily="49" charset="0"/>
+                <a:cs typeface="Courier New" panose="02070309020205020404" pitchFamily="49" charset="0"/>
+              </a:rPr>
+              <a:t>indice</a:t>
+            </a:r>
+            <a:r>
+              <a:rPr lang="pt-BR" sz="2000" dirty="0" smtClean="0">
+                <a:latin typeface="Courier New" panose="02070309020205020404" pitchFamily="49" charset="0"/>
+                <a:cs typeface="Courier New" panose="02070309020205020404" pitchFamily="49" charset="0"/>
+              </a:rPr>
+              <a:t> + </a:t>
+            </a:r>
+            <a:r>
+              <a:rPr lang="pt-BR" sz="2000" dirty="0">
+                <a:latin typeface="Courier New" panose="02070309020205020404" pitchFamily="49" charset="0"/>
+                <a:cs typeface="Courier New" panose="02070309020205020404" pitchFamily="49" charset="0"/>
+              </a:rPr>
+              <a:t>dificuldade) &lt;= (</a:t>
+            </a:r>
+            <a:r>
+              <a:rPr lang="pt-BR" sz="2000" dirty="0" err="1" smtClean="0">
+                <a:latin typeface="Courier New" panose="02070309020205020404" pitchFamily="49" charset="0"/>
+                <a:cs typeface="Courier New" panose="02070309020205020404" pitchFamily="49" charset="0"/>
+              </a:rPr>
+              <a:t>dif</a:t>
+            </a:r>
+            <a:r>
+              <a:rPr lang="pt-BR" sz="2000" dirty="0" smtClean="0">
+                <a:latin typeface="Courier New" panose="02070309020205020404" pitchFamily="49" charset="0"/>
+                <a:cs typeface="Courier New" panose="02070309020205020404" pitchFamily="49" charset="0"/>
+              </a:rPr>
+              <a:t> </a:t>
+            </a:r>
+            <a:r>
+              <a:rPr lang="pt-BR" sz="2000" dirty="0">
+                <a:latin typeface="Courier New" panose="02070309020205020404" pitchFamily="49" charset="0"/>
+                <a:cs typeface="Courier New" panose="02070309020205020404" pitchFamily="49" charset="0"/>
+              </a:rPr>
+              <a:t>* </a:t>
+            </a:r>
+            <a:r>
+              <a:rPr lang="pt-BR" sz="2000" dirty="0" err="1" smtClean="0">
+                <a:latin typeface="Courier New" panose="02070309020205020404" pitchFamily="49" charset="0"/>
+                <a:cs typeface="Courier New" panose="02070309020205020404" pitchFamily="49" charset="0"/>
+              </a:rPr>
+              <a:t>dif</a:t>
+            </a:r>
+            <a:r>
+              <a:rPr lang="pt-BR" sz="2000" dirty="0" smtClean="0">
+                <a:latin typeface="Courier New" panose="02070309020205020404" pitchFamily="49" charset="0"/>
+                <a:cs typeface="Courier New" panose="02070309020205020404" pitchFamily="49" charset="0"/>
+              </a:rPr>
+              <a:t>)</a:t>
+            </a:r>
+            <a:endParaRPr lang="pt-BR" sz="2000" b="1" dirty="0">
+              <a:solidFill>
+                <a:schemeClr val="accent1"/>
+              </a:solidFill>
+              <a:latin typeface="Courier New" panose="02070309020205020404" pitchFamily="49" charset="0"/>
+              <a:cs typeface="Courier New" panose="02070309020205020404" pitchFamily="49" charset="0"/>
+            </a:endParaRPr>
+          </a:p>
+          <a:p>
+            <a:r>
+              <a:rPr lang="pt-BR" sz="2000" b="1" dirty="0" smtClean="0">
+                <a:solidFill>
+                  <a:schemeClr val="accent1"/>
+                </a:solidFill>
+                <a:latin typeface="Courier New" panose="02070309020205020404" pitchFamily="49" charset="0"/>
+                <a:cs typeface="Courier New" panose="02070309020205020404" pitchFamily="49" charset="0"/>
+              </a:rPr>
+              <a:t>  ...</a:t>
+            </a:r>
+            <a:endParaRPr lang="pt-BR" sz="2000" b="1" dirty="0" smtClean="0">
+              <a:solidFill>
+                <a:schemeClr val="accent1"/>
+              </a:solidFill>
+              <a:latin typeface="Courier New" panose="02070309020205020404" pitchFamily="49" charset="0"/>
+              <a:cs typeface="Courier New" panose="02070309020205020404" pitchFamily="49" charset="0"/>
+            </a:endParaRPr>
+          </a:p>
+          <a:p>
+            <a:r>
+              <a:rPr lang="pt-BR" sz="2000" b="1" dirty="0" err="1" smtClean="0">
+                <a:solidFill>
+                  <a:schemeClr val="accent1"/>
+                </a:solidFill>
+                <a:latin typeface="Courier New" panose="02070309020205020404" pitchFamily="49" charset="0"/>
+                <a:cs typeface="Courier New" panose="02070309020205020404" pitchFamily="49" charset="0"/>
+              </a:rPr>
+              <a:t>end</a:t>
+            </a:r>
+            <a:endParaRPr lang="pt-BR" b="1" dirty="0">
+              <a:solidFill>
+                <a:schemeClr val="accent1"/>
+              </a:solidFill>
+            </a:endParaRPr>
           </a:p>
         </p:txBody>
       </p:sp>
       <p:pic>
         <p:nvPicPr>
-          <p:cNvPr id="7" name="Imagem 6"/>
+          <p:cNvPr id="4" name="Imagem 3"/>
           <p:cNvPicPr>
             <a:picLocks noChangeAspect="1"/>
           </p:cNvPicPr>
@@ -9480,896 +15078,14 @@
         </p:blipFill>
         <p:spPr>
           <a:xfrm>
-            <a:off x="1586965" y="379244"/>
-            <a:ext cx="3067287" cy="3067287"/>
+            <a:off x="1557908" y="260648"/>
+            <a:ext cx="3096344" cy="3096344"/>
           </a:xfrm>
           <a:prstGeom prst="rect">
             <a:avLst/>
           </a:prstGeom>
         </p:spPr>
       </p:pic>
-      <p:sp>
-        <p:nvSpPr>
-          <p:cNvPr id="5" name="Retângulo 4"/>
-          <p:cNvSpPr/>
-          <p:nvPr/>
-        </p:nvSpPr>
-        <p:spPr>
-          <a:xfrm>
-            <a:off x="4870276" y="185727"/>
-            <a:ext cx="7239220" cy="6555641"/>
-          </a:xfrm>
-          <a:prstGeom prst="rect">
-            <a:avLst/>
-          </a:prstGeom>
-        </p:spPr>
-        <p:txBody>
-          <a:bodyPr wrap="square">
-            <a:spAutoFit/>
-          </a:bodyPr>
-          <a:lstStyle/>
-          <a:p>
-            <a:r>
-              <a:rPr lang="pt-BR" sz="2000" b="1" dirty="0" err="1">
-                <a:solidFill>
-                  <a:schemeClr val="accent1"/>
-                </a:solidFill>
-                <a:latin typeface="Courier New" panose="02070309020205020404" pitchFamily="49" charset="0"/>
-                <a:cs typeface="Courier New" panose="02070309020205020404" pitchFamily="49" charset="0"/>
-              </a:rPr>
-              <a:t>function</a:t>
-            </a:r>
-            <a:r>
-              <a:rPr lang="pt-BR" sz="2000" dirty="0">
-                <a:solidFill>
-                  <a:schemeClr val="accent1"/>
-                </a:solidFill>
-                <a:latin typeface="Courier New" panose="02070309020205020404" pitchFamily="49" charset="0"/>
-                <a:cs typeface="Courier New" panose="02070309020205020404" pitchFamily="49" charset="0"/>
-              </a:rPr>
-              <a:t> </a:t>
-            </a:r>
-            <a:r>
-              <a:rPr lang="pt-BR" sz="2000" dirty="0" err="1">
-                <a:latin typeface="Courier New" panose="02070309020205020404" pitchFamily="49" charset="0"/>
-                <a:cs typeface="Courier New" panose="02070309020205020404" pitchFamily="49" charset="0"/>
-              </a:rPr>
-              <a:t>troca_vizinho</a:t>
-            </a:r>
-            <a:r>
-              <a:rPr lang="pt-BR" sz="2000" dirty="0">
-                <a:latin typeface="Courier New" panose="02070309020205020404" pitchFamily="49" charset="0"/>
-                <a:cs typeface="Courier New" panose="02070309020205020404" pitchFamily="49" charset="0"/>
-              </a:rPr>
-              <a:t>(</a:t>
-            </a:r>
-            <a:r>
-              <a:rPr lang="pt-BR" sz="2000" dirty="0" err="1">
-                <a:latin typeface="Courier New" panose="02070309020205020404" pitchFamily="49" charset="0"/>
-                <a:cs typeface="Courier New" panose="02070309020205020404" pitchFamily="49" charset="0"/>
-              </a:rPr>
-              <a:t>indice</a:t>
-            </a:r>
-            <a:r>
-              <a:rPr lang="pt-BR" sz="2000" dirty="0" smtClean="0">
-                <a:latin typeface="Courier New" panose="02070309020205020404" pitchFamily="49" charset="0"/>
-                <a:cs typeface="Courier New" panose="02070309020205020404" pitchFamily="49" charset="0"/>
-              </a:rPr>
-              <a:t>)</a:t>
-            </a:r>
-          </a:p>
-          <a:p>
-            <a:endParaRPr lang="pt-BR" sz="2000" dirty="0">
-              <a:latin typeface="Courier New" panose="02070309020205020404" pitchFamily="49" charset="0"/>
-              <a:cs typeface="Courier New" panose="02070309020205020404" pitchFamily="49" charset="0"/>
-            </a:endParaRPr>
-          </a:p>
-          <a:p>
-            <a:r>
-              <a:rPr lang="pt-BR" sz="2000" dirty="0" smtClean="0">
-                <a:latin typeface="Courier New" panose="02070309020205020404" pitchFamily="49" charset="0"/>
-                <a:cs typeface="Courier New" panose="02070309020205020404" pitchFamily="49" charset="0"/>
-              </a:rPr>
-              <a:t>  --</a:t>
-            </a:r>
-            <a:r>
-              <a:rPr lang="pt-BR" sz="2000" dirty="0">
-                <a:latin typeface="Courier New" panose="02070309020205020404" pitchFamily="49" charset="0"/>
-                <a:cs typeface="Courier New" panose="02070309020205020404" pitchFamily="49" charset="0"/>
-              </a:rPr>
-              <a:t>verifica se tile direita </a:t>
-            </a:r>
-            <a:r>
-              <a:rPr lang="pt-BR" sz="2000" dirty="0" smtClean="0">
-                <a:latin typeface="Courier New" panose="02070309020205020404" pitchFamily="49" charset="0"/>
-                <a:cs typeface="Courier New" panose="02070309020205020404" pitchFamily="49" charset="0"/>
-              </a:rPr>
-              <a:t>está </a:t>
-            </a:r>
-            <a:r>
-              <a:rPr lang="pt-BR" sz="2000" dirty="0">
-                <a:latin typeface="Courier New" panose="02070309020205020404" pitchFamily="49" charset="0"/>
-                <a:cs typeface="Courier New" panose="02070309020205020404" pitchFamily="49" charset="0"/>
-              </a:rPr>
-              <a:t>vazia</a:t>
-            </a:r>
-          </a:p>
-          <a:p>
-            <a:r>
-              <a:rPr lang="pt-BR" sz="2000" dirty="0" smtClean="0">
-                <a:latin typeface="Courier New" panose="02070309020205020404" pitchFamily="49" charset="0"/>
-                <a:cs typeface="Courier New" panose="02070309020205020404" pitchFamily="49" charset="0"/>
-              </a:rPr>
-              <a:t>  </a:t>
-            </a:r>
-            <a:r>
-              <a:rPr lang="pt-BR" sz="2000" b="1" dirty="0" err="1" smtClean="0">
-                <a:solidFill>
-                  <a:schemeClr val="accent1"/>
-                </a:solidFill>
-                <a:latin typeface="Courier New" panose="02070309020205020404" pitchFamily="49" charset="0"/>
-                <a:cs typeface="Courier New" panose="02070309020205020404" pitchFamily="49" charset="0"/>
-              </a:rPr>
-              <a:t>if</a:t>
-            </a:r>
-            <a:r>
-              <a:rPr lang="pt-BR" sz="2000" dirty="0" smtClean="0">
-                <a:solidFill>
-                  <a:schemeClr val="accent1"/>
-                </a:solidFill>
-                <a:latin typeface="Courier New" panose="02070309020205020404" pitchFamily="49" charset="0"/>
-                <a:cs typeface="Courier New" panose="02070309020205020404" pitchFamily="49" charset="0"/>
-              </a:rPr>
-              <a:t> </a:t>
-            </a:r>
-            <a:r>
-              <a:rPr lang="pt-BR" sz="2000" dirty="0" err="1">
-                <a:latin typeface="Courier New" panose="02070309020205020404" pitchFamily="49" charset="0"/>
-                <a:cs typeface="Courier New" panose="02070309020205020404" pitchFamily="49" charset="0"/>
-              </a:rPr>
-              <a:t>indice</a:t>
-            </a:r>
-            <a:r>
-              <a:rPr lang="pt-BR" sz="2000" dirty="0">
-                <a:latin typeface="Courier New" panose="02070309020205020404" pitchFamily="49" charset="0"/>
-                <a:cs typeface="Courier New" panose="02070309020205020404" pitchFamily="49" charset="0"/>
-              </a:rPr>
-              <a:t> % dificuldade ~= </a:t>
-            </a:r>
-            <a:r>
-              <a:rPr lang="pt-BR" sz="2000" dirty="0">
-                <a:solidFill>
-                  <a:schemeClr val="accent2"/>
-                </a:solidFill>
-                <a:latin typeface="Courier New" panose="02070309020205020404" pitchFamily="49" charset="0"/>
-                <a:cs typeface="Courier New" panose="02070309020205020404" pitchFamily="49" charset="0"/>
-              </a:rPr>
-              <a:t>0</a:t>
-            </a:r>
-            <a:r>
-              <a:rPr lang="pt-BR" sz="2000" dirty="0">
-                <a:latin typeface="Courier New" panose="02070309020205020404" pitchFamily="49" charset="0"/>
-                <a:cs typeface="Courier New" panose="02070309020205020404" pitchFamily="49" charset="0"/>
-              </a:rPr>
-              <a:t> </a:t>
-            </a:r>
-            <a:r>
-              <a:rPr lang="pt-BR" sz="2000" b="1" dirty="0" err="1">
-                <a:solidFill>
-                  <a:schemeClr val="accent1"/>
-                </a:solidFill>
-                <a:latin typeface="Courier New" panose="02070309020205020404" pitchFamily="49" charset="0"/>
-                <a:cs typeface="Courier New" panose="02070309020205020404" pitchFamily="49" charset="0"/>
-              </a:rPr>
-              <a:t>then</a:t>
-            </a:r>
-            <a:endParaRPr lang="pt-BR" sz="2000" b="1" dirty="0">
-              <a:solidFill>
-                <a:schemeClr val="accent1"/>
-              </a:solidFill>
-              <a:latin typeface="Courier New" panose="02070309020205020404" pitchFamily="49" charset="0"/>
-              <a:cs typeface="Courier New" panose="02070309020205020404" pitchFamily="49" charset="0"/>
-            </a:endParaRPr>
-          </a:p>
-          <a:p>
-            <a:r>
-              <a:rPr lang="pt-BR" sz="2000" dirty="0" smtClean="0">
-                <a:latin typeface="Courier New" panose="02070309020205020404" pitchFamily="49" charset="0"/>
-                <a:cs typeface="Courier New" panose="02070309020205020404" pitchFamily="49" charset="0"/>
-              </a:rPr>
-              <a:t>    </a:t>
-            </a:r>
-            <a:r>
-              <a:rPr lang="pt-BR" sz="2000" b="1" dirty="0" err="1" smtClean="0">
-                <a:solidFill>
-                  <a:schemeClr val="accent1"/>
-                </a:solidFill>
-                <a:latin typeface="Courier New" panose="02070309020205020404" pitchFamily="49" charset="0"/>
-                <a:cs typeface="Courier New" panose="02070309020205020404" pitchFamily="49" charset="0"/>
-              </a:rPr>
-              <a:t>if</a:t>
-            </a:r>
-            <a:r>
-              <a:rPr lang="pt-BR" sz="2000" dirty="0" smtClean="0">
-                <a:solidFill>
-                  <a:schemeClr val="accent1"/>
-                </a:solidFill>
-                <a:latin typeface="Courier New" panose="02070309020205020404" pitchFamily="49" charset="0"/>
-                <a:cs typeface="Courier New" panose="02070309020205020404" pitchFamily="49" charset="0"/>
-              </a:rPr>
-              <a:t> </a:t>
-            </a:r>
-            <a:r>
-              <a:rPr lang="pt-BR" sz="2000" dirty="0">
-                <a:latin typeface="Courier New" panose="02070309020205020404" pitchFamily="49" charset="0"/>
-                <a:cs typeface="Courier New" panose="02070309020205020404" pitchFamily="49" charset="0"/>
-              </a:rPr>
-              <a:t>tiles[</a:t>
-            </a:r>
-            <a:r>
-              <a:rPr lang="pt-BR" sz="2000" dirty="0" err="1">
-                <a:latin typeface="Courier New" panose="02070309020205020404" pitchFamily="49" charset="0"/>
-                <a:cs typeface="Courier New" panose="02070309020205020404" pitchFamily="49" charset="0"/>
-              </a:rPr>
-              <a:t>indice</a:t>
-            </a:r>
-            <a:r>
-              <a:rPr lang="pt-BR" sz="2000" dirty="0">
-                <a:latin typeface="Courier New" panose="02070309020205020404" pitchFamily="49" charset="0"/>
-                <a:cs typeface="Courier New" panose="02070309020205020404" pitchFamily="49" charset="0"/>
-              </a:rPr>
-              <a:t> + </a:t>
-            </a:r>
-            <a:r>
-              <a:rPr lang="pt-BR" sz="2000" dirty="0">
-                <a:solidFill>
-                  <a:schemeClr val="accent2"/>
-                </a:solidFill>
-                <a:latin typeface="Courier New" panose="02070309020205020404" pitchFamily="49" charset="0"/>
-                <a:cs typeface="Courier New" panose="02070309020205020404" pitchFamily="49" charset="0"/>
-              </a:rPr>
-              <a:t>1</a:t>
-            </a:r>
-            <a:r>
-              <a:rPr lang="pt-BR" sz="2000" dirty="0">
-                <a:latin typeface="Courier New" panose="02070309020205020404" pitchFamily="49" charset="0"/>
-                <a:cs typeface="Courier New" panose="02070309020205020404" pitchFamily="49" charset="0"/>
-              </a:rPr>
-              <a:t>].</a:t>
-            </a:r>
-            <a:r>
-              <a:rPr lang="pt-BR" sz="2000" dirty="0" err="1">
-                <a:latin typeface="Courier New" panose="02070309020205020404" pitchFamily="49" charset="0"/>
-                <a:cs typeface="Courier New" panose="02070309020205020404" pitchFamily="49" charset="0"/>
-              </a:rPr>
-              <a:t>visivel</a:t>
-            </a:r>
-            <a:r>
-              <a:rPr lang="pt-BR" sz="2000" dirty="0">
-                <a:latin typeface="Courier New" panose="02070309020205020404" pitchFamily="49" charset="0"/>
-                <a:cs typeface="Courier New" panose="02070309020205020404" pitchFamily="49" charset="0"/>
-              </a:rPr>
-              <a:t> == false </a:t>
-            </a:r>
-            <a:r>
-              <a:rPr lang="pt-BR" sz="2000" b="1" dirty="0" err="1">
-                <a:solidFill>
-                  <a:schemeClr val="accent1"/>
-                </a:solidFill>
-                <a:latin typeface="Courier New" panose="02070309020205020404" pitchFamily="49" charset="0"/>
-                <a:cs typeface="Courier New" panose="02070309020205020404" pitchFamily="49" charset="0"/>
-              </a:rPr>
-              <a:t>then</a:t>
-            </a:r>
-            <a:endParaRPr lang="pt-BR" sz="2000" b="1" dirty="0">
-              <a:solidFill>
-                <a:schemeClr val="accent1"/>
-              </a:solidFill>
-              <a:latin typeface="Courier New" panose="02070309020205020404" pitchFamily="49" charset="0"/>
-              <a:cs typeface="Courier New" panose="02070309020205020404" pitchFamily="49" charset="0"/>
-            </a:endParaRPr>
-          </a:p>
-          <a:p>
-            <a:r>
-              <a:rPr lang="pt-BR" sz="2000" dirty="0" smtClean="0">
-                <a:latin typeface="Courier New" panose="02070309020205020404" pitchFamily="49" charset="0"/>
-                <a:cs typeface="Courier New" panose="02070309020205020404" pitchFamily="49" charset="0"/>
-              </a:rPr>
-              <a:t>      tiles[</a:t>
-            </a:r>
-            <a:r>
-              <a:rPr lang="pt-BR" sz="2000" dirty="0" err="1" smtClean="0">
-                <a:latin typeface="Courier New" panose="02070309020205020404" pitchFamily="49" charset="0"/>
-                <a:cs typeface="Courier New" panose="02070309020205020404" pitchFamily="49" charset="0"/>
-              </a:rPr>
-              <a:t>indice</a:t>
-            </a:r>
-            <a:r>
-              <a:rPr lang="pt-BR" sz="2000" dirty="0">
-                <a:latin typeface="Courier New" panose="02070309020205020404" pitchFamily="49" charset="0"/>
-                <a:cs typeface="Courier New" panose="02070309020205020404" pitchFamily="49" charset="0"/>
-              </a:rPr>
-              <a:t>], tiles[</a:t>
-            </a:r>
-            <a:r>
-              <a:rPr lang="pt-BR" sz="2000" dirty="0" err="1">
-                <a:latin typeface="Courier New" panose="02070309020205020404" pitchFamily="49" charset="0"/>
-                <a:cs typeface="Courier New" panose="02070309020205020404" pitchFamily="49" charset="0"/>
-              </a:rPr>
-              <a:t>indice</a:t>
-            </a:r>
-            <a:r>
-              <a:rPr lang="pt-BR" sz="2000" dirty="0">
-                <a:latin typeface="Courier New" panose="02070309020205020404" pitchFamily="49" charset="0"/>
-                <a:cs typeface="Courier New" panose="02070309020205020404" pitchFamily="49" charset="0"/>
-              </a:rPr>
-              <a:t> + </a:t>
-            </a:r>
-            <a:r>
-              <a:rPr lang="pt-BR" sz="2000" dirty="0">
-                <a:solidFill>
-                  <a:schemeClr val="accent2"/>
-                </a:solidFill>
-                <a:latin typeface="Courier New" panose="02070309020205020404" pitchFamily="49" charset="0"/>
-                <a:cs typeface="Courier New" panose="02070309020205020404" pitchFamily="49" charset="0"/>
-              </a:rPr>
-              <a:t>1</a:t>
-            </a:r>
-            <a:r>
-              <a:rPr lang="pt-BR" sz="2000" dirty="0">
-                <a:latin typeface="Courier New" panose="02070309020205020404" pitchFamily="49" charset="0"/>
-                <a:cs typeface="Courier New" panose="02070309020205020404" pitchFamily="49" charset="0"/>
-              </a:rPr>
-              <a:t>] = </a:t>
-            </a:r>
-            <a:r>
-              <a:rPr lang="pt-BR" sz="2000" dirty="0" smtClean="0">
-                <a:latin typeface="Courier New" panose="02070309020205020404" pitchFamily="49" charset="0"/>
-                <a:cs typeface="Courier New" panose="02070309020205020404" pitchFamily="49" charset="0"/>
-              </a:rPr>
-              <a:t>   </a:t>
-            </a:r>
-          </a:p>
-          <a:p>
-            <a:r>
-              <a:rPr lang="pt-BR" sz="2000" dirty="0">
-                <a:latin typeface="Courier New" panose="02070309020205020404" pitchFamily="49" charset="0"/>
-                <a:cs typeface="Courier New" panose="02070309020205020404" pitchFamily="49" charset="0"/>
-              </a:rPr>
-              <a:t> </a:t>
-            </a:r>
-            <a:r>
-              <a:rPr lang="pt-BR" sz="2000" dirty="0" smtClean="0">
-                <a:latin typeface="Courier New" panose="02070309020205020404" pitchFamily="49" charset="0"/>
-                <a:cs typeface="Courier New" panose="02070309020205020404" pitchFamily="49" charset="0"/>
-              </a:rPr>
-              <a:t>     tiles[</a:t>
-            </a:r>
-            <a:r>
-              <a:rPr lang="pt-BR" sz="2000" dirty="0" err="1" smtClean="0">
-                <a:latin typeface="Courier New" panose="02070309020205020404" pitchFamily="49" charset="0"/>
-                <a:cs typeface="Courier New" panose="02070309020205020404" pitchFamily="49" charset="0"/>
-              </a:rPr>
-              <a:t>indice</a:t>
-            </a:r>
-            <a:r>
-              <a:rPr lang="pt-BR" sz="2000" dirty="0" smtClean="0">
-                <a:latin typeface="Courier New" panose="02070309020205020404" pitchFamily="49" charset="0"/>
-                <a:cs typeface="Courier New" panose="02070309020205020404" pitchFamily="49" charset="0"/>
-              </a:rPr>
-              <a:t> </a:t>
-            </a:r>
-            <a:r>
-              <a:rPr lang="pt-BR" sz="2000" dirty="0">
-                <a:latin typeface="Courier New" panose="02070309020205020404" pitchFamily="49" charset="0"/>
-                <a:cs typeface="Courier New" panose="02070309020205020404" pitchFamily="49" charset="0"/>
-              </a:rPr>
-              <a:t>+ </a:t>
-            </a:r>
-            <a:r>
-              <a:rPr lang="pt-BR" sz="2000" dirty="0">
-                <a:solidFill>
-                  <a:schemeClr val="accent2"/>
-                </a:solidFill>
-                <a:latin typeface="Courier New" panose="02070309020205020404" pitchFamily="49" charset="0"/>
-                <a:cs typeface="Courier New" panose="02070309020205020404" pitchFamily="49" charset="0"/>
-              </a:rPr>
-              <a:t>1</a:t>
-            </a:r>
-            <a:r>
-              <a:rPr lang="pt-BR" sz="2000" dirty="0">
-                <a:latin typeface="Courier New" panose="02070309020205020404" pitchFamily="49" charset="0"/>
-                <a:cs typeface="Courier New" panose="02070309020205020404" pitchFamily="49" charset="0"/>
-              </a:rPr>
-              <a:t>], tiles[</a:t>
-            </a:r>
-            <a:r>
-              <a:rPr lang="pt-BR" sz="2000" dirty="0" err="1">
-                <a:latin typeface="Courier New" panose="02070309020205020404" pitchFamily="49" charset="0"/>
-                <a:cs typeface="Courier New" panose="02070309020205020404" pitchFamily="49" charset="0"/>
-              </a:rPr>
-              <a:t>indice</a:t>
-            </a:r>
-            <a:r>
-              <a:rPr lang="pt-BR" sz="2000" dirty="0" smtClean="0">
-                <a:latin typeface="Courier New" panose="02070309020205020404" pitchFamily="49" charset="0"/>
-                <a:cs typeface="Courier New" panose="02070309020205020404" pitchFamily="49" charset="0"/>
-              </a:rPr>
-              <a:t>]</a:t>
-            </a:r>
-          </a:p>
-          <a:p>
-            <a:r>
-              <a:rPr lang="pt-BR" sz="2000" dirty="0">
-                <a:latin typeface="Courier New" panose="02070309020205020404" pitchFamily="49" charset="0"/>
-                <a:cs typeface="Courier New" panose="02070309020205020404" pitchFamily="49" charset="0"/>
-              </a:rPr>
-              <a:t> </a:t>
-            </a:r>
-            <a:r>
-              <a:rPr lang="pt-BR" sz="2000" dirty="0" smtClean="0">
-                <a:latin typeface="Courier New" panose="02070309020205020404" pitchFamily="49" charset="0"/>
-                <a:cs typeface="Courier New" panose="02070309020205020404" pitchFamily="49" charset="0"/>
-              </a:rPr>
-              <a:t>     movimentos = movimentos + 1</a:t>
-            </a:r>
-            <a:endParaRPr lang="pt-BR" sz="2000" dirty="0">
-              <a:latin typeface="Courier New" panose="02070309020205020404" pitchFamily="49" charset="0"/>
-              <a:cs typeface="Courier New" panose="02070309020205020404" pitchFamily="49" charset="0"/>
-            </a:endParaRPr>
-          </a:p>
-          <a:p>
-            <a:r>
-              <a:rPr lang="pt-BR" sz="2000" dirty="0" smtClean="0">
-                <a:latin typeface="Courier New" panose="02070309020205020404" pitchFamily="49" charset="0"/>
-                <a:cs typeface="Courier New" panose="02070309020205020404" pitchFamily="49" charset="0"/>
-              </a:rPr>
-              <a:t>    </a:t>
-            </a:r>
-            <a:r>
-              <a:rPr lang="pt-BR" sz="2000" b="1" dirty="0" err="1" smtClean="0">
-                <a:solidFill>
-                  <a:schemeClr val="accent1"/>
-                </a:solidFill>
-                <a:latin typeface="Courier New" panose="02070309020205020404" pitchFamily="49" charset="0"/>
-                <a:cs typeface="Courier New" panose="02070309020205020404" pitchFamily="49" charset="0"/>
-              </a:rPr>
-              <a:t>end</a:t>
-            </a:r>
-            <a:endParaRPr lang="pt-BR" sz="2000" b="1" dirty="0">
-              <a:solidFill>
-                <a:schemeClr val="accent1"/>
-              </a:solidFill>
-              <a:latin typeface="Courier New" panose="02070309020205020404" pitchFamily="49" charset="0"/>
-              <a:cs typeface="Courier New" panose="02070309020205020404" pitchFamily="49" charset="0"/>
-            </a:endParaRPr>
-          </a:p>
-          <a:p>
-            <a:r>
-              <a:rPr lang="pt-BR" sz="2000" dirty="0" smtClean="0">
-                <a:latin typeface="Courier New" panose="02070309020205020404" pitchFamily="49" charset="0"/>
-                <a:cs typeface="Courier New" panose="02070309020205020404" pitchFamily="49" charset="0"/>
-              </a:rPr>
-              <a:t>  </a:t>
-            </a:r>
-            <a:r>
-              <a:rPr lang="pt-BR" sz="2000" b="1" dirty="0" err="1" smtClean="0">
-                <a:solidFill>
-                  <a:schemeClr val="accent1"/>
-                </a:solidFill>
-                <a:latin typeface="Courier New" panose="02070309020205020404" pitchFamily="49" charset="0"/>
-                <a:cs typeface="Courier New" panose="02070309020205020404" pitchFamily="49" charset="0"/>
-              </a:rPr>
-              <a:t>end</a:t>
-            </a:r>
-            <a:endParaRPr lang="pt-BR" sz="2000" b="1" dirty="0" smtClean="0">
-              <a:solidFill>
-                <a:schemeClr val="accent1"/>
-              </a:solidFill>
-              <a:latin typeface="Courier New" panose="02070309020205020404" pitchFamily="49" charset="0"/>
-              <a:cs typeface="Courier New" panose="02070309020205020404" pitchFamily="49" charset="0"/>
-            </a:endParaRPr>
-          </a:p>
-          <a:p>
-            <a:endParaRPr lang="pt-BR" sz="2000" b="1" dirty="0">
-              <a:solidFill>
-                <a:schemeClr val="accent1"/>
-              </a:solidFill>
-              <a:latin typeface="Courier New" panose="02070309020205020404" pitchFamily="49" charset="0"/>
-              <a:cs typeface="Courier New" panose="02070309020205020404" pitchFamily="49" charset="0"/>
-            </a:endParaRPr>
-          </a:p>
-          <a:p>
-            <a:r>
-              <a:rPr lang="pt-BR" sz="2000" b="1" dirty="0" smtClean="0">
-                <a:solidFill>
-                  <a:schemeClr val="accent1"/>
-                </a:solidFill>
-                <a:latin typeface="Courier New" panose="02070309020205020404" pitchFamily="49" charset="0"/>
-                <a:cs typeface="Courier New" panose="02070309020205020404" pitchFamily="49" charset="0"/>
-              </a:rPr>
-              <a:t>  </a:t>
-            </a:r>
-            <a:r>
-              <a:rPr lang="pt-BR" sz="2000" dirty="0" smtClean="0">
-                <a:latin typeface="Courier New" panose="02070309020205020404" pitchFamily="49" charset="0"/>
-                <a:cs typeface="Courier New" panose="02070309020205020404" pitchFamily="49" charset="0"/>
-              </a:rPr>
-              <a:t>--tile esquerda:</a:t>
-            </a:r>
-          </a:p>
-          <a:p>
-            <a:r>
-              <a:rPr lang="pt-BR" sz="2000" b="1" dirty="0" smtClean="0">
-                <a:solidFill>
-                  <a:schemeClr val="accent1"/>
-                </a:solidFill>
-                <a:latin typeface="Courier New" panose="02070309020205020404" pitchFamily="49" charset="0"/>
-                <a:cs typeface="Courier New" panose="02070309020205020404" pitchFamily="49" charset="0"/>
-              </a:rPr>
-              <a:t>  </a:t>
-            </a:r>
-            <a:r>
-              <a:rPr lang="pt-BR" sz="2000" b="1" dirty="0" err="1" smtClean="0">
-                <a:solidFill>
-                  <a:schemeClr val="accent1"/>
-                </a:solidFill>
-                <a:latin typeface="Courier New" panose="02070309020205020404" pitchFamily="49" charset="0"/>
-                <a:cs typeface="Courier New" panose="02070309020205020404" pitchFamily="49" charset="0"/>
-              </a:rPr>
-              <a:t>if</a:t>
-            </a:r>
-            <a:r>
-              <a:rPr lang="pt-BR" sz="2000" b="1" dirty="0" smtClean="0">
-                <a:solidFill>
-                  <a:schemeClr val="accent1"/>
-                </a:solidFill>
-                <a:latin typeface="Courier New" panose="02070309020205020404" pitchFamily="49" charset="0"/>
-                <a:cs typeface="Courier New" panose="02070309020205020404" pitchFamily="49" charset="0"/>
-              </a:rPr>
-              <a:t> </a:t>
-            </a:r>
-            <a:r>
-              <a:rPr lang="pt-BR" sz="2000" dirty="0" smtClean="0">
-                <a:latin typeface="Courier New" panose="02070309020205020404" pitchFamily="49" charset="0"/>
-                <a:cs typeface="Courier New" panose="02070309020205020404" pitchFamily="49" charset="0"/>
-              </a:rPr>
-              <a:t>(</a:t>
-            </a:r>
-            <a:r>
-              <a:rPr lang="pt-BR" sz="2000" dirty="0" err="1" smtClean="0">
-                <a:latin typeface="Courier New" panose="02070309020205020404" pitchFamily="49" charset="0"/>
-                <a:cs typeface="Courier New" panose="02070309020205020404" pitchFamily="49" charset="0"/>
-              </a:rPr>
-              <a:t>indice</a:t>
-            </a:r>
-            <a:r>
-              <a:rPr lang="pt-BR" sz="2000" dirty="0" smtClean="0">
-                <a:latin typeface="Courier New" panose="02070309020205020404" pitchFamily="49" charset="0"/>
-                <a:cs typeface="Courier New" panose="02070309020205020404" pitchFamily="49" charset="0"/>
-              </a:rPr>
-              <a:t> – 1)</a:t>
-            </a:r>
-            <a:r>
-              <a:rPr lang="pt-BR" sz="2000" dirty="0">
-                <a:latin typeface="Courier New" panose="02070309020205020404" pitchFamily="49" charset="0"/>
-                <a:cs typeface="Courier New" panose="02070309020205020404" pitchFamily="49" charset="0"/>
-              </a:rPr>
-              <a:t> % dificuldade ~= </a:t>
-            </a:r>
-            <a:r>
-              <a:rPr lang="pt-BR" sz="2000" dirty="0">
-                <a:solidFill>
-                  <a:schemeClr val="accent2"/>
-                </a:solidFill>
-                <a:latin typeface="Courier New" panose="02070309020205020404" pitchFamily="49" charset="0"/>
-                <a:cs typeface="Courier New" panose="02070309020205020404" pitchFamily="49" charset="0"/>
-              </a:rPr>
-              <a:t>0</a:t>
-            </a:r>
-            <a:r>
-              <a:rPr lang="pt-BR" sz="2000" dirty="0">
-                <a:latin typeface="Courier New" panose="02070309020205020404" pitchFamily="49" charset="0"/>
-                <a:cs typeface="Courier New" panose="02070309020205020404" pitchFamily="49" charset="0"/>
-              </a:rPr>
-              <a:t> </a:t>
-            </a:r>
-            <a:r>
-              <a:rPr lang="pt-BR" sz="2000" b="1" dirty="0" err="1" smtClean="0">
-                <a:solidFill>
-                  <a:schemeClr val="accent1"/>
-                </a:solidFill>
-                <a:latin typeface="Courier New" panose="02070309020205020404" pitchFamily="49" charset="0"/>
-                <a:cs typeface="Courier New" panose="02070309020205020404" pitchFamily="49" charset="0"/>
-              </a:rPr>
-              <a:t>then</a:t>
-            </a:r>
-            <a:endParaRPr lang="pt-BR" sz="2000" dirty="0" smtClean="0">
-              <a:latin typeface="Courier New" panose="02070309020205020404" pitchFamily="49" charset="0"/>
-              <a:cs typeface="Courier New" panose="02070309020205020404" pitchFamily="49" charset="0"/>
-            </a:endParaRPr>
-          </a:p>
-          <a:p>
-            <a:endParaRPr lang="pt-BR" sz="2000" b="1" dirty="0" smtClean="0">
-              <a:solidFill>
-                <a:schemeClr val="accent1"/>
-              </a:solidFill>
-              <a:latin typeface="Courier New" panose="02070309020205020404" pitchFamily="49" charset="0"/>
-              <a:cs typeface="Courier New" panose="02070309020205020404" pitchFamily="49" charset="0"/>
-            </a:endParaRPr>
-          </a:p>
-          <a:p>
-            <a:r>
-              <a:rPr lang="pt-BR" sz="2000" b="1" dirty="0" smtClean="0">
-                <a:solidFill>
-                  <a:schemeClr val="accent1"/>
-                </a:solidFill>
-                <a:latin typeface="Courier New" panose="02070309020205020404" pitchFamily="49" charset="0"/>
-                <a:cs typeface="Courier New" panose="02070309020205020404" pitchFamily="49" charset="0"/>
-              </a:rPr>
-              <a:t>  </a:t>
-            </a:r>
-            <a:r>
-              <a:rPr lang="pt-BR" sz="2000" dirty="0">
-                <a:latin typeface="Courier New" panose="02070309020205020404" pitchFamily="49" charset="0"/>
-                <a:cs typeface="Courier New" panose="02070309020205020404" pitchFamily="49" charset="0"/>
-              </a:rPr>
-              <a:t>--tile </a:t>
-            </a:r>
-            <a:r>
-              <a:rPr lang="pt-BR" sz="2000" dirty="0" smtClean="0">
-                <a:latin typeface="Courier New" panose="02070309020205020404" pitchFamily="49" charset="0"/>
-                <a:cs typeface="Courier New" panose="02070309020205020404" pitchFamily="49" charset="0"/>
-              </a:rPr>
-              <a:t>superior:</a:t>
-            </a:r>
-          </a:p>
-          <a:p>
-            <a:r>
-              <a:rPr lang="pt-BR" sz="2000" dirty="0" smtClean="0">
-                <a:latin typeface="Courier New" panose="02070309020205020404" pitchFamily="49" charset="0"/>
-                <a:cs typeface="Courier New" panose="02070309020205020404" pitchFamily="49" charset="0"/>
-              </a:rPr>
-              <a:t>  </a:t>
-            </a:r>
-            <a:r>
-              <a:rPr lang="pt-BR" sz="2000" b="1" dirty="0" err="1" smtClean="0">
-                <a:solidFill>
-                  <a:schemeClr val="accent1"/>
-                </a:solidFill>
-                <a:latin typeface="Courier New" panose="02070309020205020404" pitchFamily="49" charset="0"/>
-                <a:cs typeface="Courier New" panose="02070309020205020404" pitchFamily="49" charset="0"/>
-              </a:rPr>
-              <a:t>if</a:t>
-            </a:r>
-            <a:r>
-              <a:rPr lang="pt-BR" sz="2000" b="1" dirty="0" smtClean="0">
-                <a:solidFill>
-                  <a:schemeClr val="accent1"/>
-                </a:solidFill>
-                <a:latin typeface="Courier New" panose="02070309020205020404" pitchFamily="49" charset="0"/>
-                <a:cs typeface="Courier New" panose="02070309020205020404" pitchFamily="49" charset="0"/>
-              </a:rPr>
-              <a:t> </a:t>
-            </a:r>
-            <a:r>
-              <a:rPr lang="pt-BR" sz="2000" dirty="0" smtClean="0">
-                <a:latin typeface="Courier New" panose="02070309020205020404" pitchFamily="49" charset="0"/>
-                <a:cs typeface="Courier New" panose="02070309020205020404" pitchFamily="49" charset="0"/>
-              </a:rPr>
-              <a:t>(</a:t>
-            </a:r>
-            <a:r>
-              <a:rPr lang="pt-BR" sz="2000" dirty="0" err="1" smtClean="0">
-                <a:latin typeface="Courier New" panose="02070309020205020404" pitchFamily="49" charset="0"/>
-                <a:cs typeface="Courier New" panose="02070309020205020404" pitchFamily="49" charset="0"/>
-              </a:rPr>
-              <a:t>indice</a:t>
-            </a:r>
-            <a:r>
-              <a:rPr lang="pt-BR" sz="2000" dirty="0" smtClean="0">
-                <a:latin typeface="Courier New" panose="02070309020205020404" pitchFamily="49" charset="0"/>
-                <a:cs typeface="Courier New" panose="02070309020205020404" pitchFamily="49" charset="0"/>
-              </a:rPr>
-              <a:t> </a:t>
-            </a:r>
-            <a:r>
-              <a:rPr lang="pt-BR" sz="2000" dirty="0">
-                <a:latin typeface="Courier New" panose="02070309020205020404" pitchFamily="49" charset="0"/>
-                <a:cs typeface="Courier New" panose="02070309020205020404" pitchFamily="49" charset="0"/>
-              </a:rPr>
-              <a:t>– </a:t>
-            </a:r>
-            <a:r>
-              <a:rPr lang="pt-BR" sz="2000" dirty="0" smtClean="0">
-                <a:latin typeface="Courier New" panose="02070309020205020404" pitchFamily="49" charset="0"/>
-                <a:cs typeface="Courier New" panose="02070309020205020404" pitchFamily="49" charset="0"/>
-              </a:rPr>
-              <a:t>dificuldade) &gt; </a:t>
-            </a:r>
-            <a:r>
-              <a:rPr lang="pt-BR" sz="2000" dirty="0" smtClean="0">
-                <a:solidFill>
-                  <a:schemeClr val="accent2"/>
-                </a:solidFill>
-                <a:latin typeface="Courier New" panose="02070309020205020404" pitchFamily="49" charset="0"/>
-                <a:cs typeface="Courier New" panose="02070309020205020404" pitchFamily="49" charset="0"/>
-              </a:rPr>
-              <a:t>0</a:t>
-            </a:r>
-          </a:p>
-          <a:p>
-            <a:endParaRPr lang="pt-BR" sz="2000" b="1" dirty="0" smtClean="0">
-              <a:solidFill>
-                <a:schemeClr val="accent1"/>
-              </a:solidFill>
-              <a:latin typeface="Courier New" panose="02070309020205020404" pitchFamily="49" charset="0"/>
-              <a:cs typeface="Courier New" panose="02070309020205020404" pitchFamily="49" charset="0"/>
-            </a:endParaRPr>
-          </a:p>
-          <a:p>
-            <a:r>
-              <a:rPr lang="pt-BR" sz="2000" b="1" dirty="0" smtClean="0">
-                <a:solidFill>
-                  <a:schemeClr val="accent1"/>
-                </a:solidFill>
-                <a:latin typeface="Courier New" panose="02070309020205020404" pitchFamily="49" charset="0"/>
-                <a:cs typeface="Courier New" panose="02070309020205020404" pitchFamily="49" charset="0"/>
-              </a:rPr>
-              <a:t>  </a:t>
-            </a:r>
-            <a:r>
-              <a:rPr lang="pt-BR" sz="2000" dirty="0">
-                <a:latin typeface="Courier New" panose="02070309020205020404" pitchFamily="49" charset="0"/>
-                <a:cs typeface="Courier New" panose="02070309020205020404" pitchFamily="49" charset="0"/>
-              </a:rPr>
-              <a:t>--tile </a:t>
-            </a:r>
-            <a:r>
-              <a:rPr lang="pt-BR" sz="2000" dirty="0" smtClean="0">
-                <a:latin typeface="Courier New" panose="02070309020205020404" pitchFamily="49" charset="0"/>
-                <a:cs typeface="Courier New" panose="02070309020205020404" pitchFamily="49" charset="0"/>
-              </a:rPr>
-              <a:t>inferior:</a:t>
-            </a:r>
-            <a:endParaRPr lang="pt-BR" sz="2000" b="1" dirty="0" smtClean="0">
-              <a:solidFill>
-                <a:schemeClr val="accent1"/>
-              </a:solidFill>
-              <a:latin typeface="Courier New" panose="02070309020205020404" pitchFamily="49" charset="0"/>
-              <a:cs typeface="Courier New" panose="02070309020205020404" pitchFamily="49" charset="0"/>
-            </a:endParaRPr>
-          </a:p>
-          <a:p>
-            <a:r>
-              <a:rPr lang="pt-BR" sz="2000" b="1" dirty="0" smtClean="0">
-                <a:solidFill>
-                  <a:schemeClr val="accent1"/>
-                </a:solidFill>
-                <a:latin typeface="Courier New" panose="02070309020205020404" pitchFamily="49" charset="0"/>
-                <a:cs typeface="Courier New" panose="02070309020205020404" pitchFamily="49" charset="0"/>
-              </a:rPr>
-              <a:t>  </a:t>
-            </a:r>
-            <a:r>
-              <a:rPr lang="pt-BR" sz="2000" b="1" dirty="0" err="1" smtClean="0">
-                <a:solidFill>
-                  <a:schemeClr val="accent1"/>
-                </a:solidFill>
-                <a:latin typeface="Courier New" panose="02070309020205020404" pitchFamily="49" charset="0"/>
-                <a:cs typeface="Courier New" panose="02070309020205020404" pitchFamily="49" charset="0"/>
-              </a:rPr>
-              <a:t>if</a:t>
-            </a:r>
-            <a:r>
-              <a:rPr lang="pt-BR" sz="2000" b="1" dirty="0" smtClean="0">
-                <a:solidFill>
-                  <a:schemeClr val="accent1"/>
-                </a:solidFill>
-                <a:latin typeface="Courier New" panose="02070309020205020404" pitchFamily="49" charset="0"/>
-                <a:cs typeface="Courier New" panose="02070309020205020404" pitchFamily="49" charset="0"/>
-              </a:rPr>
-              <a:t> </a:t>
-            </a:r>
-            <a:r>
-              <a:rPr lang="pt-BR" sz="2000" dirty="0" smtClean="0">
-                <a:latin typeface="Courier New" panose="02070309020205020404" pitchFamily="49" charset="0"/>
-                <a:cs typeface="Courier New" panose="02070309020205020404" pitchFamily="49" charset="0"/>
-              </a:rPr>
-              <a:t>(</a:t>
-            </a:r>
-            <a:r>
-              <a:rPr lang="pt-BR" sz="2000" dirty="0" err="1" smtClean="0">
-                <a:latin typeface="Courier New" panose="02070309020205020404" pitchFamily="49" charset="0"/>
-                <a:cs typeface="Courier New" panose="02070309020205020404" pitchFamily="49" charset="0"/>
-              </a:rPr>
-              <a:t>indice</a:t>
-            </a:r>
-            <a:r>
-              <a:rPr lang="pt-BR" sz="2000" dirty="0" smtClean="0">
-                <a:latin typeface="Courier New" panose="02070309020205020404" pitchFamily="49" charset="0"/>
-                <a:cs typeface="Courier New" panose="02070309020205020404" pitchFamily="49" charset="0"/>
-              </a:rPr>
-              <a:t> + </a:t>
-            </a:r>
-            <a:r>
-              <a:rPr lang="pt-BR" sz="2000" dirty="0">
-                <a:latin typeface="Courier New" panose="02070309020205020404" pitchFamily="49" charset="0"/>
-                <a:cs typeface="Courier New" panose="02070309020205020404" pitchFamily="49" charset="0"/>
-              </a:rPr>
-              <a:t>dificuldade) &lt;= (</a:t>
-            </a:r>
-            <a:r>
-              <a:rPr lang="pt-BR" sz="2000" dirty="0" err="1" smtClean="0">
-                <a:latin typeface="Courier New" panose="02070309020205020404" pitchFamily="49" charset="0"/>
-                <a:cs typeface="Courier New" panose="02070309020205020404" pitchFamily="49" charset="0"/>
-              </a:rPr>
-              <a:t>dif</a:t>
-            </a:r>
-            <a:r>
-              <a:rPr lang="pt-BR" sz="2000" dirty="0" smtClean="0">
-                <a:latin typeface="Courier New" panose="02070309020205020404" pitchFamily="49" charset="0"/>
-                <a:cs typeface="Courier New" panose="02070309020205020404" pitchFamily="49" charset="0"/>
-              </a:rPr>
-              <a:t> </a:t>
-            </a:r>
-            <a:r>
-              <a:rPr lang="pt-BR" sz="2000" dirty="0">
-                <a:latin typeface="Courier New" panose="02070309020205020404" pitchFamily="49" charset="0"/>
-                <a:cs typeface="Courier New" panose="02070309020205020404" pitchFamily="49" charset="0"/>
-              </a:rPr>
-              <a:t>* </a:t>
-            </a:r>
-            <a:r>
-              <a:rPr lang="pt-BR" sz="2000" dirty="0" err="1" smtClean="0">
-                <a:latin typeface="Courier New" panose="02070309020205020404" pitchFamily="49" charset="0"/>
-                <a:cs typeface="Courier New" panose="02070309020205020404" pitchFamily="49" charset="0"/>
-              </a:rPr>
-              <a:t>dif</a:t>
-            </a:r>
-            <a:r>
-              <a:rPr lang="pt-BR" sz="2000" dirty="0" smtClean="0">
-                <a:latin typeface="Courier New" panose="02070309020205020404" pitchFamily="49" charset="0"/>
-                <a:cs typeface="Courier New" panose="02070309020205020404" pitchFamily="49" charset="0"/>
-              </a:rPr>
-              <a:t>)</a:t>
-            </a:r>
-            <a:endParaRPr lang="pt-BR" sz="2000" b="1" dirty="0">
-              <a:solidFill>
-                <a:schemeClr val="accent1"/>
-              </a:solidFill>
-              <a:latin typeface="Courier New" panose="02070309020205020404" pitchFamily="49" charset="0"/>
-              <a:cs typeface="Courier New" panose="02070309020205020404" pitchFamily="49" charset="0"/>
-            </a:endParaRPr>
-          </a:p>
-          <a:p>
-            <a:endParaRPr lang="pt-BR" sz="2000" b="1" dirty="0" smtClean="0">
-              <a:solidFill>
-                <a:schemeClr val="accent1"/>
-              </a:solidFill>
-              <a:latin typeface="Courier New" panose="02070309020205020404" pitchFamily="49" charset="0"/>
-              <a:cs typeface="Courier New" panose="02070309020205020404" pitchFamily="49" charset="0"/>
-            </a:endParaRPr>
-          </a:p>
-          <a:p>
-            <a:r>
-              <a:rPr lang="pt-BR" sz="2000" b="1" dirty="0" err="1" smtClean="0">
-                <a:solidFill>
-                  <a:schemeClr val="accent1"/>
-                </a:solidFill>
-                <a:latin typeface="Courier New" panose="02070309020205020404" pitchFamily="49" charset="0"/>
-                <a:cs typeface="Courier New" panose="02070309020205020404" pitchFamily="49" charset="0"/>
-              </a:rPr>
-              <a:t>end</a:t>
-            </a:r>
-            <a:endParaRPr lang="pt-BR" b="1" dirty="0">
-              <a:solidFill>
-                <a:schemeClr val="accent1"/>
-              </a:solidFill>
-            </a:endParaRPr>
-          </a:p>
-        </p:txBody>
-      </p:sp>
     </p:spTree>
     <p:extLst>
       <p:ext uri="{BB962C8B-B14F-4D97-AF65-F5344CB8AC3E}">
@@ -10528,7 +15244,24 @@
                 <a:latin typeface="Courier New" panose="02070309020205020404" pitchFamily="49" charset="0"/>
                 <a:cs typeface="Courier New" panose="02070309020205020404" pitchFamily="49" charset="0"/>
               </a:rPr>
-              <a:t>i=1, </a:t>
+              <a:t>i=</a:t>
+            </a:r>
+            <a:r>
+              <a:rPr lang="pt-BR" sz="2000" dirty="0">
+                <a:solidFill>
+                  <a:schemeClr val="accent2"/>
+                </a:solidFill>
+                <a:latin typeface="Courier New" panose="02070309020205020404" pitchFamily="49" charset="0"/>
+                <a:cs typeface="Courier New" panose="02070309020205020404" pitchFamily="49" charset="0"/>
+              </a:rPr>
+              <a:t>1</a:t>
+            </a:r>
+            <a:r>
+              <a:rPr lang="pt-BR" sz="2000" dirty="0">
+                <a:latin typeface="Courier New" panose="02070309020205020404" pitchFamily="49" charset="0"/>
+                <a:cs typeface="Courier New" panose="02070309020205020404" pitchFamily="49" charset="0"/>
+              </a:rPr>
+              <a:t>, </a:t>
             </a:r>
             <a:r>
               <a:rPr lang="pt-BR" sz="2000" dirty="0" err="1">
@@ -11031,7 +15764,17 @@
                 <a:latin typeface="Courier New" panose="02070309020205020404" pitchFamily="49" charset="0"/>
                 <a:cs typeface="Courier New" panose="02070309020205020404" pitchFamily="49" charset="0"/>
               </a:rPr>
-              <a:t>(200</a:t>
+              <a:t>(</a:t>
+            </a:r>
+            <a:r>
+              <a:rPr lang="pt-BR" sz="2000" dirty="0" smtClean="0">
+                <a:solidFill>
+                  <a:schemeClr val="accent2"/>
+                </a:solidFill>
+                <a:latin typeface="Courier New" panose="02070309020205020404" pitchFamily="49" charset="0"/>
+                <a:cs typeface="Courier New" panose="02070309020205020404" pitchFamily="49" charset="0"/>
+              </a:rPr>
+              <a:t>200</a:t>
             </a:r>
           </a:p>
           <a:p>
@@ -11164,6 +15907,13 @@
       </p:transition>
     </mc:Fallback>
   </mc:AlternateContent>
+  <p:timing>
+    <p:tnLst>
+      <p:par>
+        <p:cTn id="1" dur="indefinite" restart="never" nodeType="tmRoot"/>
+      </p:par>
+    </p:tnLst>
+  </p:timing>
 </p:sld>
 </file>
 
@@ -13416,15 +18166,6 @@
 </file>
 
 <file path=customXml/item2.xml><?xml version="1.0" encoding="utf-8"?>
-<?mso-contentType ?>
-<FormTemplates xmlns="http://schemas.microsoft.com/sharepoint/v3/contenttype/forms">
-  <Display>DocumentLibraryForm</Display>
-  <Edit>AssetEditForm</Edit>
-  <New>DocumentLibraryForm</New>
-</FormTemplates>
-</file>
-
-<file path=customXml/item3.xml><?xml version="1.0" encoding="utf-8"?>
 <p:properties xmlns:p="http://schemas.microsoft.com/office/2006/metadata/properties" xmlns:xsi="http://www.w3.org/2001/XMLSchema-instance" xmlns:pc="http://schemas.microsoft.com/office/infopath/2007/PartnerControls">
   <documentManagement>
     <LocPublishedLinkedAssetsLookup xmlns="4873beb7-5857-4685-be1f-d57550cc96cc" xsi:nil="true"/>
@@ -13560,6 +18301,15 @@
 </p:properties>
 </file>
 
+<file path=customXml/item3.xml><?xml version="1.0" encoding="utf-8"?>
+<?mso-contentType ?>
+<FormTemplates xmlns="http://schemas.microsoft.com/sharepoint/v3/contenttype/forms">
+  <Display>DocumentLibraryForm</Display>
+  <Edit>AssetEditForm</Edit>
+  <New>DocumentLibraryForm</New>
+</FormTemplates>
+</file>
+
 <file path=customXml/itemProps1.xml><?xml version="1.0" encoding="utf-8"?>
 <ds:datastoreItem xmlns:ds="http://schemas.openxmlformats.org/officeDocument/2006/customXml" ds:itemID="{A09BF4D4-EF60-4196-BFC3-9462D607978C}">
   <ds:schemaRefs>
@@ -13579,14 +18329,6 @@
 </file>
 
 <file path=customXml/itemProps2.xml><?xml version="1.0" encoding="utf-8"?>
-<ds:datastoreItem xmlns:ds="http://schemas.openxmlformats.org/officeDocument/2006/customXml" ds:itemID="{3836F65B-1B07-41EE-A0E8-BC6EF3855225}">
-  <ds:schemaRefs>
-    <ds:schemaRef ds:uri="http://schemas.microsoft.com/sharepoint/v3/contenttype/forms"/>
-  </ds:schemaRefs>
-</ds:datastoreItem>
-</file>
-
-<file path=customXml/itemProps3.xml><?xml version="1.0" encoding="utf-8"?>
 <ds:datastoreItem xmlns:ds="http://schemas.openxmlformats.org/officeDocument/2006/customXml" ds:itemID="{60C67BEE-D13F-4BD2-98A5-34D8A0977F68}">
   <ds:schemaRefs>
     <ds:schemaRef ds:uri="4873beb7-5857-4685-be1f-d57550cc96cc"/>
@@ -13600,4 +18342,12 @@
     <ds:schemaRef ds:uri="http://purl.org/dc/dcmitype/"/>
   </ds:schemaRefs>
 </ds:datastoreItem>
+</file>
+
+<file path=customXml/itemProps3.xml><?xml version="1.0" encoding="utf-8"?>
+<ds:datastoreItem xmlns:ds="http://schemas.openxmlformats.org/officeDocument/2006/customXml" ds:itemID="{3836F65B-1B07-41EE-A0E8-BC6EF3855225}">
+  <ds:schemaRefs>
+    <ds:schemaRef ds:uri="http://schemas.microsoft.com/sharepoint/v3/contenttype/forms"/>
+  </ds:schemaRefs>
+</ds:datastoreItem>
 </file>
--- a/Apresentação/Deslize.pptx
+++ b/Apresentação/Deslize.pptx
@@ -5,10 +5,10 @@
     <p:sldMasterId id="2147483660" r:id="rId4"/>
   </p:sldMasterIdLst>
   <p:notesMasterIdLst>
-    <p:notesMasterId r:id="rId14"/>
+    <p:notesMasterId r:id="rId15"/>
   </p:notesMasterIdLst>
   <p:handoutMasterIdLst>
-    <p:handoutMasterId r:id="rId15"/>
+    <p:handoutMasterId r:id="rId16"/>
   </p:handoutMasterIdLst>
   <p:sldIdLst>
     <p:sldId id="257" r:id="rId5"/>
@@ -18,8 +18,9 @@
     <p:sldId id="265" r:id="rId9"/>
     <p:sldId id="274" r:id="rId10"/>
     <p:sldId id="275" r:id="rId11"/>
-    <p:sldId id="276" r:id="rId12"/>
-    <p:sldId id="272" r:id="rId13"/>
+    <p:sldId id="278" r:id="rId12"/>
+    <p:sldId id="276" r:id="rId13"/>
+    <p:sldId id="272" r:id="rId14"/>
   </p:sldIdLst>
   <p:sldSz cx="12188825" cy="6858000"/>
   <p:notesSz cx="6858000" cy="9144000"/>
@@ -1220,6 +1221,13 @@
         </dgm:presLayoutVars>
       </dgm:prSet>
       <dgm:spPr/>
+      <dgm:t>
+        <a:bodyPr/>
+        <a:lstStyle/>
+        <a:p>
+          <a:endParaRPr lang="pt-BR"/>
+        </a:p>
+      </dgm:t>
     </dgm:pt>
     <dgm:pt modelId="{DDA6DD6D-8500-4572-AD74-15D9DE96C6AA}" type="pres">
       <dgm:prSet presAssocID="{4E9A5267-6EEE-4D5A-9C61-3C6E0926958E}" presName="dummy" presStyleCnt="0"/>
@@ -1232,10 +1240,24 @@
         </dgm:presLayoutVars>
       </dgm:prSet>
       <dgm:spPr/>
+      <dgm:t>
+        <a:bodyPr/>
+        <a:lstStyle/>
+        <a:p>
+          <a:endParaRPr lang="pt-BR"/>
+        </a:p>
+      </dgm:t>
     </dgm:pt>
     <dgm:pt modelId="{BF481B34-A956-4AA1-BF8A-FE346E10B846}" type="pres">
       <dgm:prSet presAssocID="{6F82FF22-BB25-4394-A016-6DF3A9D29E2E}" presName="sibTrans" presStyleLbl="node1" presStyleIdx="0" presStyleCnt="4"/>
       <dgm:spPr/>
+      <dgm:t>
+        <a:bodyPr/>
+        <a:lstStyle/>
+        <a:p>
+          <a:endParaRPr lang="pt-BR"/>
+        </a:p>
+      </dgm:t>
     </dgm:pt>
     <dgm:pt modelId="{D71240F5-0A36-4775-8462-C4FAFF68D969}" type="pres">
       <dgm:prSet presAssocID="{D645F258-701E-4659-BF93-A7DD0CBF3173}" presName="dummy" presStyleCnt="0"/>
@@ -1248,10 +1270,24 @@
         </dgm:presLayoutVars>
       </dgm:prSet>
       <dgm:spPr/>
+      <dgm:t>
+        <a:bodyPr/>
+        <a:lstStyle/>
+        <a:p>
+          <a:endParaRPr lang="pt-BR"/>
+        </a:p>
+      </dgm:t>
     </dgm:pt>
     <dgm:pt modelId="{B8C9B045-D74E-4E94-8C35-40DDACC3AA2D}" type="pres">
       <dgm:prSet presAssocID="{CEA60D74-9962-4AC2-8FAC-8F4E9F6AAC20}" presName="sibTrans" presStyleLbl="node1" presStyleIdx="1" presStyleCnt="4"/>
       <dgm:spPr/>
+      <dgm:t>
+        <a:bodyPr/>
+        <a:lstStyle/>
+        <a:p>
+          <a:endParaRPr lang="pt-BR"/>
+        </a:p>
+      </dgm:t>
     </dgm:pt>
     <dgm:pt modelId="{9DE727A4-389A-4674-BCDF-F2ADE319C686}" type="pres">
       <dgm:prSet presAssocID="{1D68F09B-2EC8-476E-9815-E55F69E6F28C}" presName="dummy" presStyleCnt="0"/>
@@ -1264,10 +1300,24 @@
         </dgm:presLayoutVars>
       </dgm:prSet>
       <dgm:spPr/>
+      <dgm:t>
+        <a:bodyPr/>
+        <a:lstStyle/>
+        <a:p>
+          <a:endParaRPr lang="pt-BR"/>
+        </a:p>
+      </dgm:t>
     </dgm:pt>
     <dgm:pt modelId="{B9BCD160-E255-4AB4-BB9D-8715E4D17606}" type="pres">
       <dgm:prSet presAssocID="{42B98C3E-FBD4-4A94-9F06-A2E47FB8DC64}" presName="sibTrans" presStyleLbl="node1" presStyleIdx="2" presStyleCnt="4" custScaleY="99882"/>
       <dgm:spPr/>
+      <dgm:t>
+        <a:bodyPr/>
+        <a:lstStyle/>
+        <a:p>
+          <a:endParaRPr lang="pt-BR"/>
+        </a:p>
+      </dgm:t>
     </dgm:pt>
     <dgm:pt modelId="{4A1AF5E7-2505-4AA7-BAB5-64E9D2A05C45}" type="pres">
       <dgm:prSet presAssocID="{318C7EAB-1944-46E4-B65B-98EB5255A452}" presName="dummy" presStyleCnt="0"/>
@@ -1280,10 +1330,24 @@
         </dgm:presLayoutVars>
       </dgm:prSet>
       <dgm:spPr/>
+      <dgm:t>
+        <a:bodyPr/>
+        <a:lstStyle/>
+        <a:p>
+          <a:endParaRPr lang="pt-BR"/>
+        </a:p>
+      </dgm:t>
     </dgm:pt>
     <dgm:pt modelId="{4A0B3232-50B7-4DB1-8985-E57229810206}" type="pres">
       <dgm:prSet presAssocID="{C0C45353-D750-4977-8B16-F0D35A1B72B5}" presName="sibTrans" presStyleLbl="node1" presStyleIdx="3" presStyleCnt="4"/>
       <dgm:spPr/>
+      <dgm:t>
+        <a:bodyPr/>
+        <a:lstStyle/>
+        <a:p>
+          <a:endParaRPr lang="pt-BR"/>
+        </a:p>
+      </dgm:t>
     </dgm:pt>
   </dgm:ptLst>
   <dgm:cxnLst>
@@ -1293,8 +1357,8 @@
     <dgm:cxn modelId="{FFEAE03A-19DB-4169-9D0C-BC4C1C3CABC7}" type="presOf" srcId="{D645F258-701E-4659-BF93-A7DD0CBF3173}" destId="{450E53F1-337D-48E6-BD65-6F7CF99A0732}" srcOrd="0" destOrd="0" presId="urn:microsoft.com/office/officeart/2005/8/layout/cycle1"/>
     <dgm:cxn modelId="{F5974BBB-0CD6-47AD-B18C-442D3CCF0D39}" type="presOf" srcId="{CEA60D74-9962-4AC2-8FAC-8F4E9F6AAC20}" destId="{B8C9B045-D74E-4E94-8C35-40DDACC3AA2D}" srcOrd="0" destOrd="0" presId="urn:microsoft.com/office/officeart/2005/8/layout/cycle1"/>
     <dgm:cxn modelId="{0E14A2CD-A81B-4B52-8807-D5424CA7E423}" type="presOf" srcId="{DF439C4A-194B-4B3E-82E8-A02C8332182D}" destId="{92131F2E-2CCF-4575-9011-84043A939AEC}" srcOrd="0" destOrd="0" presId="urn:microsoft.com/office/officeart/2005/8/layout/cycle1"/>
+    <dgm:cxn modelId="{44D66B0A-A303-4E33-8A51-8ECCEB383DA0}" type="presOf" srcId="{42B98C3E-FBD4-4A94-9F06-A2E47FB8DC64}" destId="{B9BCD160-E255-4AB4-BB9D-8715E4D17606}" srcOrd="0" destOrd="0" presId="urn:microsoft.com/office/officeart/2005/8/layout/cycle1"/>
     <dgm:cxn modelId="{C12E896C-1261-4762-AF9D-9D4E58698316}" type="presOf" srcId="{C0C45353-D750-4977-8B16-F0D35A1B72B5}" destId="{4A0B3232-50B7-4DB1-8985-E57229810206}" srcOrd="0" destOrd="0" presId="urn:microsoft.com/office/officeart/2005/8/layout/cycle1"/>
-    <dgm:cxn modelId="{44D66B0A-A303-4E33-8A51-8ECCEB383DA0}" type="presOf" srcId="{42B98C3E-FBD4-4A94-9F06-A2E47FB8DC64}" destId="{B9BCD160-E255-4AB4-BB9D-8715E4D17606}" srcOrd="0" destOrd="0" presId="urn:microsoft.com/office/officeart/2005/8/layout/cycle1"/>
     <dgm:cxn modelId="{2FCF3E58-A99A-46C6-9562-6879C84B8AE5}" srcId="{DF439C4A-194B-4B3E-82E8-A02C8332182D}" destId="{318C7EAB-1944-46E4-B65B-98EB5255A452}" srcOrd="3" destOrd="0" parTransId="{791F1554-1633-4A22-AAB9-061FFCE74141}" sibTransId="{C0C45353-D750-4977-8B16-F0D35A1B72B5}"/>
     <dgm:cxn modelId="{DE14076C-CB98-4F09-8284-42CCB906E920}" srcId="{DF439C4A-194B-4B3E-82E8-A02C8332182D}" destId="{D645F258-701E-4659-BF93-A7DD0CBF3173}" srcOrd="1" destOrd="0" parTransId="{AF4F53CC-CA9F-4411-A63C-91A9B50AE090}" sibTransId="{CEA60D74-9962-4AC2-8FAC-8F4E9F6AAC20}"/>
     <dgm:cxn modelId="{E36055D8-A4E4-4B0D-A28B-4F9D9D1B6402}" srcId="{DF439C4A-194B-4B3E-82E8-A02C8332182D}" destId="{1D68F09B-2EC8-476E-9815-E55F69E6F28C}" srcOrd="2" destOrd="0" parTransId="{016B267A-0D6A-4E7A-BDB7-8BBA47C8E3D1}" sibTransId="{42B98C3E-FBD4-4A94-9F06-A2E47FB8DC64}"/>
@@ -8392,6 +8456,303 @@
 </p:sld>
 </file>
 
+<file path=ppt/slides/slide10.xml><?xml version="1.0" encoding="utf-8"?>
+<p:sld xmlns:a="http://schemas.openxmlformats.org/drawingml/2006/main" xmlns:r="http://schemas.openxmlformats.org/officeDocument/2006/relationships" xmlns:p="http://schemas.openxmlformats.org/presentationml/2006/main">
+  <p:cSld>
+    <p:spTree>
+      <p:nvGrpSpPr>
+        <p:cNvPr id="1" name=""/>
+        <p:cNvGrpSpPr/>
+        <p:nvPr/>
+      </p:nvGrpSpPr>
+      <p:grpSpPr>
+        <a:xfrm>
+          <a:off x="0" y="0"/>
+          <a:ext cx="0" cy="0"/>
+          <a:chOff x="0" y="0"/>
+          <a:chExt cx="0" cy="0"/>
+        </a:xfrm>
+      </p:grpSpPr>
+      <p:sp>
+        <p:nvSpPr>
+          <p:cNvPr id="13" name="Título 12"/>
+          <p:cNvSpPr>
+            <a:spLocks noGrp="1"/>
+          </p:cNvSpPr>
+          <p:nvPr>
+            <p:ph type="title"/>
+          </p:nvPr>
+        </p:nvSpPr>
+        <p:spPr/>
+        <p:txBody>
+          <a:bodyPr rtlCol="0"/>
+          <a:lstStyle/>
+          <a:p>
+            <a:pPr rtl="0"/>
+            <a:r>
+              <a:rPr lang="pt-BR" dirty="0" smtClean="0"/>
+              <a:t>Referências consultadas</a:t>
+            </a:r>
+            <a:endParaRPr lang="en-US" dirty="0"/>
+          </a:p>
+        </p:txBody>
+      </p:sp>
+      <p:sp>
+        <p:nvSpPr>
+          <p:cNvPr id="14" name="Espaço Reservado para Conteúdo 13"/>
+          <p:cNvSpPr>
+            <a:spLocks noGrp="1"/>
+          </p:cNvSpPr>
+          <p:nvPr>
+            <p:ph idx="1"/>
+          </p:nvPr>
+        </p:nvSpPr>
+        <p:spPr>
+          <a:xfrm>
+            <a:off x="837828" y="1701797"/>
+            <a:ext cx="10945215" cy="4462272"/>
+          </a:xfrm>
+        </p:spPr>
+        <p:txBody>
+          <a:bodyPr rtlCol="0">
+            <a:normAutofit fontScale="85000" lnSpcReduction="10000"/>
+          </a:bodyPr>
+          <a:lstStyle/>
+          <a:p>
+            <a:r>
+              <a:rPr lang="pt-BR" dirty="0" smtClean="0"/>
+              <a:t>2D </a:t>
+            </a:r>
+            <a:r>
+              <a:rPr lang="pt-BR" dirty="0" err="1" smtClean="0"/>
+              <a:t>Sliding</a:t>
+            </a:r>
+            <a:r>
+              <a:rPr lang="pt-BR" dirty="0" smtClean="0"/>
+              <a:t> Puzzles (</a:t>
+            </a:r>
+            <a:r>
+              <a:rPr lang="pt-BR" dirty="0">
+                <a:hlinkClick r:id="rId2"/>
+              </a:rPr>
+              <a:t>https://sites.google.com/site/geduldspiele/GallerySlidingPuzzles</a:t>
+            </a:r>
+            <a:r>
+              <a:rPr lang="pt-BR" dirty="0" smtClean="0"/>
+              <a:t>)</a:t>
+            </a:r>
+          </a:p>
+          <a:p>
+            <a:r>
+              <a:rPr lang="pt-BR" dirty="0" err="1" smtClean="0"/>
+              <a:t>Kaplof</a:t>
+            </a:r>
+            <a:r>
+              <a:rPr lang="pt-BR" dirty="0" smtClean="0"/>
+              <a:t> (</a:t>
+            </a:r>
+            <a:r>
+              <a:rPr lang="pt-BR" dirty="0">
+                <a:hlinkClick r:id="rId3"/>
+              </a:rPr>
+              <a:t>https://www.kopf.com.br/kaplof/how-to-solve-any-slide-puzzle-regardless-of-its-size</a:t>
+            </a:r>
+            <a:r>
+              <a:rPr lang="pt-BR" dirty="0" smtClean="0">
+                <a:hlinkClick r:id="rId3"/>
+              </a:rPr>
+              <a:t>/</a:t>
+            </a:r>
+            <a:r>
+              <a:rPr lang="pt-BR" dirty="0" smtClean="0"/>
+              <a:t>)</a:t>
+            </a:r>
+          </a:p>
+          <a:p>
+            <a:r>
+              <a:rPr lang="en-US" dirty="0" err="1" smtClean="0"/>
+              <a:t>Códigos</a:t>
+            </a:r>
+            <a:r>
+              <a:rPr lang="en-US" dirty="0" smtClean="0"/>
+              <a:t> no </a:t>
+            </a:r>
+            <a:r>
+              <a:rPr lang="en-US" dirty="0" err="1" smtClean="0"/>
+              <a:t>GitHub</a:t>
+            </a:r>
+            <a:r>
+              <a:rPr lang="en-US" dirty="0" smtClean="0"/>
+              <a:t> (</a:t>
+            </a:r>
+            <a:r>
+              <a:rPr lang="pt-BR" dirty="0">
+                <a:hlinkClick r:id="rId4"/>
+              </a:rPr>
+              <a:t>https://gist.github.com/jdev6/1e7ff30671edf88d03d4</a:t>
+            </a:r>
+            <a:r>
+              <a:rPr lang="en-US" dirty="0" smtClean="0"/>
+              <a:t>)</a:t>
+            </a:r>
+          </a:p>
+          <a:p>
+            <a:r>
+              <a:rPr lang="en-US" dirty="0" err="1" smtClean="0"/>
+              <a:t>Códigos</a:t>
+            </a:r>
+            <a:r>
+              <a:rPr lang="en-US" dirty="0" smtClean="0"/>
+              <a:t> no </a:t>
+            </a:r>
+            <a:r>
+              <a:rPr lang="en-US" dirty="0" err="1" smtClean="0"/>
+              <a:t>CoronaLabs</a:t>
+            </a:r>
+            <a:r>
+              <a:rPr lang="en-US" dirty="0"/>
+              <a:t> </a:t>
+            </a:r>
+            <a:r>
+              <a:rPr lang="en-US" dirty="0" smtClean="0"/>
+              <a:t>(</a:t>
+            </a:r>
+            <a:r>
+              <a:rPr lang="pt-BR" dirty="0">
+                <a:hlinkClick r:id="rId5"/>
+              </a:rPr>
+              <a:t>https://docs.coronalabs.com/tutorial/data/shuffleTable/index.html</a:t>
+            </a:r>
+            <a:r>
+              <a:rPr lang="en-US" dirty="0" smtClean="0"/>
+              <a:t>)</a:t>
+            </a:r>
+          </a:p>
+          <a:p>
+            <a:r>
+              <a:rPr lang="en-US" dirty="0" smtClean="0"/>
+              <a:t>Manual de </a:t>
+            </a:r>
+            <a:r>
+              <a:rPr lang="en-US" dirty="0" err="1" smtClean="0"/>
+              <a:t>Lua</a:t>
+            </a:r>
+            <a:r>
+              <a:rPr lang="en-US" dirty="0" smtClean="0"/>
+              <a:t> (</a:t>
+            </a:r>
+            <a:r>
+              <a:rPr lang="pt-BR" dirty="0">
+                <a:hlinkClick r:id="rId6"/>
+              </a:rPr>
+              <a:t>https://www.lua.org/manual/5.3</a:t>
+            </a:r>
+            <a:r>
+              <a:rPr lang="pt-BR" dirty="0" smtClean="0">
+                <a:hlinkClick r:id="rId6"/>
+              </a:rPr>
+              <a:t>/</a:t>
+            </a:r>
+            <a:r>
+              <a:rPr lang="pt-BR" dirty="0" smtClean="0"/>
+              <a:t>)</a:t>
+            </a:r>
+            <a:endParaRPr lang="en-US" dirty="0"/>
+          </a:p>
+          <a:p>
+            <a:r>
+              <a:rPr lang="en-US" dirty="0" err="1" smtClean="0"/>
+              <a:t>Löve</a:t>
+            </a:r>
+            <a:r>
+              <a:rPr lang="en-US" dirty="0" smtClean="0"/>
+              <a:t> 2D Wiki (</a:t>
+            </a:r>
+            <a:r>
+              <a:rPr lang="pt-BR" dirty="0">
+                <a:hlinkClick r:id="rId7"/>
+              </a:rPr>
+              <a:t>https://</a:t>
+            </a:r>
+            <a:r>
+              <a:rPr lang="pt-BR" dirty="0" smtClean="0">
+                <a:hlinkClick r:id="rId7"/>
+              </a:rPr>
+              <a:t>love2d.org/wiki/Main_Page</a:t>
+            </a:r>
+            <a:r>
+              <a:rPr lang="pt-BR" dirty="0" smtClean="0"/>
+              <a:t>)</a:t>
+            </a:r>
+          </a:p>
+          <a:p>
+            <a:r>
+              <a:rPr lang="pt-BR" dirty="0" err="1" smtClean="0"/>
+              <a:t>Solvability</a:t>
+            </a:r>
+            <a:r>
+              <a:rPr lang="pt-BR" dirty="0" smtClean="0"/>
+              <a:t> </a:t>
+            </a:r>
+            <a:r>
+              <a:rPr lang="pt-BR" dirty="0" err="1" smtClean="0"/>
+              <a:t>of</a:t>
+            </a:r>
+            <a:r>
+              <a:rPr lang="pt-BR" dirty="0" smtClean="0"/>
+              <a:t> Tile Puzzles (</a:t>
+            </a:r>
+            <a:r>
+              <a:rPr lang="pt-BR" dirty="0" smtClean="0">
+                <a:hlinkClick r:id="rId8"/>
+              </a:rPr>
+              <a:t>https</a:t>
+            </a:r>
+            <a:r>
+              <a:rPr lang="pt-BR" dirty="0">
+                <a:hlinkClick r:id="rId8"/>
+              </a:rPr>
+              <a:t>://www.cs.bham.ac.uk/~mdr/teaching/modules04/java2/TilesSolvability.html</a:t>
+            </a:r>
+            <a:r>
+              <a:rPr lang="pt-BR" dirty="0" smtClean="0"/>
+              <a:t>)</a:t>
+            </a:r>
+          </a:p>
+        </p:txBody>
+      </p:sp>
+    </p:spTree>
+    <p:extLst>
+      <p:ext uri="{BB962C8B-B14F-4D97-AF65-F5344CB8AC3E}">
+        <p14:creationId xmlns:p14="http://schemas.microsoft.com/office/powerpoint/2010/main" val="3117456241"/>
+      </p:ext>
+    </p:extLst>
+  </p:cSld>
+  <p:clrMapOvr>
+    <a:masterClrMapping/>
+  </p:clrMapOvr>
+  <mc:AlternateContent xmlns:mc="http://schemas.openxmlformats.org/markup-compatibility/2006" xmlns:p14="http://schemas.microsoft.com/office/powerpoint/2010/main">
+    <mc:Choice Requires="p14">
+      <p:transition spd="med" p14:dur="700">
+        <p:fade/>
+      </p:transition>
+    </mc:Choice>
+    <mc:Fallback xmlns="">
+      <p:transition spd="med">
+        <p:fade/>
+      </p:transition>
+    </mc:Fallback>
+  </mc:AlternateContent>
+  <p:timing>
+    <p:tnLst>
+      <p:par>
+        <p:cTn id="1" dur="indefinite" restart="never" nodeType="tmRoot"/>
+      </p:par>
+    </p:tnLst>
+  </p:timing>
+</p:sld>
+</file>
+
 <file path=ppt/slides/slide2.xml><?xml version="1.0" encoding="utf-8"?>
 <p:sld xmlns:a="http://schemas.openxmlformats.org/drawingml/2006/main" xmlns:r="http://schemas.openxmlformats.org/officeDocument/2006/relationships" xmlns:p="http://schemas.openxmlformats.org/presentationml/2006/main">
   <p:cSld>
@@ -10946,14 +11307,7 @@
                 <a:latin typeface="Courier New" panose="02070309020205020404" pitchFamily="49" charset="0"/>
                 <a:cs typeface="Courier New" panose="02070309020205020404" pitchFamily="49" charset="0"/>
               </a:rPr>
-              <a:t>                  </a:t>
-            </a:r>
-            <a:r>
-              <a:rPr lang="pt-BR" sz="1600" dirty="0" smtClean="0">
-                <a:latin typeface="Courier New" panose="02070309020205020404" pitchFamily="49" charset="0"/>
-                <a:cs typeface="Courier New" panose="02070309020205020404" pitchFamily="49" charset="0"/>
-              </a:rPr>
-              <a:t>      </a:t>
+              <a:t>                        </a:t>
             </a:r>
             <a:r>
               <a:rPr lang="pt-BR" sz="1600" dirty="0" err="1" smtClean="0">
@@ -11009,14 +11363,7 @@
                 <a:latin typeface="Courier New" panose="02070309020205020404" pitchFamily="49" charset="0"/>
                 <a:cs typeface="Courier New" panose="02070309020205020404" pitchFamily="49" charset="0"/>
               </a:rPr>
-              <a:t>                    </a:t>
-            </a:r>
-            <a:r>
-              <a:rPr lang="pt-BR" sz="1600" dirty="0" smtClean="0">
-                <a:latin typeface="Courier New" panose="02070309020205020404" pitchFamily="49" charset="0"/>
-                <a:cs typeface="Courier New" panose="02070309020205020404" pitchFamily="49" charset="0"/>
-              </a:rPr>
-              <a:t>    </a:t>
+              <a:t>                        </a:t>
             </a:r>
             <a:r>
               <a:rPr lang="pt-BR" sz="1600" dirty="0" err="1" smtClean="0">
@@ -11181,14 +11528,7 @@
                 <a:latin typeface="Courier New" panose="02070309020205020404" pitchFamily="49" charset="0"/>
                 <a:cs typeface="Courier New" panose="02070309020205020404" pitchFamily="49" charset="0"/>
               </a:rPr>
-              <a:t>--</a:t>
-            </a:r>
-            <a:r>
-              <a:rPr lang="pt-BR" sz="1600" dirty="0" smtClean="0">
-                <a:latin typeface="Courier New" panose="02070309020205020404" pitchFamily="49" charset="0"/>
-                <a:cs typeface="Courier New" panose="02070309020205020404" pitchFamily="49" charset="0"/>
-              </a:rPr>
-              <a:t>p/</a:t>
+              <a:t>--p/</a:t>
             </a:r>
             <a:r>
               <a:rPr lang="pt-BR" sz="1600" dirty="0" err="1" smtClean="0">
@@ -11462,14 +11802,7 @@
                 <a:latin typeface="Courier New" panose="02070309020205020404" pitchFamily="49" charset="0"/>
                 <a:cs typeface="Courier New" panose="02070309020205020404" pitchFamily="49" charset="0"/>
               </a:rPr>
-              <a:t>último </a:t>
-            </a:r>
-            <a:r>
-              <a:rPr lang="pt-BR" sz="1600" dirty="0" smtClean="0">
-                <a:latin typeface="Courier New" panose="02070309020205020404" pitchFamily="49" charset="0"/>
-                <a:cs typeface="Courier New" panose="02070309020205020404" pitchFamily="49" charset="0"/>
-              </a:rPr>
-              <a:t>invisível</a:t>
+              <a:t>último invisível</a:t>
             </a:r>
             <a:endParaRPr lang="pt-BR" sz="1600" dirty="0">
               <a:latin typeface="Courier New" panose="02070309020205020404" pitchFamily="49" charset="0"/>
@@ -12412,11 +12745,7 @@
             </a:r>
             <a:r>
               <a:rPr lang="pt-BR" dirty="0" smtClean="0"/>
-              <a:t>, </a:t>
-            </a:r>
-            <a:r>
-              <a:rPr lang="pt-BR" dirty="0" smtClean="0"/>
-              <a:t>..., </a:t>
+              <a:t>, ..., </a:t>
             </a:r>
             <a:r>
               <a:rPr lang="pt-BR" dirty="0" smtClean="0">
@@ -12922,11 +13251,7 @@
             <a:p>
               <a:r>
                 <a:rPr lang="pt-BR" sz="2000" dirty="0" smtClean="0"/>
-                <a:t>‘</a:t>
-              </a:r>
-              <a:r>
-                <a:rPr lang="pt-BR" sz="2000" dirty="0" smtClean="0"/>
-                <a:t>index = 2’</a:t>
+                <a:t>‘index = 2’</a:t>
               </a:r>
               <a:endParaRPr lang="pt-BR" sz="2000" dirty="0"/>
             </a:p>
@@ -13034,8 +13359,8 @@
         </p:nvSpPr>
         <p:spPr>
           <a:xfrm>
-            <a:off x="5806515" y="1196752"/>
-            <a:ext cx="6092825" cy="4524315"/>
+            <a:off x="5748172" y="607295"/>
+            <a:ext cx="6092825" cy="5632311"/>
           </a:xfrm>
           <a:prstGeom prst="rect">
             <a:avLst/>
@@ -13312,8 +13637,61 @@
                 <a:latin typeface="Courier New" panose="02070309020205020404" pitchFamily="49" charset="0"/>
                 <a:cs typeface="Courier New" panose="02070309020205020404" pitchFamily="49" charset="0"/>
               </a:rPr>
-              <a:t>    </a:t>
-            </a:r>
+              <a:t>  </a:t>
+            </a:r>
+            <a:endParaRPr lang="pt-BR" dirty="0" smtClean="0">
+              <a:latin typeface="Courier New" panose="02070309020205020404" pitchFamily="49" charset="0"/>
+              <a:cs typeface="Courier New" panose="02070309020205020404" pitchFamily="49" charset="0"/>
+            </a:endParaRPr>
+          </a:p>
+          <a:p>
+            <a:r>
+              <a:rPr lang="pt-BR" dirty="0" smtClean="0">
+                <a:latin typeface="Courier New" panose="02070309020205020404" pitchFamily="49" charset="0"/>
+                <a:cs typeface="Courier New" panose="02070309020205020404" pitchFamily="49" charset="0"/>
+              </a:rPr>
+              <a:t>  ... </a:t>
+            </a:r>
+            <a:r>
+              <a:rPr lang="pt-BR" dirty="0">
+                <a:latin typeface="Courier New" panose="02070309020205020404" pitchFamily="49" charset="0"/>
+                <a:cs typeface="Courier New" panose="02070309020205020404" pitchFamily="49" charset="0"/>
+              </a:rPr>
+              <a:t>-</a:t>
+            </a:r>
+            <a:r>
+              <a:rPr lang="pt-BR" dirty="0" smtClean="0">
+                <a:latin typeface="Courier New" panose="02070309020205020404" pitchFamily="49" charset="0"/>
+                <a:cs typeface="Courier New" panose="02070309020205020404" pitchFamily="49" charset="0"/>
+              </a:rPr>
+              <a:t>-trecho para garantir que </a:t>
+            </a:r>
+          </a:p>
+          <a:p>
+            <a:r>
+              <a:rPr lang="pt-BR" dirty="0">
+                <a:latin typeface="Courier New" panose="02070309020205020404" pitchFamily="49" charset="0"/>
+                <a:cs typeface="Courier New" panose="02070309020205020404" pitchFamily="49" charset="0"/>
+              </a:rPr>
+              <a:t> </a:t>
+            </a:r>
+            <a:r>
+              <a:rPr lang="pt-BR" dirty="0" smtClean="0">
+                <a:latin typeface="Courier New" panose="02070309020205020404" pitchFamily="49" charset="0"/>
+                <a:cs typeface="Courier New" panose="02070309020205020404" pitchFamily="49" charset="0"/>
+              </a:rPr>
+              <a:t>       haverá solução</a:t>
+            </a:r>
+            <a:endParaRPr lang="pt-BR" dirty="0">
+              <a:latin typeface="Courier New" panose="02070309020205020404" pitchFamily="49" charset="0"/>
+              <a:cs typeface="Courier New" panose="02070309020205020404" pitchFamily="49" charset="0"/>
+            </a:endParaRPr>
+          </a:p>
+          <a:p>
+            <a:endParaRPr lang="pt-BR" dirty="0">
+              <a:latin typeface="Courier New" panose="02070309020205020404" pitchFamily="49" charset="0"/>
+              <a:cs typeface="Courier New" panose="02070309020205020404" pitchFamily="49" charset="0"/>
+            </a:endParaRPr>
           </a:p>
           <a:p>
             <a:r>
@@ -14035,7 +14413,7 @@
         </p:nvSpPr>
         <p:spPr>
           <a:xfrm>
-            <a:off x="1218882" y="2142728"/>
+            <a:off x="1155577" y="2149996"/>
             <a:ext cx="4062942" cy="2438400"/>
           </a:xfrm>
         </p:spPr>
@@ -14045,50 +14423,11 @@
           <a:p>
             <a:r>
               <a:rPr lang="pt-BR" dirty="0" smtClean="0"/>
-              <a:t>Função selecionar e trocar</a:t>
-            </a:r>
-            <a:endParaRPr lang="pt-BR" dirty="0"/>
-          </a:p>
-        </p:txBody>
-      </p:sp>
-      <p:sp>
-        <p:nvSpPr>
-          <p:cNvPr id="3" name="Espaço Reservado para Texto 2"/>
-          <p:cNvSpPr>
-            <a:spLocks noGrp="1"/>
-          </p:cNvSpPr>
-          <p:nvPr>
-            <p:ph type="body" sz="half" idx="2"/>
-          </p:nvPr>
-        </p:nvSpPr>
-        <p:spPr>
-          <a:xfrm>
-            <a:off x="1218882" y="4810968"/>
-            <a:ext cx="4062942" cy="1930400"/>
-          </a:xfrm>
-        </p:spPr>
-        <p:txBody>
-          <a:bodyPr/>
-          <a:lstStyle/>
-          <a:p>
-            <a:r>
-              <a:rPr lang="pt-BR" dirty="0" err="1" smtClean="0"/>
-              <a:t>indice</a:t>
+              <a:t>Função </a:t>
             </a:r>
             <a:r>
               <a:rPr lang="pt-BR" dirty="0" smtClean="0"/>
-              <a:t> = </a:t>
-            </a:r>
-            <a:r>
-              <a:rPr lang="pt-BR" dirty="0" err="1" smtClean="0"/>
-              <a:t>verifica_clique</a:t>
-            </a:r>
-            <a:endParaRPr lang="pt-BR" dirty="0" smtClean="0"/>
-          </a:p>
-          <a:p>
-            <a:r>
-              <a:rPr lang="pt-BR" dirty="0" err="1" smtClean="0"/>
-              <a:t>troca_vizinho</a:t>
+              <a:t>selecionar</a:t>
             </a:r>
             <a:endParaRPr lang="pt-BR" dirty="0"/>
           </a:p>
@@ -14102,8 +14441,8 @@
         </p:nvSpPr>
         <p:spPr>
           <a:xfrm>
-            <a:off x="4870276" y="44624"/>
-            <a:ext cx="7239220" cy="6863417"/>
+            <a:off x="4975872" y="349488"/>
+            <a:ext cx="7239220" cy="6247864"/>
           </a:xfrm>
           <a:prstGeom prst="rect">
             <a:avLst/>
@@ -14136,77 +14475,267 @@
               <a:t> </a:t>
             </a:r>
             <a:r>
+              <a:rPr lang="pt-BR" sz="2000" dirty="0" err="1" smtClean="0">
+                <a:latin typeface="Courier New" panose="02070309020205020404" pitchFamily="49" charset="0"/>
+                <a:cs typeface="Courier New" panose="02070309020205020404" pitchFamily="49" charset="0"/>
+              </a:rPr>
+              <a:t>verifica_clique_painel</a:t>
+            </a:r>
+            <a:r>
+              <a:rPr lang="pt-BR" sz="2000" dirty="0" smtClean="0">
+                <a:latin typeface="Courier New" panose="02070309020205020404" pitchFamily="49" charset="0"/>
+                <a:cs typeface="Courier New" panose="02070309020205020404" pitchFamily="49" charset="0"/>
+              </a:rPr>
+              <a:t>(</a:t>
+            </a:r>
+            <a:r>
+              <a:rPr lang="pt-BR" sz="2000" dirty="0" err="1" smtClean="0">
+                <a:latin typeface="Courier New" panose="02070309020205020404" pitchFamily="49" charset="0"/>
+                <a:cs typeface="Courier New" panose="02070309020205020404" pitchFamily="49" charset="0"/>
+              </a:rPr>
+              <a:t>x,y</a:t>
+            </a:r>
+            <a:r>
+              <a:rPr lang="pt-BR" sz="2000" dirty="0">
+                <a:latin typeface="Courier New" panose="02070309020205020404" pitchFamily="49" charset="0"/>
+                <a:cs typeface="Courier New" panose="02070309020205020404" pitchFamily="49" charset="0"/>
+              </a:rPr>
+              <a:t>)</a:t>
+            </a:r>
+          </a:p>
+          <a:p>
+            <a:r>
+              <a:rPr lang="pt-BR" sz="2000" dirty="0" smtClean="0">
+                <a:latin typeface="Courier New" panose="02070309020205020404" pitchFamily="49" charset="0"/>
+                <a:cs typeface="Courier New" panose="02070309020205020404" pitchFamily="49" charset="0"/>
+              </a:rPr>
+              <a:t>  </a:t>
+            </a:r>
+            <a:r>
+              <a:rPr lang="pt-BR" sz="2000" b="1" dirty="0">
+                <a:solidFill>
+                  <a:schemeClr val="accent1"/>
+                </a:solidFill>
+                <a:latin typeface="Courier New" panose="02070309020205020404" pitchFamily="49" charset="0"/>
+                <a:cs typeface="Courier New" panose="02070309020205020404" pitchFamily="49" charset="0"/>
+              </a:rPr>
+              <a:t>local</a:t>
+            </a:r>
+            <a:r>
+              <a:rPr lang="pt-BR" sz="2000" dirty="0">
+                <a:latin typeface="Courier New" panose="02070309020205020404" pitchFamily="49" charset="0"/>
+                <a:cs typeface="Courier New" panose="02070309020205020404" pitchFamily="49" charset="0"/>
+              </a:rPr>
+              <a:t> </a:t>
+            </a:r>
+            <a:r>
               <a:rPr lang="pt-BR" sz="2000" dirty="0" err="1">
                 <a:latin typeface="Courier New" panose="02070309020205020404" pitchFamily="49" charset="0"/>
                 <a:cs typeface="Courier New" panose="02070309020205020404" pitchFamily="49" charset="0"/>
               </a:rPr>
-              <a:t>troca_vizinho</a:t>
+              <a:t>borda_x</a:t>
             </a:r>
             <a:r>
               <a:rPr lang="pt-BR" sz="2000" dirty="0">
                 <a:latin typeface="Courier New" panose="02070309020205020404" pitchFamily="49" charset="0"/>
                 <a:cs typeface="Courier New" panose="02070309020205020404" pitchFamily="49" charset="0"/>
               </a:rPr>
+              <a:t> = (w/2 - </a:t>
+            </a:r>
+            <a:r>
+              <a:rPr lang="pt-BR" sz="2000" dirty="0" smtClean="0">
+                <a:latin typeface="Courier New" panose="02070309020205020404" pitchFamily="49" charset="0"/>
+                <a:cs typeface="Courier New" panose="02070309020205020404" pitchFamily="49" charset="0"/>
+              </a:rPr>
               <a:t>(</a:t>
             </a:r>
             <a:r>
+              <a:rPr lang="pt-BR" sz="2000" dirty="0" err="1" smtClean="0">
+                <a:latin typeface="Courier New" panose="02070309020205020404" pitchFamily="49" charset="0"/>
+                <a:cs typeface="Courier New" panose="02070309020205020404" pitchFamily="49" charset="0"/>
+              </a:rPr>
+              <a:t>painel_w</a:t>
+            </a:r>
+            <a:r>
+              <a:rPr lang="pt-BR" sz="2000" dirty="0" smtClean="0">
+                <a:latin typeface="Courier New" panose="02070309020205020404" pitchFamily="49" charset="0"/>
+                <a:cs typeface="Courier New" panose="02070309020205020404" pitchFamily="49" charset="0"/>
+              </a:rPr>
+              <a:t>/2</a:t>
+            </a:r>
+            <a:r>
+              <a:rPr lang="pt-BR" sz="2000" dirty="0">
+                <a:latin typeface="Courier New" panose="02070309020205020404" pitchFamily="49" charset="0"/>
+                <a:cs typeface="Courier New" panose="02070309020205020404" pitchFamily="49" charset="0"/>
+              </a:rPr>
+              <a:t>))</a:t>
+            </a:r>
+          </a:p>
+          <a:p>
+            <a:r>
+              <a:rPr lang="pt-BR" sz="2000" dirty="0" smtClean="0">
+                <a:latin typeface="Courier New" panose="02070309020205020404" pitchFamily="49" charset="0"/>
+                <a:cs typeface="Courier New" panose="02070309020205020404" pitchFamily="49" charset="0"/>
+              </a:rPr>
+              <a:t>  </a:t>
+            </a:r>
+            <a:r>
+              <a:rPr lang="pt-BR" sz="2000" b="1" dirty="0">
+                <a:solidFill>
+                  <a:schemeClr val="accent1"/>
+                </a:solidFill>
+                <a:latin typeface="Courier New" panose="02070309020205020404" pitchFamily="49" charset="0"/>
+                <a:cs typeface="Courier New" panose="02070309020205020404" pitchFamily="49" charset="0"/>
+              </a:rPr>
+              <a:t>local</a:t>
+            </a:r>
+            <a:r>
+              <a:rPr lang="pt-BR" sz="2000" dirty="0">
+                <a:latin typeface="Courier New" panose="02070309020205020404" pitchFamily="49" charset="0"/>
+                <a:cs typeface="Courier New" panose="02070309020205020404" pitchFamily="49" charset="0"/>
+              </a:rPr>
+              <a:t> </a:t>
+            </a:r>
+            <a:r>
               <a:rPr lang="pt-BR" sz="2000" dirty="0" err="1">
                 <a:latin typeface="Courier New" panose="02070309020205020404" pitchFamily="49" charset="0"/>
                 <a:cs typeface="Courier New" panose="02070309020205020404" pitchFamily="49" charset="0"/>
               </a:rPr>
-              <a:t>indice</a:t>
+              <a:t>borda_y</a:t>
+            </a:r>
+            <a:r>
+              <a:rPr lang="pt-BR" sz="2000" dirty="0">
+                <a:latin typeface="Courier New" panose="02070309020205020404" pitchFamily="49" charset="0"/>
+                <a:cs typeface="Courier New" panose="02070309020205020404" pitchFamily="49" charset="0"/>
+              </a:rPr>
+              <a:t> = (h/2 - </a:t>
             </a:r>
             <a:r>
               <a:rPr lang="pt-BR" sz="2000" dirty="0" smtClean="0">
                 <a:latin typeface="Courier New" panose="02070309020205020404" pitchFamily="49" charset="0"/>
                 <a:cs typeface="Courier New" panose="02070309020205020404" pitchFamily="49" charset="0"/>
               </a:rPr>
-              <a:t>)</a:t>
-            </a:r>
-          </a:p>
-          <a:p>
-            <a:endParaRPr lang="pt-BR" sz="2000" dirty="0">
+              <a:t>(</a:t>
+            </a:r>
+            <a:r>
+              <a:rPr lang="pt-BR" sz="2000" dirty="0" err="1" smtClean="0">
+                <a:latin typeface="Courier New" panose="02070309020205020404" pitchFamily="49" charset="0"/>
+                <a:cs typeface="Courier New" panose="02070309020205020404" pitchFamily="49" charset="0"/>
+              </a:rPr>
+              <a:t>painel_h</a:t>
+            </a:r>
+            <a:r>
+              <a:rPr lang="pt-BR" sz="2000" dirty="0" smtClean="0">
+                <a:latin typeface="Courier New" panose="02070309020205020404" pitchFamily="49" charset="0"/>
+                <a:cs typeface="Courier New" panose="02070309020205020404" pitchFamily="49" charset="0"/>
+              </a:rPr>
+              <a:t>/2</a:t>
+            </a:r>
+            <a:r>
+              <a:rPr lang="pt-BR" sz="2000" dirty="0">
+                <a:latin typeface="Courier New" panose="02070309020205020404" pitchFamily="49" charset="0"/>
+                <a:cs typeface="Courier New" panose="02070309020205020404" pitchFamily="49" charset="0"/>
+              </a:rPr>
+              <a:t>))</a:t>
+            </a:r>
+          </a:p>
+          <a:p>
+            <a:r>
+              <a:rPr lang="pt-BR" sz="2000" dirty="0" smtClean="0">
+                <a:latin typeface="Courier New" panose="02070309020205020404" pitchFamily="49" charset="0"/>
+                <a:cs typeface="Courier New" panose="02070309020205020404" pitchFamily="49" charset="0"/>
+              </a:rPr>
+              <a:t>  </a:t>
+            </a:r>
+            <a:r>
+              <a:rPr lang="pt-BR" sz="2000" dirty="0">
+                <a:latin typeface="Courier New" panose="02070309020205020404" pitchFamily="49" charset="0"/>
+                <a:cs typeface="Courier New" panose="02070309020205020404" pitchFamily="49" charset="0"/>
+              </a:rPr>
+              <a:t>-- confere se o clique foi </a:t>
+            </a:r>
+            <a:r>
+              <a:rPr lang="pt-BR" sz="2000" dirty="0" smtClean="0">
+                <a:latin typeface="Courier New" panose="02070309020205020404" pitchFamily="49" charset="0"/>
+                <a:cs typeface="Courier New" panose="02070309020205020404" pitchFamily="49" charset="0"/>
+              </a:rPr>
+              <a:t>no </a:t>
+            </a:r>
+            <a:r>
+              <a:rPr lang="pt-BR" sz="2000" dirty="0">
+                <a:latin typeface="Courier New" panose="02070309020205020404" pitchFamily="49" charset="0"/>
+                <a:cs typeface="Courier New" panose="02070309020205020404" pitchFamily="49" charset="0"/>
+              </a:rPr>
+              <a:t>painel</a:t>
+            </a:r>
+          </a:p>
+          <a:p>
+            <a:r>
+              <a:rPr lang="pt-BR" sz="2000" dirty="0" smtClean="0">
+                <a:latin typeface="Courier New" panose="02070309020205020404" pitchFamily="49" charset="0"/>
+                <a:cs typeface="Courier New" panose="02070309020205020404" pitchFamily="49" charset="0"/>
+              </a:rPr>
+              <a:t>  </a:t>
+            </a:r>
+            <a:r>
+              <a:rPr lang="pt-BR" sz="2000" b="1" dirty="0" err="1">
+                <a:solidFill>
+                  <a:schemeClr val="accent1"/>
+                </a:solidFill>
+                <a:latin typeface="Courier New" panose="02070309020205020404" pitchFamily="49" charset="0"/>
+                <a:cs typeface="Courier New" panose="02070309020205020404" pitchFamily="49" charset="0"/>
+              </a:rPr>
+              <a:t>if</a:t>
+            </a:r>
+            <a:r>
+              <a:rPr lang="pt-BR" sz="2000" dirty="0">
+                <a:solidFill>
+                  <a:schemeClr val="accent1"/>
+                </a:solidFill>
+                <a:latin typeface="Courier New" panose="02070309020205020404" pitchFamily="49" charset="0"/>
+                <a:cs typeface="Courier New" panose="02070309020205020404" pitchFamily="49" charset="0"/>
+              </a:rPr>
+              <a:t> </a:t>
+            </a:r>
+            <a:r>
+              <a:rPr lang="pt-BR" sz="2000" dirty="0">
+                <a:latin typeface="Courier New" panose="02070309020205020404" pitchFamily="49" charset="0"/>
+                <a:cs typeface="Courier New" panose="02070309020205020404" pitchFamily="49" charset="0"/>
+              </a:rPr>
+              <a:t>x &gt; </a:t>
+            </a:r>
+            <a:r>
+              <a:rPr lang="pt-BR" sz="2000" dirty="0" err="1" smtClean="0">
+                <a:latin typeface="Courier New" panose="02070309020205020404" pitchFamily="49" charset="0"/>
+                <a:cs typeface="Courier New" panose="02070309020205020404" pitchFamily="49" charset="0"/>
+              </a:rPr>
+              <a:t>borda_x</a:t>
+            </a:r>
+            <a:endParaRPr lang="pt-BR" sz="2000" dirty="0" smtClean="0">
               <a:latin typeface="Courier New" panose="02070309020205020404" pitchFamily="49" charset="0"/>
               <a:cs typeface="Courier New" panose="02070309020205020404" pitchFamily="49" charset="0"/>
             </a:endParaRPr>
           </a:p>
           <a:p>
             <a:r>
-              <a:rPr lang="pt-BR" sz="2000" dirty="0" smtClean="0">
-                <a:latin typeface="Courier New" panose="02070309020205020404" pitchFamily="49" charset="0"/>
-                <a:cs typeface="Courier New" panose="02070309020205020404" pitchFamily="49" charset="0"/>
-              </a:rPr>
-              <a:t>  --</a:t>
-            </a:r>
-            <a:r>
-              <a:rPr lang="pt-BR" sz="2000" dirty="0">
-                <a:latin typeface="Courier New" panose="02070309020205020404" pitchFamily="49" charset="0"/>
-                <a:cs typeface="Courier New" panose="02070309020205020404" pitchFamily="49" charset="0"/>
-              </a:rPr>
-              <a:t>verifica se tile direita </a:t>
-            </a:r>
-            <a:r>
-              <a:rPr lang="pt-BR" sz="2000" dirty="0" smtClean="0">
-                <a:latin typeface="Courier New" panose="02070309020205020404" pitchFamily="49" charset="0"/>
-                <a:cs typeface="Courier New" panose="02070309020205020404" pitchFamily="49" charset="0"/>
-              </a:rPr>
-              <a:t>está </a:t>
-            </a:r>
-            <a:r>
-              <a:rPr lang="pt-BR" sz="2000" dirty="0">
-                <a:latin typeface="Courier New" panose="02070309020205020404" pitchFamily="49" charset="0"/>
-                <a:cs typeface="Courier New" panose="02070309020205020404" pitchFamily="49" charset="0"/>
-              </a:rPr>
-              <a:t>vazia</a:t>
-            </a:r>
-          </a:p>
-          <a:p>
-            <a:r>
-              <a:rPr lang="pt-BR" sz="2000" dirty="0" smtClean="0">
-                <a:latin typeface="Courier New" panose="02070309020205020404" pitchFamily="49" charset="0"/>
-                <a:cs typeface="Courier New" panose="02070309020205020404" pitchFamily="49" charset="0"/>
-              </a:rPr>
-              <a:t>  </a:t>
+              <a:rPr lang="pt-BR" sz="2000" b="1" dirty="0">
+                <a:solidFill>
+                  <a:schemeClr val="accent1"/>
+                </a:solidFill>
+                <a:latin typeface="Courier New" panose="02070309020205020404" pitchFamily="49" charset="0"/>
+                <a:cs typeface="Courier New" panose="02070309020205020404" pitchFamily="49" charset="0"/>
+              </a:rPr>
+              <a:t> </a:t>
+            </a:r>
+            <a:r>
+              <a:rPr lang="pt-BR" sz="2000" b="1" dirty="0" smtClean="0">
+                <a:solidFill>
+                  <a:schemeClr val="accent1"/>
+                </a:solidFill>
+                <a:latin typeface="Courier New" panose="02070309020205020404" pitchFamily="49" charset="0"/>
+                <a:cs typeface="Courier New" panose="02070309020205020404" pitchFamily="49" charset="0"/>
+              </a:rPr>
+              <a:t> </a:t>
             </a:r>
             <a:r>
               <a:rPr lang="pt-BR" sz="2000" b="1" dirty="0" err="1" smtClean="0">
@@ -14216,7 +14745,7 @@
                 <a:latin typeface="Courier New" panose="02070309020205020404" pitchFamily="49" charset="0"/>
                 <a:cs typeface="Courier New" panose="02070309020205020404" pitchFamily="49" charset="0"/>
               </a:rPr>
-              <a:t>if</a:t>
+              <a:t>and</a:t>
             </a:r>
             <a:r>
               <a:rPr lang="pt-BR" sz="2000" dirty="0" smtClean="0">
@@ -14229,31 +14758,169 @@
               <a:t> </a:t>
             </a:r>
             <a:r>
+              <a:rPr lang="pt-BR" sz="2000" dirty="0">
+                <a:latin typeface="Courier New" panose="02070309020205020404" pitchFamily="49" charset="0"/>
+                <a:cs typeface="Courier New" panose="02070309020205020404" pitchFamily="49" charset="0"/>
+              </a:rPr>
+              <a:t>x &lt; </a:t>
+            </a:r>
+            <a:r>
               <a:rPr lang="pt-BR" sz="2000" dirty="0" err="1">
                 <a:latin typeface="Courier New" panose="02070309020205020404" pitchFamily="49" charset="0"/>
                 <a:cs typeface="Courier New" panose="02070309020205020404" pitchFamily="49" charset="0"/>
               </a:rPr>
-              <a:t>indice</a:t>
+              <a:t>borda_x</a:t>
             </a:r>
             <a:r>
               <a:rPr lang="pt-BR" sz="2000" dirty="0">
                 <a:latin typeface="Courier New" panose="02070309020205020404" pitchFamily="49" charset="0"/>
                 <a:cs typeface="Courier New" panose="02070309020205020404" pitchFamily="49" charset="0"/>
               </a:rPr>
-              <a:t> % dificuldade ~= </a:t>
+              <a:t> + </a:t>
+            </a:r>
+            <a:r>
+              <a:rPr lang="pt-BR" sz="2000" dirty="0" err="1" smtClean="0">
+                <a:latin typeface="Courier New" panose="02070309020205020404" pitchFamily="49" charset="0"/>
+                <a:cs typeface="Courier New" panose="02070309020205020404" pitchFamily="49" charset="0"/>
+              </a:rPr>
+              <a:t>painel_w</a:t>
+            </a:r>
+            <a:endParaRPr lang="pt-BR" sz="2000" dirty="0" smtClean="0">
+              <a:latin typeface="Courier New" panose="02070309020205020404" pitchFamily="49" charset="0"/>
+              <a:cs typeface="Courier New" panose="02070309020205020404" pitchFamily="49" charset="0"/>
+            </a:endParaRPr>
+          </a:p>
+          <a:p>
+            <a:r>
+              <a:rPr lang="pt-BR" sz="2000" b="1" dirty="0">
+                <a:solidFill>
+                  <a:schemeClr val="accent1"/>
+                </a:solidFill>
+                <a:latin typeface="Courier New" panose="02070309020205020404" pitchFamily="49" charset="0"/>
+                <a:cs typeface="Courier New" panose="02070309020205020404" pitchFamily="49" charset="0"/>
+              </a:rPr>
+              <a:t> </a:t>
+            </a:r>
+            <a:r>
+              <a:rPr lang="pt-BR" sz="2000" b="1" dirty="0" smtClean="0">
+                <a:solidFill>
+                  <a:schemeClr val="accent1"/>
+                </a:solidFill>
+                <a:latin typeface="Courier New" panose="02070309020205020404" pitchFamily="49" charset="0"/>
+                <a:cs typeface="Courier New" panose="02070309020205020404" pitchFamily="49" charset="0"/>
+              </a:rPr>
+              <a:t> </a:t>
+            </a:r>
+            <a:r>
+              <a:rPr lang="pt-BR" sz="2000" b="1" dirty="0" err="1" smtClean="0">
+                <a:solidFill>
+                  <a:schemeClr val="accent1"/>
+                </a:solidFill>
+                <a:latin typeface="Courier New" panose="02070309020205020404" pitchFamily="49" charset="0"/>
+                <a:cs typeface="Courier New" panose="02070309020205020404" pitchFamily="49" charset="0"/>
+              </a:rPr>
+              <a:t>and</a:t>
+            </a:r>
+            <a:r>
+              <a:rPr lang="pt-BR" sz="2000" dirty="0" smtClean="0">
+                <a:solidFill>
+                  <a:schemeClr val="accent1"/>
+                </a:solidFill>
+                <a:latin typeface="Courier New" panose="02070309020205020404" pitchFamily="49" charset="0"/>
+                <a:cs typeface="Courier New" panose="02070309020205020404" pitchFamily="49" charset="0"/>
+              </a:rPr>
+              <a:t> </a:t>
             </a:r>
             <a:r>
               <a:rPr lang="pt-BR" sz="2000" dirty="0">
+                <a:latin typeface="Courier New" panose="02070309020205020404" pitchFamily="49" charset="0"/>
+                <a:cs typeface="Courier New" panose="02070309020205020404" pitchFamily="49" charset="0"/>
+              </a:rPr>
+              <a:t>y &gt; </a:t>
+            </a:r>
+            <a:r>
+              <a:rPr lang="pt-BR" sz="2000" dirty="0" err="1" smtClean="0">
+                <a:latin typeface="Courier New" panose="02070309020205020404" pitchFamily="49" charset="0"/>
+                <a:cs typeface="Courier New" panose="02070309020205020404" pitchFamily="49" charset="0"/>
+              </a:rPr>
+              <a:t>borda_y</a:t>
+            </a:r>
+            <a:endParaRPr lang="pt-BR" sz="2000" dirty="0" smtClean="0">
+              <a:latin typeface="Courier New" panose="02070309020205020404" pitchFamily="49" charset="0"/>
+              <a:cs typeface="Courier New" panose="02070309020205020404" pitchFamily="49" charset="0"/>
+            </a:endParaRPr>
+          </a:p>
+          <a:p>
+            <a:r>
+              <a:rPr lang="pt-BR" sz="2000" b="1" dirty="0">
                 <a:solidFill>
-                  <a:schemeClr val="accent2"/>
+                  <a:schemeClr val="accent1"/>
                 </a:solidFill>
                 <a:latin typeface="Courier New" panose="02070309020205020404" pitchFamily="49" charset="0"/>
                 <a:cs typeface="Courier New" panose="02070309020205020404" pitchFamily="49" charset="0"/>
               </a:rPr>
-              <a:t>0</a:t>
+              <a:t> </a:t>
+            </a:r>
+            <a:r>
+              <a:rPr lang="pt-BR" sz="2000" b="1" dirty="0" smtClean="0">
+                <a:solidFill>
+                  <a:schemeClr val="accent1"/>
+                </a:solidFill>
+                <a:latin typeface="Courier New" panose="02070309020205020404" pitchFamily="49" charset="0"/>
+                <a:cs typeface="Courier New" panose="02070309020205020404" pitchFamily="49" charset="0"/>
+              </a:rPr>
+              <a:t> </a:t>
+            </a:r>
+            <a:r>
+              <a:rPr lang="pt-BR" sz="2000" b="1" dirty="0" err="1" smtClean="0">
+                <a:solidFill>
+                  <a:schemeClr val="accent1"/>
+                </a:solidFill>
+                <a:latin typeface="Courier New" panose="02070309020205020404" pitchFamily="49" charset="0"/>
+                <a:cs typeface="Courier New" panose="02070309020205020404" pitchFamily="49" charset="0"/>
+              </a:rPr>
+              <a:t>and</a:t>
+            </a:r>
+            <a:r>
+              <a:rPr lang="pt-BR" sz="2000" dirty="0" smtClean="0">
+                <a:solidFill>
+                  <a:schemeClr val="accent1"/>
+                </a:solidFill>
+                <a:latin typeface="Courier New" panose="02070309020205020404" pitchFamily="49" charset="0"/>
+                <a:cs typeface="Courier New" panose="02070309020205020404" pitchFamily="49" charset="0"/>
+              </a:rPr>
+              <a:t> </a:t>
             </a:r>
             <a:r>
               <a:rPr lang="pt-BR" sz="2000" dirty="0">
+                <a:latin typeface="Courier New" panose="02070309020205020404" pitchFamily="49" charset="0"/>
+                <a:cs typeface="Courier New" panose="02070309020205020404" pitchFamily="49" charset="0"/>
+              </a:rPr>
+              <a:t>y &lt; </a:t>
+            </a:r>
+            <a:r>
+              <a:rPr lang="pt-BR" sz="2000" dirty="0" err="1">
+                <a:latin typeface="Courier New" panose="02070309020205020404" pitchFamily="49" charset="0"/>
+                <a:cs typeface="Courier New" panose="02070309020205020404" pitchFamily="49" charset="0"/>
+              </a:rPr>
+              <a:t>borda_y</a:t>
+            </a:r>
+            <a:r>
+              <a:rPr lang="pt-BR" sz="2000" dirty="0">
+                <a:latin typeface="Courier New" panose="02070309020205020404" pitchFamily="49" charset="0"/>
+                <a:cs typeface="Courier New" panose="02070309020205020404" pitchFamily="49" charset="0"/>
+              </a:rPr>
+              <a:t> + </a:t>
+            </a:r>
+            <a:r>
+              <a:rPr lang="pt-BR" sz="2000" dirty="0" err="1" smtClean="0">
+                <a:latin typeface="Courier New" panose="02070309020205020404" pitchFamily="49" charset="0"/>
+                <a:cs typeface="Courier New" panose="02070309020205020404" pitchFamily="49" charset="0"/>
+              </a:rPr>
+              <a:t>painel_h</a:t>
+            </a:r>
+            <a:r>
+              <a:rPr lang="pt-BR" sz="2000" dirty="0" smtClean="0">
                 <a:latin typeface="Courier New" panose="02070309020205020404" pitchFamily="49" charset="0"/>
                 <a:cs typeface="Courier New" panose="02070309020205020404" pitchFamily="49" charset="0"/>
               </a:rPr>
@@ -14279,7 +14946,287 @@
           </a:p>
           <a:p>
             <a:r>
+              <a:rPr lang="pt-BR" sz="2000" b="1" dirty="0" smtClean="0">
+                <a:solidFill>
+                  <a:schemeClr val="accent1"/>
+                </a:solidFill>
+                <a:latin typeface="Courier New" panose="02070309020205020404" pitchFamily="49" charset="0"/>
+                <a:cs typeface="Courier New" panose="02070309020205020404" pitchFamily="49" charset="0"/>
+              </a:rPr>
+              <a:t>    local</a:t>
+            </a:r>
+            <a:r>
               <a:rPr lang="pt-BR" sz="2000" dirty="0" smtClean="0">
+                <a:latin typeface="Courier New" panose="02070309020205020404" pitchFamily="49" charset="0"/>
+                <a:cs typeface="Courier New" panose="02070309020205020404" pitchFamily="49" charset="0"/>
+              </a:rPr>
+              <a:t> </a:t>
+            </a:r>
+            <a:r>
+              <a:rPr lang="pt-BR" sz="2000" dirty="0">
+                <a:latin typeface="Courier New" panose="02070309020205020404" pitchFamily="49" charset="0"/>
+                <a:cs typeface="Courier New" panose="02070309020205020404" pitchFamily="49" charset="0"/>
+              </a:rPr>
+              <a:t>x = x - </a:t>
+            </a:r>
+            <a:r>
+              <a:rPr lang="pt-BR" sz="2000" dirty="0" err="1">
+                <a:latin typeface="Courier New" panose="02070309020205020404" pitchFamily="49" charset="0"/>
+                <a:cs typeface="Courier New" panose="02070309020205020404" pitchFamily="49" charset="0"/>
+              </a:rPr>
+              <a:t>borda_x</a:t>
+            </a:r>
+            <a:endParaRPr lang="pt-BR" sz="2000" dirty="0">
+              <a:latin typeface="Courier New" panose="02070309020205020404" pitchFamily="49" charset="0"/>
+              <a:cs typeface="Courier New" panose="02070309020205020404" pitchFamily="49" charset="0"/>
+            </a:endParaRPr>
+          </a:p>
+          <a:p>
+            <a:r>
+              <a:rPr lang="pt-BR" sz="2000" dirty="0" smtClean="0">
+                <a:latin typeface="Courier New" panose="02070309020205020404" pitchFamily="49" charset="0"/>
+                <a:cs typeface="Courier New" panose="02070309020205020404" pitchFamily="49" charset="0"/>
+              </a:rPr>
+              <a:t>    </a:t>
+            </a:r>
+            <a:r>
+              <a:rPr lang="pt-BR" sz="2000" b="1" dirty="0" smtClean="0">
+                <a:solidFill>
+                  <a:schemeClr val="accent1"/>
+                </a:solidFill>
+                <a:latin typeface="Courier New" panose="02070309020205020404" pitchFamily="49" charset="0"/>
+                <a:cs typeface="Courier New" panose="02070309020205020404" pitchFamily="49" charset="0"/>
+              </a:rPr>
+              <a:t>local</a:t>
+            </a:r>
+            <a:r>
+              <a:rPr lang="pt-BR" sz="2000" dirty="0" smtClean="0">
+                <a:latin typeface="Courier New" panose="02070309020205020404" pitchFamily="49" charset="0"/>
+                <a:cs typeface="Courier New" panose="02070309020205020404" pitchFamily="49" charset="0"/>
+              </a:rPr>
+              <a:t> </a:t>
+            </a:r>
+            <a:r>
+              <a:rPr lang="pt-BR" sz="2000" dirty="0">
+                <a:latin typeface="Courier New" panose="02070309020205020404" pitchFamily="49" charset="0"/>
+                <a:cs typeface="Courier New" panose="02070309020205020404" pitchFamily="49" charset="0"/>
+              </a:rPr>
+              <a:t>y = y - </a:t>
+            </a:r>
+            <a:r>
+              <a:rPr lang="pt-BR" sz="2000" dirty="0" err="1">
+                <a:latin typeface="Courier New" panose="02070309020205020404" pitchFamily="49" charset="0"/>
+                <a:cs typeface="Courier New" panose="02070309020205020404" pitchFamily="49" charset="0"/>
+              </a:rPr>
+              <a:t>borda_y</a:t>
+            </a:r>
+            <a:endParaRPr lang="pt-BR" sz="2000" dirty="0">
+              <a:latin typeface="Courier New" panose="02070309020205020404" pitchFamily="49" charset="0"/>
+              <a:cs typeface="Courier New" panose="02070309020205020404" pitchFamily="49" charset="0"/>
+            </a:endParaRPr>
+          </a:p>
+          <a:p>
+            <a:r>
+              <a:rPr lang="pt-BR" sz="2000" dirty="0" smtClean="0">
+                <a:latin typeface="Courier New" panose="02070309020205020404" pitchFamily="49" charset="0"/>
+                <a:cs typeface="Courier New" panose="02070309020205020404" pitchFamily="49" charset="0"/>
+              </a:rPr>
+              <a:t>    </a:t>
+            </a:r>
+            <a:r>
+              <a:rPr lang="pt-BR" sz="2000" b="1" dirty="0" smtClean="0">
+                <a:solidFill>
+                  <a:schemeClr val="accent1"/>
+                </a:solidFill>
+                <a:latin typeface="Courier New" panose="02070309020205020404" pitchFamily="49" charset="0"/>
+                <a:cs typeface="Courier New" panose="02070309020205020404" pitchFamily="49" charset="0"/>
+              </a:rPr>
+              <a:t>local</a:t>
+            </a:r>
+            <a:r>
+              <a:rPr lang="pt-BR" sz="2000" dirty="0" smtClean="0">
+                <a:latin typeface="Courier New" panose="02070309020205020404" pitchFamily="49" charset="0"/>
+                <a:cs typeface="Courier New" panose="02070309020205020404" pitchFamily="49" charset="0"/>
+              </a:rPr>
+              <a:t> </a:t>
+            </a:r>
+            <a:r>
+              <a:rPr lang="pt-BR" sz="2000" dirty="0" err="1">
+                <a:latin typeface="Courier New" panose="02070309020205020404" pitchFamily="49" charset="0"/>
+                <a:cs typeface="Courier New" panose="02070309020205020404" pitchFamily="49" charset="0"/>
+              </a:rPr>
+              <a:t>indice</a:t>
+            </a:r>
+            <a:r>
+              <a:rPr lang="pt-BR" sz="2000" dirty="0">
+                <a:latin typeface="Courier New" panose="02070309020205020404" pitchFamily="49" charset="0"/>
+                <a:cs typeface="Courier New" panose="02070309020205020404" pitchFamily="49" charset="0"/>
+              </a:rPr>
+              <a:t> = </a:t>
+            </a:r>
+            <a:r>
+              <a:rPr lang="pt-BR" sz="2000" dirty="0" err="1">
+                <a:latin typeface="Courier New" panose="02070309020205020404" pitchFamily="49" charset="0"/>
+                <a:cs typeface="Courier New" panose="02070309020205020404" pitchFamily="49" charset="0"/>
+              </a:rPr>
+              <a:t>math.ceil</a:t>
+            </a:r>
+            <a:r>
+              <a:rPr lang="pt-BR" sz="2000" dirty="0">
+                <a:latin typeface="Courier New" panose="02070309020205020404" pitchFamily="49" charset="0"/>
+                <a:cs typeface="Courier New" panose="02070309020205020404" pitchFamily="49" charset="0"/>
+              </a:rPr>
+              <a:t> (</a:t>
+            </a:r>
+            <a:r>
+              <a:rPr lang="pt-BR" sz="2000" dirty="0" smtClean="0">
+                <a:latin typeface="Courier New" panose="02070309020205020404" pitchFamily="49" charset="0"/>
+                <a:cs typeface="Courier New" panose="02070309020205020404" pitchFamily="49" charset="0"/>
+              </a:rPr>
+              <a:t>x/</a:t>
+            </a:r>
+            <a:r>
+              <a:rPr lang="pt-BR" sz="2000" dirty="0" err="1" smtClean="0">
+                <a:latin typeface="Courier New" panose="02070309020205020404" pitchFamily="49" charset="0"/>
+                <a:cs typeface="Courier New" panose="02070309020205020404" pitchFamily="49" charset="0"/>
+              </a:rPr>
+              <a:t>tam_tile</a:t>
+            </a:r>
+            <a:r>
+              <a:rPr lang="pt-BR" sz="2000" dirty="0" smtClean="0">
+                <a:latin typeface="Courier New" panose="02070309020205020404" pitchFamily="49" charset="0"/>
+                <a:cs typeface="Courier New" panose="02070309020205020404" pitchFamily="49" charset="0"/>
+              </a:rPr>
+              <a:t>)</a:t>
+            </a:r>
+            <a:endParaRPr lang="pt-BR" sz="2000" dirty="0">
+              <a:latin typeface="Courier New" panose="02070309020205020404" pitchFamily="49" charset="0"/>
+              <a:cs typeface="Courier New" panose="02070309020205020404" pitchFamily="49" charset="0"/>
+            </a:endParaRPr>
+          </a:p>
+          <a:p>
+            <a:r>
+              <a:rPr lang="pt-BR" sz="2000" dirty="0" smtClean="0">
+                <a:latin typeface="Courier New" panose="02070309020205020404" pitchFamily="49" charset="0"/>
+                <a:cs typeface="Courier New" panose="02070309020205020404" pitchFamily="49" charset="0"/>
+              </a:rPr>
+              <a:t>    </a:t>
+            </a:r>
+            <a:r>
+              <a:rPr lang="pt-BR" sz="2000" dirty="0" err="1" smtClean="0">
+                <a:latin typeface="Courier New" panose="02070309020205020404" pitchFamily="49" charset="0"/>
+                <a:cs typeface="Courier New" panose="02070309020205020404" pitchFamily="49" charset="0"/>
+              </a:rPr>
+              <a:t>indice</a:t>
+            </a:r>
+            <a:r>
+              <a:rPr lang="pt-BR" sz="2000" dirty="0" smtClean="0">
+                <a:latin typeface="Courier New" panose="02070309020205020404" pitchFamily="49" charset="0"/>
+                <a:cs typeface="Courier New" panose="02070309020205020404" pitchFamily="49" charset="0"/>
+              </a:rPr>
+              <a:t> </a:t>
+            </a:r>
+            <a:r>
+              <a:rPr lang="pt-BR" sz="2000" dirty="0">
+                <a:latin typeface="Courier New" panose="02070309020205020404" pitchFamily="49" charset="0"/>
+                <a:cs typeface="Courier New" panose="02070309020205020404" pitchFamily="49" charset="0"/>
+              </a:rPr>
+              <a:t>= </a:t>
+            </a:r>
+            <a:r>
+              <a:rPr lang="pt-BR" sz="2000" dirty="0" err="1">
+                <a:latin typeface="Courier New" panose="02070309020205020404" pitchFamily="49" charset="0"/>
+                <a:cs typeface="Courier New" panose="02070309020205020404" pitchFamily="49" charset="0"/>
+              </a:rPr>
+              <a:t>indice</a:t>
+            </a:r>
+            <a:r>
+              <a:rPr lang="pt-BR" sz="2000" dirty="0">
+                <a:latin typeface="Courier New" panose="02070309020205020404" pitchFamily="49" charset="0"/>
+                <a:cs typeface="Courier New" panose="02070309020205020404" pitchFamily="49" charset="0"/>
+              </a:rPr>
+              <a:t> </a:t>
+            </a:r>
+            <a:endParaRPr lang="pt-BR" sz="2000" dirty="0" smtClean="0">
+              <a:latin typeface="Courier New" panose="02070309020205020404" pitchFamily="49" charset="0"/>
+              <a:cs typeface="Courier New" panose="02070309020205020404" pitchFamily="49" charset="0"/>
+            </a:endParaRPr>
+          </a:p>
+          <a:p>
+            <a:r>
+              <a:rPr lang="pt-BR" sz="2000" dirty="0">
+                <a:latin typeface="Courier New" panose="02070309020205020404" pitchFamily="49" charset="0"/>
+                <a:cs typeface="Courier New" panose="02070309020205020404" pitchFamily="49" charset="0"/>
+              </a:rPr>
+              <a:t> </a:t>
+            </a:r>
+            <a:r>
+              <a:rPr lang="pt-BR" sz="2000" dirty="0" smtClean="0">
+                <a:latin typeface="Courier New" panose="02070309020205020404" pitchFamily="49" charset="0"/>
+                <a:cs typeface="Courier New" panose="02070309020205020404" pitchFamily="49" charset="0"/>
+              </a:rPr>
+              <a:t>     + </a:t>
+            </a:r>
+            <a:r>
+              <a:rPr lang="pt-BR" sz="2000" dirty="0">
+                <a:latin typeface="Courier New" panose="02070309020205020404" pitchFamily="49" charset="0"/>
+                <a:cs typeface="Courier New" panose="02070309020205020404" pitchFamily="49" charset="0"/>
+              </a:rPr>
+              <a:t>(</a:t>
+            </a:r>
+            <a:r>
+              <a:rPr lang="pt-BR" sz="2000" dirty="0" err="1" smtClean="0">
+                <a:latin typeface="Courier New" panose="02070309020205020404" pitchFamily="49" charset="0"/>
+                <a:cs typeface="Courier New" panose="02070309020205020404" pitchFamily="49" charset="0"/>
+              </a:rPr>
+              <a:t>math.ceil</a:t>
+            </a:r>
+            <a:r>
+              <a:rPr lang="pt-BR" sz="2000" dirty="0" smtClean="0">
+                <a:latin typeface="Courier New" panose="02070309020205020404" pitchFamily="49" charset="0"/>
+                <a:cs typeface="Courier New" panose="02070309020205020404" pitchFamily="49" charset="0"/>
+              </a:rPr>
+              <a:t> (y/</a:t>
+            </a:r>
+            <a:r>
+              <a:rPr lang="pt-BR" sz="2000" dirty="0" err="1" smtClean="0">
+                <a:latin typeface="Courier New" panose="02070309020205020404" pitchFamily="49" charset="0"/>
+                <a:cs typeface="Courier New" panose="02070309020205020404" pitchFamily="49" charset="0"/>
+              </a:rPr>
+              <a:t>tam_tile</a:t>
+            </a:r>
+            <a:r>
+              <a:rPr lang="pt-BR" sz="2000" dirty="0" smtClean="0">
+                <a:latin typeface="Courier New" panose="02070309020205020404" pitchFamily="49" charset="0"/>
+                <a:cs typeface="Courier New" panose="02070309020205020404" pitchFamily="49" charset="0"/>
+              </a:rPr>
+              <a:t>)-1</a:t>
+            </a:r>
+            <a:r>
+              <a:rPr lang="pt-BR" sz="2000" dirty="0">
+                <a:latin typeface="Courier New" panose="02070309020205020404" pitchFamily="49" charset="0"/>
+                <a:cs typeface="Courier New" panose="02070309020205020404" pitchFamily="49" charset="0"/>
+              </a:rPr>
+              <a:t>) * </a:t>
+            </a:r>
+            <a:r>
+              <a:rPr lang="pt-BR" sz="2000" dirty="0" err="1" smtClean="0">
+                <a:latin typeface="Courier New" panose="02070309020205020404" pitchFamily="49" charset="0"/>
+                <a:cs typeface="Courier New" panose="02070309020205020404" pitchFamily="49" charset="0"/>
+              </a:rPr>
+              <a:t>dific</a:t>
+            </a:r>
+            <a:endParaRPr lang="pt-BR" sz="2000" dirty="0">
+              <a:latin typeface="Courier New" panose="02070309020205020404" pitchFamily="49" charset="0"/>
+              <a:cs typeface="Courier New" panose="02070309020205020404" pitchFamily="49" charset="0"/>
+            </a:endParaRPr>
+          </a:p>
+          <a:p>
+            <a:r>
+              <a:rPr lang="pt-BR" sz="2000" b="1" dirty="0" smtClean="0">
+                <a:solidFill>
+                  <a:schemeClr val="accent1"/>
+                </a:solidFill>
                 <a:latin typeface="Courier New" panose="02070309020205020404" pitchFamily="49" charset="0"/>
                 <a:cs typeface="Courier New" panose="02070309020205020404" pitchFamily="49" charset="0"/>
               </a:rPr>
@@ -14306,11 +15253,67 @@
               <a:t> </a:t>
             </a:r>
             <a:r>
+              <a:rPr lang="pt-BR" sz="2000" dirty="0" err="1">
+                <a:latin typeface="Courier New" panose="02070309020205020404" pitchFamily="49" charset="0"/>
+                <a:cs typeface="Courier New" panose="02070309020205020404" pitchFamily="49" charset="0"/>
+              </a:rPr>
+              <a:t>indice</a:t>
+            </a:r>
+            <a:r>
               <a:rPr lang="pt-BR" sz="2000" dirty="0">
                 <a:latin typeface="Courier New" panose="02070309020205020404" pitchFamily="49" charset="0"/>
                 <a:cs typeface="Courier New" panose="02070309020205020404" pitchFamily="49" charset="0"/>
               </a:rPr>
-              <a:t>tiles[</a:t>
+              <a:t> &gt; </a:t>
+            </a:r>
+            <a:r>
+              <a:rPr lang="pt-BR" sz="2000" dirty="0" smtClean="0">
+                <a:latin typeface="Courier New" panose="02070309020205020404" pitchFamily="49" charset="0"/>
+                <a:cs typeface="Courier New" panose="02070309020205020404" pitchFamily="49" charset="0"/>
+              </a:rPr>
+              <a:t>0</a:t>
+            </a:r>
+          </a:p>
+          <a:p>
+            <a:r>
+              <a:rPr lang="pt-BR" sz="2000" b="1" dirty="0">
+                <a:solidFill>
+                  <a:schemeClr val="accent1"/>
+                </a:solidFill>
+                <a:latin typeface="Courier New" panose="02070309020205020404" pitchFamily="49" charset="0"/>
+                <a:cs typeface="Courier New" panose="02070309020205020404" pitchFamily="49" charset="0"/>
+              </a:rPr>
+              <a:t> </a:t>
+            </a:r>
+            <a:r>
+              <a:rPr lang="pt-BR" sz="2000" b="1" dirty="0" smtClean="0">
+                <a:solidFill>
+                  <a:schemeClr val="accent1"/>
+                </a:solidFill>
+                <a:latin typeface="Courier New" panose="02070309020205020404" pitchFamily="49" charset="0"/>
+                <a:cs typeface="Courier New" panose="02070309020205020404" pitchFamily="49" charset="0"/>
+              </a:rPr>
+              <a:t>   </a:t>
+            </a:r>
+            <a:r>
+              <a:rPr lang="pt-BR" sz="2000" b="1" dirty="0" err="1" smtClean="0">
+                <a:solidFill>
+                  <a:schemeClr val="accent1"/>
+                </a:solidFill>
+                <a:latin typeface="Courier New" panose="02070309020205020404" pitchFamily="49" charset="0"/>
+                <a:cs typeface="Courier New" panose="02070309020205020404" pitchFamily="49" charset="0"/>
+              </a:rPr>
+              <a:t>and</a:t>
+            </a:r>
+            <a:r>
+              <a:rPr lang="pt-BR" sz="2000" dirty="0" smtClean="0">
+                <a:solidFill>
+                  <a:schemeClr val="accent1"/>
+                </a:solidFill>
+                <a:latin typeface="Courier New" panose="02070309020205020404" pitchFamily="49" charset="0"/>
+                <a:cs typeface="Courier New" panose="02070309020205020404" pitchFamily="49" charset="0"/>
+              </a:rPr>
+              <a:t> </a:t>
             </a:r>
             <a:r>
               <a:rPr lang="pt-BR" sz="2000" dirty="0" err="1">
@@ -14324,38 +15327,42 @@
                 <a:latin typeface="Courier New" panose="02070309020205020404" pitchFamily="49" charset="0"/>
                 <a:cs typeface="Courier New" panose="02070309020205020404" pitchFamily="49" charset="0"/>
               </a:rPr>
-              <a:t> + </a:t>
+              <a:t> &lt;= (</a:t>
+            </a:r>
+            <a:r>
+              <a:rPr lang="pt-BR" sz="2000" dirty="0" err="1" smtClean="0">
+                <a:latin typeface="Courier New" panose="02070309020205020404" pitchFamily="49" charset="0"/>
+                <a:cs typeface="Courier New" panose="02070309020205020404" pitchFamily="49" charset="0"/>
+              </a:rPr>
+              <a:t>dific</a:t>
+            </a:r>
+            <a:r>
+              <a:rPr lang="pt-BR" sz="2000" dirty="0" smtClean="0">
+                <a:latin typeface="Courier New" panose="02070309020205020404" pitchFamily="49" charset="0"/>
+                <a:cs typeface="Courier New" panose="02070309020205020404" pitchFamily="49" charset="0"/>
+              </a:rPr>
+              <a:t> </a:t>
             </a:r>
             <a:r>
               <a:rPr lang="pt-BR" sz="2000" dirty="0">
-                <a:solidFill>
-                  <a:schemeClr val="accent2"/>
-                </a:solidFill>
-                <a:latin typeface="Courier New" panose="02070309020205020404" pitchFamily="49" charset="0"/>
-                <a:cs typeface="Courier New" panose="02070309020205020404" pitchFamily="49" charset="0"/>
-              </a:rPr>
-              <a:t>1</a:t>
-            </a:r>
-            <a:r>
-              <a:rPr lang="pt-BR" sz="2000" dirty="0">
-                <a:latin typeface="Courier New" panose="02070309020205020404" pitchFamily="49" charset="0"/>
-                <a:cs typeface="Courier New" panose="02070309020205020404" pitchFamily="49" charset="0"/>
-              </a:rPr>
-              <a:t>].</a:t>
-            </a:r>
-            <a:r>
-              <a:rPr lang="pt-BR" sz="2000" dirty="0" err="1">
-                <a:latin typeface="Courier New" panose="02070309020205020404" pitchFamily="49" charset="0"/>
-                <a:cs typeface="Courier New" panose="02070309020205020404" pitchFamily="49" charset="0"/>
-              </a:rPr>
-              <a:t>visivel</a:t>
-            </a:r>
-            <a:r>
-              <a:rPr lang="pt-BR" sz="2000" dirty="0">
-                <a:latin typeface="Courier New" panose="02070309020205020404" pitchFamily="49" charset="0"/>
-                <a:cs typeface="Courier New" panose="02070309020205020404" pitchFamily="49" charset="0"/>
-              </a:rPr>
-              <a:t> == false </a:t>
+                <a:latin typeface="Courier New" panose="02070309020205020404" pitchFamily="49" charset="0"/>
+                <a:cs typeface="Courier New" panose="02070309020205020404" pitchFamily="49" charset="0"/>
+              </a:rPr>
+              <a:t>* </a:t>
+            </a:r>
+            <a:r>
+              <a:rPr lang="pt-BR" sz="2000" dirty="0" err="1" smtClean="0">
+                <a:latin typeface="Courier New" panose="02070309020205020404" pitchFamily="49" charset="0"/>
+                <a:cs typeface="Courier New" panose="02070309020205020404" pitchFamily="49" charset="0"/>
+              </a:rPr>
+              <a:t>dific</a:t>
+            </a:r>
+            <a:r>
+              <a:rPr lang="pt-BR" sz="2000" dirty="0" smtClean="0">
+                <a:latin typeface="Courier New" panose="02070309020205020404" pitchFamily="49" charset="0"/>
+                <a:cs typeface="Courier New" panose="02070309020205020404" pitchFamily="49" charset="0"/>
+              </a:rPr>
+              <a:t>) </a:t>
             </a:r>
             <a:r>
               <a:rPr lang="pt-BR" sz="2000" b="1" dirty="0" err="1">
@@ -14377,169 +15384,53 @@
           </a:p>
           <a:p>
             <a:r>
-              <a:rPr lang="pt-BR" sz="2000" dirty="0" smtClean="0">
-                <a:latin typeface="Courier New" panose="02070309020205020404" pitchFamily="49" charset="0"/>
-                <a:cs typeface="Courier New" panose="02070309020205020404" pitchFamily="49" charset="0"/>
-              </a:rPr>
-              <a:t>      tiles[</a:t>
-            </a:r>
-            <a:r>
-              <a:rPr lang="pt-BR" sz="2000" dirty="0" err="1" smtClean="0">
-                <a:latin typeface="Courier New" panose="02070309020205020404" pitchFamily="49" charset="0"/>
-                <a:cs typeface="Courier New" panose="02070309020205020404" pitchFamily="49" charset="0"/>
-              </a:rPr>
-              <a:t>indice</a:t>
-            </a:r>
-            <a:r>
-              <a:rPr lang="pt-BR" sz="2000" dirty="0">
-                <a:latin typeface="Courier New" panose="02070309020205020404" pitchFamily="49" charset="0"/>
-                <a:cs typeface="Courier New" panose="02070309020205020404" pitchFamily="49" charset="0"/>
-              </a:rPr>
-              <a:t>], tiles[</a:t>
-            </a:r>
-            <a:r>
-              <a:rPr lang="pt-BR" sz="2000" dirty="0" err="1">
-                <a:latin typeface="Courier New" panose="02070309020205020404" pitchFamily="49" charset="0"/>
-                <a:cs typeface="Courier New" panose="02070309020205020404" pitchFamily="49" charset="0"/>
-              </a:rPr>
-              <a:t>indice</a:t>
-            </a:r>
-            <a:r>
-              <a:rPr lang="pt-BR" sz="2000" dirty="0">
-                <a:latin typeface="Courier New" panose="02070309020205020404" pitchFamily="49" charset="0"/>
-                <a:cs typeface="Courier New" panose="02070309020205020404" pitchFamily="49" charset="0"/>
-              </a:rPr>
-              <a:t> + </a:t>
-            </a:r>
-            <a:r>
-              <a:rPr lang="pt-BR" sz="2000" dirty="0">
+              <a:rPr lang="pt-BR" sz="2000" b="1" dirty="0" smtClean="0">
                 <a:solidFill>
-                  <a:schemeClr val="accent2"/>
+                  <a:schemeClr val="accent1"/>
                 </a:solidFill>
                 <a:latin typeface="Courier New" panose="02070309020205020404" pitchFamily="49" charset="0"/>
                 <a:cs typeface="Courier New" panose="02070309020205020404" pitchFamily="49" charset="0"/>
               </a:rPr>
-              <a:t>1</a:t>
-            </a:r>
-            <a:r>
-              <a:rPr lang="pt-BR" sz="2000" dirty="0">
-                <a:latin typeface="Courier New" panose="02070309020205020404" pitchFamily="49" charset="0"/>
-                <a:cs typeface="Courier New" panose="02070309020205020404" pitchFamily="49" charset="0"/>
-              </a:rPr>
-              <a:t>] = </a:t>
-            </a:r>
-            <a:r>
-              <a:rPr lang="pt-BR" sz="2000" dirty="0" smtClean="0">
-                <a:latin typeface="Courier New" panose="02070309020205020404" pitchFamily="49" charset="0"/>
-                <a:cs typeface="Courier New" panose="02070309020205020404" pitchFamily="49" charset="0"/>
-              </a:rPr>
-              <a:t>   </a:t>
-            </a:r>
-          </a:p>
-          <a:p>
-            <a:r>
-              <a:rPr lang="pt-BR" sz="2000" dirty="0">
-                <a:latin typeface="Courier New" panose="02070309020205020404" pitchFamily="49" charset="0"/>
-                <a:cs typeface="Courier New" panose="02070309020205020404" pitchFamily="49" charset="0"/>
-              </a:rPr>
-              <a:t> </a:t>
-            </a:r>
-            <a:r>
-              <a:rPr lang="pt-BR" sz="2000" dirty="0" smtClean="0">
-                <a:latin typeface="Courier New" panose="02070309020205020404" pitchFamily="49" charset="0"/>
-                <a:cs typeface="Courier New" panose="02070309020205020404" pitchFamily="49" charset="0"/>
-              </a:rPr>
-              <a:t>     tiles[</a:t>
-            </a:r>
-            <a:r>
-              <a:rPr lang="pt-BR" sz="2000" dirty="0" err="1" smtClean="0">
-                <a:latin typeface="Courier New" panose="02070309020205020404" pitchFamily="49" charset="0"/>
-                <a:cs typeface="Courier New" panose="02070309020205020404" pitchFamily="49" charset="0"/>
-              </a:rPr>
-              <a:t>indice</a:t>
-            </a:r>
-            <a:r>
-              <a:rPr lang="pt-BR" sz="2000" dirty="0" smtClean="0">
-                <a:latin typeface="Courier New" panose="02070309020205020404" pitchFamily="49" charset="0"/>
-                <a:cs typeface="Courier New" panose="02070309020205020404" pitchFamily="49" charset="0"/>
-              </a:rPr>
-              <a:t> </a:t>
-            </a:r>
-            <a:r>
-              <a:rPr lang="pt-BR" sz="2000" dirty="0">
-                <a:latin typeface="Courier New" panose="02070309020205020404" pitchFamily="49" charset="0"/>
-                <a:cs typeface="Courier New" panose="02070309020205020404" pitchFamily="49" charset="0"/>
-              </a:rPr>
-              <a:t>+ </a:t>
-            </a:r>
-            <a:r>
-              <a:rPr lang="pt-BR" sz="2000" dirty="0">
+              <a:t>      </a:t>
+            </a:r>
+            <a:r>
+              <a:rPr lang="pt-BR" sz="2000" b="1" dirty="0" err="1" smtClean="0">
                 <a:solidFill>
-                  <a:schemeClr val="accent2"/>
+                  <a:schemeClr val="accent1"/>
                 </a:solidFill>
                 <a:latin typeface="Courier New" panose="02070309020205020404" pitchFamily="49" charset="0"/>
                 <a:cs typeface="Courier New" panose="02070309020205020404" pitchFamily="49" charset="0"/>
               </a:rPr>
-              <a:t>1</a:t>
-            </a:r>
-            <a:r>
-              <a:rPr lang="pt-BR" sz="2000" dirty="0">
-                <a:latin typeface="Courier New" panose="02070309020205020404" pitchFamily="49" charset="0"/>
-                <a:cs typeface="Courier New" panose="02070309020205020404" pitchFamily="49" charset="0"/>
-              </a:rPr>
-              <a:t>], tiles[</a:t>
-            </a:r>
-            <a:r>
-              <a:rPr lang="pt-BR" sz="2000" dirty="0" err="1">
-                <a:latin typeface="Courier New" panose="02070309020205020404" pitchFamily="49" charset="0"/>
-                <a:cs typeface="Courier New" panose="02070309020205020404" pitchFamily="49" charset="0"/>
-              </a:rPr>
-              <a:t>indice</a:t>
-            </a:r>
-            <a:r>
-              <a:rPr lang="pt-BR" sz="2000" dirty="0" smtClean="0">
-                <a:latin typeface="Courier New" panose="02070309020205020404" pitchFamily="49" charset="0"/>
-                <a:cs typeface="Courier New" panose="02070309020205020404" pitchFamily="49" charset="0"/>
-              </a:rPr>
-              <a:t>]</a:t>
-            </a:r>
-          </a:p>
-          <a:p>
-            <a:r>
-              <a:rPr lang="pt-BR" sz="2000" dirty="0">
-                <a:latin typeface="Courier New" panose="02070309020205020404" pitchFamily="49" charset="0"/>
-                <a:cs typeface="Courier New" panose="02070309020205020404" pitchFamily="49" charset="0"/>
-              </a:rPr>
-              <a:t> </a:t>
-            </a:r>
-            <a:r>
-              <a:rPr lang="pt-BR" sz="2000" dirty="0" smtClean="0">
-                <a:latin typeface="Courier New" panose="02070309020205020404" pitchFamily="49" charset="0"/>
-                <a:cs typeface="Courier New" panose="02070309020205020404" pitchFamily="49" charset="0"/>
-              </a:rPr>
-              <a:t>     movimentos = movimentos + </a:t>
+              <a:t>return</a:t>
             </a:r>
             <a:r>
               <a:rPr lang="pt-BR" sz="2000" dirty="0" smtClean="0">
                 <a:solidFill>
-                  <a:schemeClr val="accent2"/>
+                  <a:schemeClr val="accent1"/>
                 </a:solidFill>
                 <a:latin typeface="Courier New" panose="02070309020205020404" pitchFamily="49" charset="0"/>
                 <a:cs typeface="Courier New" panose="02070309020205020404" pitchFamily="49" charset="0"/>
               </a:rPr>
-              <a:t>1</a:t>
+              <a:t> </a:t>
+            </a:r>
+            <a:r>
+              <a:rPr lang="pt-BR" sz="2000" dirty="0" err="1">
+                <a:latin typeface="Courier New" panose="02070309020205020404" pitchFamily="49" charset="0"/>
+                <a:cs typeface="Courier New" panose="02070309020205020404" pitchFamily="49" charset="0"/>
+              </a:rPr>
+              <a:t>indice</a:t>
             </a:r>
             <a:endParaRPr lang="pt-BR" sz="2000" dirty="0">
-              <a:solidFill>
-                <a:schemeClr val="accent2"/>
-              </a:solidFill>
               <a:latin typeface="Courier New" panose="02070309020205020404" pitchFamily="49" charset="0"/>
               <a:cs typeface="Courier New" panose="02070309020205020404" pitchFamily="49" charset="0"/>
             </a:endParaRPr>
           </a:p>
           <a:p>
             <a:r>
-              <a:rPr lang="pt-BR" sz="2000" dirty="0" smtClean="0">
+              <a:rPr lang="pt-BR" sz="2000" b="1" dirty="0" smtClean="0">
+                <a:solidFill>
+                  <a:schemeClr val="accent1"/>
+                </a:solidFill>
                 <a:latin typeface="Courier New" panose="02070309020205020404" pitchFamily="49" charset="0"/>
                 <a:cs typeface="Courier New" panose="02070309020205020404" pitchFamily="49" charset="0"/>
               </a:rPr>
@@ -14565,7 +15456,7 @@
           </a:p>
           <a:p>
             <a:r>
-              <a:rPr lang="pt-BR" sz="2000" dirty="0" smtClean="0">
+              <a:rPr lang="pt-BR" sz="2000" dirty="0">
                 <a:latin typeface="Courier New" panose="02070309020205020404" pitchFamily="49" charset="0"/>
                 <a:cs typeface="Courier New" panose="02070309020205020404" pitchFamily="49" charset="0"/>
               </a:rPr>
@@ -14581,15 +15472,6 @@
               </a:rPr>
               <a:t>end</a:t>
             </a:r>
-            <a:endParaRPr lang="pt-BR" sz="2000" b="1" dirty="0" smtClean="0">
-              <a:solidFill>
-                <a:schemeClr val="accent1"/>
-              </a:solidFill>
-              <a:latin typeface="Courier New" panose="02070309020205020404" pitchFamily="49" charset="0"/>
-              <a:cs typeface="Courier New" panose="02070309020205020404" pitchFamily="49" charset="0"/>
-            </a:endParaRPr>
-          </a:p>
-          <a:p>
             <a:endParaRPr lang="pt-BR" sz="2000" b="1" dirty="0">
               <a:solidFill>
                 <a:schemeClr val="accent1"/>
@@ -14600,29 +15482,7 @@
           </a:p>
           <a:p>
             <a:r>
-              <a:rPr lang="pt-BR" sz="2000" b="1" dirty="0" smtClean="0">
-                <a:solidFill>
-                  <a:schemeClr val="accent1"/>
-                </a:solidFill>
-                <a:latin typeface="Courier New" panose="02070309020205020404" pitchFamily="49" charset="0"/>
-                <a:cs typeface="Courier New" panose="02070309020205020404" pitchFamily="49" charset="0"/>
-              </a:rPr>
-              <a:t>  </a:t>
-            </a:r>
-            <a:r>
-              <a:rPr lang="pt-BR" sz="2000" dirty="0" smtClean="0">
-                <a:latin typeface="Courier New" panose="02070309020205020404" pitchFamily="49" charset="0"/>
-                <a:cs typeface="Courier New" panose="02070309020205020404" pitchFamily="49" charset="0"/>
-              </a:rPr>
-              <a:t>--tile esquerda:</a:t>
-            </a:r>
-          </a:p>
-          <a:p>
-            <a:r>
-              <a:rPr lang="pt-BR" sz="2000" b="1" dirty="0" smtClean="0">
-                <a:solidFill>
-                  <a:schemeClr val="accent1"/>
-                </a:solidFill>
+              <a:rPr lang="pt-BR" sz="2000" dirty="0">
                 <a:latin typeface="Courier New" panose="02070309020205020404" pitchFamily="49" charset="0"/>
                 <a:cs typeface="Courier New" panose="02070309020205020404" pitchFamily="49" charset="0"/>
               </a:rPr>
@@ -14636,10 +15496,10 @@
                 <a:latin typeface="Courier New" panose="02070309020205020404" pitchFamily="49" charset="0"/>
                 <a:cs typeface="Courier New" panose="02070309020205020404" pitchFamily="49" charset="0"/>
               </a:rPr>
-              <a:t>if</a:t>
-            </a:r>
-            <a:r>
-              <a:rPr lang="pt-BR" sz="2000" b="1" dirty="0" smtClean="0">
+              <a:t>return</a:t>
+            </a:r>
+            <a:r>
+              <a:rPr lang="pt-BR" sz="2000" dirty="0" smtClean="0">
                 <a:solidFill>
                   <a:schemeClr val="accent1"/>
                 </a:solidFill>
@@ -14649,397 +15509,16 @@
               <a:t> </a:t>
             </a:r>
             <a:r>
-              <a:rPr lang="pt-BR" sz="2000" dirty="0" smtClean="0">
-                <a:latin typeface="Courier New" panose="02070309020205020404" pitchFamily="49" charset="0"/>
-                <a:cs typeface="Courier New" panose="02070309020205020404" pitchFamily="49" charset="0"/>
-              </a:rPr>
-              <a:t>(</a:t>
-            </a:r>
-            <a:r>
-              <a:rPr lang="pt-BR" sz="2000" dirty="0" err="1" smtClean="0">
-                <a:latin typeface="Courier New" panose="02070309020205020404" pitchFamily="49" charset="0"/>
-                <a:cs typeface="Courier New" panose="02070309020205020404" pitchFamily="49" charset="0"/>
-              </a:rPr>
-              <a:t>indice</a:t>
-            </a:r>
-            <a:r>
-              <a:rPr lang="pt-BR" sz="2000" dirty="0" smtClean="0">
-                <a:latin typeface="Courier New" panose="02070309020205020404" pitchFamily="49" charset="0"/>
-                <a:cs typeface="Courier New" panose="02070309020205020404" pitchFamily="49" charset="0"/>
-              </a:rPr>
-              <a:t> – </a:t>
-            </a:r>
-            <a:r>
-              <a:rPr lang="pt-BR" sz="2000" dirty="0" smtClean="0">
-                <a:solidFill>
-                  <a:schemeClr val="accent2"/>
-                </a:solidFill>
-                <a:latin typeface="Courier New" panose="02070309020205020404" pitchFamily="49" charset="0"/>
-                <a:cs typeface="Courier New" panose="02070309020205020404" pitchFamily="49" charset="0"/>
-              </a:rPr>
-              <a:t>1</a:t>
-            </a:r>
-            <a:r>
-              <a:rPr lang="pt-BR" sz="2000" dirty="0" smtClean="0">
-                <a:latin typeface="Courier New" panose="02070309020205020404" pitchFamily="49" charset="0"/>
-                <a:cs typeface="Courier New" panose="02070309020205020404" pitchFamily="49" charset="0"/>
-              </a:rPr>
-              <a:t>)</a:t>
-            </a:r>
-            <a:r>
               <a:rPr lang="pt-BR" sz="2000" dirty="0">
                 <a:latin typeface="Courier New" panose="02070309020205020404" pitchFamily="49" charset="0"/>
                 <a:cs typeface="Courier New" panose="02070309020205020404" pitchFamily="49" charset="0"/>
               </a:rPr>
-              <a:t> % dificuldade ~= </a:t>
-            </a:r>
-            <a:r>
-              <a:rPr lang="pt-BR" sz="2000" dirty="0">
-                <a:solidFill>
-                  <a:schemeClr val="accent2"/>
-                </a:solidFill>
-                <a:latin typeface="Courier New" panose="02070309020205020404" pitchFamily="49" charset="0"/>
-                <a:cs typeface="Courier New" panose="02070309020205020404" pitchFamily="49" charset="0"/>
-              </a:rPr>
-              <a:t>0</a:t>
-            </a:r>
-            <a:r>
-              <a:rPr lang="pt-BR" sz="2000" dirty="0">
-                <a:latin typeface="Courier New" panose="02070309020205020404" pitchFamily="49" charset="0"/>
-                <a:cs typeface="Courier New" panose="02070309020205020404" pitchFamily="49" charset="0"/>
-              </a:rPr>
-              <a:t> </a:t>
-            </a:r>
-            <a:r>
-              <a:rPr lang="pt-BR" sz="2000" b="1" dirty="0" err="1" smtClean="0">
-                <a:solidFill>
-                  <a:schemeClr val="accent1"/>
-                </a:solidFill>
-                <a:latin typeface="Courier New" panose="02070309020205020404" pitchFamily="49" charset="0"/>
-                <a:cs typeface="Courier New" panose="02070309020205020404" pitchFamily="49" charset="0"/>
-              </a:rPr>
-              <a:t>then</a:t>
-            </a:r>
-            <a:endParaRPr lang="pt-BR" sz="2000" dirty="0" smtClean="0">
-              <a:latin typeface="Courier New" panose="02070309020205020404" pitchFamily="49" charset="0"/>
-              <a:cs typeface="Courier New" panose="02070309020205020404" pitchFamily="49" charset="0"/>
-            </a:endParaRPr>
-          </a:p>
-          <a:p>
-            <a:r>
-              <a:rPr lang="pt-BR" sz="2000" b="1" dirty="0">
-                <a:solidFill>
-                  <a:schemeClr val="accent1"/>
-                </a:solidFill>
-                <a:latin typeface="Courier New" panose="02070309020205020404" pitchFamily="49" charset="0"/>
-                <a:cs typeface="Courier New" panose="02070309020205020404" pitchFamily="49" charset="0"/>
-              </a:rPr>
-              <a:t> </a:t>
-            </a:r>
-            <a:r>
-              <a:rPr lang="pt-BR" sz="2000" b="1" dirty="0" smtClean="0">
-                <a:solidFill>
-                  <a:schemeClr val="accent1"/>
-                </a:solidFill>
-                <a:latin typeface="Courier New" panose="02070309020205020404" pitchFamily="49" charset="0"/>
-                <a:cs typeface="Courier New" panose="02070309020205020404" pitchFamily="49" charset="0"/>
-              </a:rPr>
-              <a:t> ...</a:t>
-            </a:r>
-            <a:endParaRPr lang="pt-BR" sz="2000" b="1" dirty="0" smtClean="0">
-              <a:solidFill>
-                <a:schemeClr val="accent1"/>
-              </a:solidFill>
-              <a:latin typeface="Courier New" panose="02070309020205020404" pitchFamily="49" charset="0"/>
-              <a:cs typeface="Courier New" panose="02070309020205020404" pitchFamily="49" charset="0"/>
-            </a:endParaRPr>
-          </a:p>
-          <a:p>
-            <a:pPr>
-              <a:lnSpc>
-                <a:spcPct val="150000"/>
-              </a:lnSpc>
-            </a:pPr>
-            <a:r>
-              <a:rPr lang="pt-BR" sz="2000" b="1" dirty="0" smtClean="0">
-                <a:solidFill>
-                  <a:schemeClr val="accent1"/>
-                </a:solidFill>
-                <a:latin typeface="Courier New" panose="02070309020205020404" pitchFamily="49" charset="0"/>
-                <a:cs typeface="Courier New" panose="02070309020205020404" pitchFamily="49" charset="0"/>
-              </a:rPr>
-              <a:t>  </a:t>
-            </a:r>
-            <a:r>
-              <a:rPr lang="pt-BR" sz="2000" dirty="0">
-                <a:latin typeface="Courier New" panose="02070309020205020404" pitchFamily="49" charset="0"/>
-                <a:cs typeface="Courier New" panose="02070309020205020404" pitchFamily="49" charset="0"/>
-              </a:rPr>
-              <a:t>--tile </a:t>
-            </a:r>
-            <a:r>
-              <a:rPr lang="pt-BR" sz="2000" dirty="0" smtClean="0">
-                <a:latin typeface="Courier New" panose="02070309020205020404" pitchFamily="49" charset="0"/>
-                <a:cs typeface="Courier New" panose="02070309020205020404" pitchFamily="49" charset="0"/>
-              </a:rPr>
-              <a:t>superior:</a:t>
-            </a:r>
-          </a:p>
-          <a:p>
-            <a:r>
-              <a:rPr lang="pt-BR" sz="2000" dirty="0" smtClean="0">
-                <a:latin typeface="Courier New" panose="02070309020205020404" pitchFamily="49" charset="0"/>
-                <a:cs typeface="Courier New" panose="02070309020205020404" pitchFamily="49" charset="0"/>
-              </a:rPr>
-              <a:t>  </a:t>
-            </a:r>
-            <a:r>
-              <a:rPr lang="pt-BR" sz="2000" b="1" dirty="0" err="1" smtClean="0">
-                <a:solidFill>
-                  <a:schemeClr val="accent1"/>
-                </a:solidFill>
-                <a:latin typeface="Courier New" panose="02070309020205020404" pitchFamily="49" charset="0"/>
-                <a:cs typeface="Courier New" panose="02070309020205020404" pitchFamily="49" charset="0"/>
-              </a:rPr>
-              <a:t>if</a:t>
-            </a:r>
-            <a:r>
-              <a:rPr lang="pt-BR" sz="2000" b="1" dirty="0" smtClean="0">
-                <a:solidFill>
-                  <a:schemeClr val="accent1"/>
-                </a:solidFill>
-                <a:latin typeface="Courier New" panose="02070309020205020404" pitchFamily="49" charset="0"/>
-                <a:cs typeface="Courier New" panose="02070309020205020404" pitchFamily="49" charset="0"/>
-              </a:rPr>
-              <a:t> </a:t>
-            </a:r>
-            <a:r>
-              <a:rPr lang="pt-BR" sz="2000" dirty="0" smtClean="0">
-                <a:latin typeface="Courier New" panose="02070309020205020404" pitchFamily="49" charset="0"/>
-                <a:cs typeface="Courier New" panose="02070309020205020404" pitchFamily="49" charset="0"/>
-              </a:rPr>
-              <a:t>(</a:t>
-            </a:r>
-            <a:r>
-              <a:rPr lang="pt-BR" sz="2000" dirty="0" err="1" smtClean="0">
-                <a:latin typeface="Courier New" panose="02070309020205020404" pitchFamily="49" charset="0"/>
-                <a:cs typeface="Courier New" panose="02070309020205020404" pitchFamily="49" charset="0"/>
-              </a:rPr>
-              <a:t>indice</a:t>
-            </a:r>
-            <a:r>
-              <a:rPr lang="pt-BR" sz="2000" dirty="0" smtClean="0">
-                <a:latin typeface="Courier New" panose="02070309020205020404" pitchFamily="49" charset="0"/>
-                <a:cs typeface="Courier New" panose="02070309020205020404" pitchFamily="49" charset="0"/>
-              </a:rPr>
-              <a:t> </a:t>
-            </a:r>
-            <a:r>
-              <a:rPr lang="pt-BR" sz="2000" dirty="0">
-                <a:latin typeface="Courier New" panose="02070309020205020404" pitchFamily="49" charset="0"/>
-                <a:cs typeface="Courier New" panose="02070309020205020404" pitchFamily="49" charset="0"/>
-              </a:rPr>
-              <a:t>– </a:t>
-            </a:r>
-            <a:r>
-              <a:rPr lang="pt-BR" sz="2000" dirty="0" smtClean="0">
-                <a:latin typeface="Courier New" panose="02070309020205020404" pitchFamily="49" charset="0"/>
-                <a:cs typeface="Courier New" panose="02070309020205020404" pitchFamily="49" charset="0"/>
-              </a:rPr>
-              <a:t>dificuldade) &gt; </a:t>
-            </a:r>
-            <a:r>
-              <a:rPr lang="pt-BR" sz="2000" dirty="0" smtClean="0">
-                <a:solidFill>
-                  <a:schemeClr val="accent2"/>
-                </a:solidFill>
-                <a:latin typeface="Courier New" panose="02070309020205020404" pitchFamily="49" charset="0"/>
-                <a:cs typeface="Courier New" panose="02070309020205020404" pitchFamily="49" charset="0"/>
-              </a:rPr>
-              <a:t>0</a:t>
-            </a:r>
-          </a:p>
-          <a:p>
-            <a:r>
-              <a:rPr lang="pt-BR" sz="2000" b="1" dirty="0" smtClean="0">
-                <a:solidFill>
-                  <a:schemeClr val="accent1"/>
-                </a:solidFill>
-                <a:latin typeface="Courier New" panose="02070309020205020404" pitchFamily="49" charset="0"/>
-                <a:cs typeface="Courier New" panose="02070309020205020404" pitchFamily="49" charset="0"/>
-              </a:rPr>
-              <a:t>  ...</a:t>
-            </a:r>
-            <a:endParaRPr lang="pt-BR" sz="2000" b="1" dirty="0" smtClean="0">
-              <a:solidFill>
-                <a:schemeClr val="accent1"/>
-              </a:solidFill>
-              <a:latin typeface="Courier New" panose="02070309020205020404" pitchFamily="49" charset="0"/>
-              <a:cs typeface="Courier New" panose="02070309020205020404" pitchFamily="49" charset="0"/>
-            </a:endParaRPr>
-          </a:p>
-          <a:p>
-            <a:pPr>
-              <a:lnSpc>
-                <a:spcPct val="150000"/>
-              </a:lnSpc>
-            </a:pPr>
-            <a:r>
-              <a:rPr lang="pt-BR" sz="2000" b="1" dirty="0" smtClean="0">
-                <a:solidFill>
-                  <a:schemeClr val="accent1"/>
-                </a:solidFill>
-                <a:latin typeface="Courier New" panose="02070309020205020404" pitchFamily="49" charset="0"/>
-                <a:cs typeface="Courier New" panose="02070309020205020404" pitchFamily="49" charset="0"/>
-              </a:rPr>
-              <a:t>  </a:t>
-            </a:r>
-            <a:r>
-              <a:rPr lang="pt-BR" sz="2000" dirty="0">
-                <a:latin typeface="Courier New" panose="02070309020205020404" pitchFamily="49" charset="0"/>
-                <a:cs typeface="Courier New" panose="02070309020205020404" pitchFamily="49" charset="0"/>
-              </a:rPr>
-              <a:t>--tile </a:t>
-            </a:r>
-            <a:r>
-              <a:rPr lang="pt-BR" sz="2000" dirty="0" smtClean="0">
-                <a:latin typeface="Courier New" panose="02070309020205020404" pitchFamily="49" charset="0"/>
-                <a:cs typeface="Courier New" panose="02070309020205020404" pitchFamily="49" charset="0"/>
-              </a:rPr>
-              <a:t>inferior:</a:t>
-            </a:r>
-            <a:endParaRPr lang="pt-BR" sz="2000" b="1" dirty="0" smtClean="0">
-              <a:solidFill>
-                <a:schemeClr val="accent1"/>
-              </a:solidFill>
-              <a:latin typeface="Courier New" panose="02070309020205020404" pitchFamily="49" charset="0"/>
-              <a:cs typeface="Courier New" panose="02070309020205020404" pitchFamily="49" charset="0"/>
-            </a:endParaRPr>
-          </a:p>
-          <a:p>
-            <a:r>
-              <a:rPr lang="pt-BR" sz="2000" b="1" dirty="0" smtClean="0">
-                <a:solidFill>
-                  <a:schemeClr val="accent1"/>
-                </a:solidFill>
-                <a:latin typeface="Courier New" panose="02070309020205020404" pitchFamily="49" charset="0"/>
-                <a:cs typeface="Courier New" panose="02070309020205020404" pitchFamily="49" charset="0"/>
-              </a:rPr>
-              <a:t>  </a:t>
-            </a:r>
-            <a:r>
-              <a:rPr lang="pt-BR" sz="2000" b="1" dirty="0" err="1" smtClean="0">
-                <a:solidFill>
-                  <a:schemeClr val="accent1"/>
-                </a:solidFill>
-                <a:latin typeface="Courier New" panose="02070309020205020404" pitchFamily="49" charset="0"/>
-                <a:cs typeface="Courier New" panose="02070309020205020404" pitchFamily="49" charset="0"/>
-              </a:rPr>
-              <a:t>if</a:t>
-            </a:r>
-            <a:r>
-              <a:rPr lang="pt-BR" sz="2000" b="1" dirty="0" smtClean="0">
-                <a:solidFill>
-                  <a:schemeClr val="accent1"/>
-                </a:solidFill>
-                <a:latin typeface="Courier New" panose="02070309020205020404" pitchFamily="49" charset="0"/>
-                <a:cs typeface="Courier New" panose="02070309020205020404" pitchFamily="49" charset="0"/>
-              </a:rPr>
-              <a:t> </a:t>
-            </a:r>
-            <a:r>
-              <a:rPr lang="pt-BR" sz="2000" dirty="0" smtClean="0">
-                <a:latin typeface="Courier New" panose="02070309020205020404" pitchFamily="49" charset="0"/>
-                <a:cs typeface="Courier New" panose="02070309020205020404" pitchFamily="49" charset="0"/>
-              </a:rPr>
-              <a:t>(</a:t>
-            </a:r>
-            <a:r>
-              <a:rPr lang="pt-BR" sz="2000" dirty="0" err="1" smtClean="0">
-                <a:latin typeface="Courier New" panose="02070309020205020404" pitchFamily="49" charset="0"/>
-                <a:cs typeface="Courier New" panose="02070309020205020404" pitchFamily="49" charset="0"/>
-              </a:rPr>
-              <a:t>indice</a:t>
-            </a:r>
-            <a:r>
-              <a:rPr lang="pt-BR" sz="2000" dirty="0" smtClean="0">
-                <a:latin typeface="Courier New" panose="02070309020205020404" pitchFamily="49" charset="0"/>
-                <a:cs typeface="Courier New" panose="02070309020205020404" pitchFamily="49" charset="0"/>
-              </a:rPr>
-              <a:t> + </a:t>
-            </a:r>
-            <a:r>
-              <a:rPr lang="pt-BR" sz="2000" dirty="0">
-                <a:latin typeface="Courier New" panose="02070309020205020404" pitchFamily="49" charset="0"/>
-                <a:cs typeface="Courier New" panose="02070309020205020404" pitchFamily="49" charset="0"/>
-              </a:rPr>
-              <a:t>dificuldade) &lt;= (</a:t>
-            </a:r>
-            <a:r>
-              <a:rPr lang="pt-BR" sz="2000" dirty="0" err="1" smtClean="0">
-                <a:latin typeface="Courier New" panose="02070309020205020404" pitchFamily="49" charset="0"/>
-                <a:cs typeface="Courier New" panose="02070309020205020404" pitchFamily="49" charset="0"/>
-              </a:rPr>
-              <a:t>dif</a:t>
-            </a:r>
-            <a:r>
-              <a:rPr lang="pt-BR" sz="2000" dirty="0" smtClean="0">
-                <a:latin typeface="Courier New" panose="02070309020205020404" pitchFamily="49" charset="0"/>
-                <a:cs typeface="Courier New" panose="02070309020205020404" pitchFamily="49" charset="0"/>
-              </a:rPr>
-              <a:t> </a:t>
-            </a:r>
-            <a:r>
-              <a:rPr lang="pt-BR" sz="2000" dirty="0">
-                <a:latin typeface="Courier New" panose="02070309020205020404" pitchFamily="49" charset="0"/>
-                <a:cs typeface="Courier New" panose="02070309020205020404" pitchFamily="49" charset="0"/>
-              </a:rPr>
-              <a:t>* </a:t>
-            </a:r>
-            <a:r>
-              <a:rPr lang="pt-BR" sz="2000" dirty="0" err="1" smtClean="0">
-                <a:latin typeface="Courier New" panose="02070309020205020404" pitchFamily="49" charset="0"/>
-                <a:cs typeface="Courier New" panose="02070309020205020404" pitchFamily="49" charset="0"/>
-              </a:rPr>
-              <a:t>dif</a:t>
-            </a:r>
-            <a:r>
-              <a:rPr lang="pt-BR" sz="2000" dirty="0" smtClean="0">
-                <a:latin typeface="Courier New" panose="02070309020205020404" pitchFamily="49" charset="0"/>
-                <a:cs typeface="Courier New" panose="02070309020205020404" pitchFamily="49" charset="0"/>
-              </a:rPr>
-              <a:t>)</a:t>
-            </a:r>
-            <a:endParaRPr lang="pt-BR" sz="2000" b="1" dirty="0">
-              <a:solidFill>
-                <a:schemeClr val="accent1"/>
-              </a:solidFill>
-              <a:latin typeface="Courier New" panose="02070309020205020404" pitchFamily="49" charset="0"/>
-              <a:cs typeface="Courier New" panose="02070309020205020404" pitchFamily="49" charset="0"/>
-            </a:endParaRPr>
-          </a:p>
-          <a:p>
-            <a:r>
-              <a:rPr lang="pt-BR" sz="2000" b="1" dirty="0" smtClean="0">
-                <a:solidFill>
-                  <a:schemeClr val="accent1"/>
-                </a:solidFill>
-                <a:latin typeface="Courier New" panose="02070309020205020404" pitchFamily="49" charset="0"/>
-                <a:cs typeface="Courier New" panose="02070309020205020404" pitchFamily="49" charset="0"/>
-              </a:rPr>
-              <a:t>  ...</a:t>
-            </a:r>
-            <a:endParaRPr lang="pt-BR" sz="2000" b="1" dirty="0" smtClean="0">
-              <a:solidFill>
-                <a:schemeClr val="accent1"/>
-              </a:solidFill>
-              <a:latin typeface="Courier New" panose="02070309020205020404" pitchFamily="49" charset="0"/>
-              <a:cs typeface="Courier New" panose="02070309020205020404" pitchFamily="49" charset="0"/>
-            </a:endParaRPr>
-          </a:p>
-          <a:p>
-            <a:r>
-              <a:rPr lang="pt-BR" sz="2000" b="1" dirty="0" err="1" smtClean="0">
+              <a:t>-1</a:t>
+            </a:r>
+          </a:p>
+          <a:p>
+            <a:r>
+              <a:rPr lang="pt-BR" sz="2000" b="1" dirty="0" err="1">
                 <a:solidFill>
                   <a:schemeClr val="accent1"/>
                 </a:solidFill>
@@ -15053,6 +15532,46 @@
                 <a:schemeClr val="accent1"/>
               </a:solidFill>
             </a:endParaRPr>
+          </a:p>
+        </p:txBody>
+      </p:sp>
+      <p:sp>
+        <p:nvSpPr>
+          <p:cNvPr id="7" name="Retângulo 6"/>
+          <p:cNvSpPr/>
+          <p:nvPr/>
+        </p:nvSpPr>
+        <p:spPr>
+          <a:xfrm>
+            <a:off x="1155577" y="306705"/>
+            <a:ext cx="3756990" cy="3724310"/>
+          </a:xfrm>
+          <a:prstGeom prst="rect">
+            <a:avLst/>
+          </a:prstGeom>
+        </p:spPr>
+        <p:style>
+          <a:lnRef idx="2">
+            <a:schemeClr val="accent1">
+              <a:shade val="50000"/>
+            </a:schemeClr>
+          </a:lnRef>
+          <a:fillRef idx="1">
+            <a:schemeClr val="accent1"/>
+          </a:fillRef>
+          <a:effectRef idx="0">
+            <a:schemeClr val="accent1"/>
+          </a:effectRef>
+          <a:fontRef idx="minor">
+            <a:schemeClr val="lt1"/>
+          </a:fontRef>
+        </p:style>
+        <p:txBody>
+          <a:bodyPr rtlCol="0" anchor="ctr"/>
+          <a:lstStyle/>
+          <a:p>
+            <a:pPr algn="ctr"/>
+            <a:endParaRPr lang="pt-BR" sz="2800"/>
           </a:p>
         </p:txBody>
       </p:sp>
@@ -15078,14 +15597,202 @@
         </p:blipFill>
         <p:spPr>
           <a:xfrm>
-            <a:off x="1557908" y="260648"/>
+            <a:off x="1485900" y="620688"/>
             <a:ext cx="3096344" cy="3096344"/>
           </a:xfrm>
           <a:prstGeom prst="rect">
             <a:avLst/>
           </a:prstGeom>
+          <a:ln w="330200" cmpd="sng">
+            <a:noFill/>
+            <a:prstDash val="solid"/>
+            <a:miter lim="800000"/>
+          </a:ln>
+          <a:effectLst>
+            <a:softEdge rad="0"/>
+          </a:effectLst>
         </p:spPr>
       </p:pic>
+      <p:cxnSp>
+        <p:nvCxnSpPr>
+          <p:cNvPr id="8" name="Conector de seta reta 7"/>
+          <p:cNvCxnSpPr/>
+          <p:nvPr/>
+        </p:nvCxnSpPr>
+        <p:spPr>
+          <a:xfrm flipH="1">
+            <a:off x="1155577" y="620688"/>
+            <a:ext cx="330323" cy="0"/>
+          </a:xfrm>
+          <a:prstGeom prst="straightConnector1">
+            <a:avLst/>
+          </a:prstGeom>
+          <a:ln w="25400">
+            <a:solidFill>
+              <a:srgbClr val="0000FF"/>
+            </a:solidFill>
+            <a:tailEnd type="triangle"/>
+          </a:ln>
+        </p:spPr>
+        <p:style>
+          <a:lnRef idx="1">
+            <a:schemeClr val="accent1"/>
+          </a:lnRef>
+          <a:fillRef idx="0">
+            <a:schemeClr val="accent1"/>
+          </a:fillRef>
+          <a:effectRef idx="0">
+            <a:schemeClr val="accent1"/>
+          </a:effectRef>
+          <a:fontRef idx="minor">
+            <a:schemeClr val="tx1"/>
+          </a:fontRef>
+        </p:style>
+      </p:cxnSp>
+      <p:sp>
+        <p:nvSpPr>
+          <p:cNvPr id="9" name="Retângulo 8"/>
+          <p:cNvSpPr/>
+          <p:nvPr/>
+        </p:nvSpPr>
+        <p:spPr>
+          <a:xfrm>
+            <a:off x="1168184" y="535853"/>
+            <a:ext cx="317716" cy="461665"/>
+          </a:xfrm>
+          <a:prstGeom prst="rect">
+            <a:avLst/>
+          </a:prstGeom>
+        </p:spPr>
+        <p:txBody>
+          <a:bodyPr wrap="square">
+            <a:spAutoFit/>
+          </a:bodyPr>
+          <a:lstStyle/>
+          <a:p>
+            <a:pPr algn="ctr"/>
+            <a:r>
+              <a:rPr lang="pt-BR" dirty="0" smtClean="0">
+                <a:ln w="0"/>
+                <a:solidFill>
+                  <a:srgbClr val="0000FF"/>
+                </a:solidFill>
+                <a:effectLst>
+                  <a:outerShdw blurRad="38100" dist="25400" dir="5400000" algn="ctr" rotWithShape="0">
+                    <a:srgbClr val="6E747A">
+                      <a:alpha val="43000"/>
+                    </a:srgbClr>
+                  </a:outerShdw>
+                </a:effectLst>
+              </a:rPr>
+              <a:t>x</a:t>
+            </a:r>
+            <a:endParaRPr lang="pt-BR" dirty="0">
+              <a:ln w="0"/>
+              <a:solidFill>
+                <a:srgbClr val="0000FF"/>
+              </a:solidFill>
+              <a:effectLst>
+                <a:outerShdw blurRad="38100" dist="25400" dir="5400000" algn="ctr" rotWithShape="0">
+                  <a:srgbClr val="6E747A">
+                    <a:alpha val="43000"/>
+                  </a:srgbClr>
+                </a:outerShdw>
+              </a:effectLst>
+            </a:endParaRPr>
+          </a:p>
+        </p:txBody>
+      </p:sp>
+      <p:cxnSp>
+        <p:nvCxnSpPr>
+          <p:cNvPr id="12" name="Conector de seta reta 11"/>
+          <p:cNvCxnSpPr/>
+          <p:nvPr/>
+        </p:nvCxnSpPr>
+        <p:spPr>
+          <a:xfrm flipV="1">
+            <a:off x="1515695" y="306705"/>
+            <a:ext cx="0" cy="325334"/>
+          </a:xfrm>
+          <a:prstGeom prst="straightConnector1">
+            <a:avLst/>
+          </a:prstGeom>
+          <a:ln w="25400">
+            <a:solidFill>
+              <a:srgbClr val="FF0000"/>
+            </a:solidFill>
+            <a:tailEnd type="triangle"/>
+          </a:ln>
+        </p:spPr>
+        <p:style>
+          <a:lnRef idx="1">
+            <a:schemeClr val="accent1"/>
+          </a:lnRef>
+          <a:fillRef idx="0">
+            <a:schemeClr val="accent1"/>
+          </a:fillRef>
+          <a:effectRef idx="0">
+            <a:schemeClr val="accent1"/>
+          </a:effectRef>
+          <a:fontRef idx="minor">
+            <a:schemeClr val="tx1"/>
+          </a:fontRef>
+        </p:style>
+      </p:cxnSp>
+      <p:sp>
+        <p:nvSpPr>
+          <p:cNvPr id="13" name="Retângulo 12"/>
+          <p:cNvSpPr/>
+          <p:nvPr/>
+        </p:nvSpPr>
+        <p:spPr>
+          <a:xfrm>
+            <a:off x="1511564" y="193092"/>
+            <a:ext cx="324128" cy="461665"/>
+          </a:xfrm>
+          <a:prstGeom prst="rect">
+            <a:avLst/>
+          </a:prstGeom>
+        </p:spPr>
+        <p:txBody>
+          <a:bodyPr wrap="none">
+            <a:spAutoFit/>
+          </a:bodyPr>
+          <a:lstStyle/>
+          <a:p>
+            <a:pPr algn="ctr"/>
+            <a:r>
+              <a:rPr lang="pt-BR" dirty="0" smtClean="0">
+                <a:ln w="0"/>
+                <a:solidFill>
+                  <a:srgbClr val="FF0000"/>
+                </a:solidFill>
+                <a:effectLst>
+                  <a:outerShdw blurRad="38100" dist="25400" dir="5400000" algn="ctr" rotWithShape="0">
+                    <a:srgbClr val="6E747A">
+                      <a:alpha val="43000"/>
+                    </a:srgbClr>
+                  </a:outerShdw>
+                </a:effectLst>
+              </a:rPr>
+              <a:t>y</a:t>
+            </a:r>
+            <a:endParaRPr lang="pt-BR" dirty="0">
+              <a:ln w="0"/>
+              <a:solidFill>
+                <a:srgbClr val="FF0000"/>
+              </a:solidFill>
+              <a:effectLst>
+                <a:outerShdw blurRad="38100" dist="25400" dir="5400000" algn="ctr" rotWithShape="0">
+                  <a:srgbClr val="6E747A">
+                    <a:alpha val="43000"/>
+                  </a:srgbClr>
+                </a:outerShdw>
+              </a:effectLst>
+            </a:endParaRPr>
+          </a:p>
+        </p:txBody>
+      </p:sp>
     </p:spTree>
     <p:extLst>
       <p:ext uri="{BB962C8B-B14F-4D97-AF65-F5344CB8AC3E}">
@@ -15145,14 +15852,23 @@
             <p:ph type="title"/>
           </p:nvPr>
         </p:nvSpPr>
-        <p:spPr/>
+        <p:spPr>
+          <a:xfrm>
+            <a:off x="1218882" y="2142728"/>
+            <a:ext cx="4062942" cy="2438400"/>
+          </a:xfrm>
+        </p:spPr>
         <p:txBody>
           <a:bodyPr/>
           <a:lstStyle/>
           <a:p>
             <a:r>
               <a:rPr lang="pt-BR" dirty="0" smtClean="0"/>
-              <a:t>Vitória e Pontuação</a:t>
+              <a:t>Função </a:t>
+            </a:r>
+            <a:r>
+              <a:rPr lang="pt-BR" dirty="0" smtClean="0"/>
+              <a:t>trocar</a:t>
             </a:r>
             <a:endParaRPr lang="pt-BR" dirty="0"/>
           </a:p>
@@ -15166,8 +15882,8 @@
         </p:nvSpPr>
         <p:spPr>
           <a:xfrm>
-            <a:off x="5446340" y="476672"/>
-            <a:ext cx="6552728" cy="5940088"/>
+            <a:off x="4870276" y="44624"/>
+            <a:ext cx="7239220" cy="6863417"/>
           </a:xfrm>
           <a:prstGeom prst="rect">
             <a:avLst/>
@@ -15204,47 +15920,107 @@
                 <a:latin typeface="Courier New" panose="02070309020205020404" pitchFamily="49" charset="0"/>
                 <a:cs typeface="Courier New" panose="02070309020205020404" pitchFamily="49" charset="0"/>
               </a:rPr>
-              <a:t>verifica_vitoria</a:t>
+              <a:t>troca_vizinho</a:t>
             </a:r>
             <a:r>
               <a:rPr lang="pt-BR" sz="2000" dirty="0">
                 <a:latin typeface="Courier New" panose="02070309020205020404" pitchFamily="49" charset="0"/>
                 <a:cs typeface="Courier New" panose="02070309020205020404" pitchFamily="49" charset="0"/>
               </a:rPr>
-              <a:t>()</a:t>
-            </a:r>
-          </a:p>
-          <a:p>
+              <a:t>(</a:t>
+            </a:r>
+            <a:r>
+              <a:rPr lang="pt-BR" sz="2000" dirty="0" err="1">
+                <a:latin typeface="Courier New" panose="02070309020205020404" pitchFamily="49" charset="0"/>
+                <a:cs typeface="Courier New" panose="02070309020205020404" pitchFamily="49" charset="0"/>
+              </a:rPr>
+              <a:t>indice</a:t>
+            </a:r>
             <a:r>
               <a:rPr lang="pt-BR" sz="2000" dirty="0" smtClean="0">
                 <a:latin typeface="Courier New" panose="02070309020205020404" pitchFamily="49" charset="0"/>
                 <a:cs typeface="Courier New" panose="02070309020205020404" pitchFamily="49" charset="0"/>
               </a:rPr>
+              <a:t>)</a:t>
+            </a:r>
+          </a:p>
+          <a:p>
+            <a:endParaRPr lang="pt-BR" sz="2000" dirty="0">
+              <a:latin typeface="Courier New" panose="02070309020205020404" pitchFamily="49" charset="0"/>
+              <a:cs typeface="Courier New" panose="02070309020205020404" pitchFamily="49" charset="0"/>
+            </a:endParaRPr>
+          </a:p>
+          <a:p>
+            <a:r>
+              <a:rPr lang="pt-BR" sz="2000" dirty="0" smtClean="0">
+                <a:latin typeface="Courier New" panose="02070309020205020404" pitchFamily="49" charset="0"/>
+                <a:cs typeface="Courier New" panose="02070309020205020404" pitchFamily="49" charset="0"/>
+              </a:rPr>
+              <a:t>  --</a:t>
+            </a:r>
+            <a:r>
+              <a:rPr lang="pt-BR" sz="2000" dirty="0">
+                <a:latin typeface="Courier New" panose="02070309020205020404" pitchFamily="49" charset="0"/>
+                <a:cs typeface="Courier New" panose="02070309020205020404" pitchFamily="49" charset="0"/>
+              </a:rPr>
+              <a:t>verifica se tile direita </a:t>
+            </a:r>
+            <a:r>
+              <a:rPr lang="pt-BR" sz="2000" dirty="0" smtClean="0">
+                <a:latin typeface="Courier New" panose="02070309020205020404" pitchFamily="49" charset="0"/>
+                <a:cs typeface="Courier New" panose="02070309020205020404" pitchFamily="49" charset="0"/>
+              </a:rPr>
+              <a:t>está </a:t>
+            </a:r>
+            <a:r>
+              <a:rPr lang="pt-BR" sz="2000" dirty="0">
+                <a:latin typeface="Courier New" panose="02070309020205020404" pitchFamily="49" charset="0"/>
+                <a:cs typeface="Courier New" panose="02070309020205020404" pitchFamily="49" charset="0"/>
+              </a:rPr>
+              <a:t>vazia</a:t>
+            </a:r>
+          </a:p>
+          <a:p>
+            <a:r>
+              <a:rPr lang="pt-BR" sz="2000" dirty="0" smtClean="0">
+                <a:latin typeface="Courier New" panose="02070309020205020404" pitchFamily="49" charset="0"/>
+                <a:cs typeface="Courier New" panose="02070309020205020404" pitchFamily="49" charset="0"/>
+              </a:rPr>
               <a:t>  </a:t>
             </a:r>
             <a:r>
-              <a:rPr lang="pt-BR" sz="2000" b="1" dirty="0" smtClean="0">
+              <a:rPr lang="pt-BR" sz="2000" b="1" dirty="0" err="1" smtClean="0">
                 <a:solidFill>
                   <a:schemeClr val="accent1"/>
                 </a:solidFill>
                 <a:latin typeface="Courier New" panose="02070309020205020404" pitchFamily="49" charset="0"/>
                 <a:cs typeface="Courier New" panose="02070309020205020404" pitchFamily="49" charset="0"/>
               </a:rPr>
-              <a:t>for</a:t>
+              <a:t>if</a:t>
             </a:r>
             <a:r>
               <a:rPr lang="pt-BR" sz="2000" dirty="0" smtClean="0">
+                <a:solidFill>
+                  <a:schemeClr val="accent1"/>
+                </a:solidFill>
                 <a:latin typeface="Courier New" panose="02070309020205020404" pitchFamily="49" charset="0"/>
                 <a:cs typeface="Courier New" panose="02070309020205020404" pitchFamily="49" charset="0"/>
               </a:rPr>
               <a:t> </a:t>
             </a:r>
             <a:r>
+              <a:rPr lang="pt-BR" sz="2000" dirty="0" err="1">
+                <a:latin typeface="Courier New" panose="02070309020205020404" pitchFamily="49" charset="0"/>
+                <a:cs typeface="Courier New" panose="02070309020205020404" pitchFamily="49" charset="0"/>
+              </a:rPr>
+              <a:t>indice</a:t>
+            </a:r>
+            <a:r>
               <a:rPr lang="pt-BR" sz="2000" dirty="0">
                 <a:latin typeface="Courier New" panose="02070309020205020404" pitchFamily="49" charset="0"/>
                 <a:cs typeface="Courier New" panose="02070309020205020404" pitchFamily="49" charset="0"/>
               </a:rPr>
-              <a:t>i=</a:t>
+              <a:t> % dificuldade ~= </a:t>
             </a:r>
             <a:r>
               <a:rPr lang="pt-BR" sz="2000" dirty="0">
@@ -15254,74 +16030,14 @@
                 <a:latin typeface="Courier New" panose="02070309020205020404" pitchFamily="49" charset="0"/>
                 <a:cs typeface="Courier New" panose="02070309020205020404" pitchFamily="49" charset="0"/>
               </a:rPr>
-              <a:t>1</a:t>
+              <a:t>0</a:t>
             </a:r>
             <a:r>
               <a:rPr lang="pt-BR" sz="2000" dirty="0">
                 <a:latin typeface="Courier New" panose="02070309020205020404" pitchFamily="49" charset="0"/>
                 <a:cs typeface="Courier New" panose="02070309020205020404" pitchFamily="49" charset="0"/>
               </a:rPr>
-              <a:t>, </a:t>
-            </a:r>
-            <a:r>
-              <a:rPr lang="pt-BR" sz="2000" dirty="0" err="1">
-                <a:latin typeface="Courier New" panose="02070309020205020404" pitchFamily="49" charset="0"/>
-                <a:cs typeface="Courier New" panose="02070309020205020404" pitchFamily="49" charset="0"/>
-              </a:rPr>
-              <a:t>qnt_tiles</a:t>
-            </a:r>
-            <a:r>
-              <a:rPr lang="pt-BR" sz="2000" dirty="0">
-                <a:latin typeface="Courier New" panose="02070309020205020404" pitchFamily="49" charset="0"/>
-                <a:cs typeface="Courier New" panose="02070309020205020404" pitchFamily="49" charset="0"/>
-              </a:rPr>
               <a:t> </a:t>
-            </a:r>
-            <a:r>
-              <a:rPr lang="pt-BR" sz="2000" b="1" dirty="0">
-                <a:solidFill>
-                  <a:schemeClr val="accent1"/>
-                </a:solidFill>
-                <a:latin typeface="Courier New" panose="02070309020205020404" pitchFamily="49" charset="0"/>
-                <a:cs typeface="Courier New" panose="02070309020205020404" pitchFamily="49" charset="0"/>
-              </a:rPr>
-              <a:t>do</a:t>
-            </a:r>
-          </a:p>
-          <a:p>
-            <a:r>
-              <a:rPr lang="pt-BR" sz="2000" dirty="0" smtClean="0">
-                <a:latin typeface="Courier New" panose="02070309020205020404" pitchFamily="49" charset="0"/>
-                <a:cs typeface="Courier New" panose="02070309020205020404" pitchFamily="49" charset="0"/>
-              </a:rPr>
-              <a:t>    </a:t>
-            </a:r>
-            <a:r>
-              <a:rPr lang="pt-BR" sz="2000" b="1" dirty="0" err="1" smtClean="0">
-                <a:solidFill>
-                  <a:schemeClr val="accent1"/>
-                </a:solidFill>
-                <a:latin typeface="Courier New" panose="02070309020205020404" pitchFamily="49" charset="0"/>
-                <a:cs typeface="Courier New" panose="02070309020205020404" pitchFamily="49" charset="0"/>
-              </a:rPr>
-              <a:t>if</a:t>
-            </a:r>
-            <a:r>
-              <a:rPr lang="pt-BR" sz="2000" dirty="0" smtClean="0">
-                <a:solidFill>
-                  <a:schemeClr val="accent1"/>
-                </a:solidFill>
-                <a:latin typeface="Courier New" panose="02070309020205020404" pitchFamily="49" charset="0"/>
-                <a:cs typeface="Courier New" panose="02070309020205020404" pitchFamily="49" charset="0"/>
-              </a:rPr>
-              <a:t> </a:t>
-            </a:r>
-            <a:r>
-              <a:rPr lang="pt-BR" sz="2000" dirty="0">
-                <a:latin typeface="Courier New" panose="02070309020205020404" pitchFamily="49" charset="0"/>
-                <a:cs typeface="Courier New" panose="02070309020205020404" pitchFamily="49" charset="0"/>
-              </a:rPr>
-              <a:t>tiles[i].index ~= i </a:t>
             </a:r>
             <a:r>
               <a:rPr lang="pt-BR" sz="2000" b="1" dirty="0" err="1">
@@ -15347,7 +16063,7 @@
                 <a:latin typeface="Courier New" panose="02070309020205020404" pitchFamily="49" charset="0"/>
                 <a:cs typeface="Courier New" panose="02070309020205020404" pitchFamily="49" charset="0"/>
               </a:rPr>
-              <a:t>      </a:t>
+              <a:t>    </a:t>
             </a:r>
             <a:r>
               <a:rPr lang="pt-BR" sz="2000" b="1" dirty="0" err="1" smtClean="0">
@@ -15357,7 +16073,7 @@
                 <a:latin typeface="Courier New" panose="02070309020205020404" pitchFamily="49" charset="0"/>
                 <a:cs typeface="Courier New" panose="02070309020205020404" pitchFamily="49" charset="0"/>
               </a:rPr>
-              <a:t>return</a:t>
+              <a:t>if</a:t>
             </a:r>
             <a:r>
               <a:rPr lang="pt-BR" sz="2000" dirty="0" smtClean="0">
@@ -15374,26 +16090,62 @@
                 <a:latin typeface="Courier New" panose="02070309020205020404" pitchFamily="49" charset="0"/>
                 <a:cs typeface="Courier New" panose="02070309020205020404" pitchFamily="49" charset="0"/>
               </a:rPr>
-              <a:t>false</a:t>
-            </a:r>
-          </a:p>
-          <a:p>
+              <a:t>tiles[</a:t>
+            </a:r>
+            <a:r>
+              <a:rPr lang="pt-BR" sz="2000" dirty="0" err="1">
+                <a:latin typeface="Courier New" panose="02070309020205020404" pitchFamily="49" charset="0"/>
+                <a:cs typeface="Courier New" panose="02070309020205020404" pitchFamily="49" charset="0"/>
+              </a:rPr>
+              <a:t>indice</a:t>
+            </a:r>
             <a:r>
               <a:rPr lang="pt-BR" sz="2000" dirty="0">
                 <a:latin typeface="Courier New" panose="02070309020205020404" pitchFamily="49" charset="0"/>
                 <a:cs typeface="Courier New" panose="02070309020205020404" pitchFamily="49" charset="0"/>
               </a:rPr>
-              <a:t>    </a:t>
-            </a:r>
-            <a:r>
-              <a:rPr lang="pt-BR" sz="2000" b="1" dirty="0" err="1" smtClean="0">
+              <a:t> + </a:t>
+            </a:r>
+            <a:r>
+              <a:rPr lang="pt-BR" sz="2000" dirty="0">
+                <a:solidFill>
+                  <a:schemeClr val="accent2"/>
+                </a:solidFill>
+                <a:latin typeface="Courier New" panose="02070309020205020404" pitchFamily="49" charset="0"/>
+                <a:cs typeface="Courier New" panose="02070309020205020404" pitchFamily="49" charset="0"/>
+              </a:rPr>
+              <a:t>1</a:t>
+            </a:r>
+            <a:r>
+              <a:rPr lang="pt-BR" sz="2000" dirty="0">
+                <a:latin typeface="Courier New" panose="02070309020205020404" pitchFamily="49" charset="0"/>
+                <a:cs typeface="Courier New" panose="02070309020205020404" pitchFamily="49" charset="0"/>
+              </a:rPr>
+              <a:t>].</a:t>
+            </a:r>
+            <a:r>
+              <a:rPr lang="pt-BR" sz="2000" dirty="0" err="1">
+                <a:latin typeface="Courier New" panose="02070309020205020404" pitchFamily="49" charset="0"/>
+                <a:cs typeface="Courier New" panose="02070309020205020404" pitchFamily="49" charset="0"/>
+              </a:rPr>
+              <a:t>visivel</a:t>
+            </a:r>
+            <a:r>
+              <a:rPr lang="pt-BR" sz="2000" dirty="0">
+                <a:latin typeface="Courier New" panose="02070309020205020404" pitchFamily="49" charset="0"/>
+                <a:cs typeface="Courier New" panose="02070309020205020404" pitchFamily="49" charset="0"/>
+              </a:rPr>
+              <a:t> == false </a:t>
+            </a:r>
+            <a:r>
+              <a:rPr lang="pt-BR" sz="2000" b="1" dirty="0" err="1">
                 <a:solidFill>
                   <a:schemeClr val="accent1"/>
                 </a:solidFill>
                 <a:latin typeface="Courier New" panose="02070309020205020404" pitchFamily="49" charset="0"/>
                 <a:cs typeface="Courier New" panose="02070309020205020404" pitchFamily="49" charset="0"/>
               </a:rPr>
-              <a:t>end</a:t>
+              <a:t>then</a:t>
             </a:r>
             <a:endParaRPr lang="pt-BR" sz="2000" b="1" dirty="0">
               <a:solidFill>
@@ -15405,11 +16157,173 @@
           </a:p>
           <a:p>
             <a:r>
+              <a:rPr lang="pt-BR" sz="2000" dirty="0" smtClean="0">
+                <a:latin typeface="Courier New" panose="02070309020205020404" pitchFamily="49" charset="0"/>
+                <a:cs typeface="Courier New" panose="02070309020205020404" pitchFamily="49" charset="0"/>
+              </a:rPr>
+              <a:t>      tiles[</a:t>
+            </a:r>
+            <a:r>
+              <a:rPr lang="pt-BR" sz="2000" dirty="0" err="1" smtClean="0">
+                <a:latin typeface="Courier New" panose="02070309020205020404" pitchFamily="49" charset="0"/>
+                <a:cs typeface="Courier New" panose="02070309020205020404" pitchFamily="49" charset="0"/>
+              </a:rPr>
+              <a:t>indice</a:t>
+            </a:r>
+            <a:r>
               <a:rPr lang="pt-BR" sz="2000" dirty="0">
                 <a:latin typeface="Courier New" panose="02070309020205020404" pitchFamily="49" charset="0"/>
                 <a:cs typeface="Courier New" panose="02070309020205020404" pitchFamily="49" charset="0"/>
               </a:rPr>
-              <a:t>  </a:t>
+              <a:t>], tiles[</a:t>
+            </a:r>
+            <a:r>
+              <a:rPr lang="pt-BR" sz="2000" dirty="0" err="1">
+                <a:latin typeface="Courier New" panose="02070309020205020404" pitchFamily="49" charset="0"/>
+                <a:cs typeface="Courier New" panose="02070309020205020404" pitchFamily="49" charset="0"/>
+              </a:rPr>
+              <a:t>indice</a:t>
+            </a:r>
+            <a:r>
+              <a:rPr lang="pt-BR" sz="2000" dirty="0">
+                <a:latin typeface="Courier New" panose="02070309020205020404" pitchFamily="49" charset="0"/>
+                <a:cs typeface="Courier New" panose="02070309020205020404" pitchFamily="49" charset="0"/>
+              </a:rPr>
+              <a:t> + </a:t>
+            </a:r>
+            <a:r>
+              <a:rPr lang="pt-BR" sz="2000" dirty="0">
+                <a:solidFill>
+                  <a:schemeClr val="accent2"/>
+                </a:solidFill>
+                <a:latin typeface="Courier New" panose="02070309020205020404" pitchFamily="49" charset="0"/>
+                <a:cs typeface="Courier New" panose="02070309020205020404" pitchFamily="49" charset="0"/>
+              </a:rPr>
+              <a:t>1</a:t>
+            </a:r>
+            <a:r>
+              <a:rPr lang="pt-BR" sz="2000" dirty="0">
+                <a:latin typeface="Courier New" panose="02070309020205020404" pitchFamily="49" charset="0"/>
+                <a:cs typeface="Courier New" panose="02070309020205020404" pitchFamily="49" charset="0"/>
+              </a:rPr>
+              <a:t>] = </a:t>
+            </a:r>
+            <a:r>
+              <a:rPr lang="pt-BR" sz="2000" dirty="0" smtClean="0">
+                <a:latin typeface="Courier New" panose="02070309020205020404" pitchFamily="49" charset="0"/>
+                <a:cs typeface="Courier New" panose="02070309020205020404" pitchFamily="49" charset="0"/>
+              </a:rPr>
+              <a:t>   </a:t>
+            </a:r>
+          </a:p>
+          <a:p>
+            <a:r>
+              <a:rPr lang="pt-BR" sz="2000" dirty="0">
+                <a:latin typeface="Courier New" panose="02070309020205020404" pitchFamily="49" charset="0"/>
+                <a:cs typeface="Courier New" panose="02070309020205020404" pitchFamily="49" charset="0"/>
+              </a:rPr>
+              <a:t> </a:t>
+            </a:r>
+            <a:r>
+              <a:rPr lang="pt-BR" sz="2000" dirty="0" smtClean="0">
+                <a:latin typeface="Courier New" panose="02070309020205020404" pitchFamily="49" charset="0"/>
+                <a:cs typeface="Courier New" panose="02070309020205020404" pitchFamily="49" charset="0"/>
+              </a:rPr>
+              <a:t>     tiles[</a:t>
+            </a:r>
+            <a:r>
+              <a:rPr lang="pt-BR" sz="2000" dirty="0" err="1" smtClean="0">
+                <a:latin typeface="Courier New" panose="02070309020205020404" pitchFamily="49" charset="0"/>
+                <a:cs typeface="Courier New" panose="02070309020205020404" pitchFamily="49" charset="0"/>
+              </a:rPr>
+              <a:t>indice</a:t>
+            </a:r>
+            <a:r>
+              <a:rPr lang="pt-BR" sz="2000" dirty="0" smtClean="0">
+                <a:latin typeface="Courier New" panose="02070309020205020404" pitchFamily="49" charset="0"/>
+                <a:cs typeface="Courier New" panose="02070309020205020404" pitchFamily="49" charset="0"/>
+              </a:rPr>
+              <a:t> </a:t>
+            </a:r>
+            <a:r>
+              <a:rPr lang="pt-BR" sz="2000" dirty="0">
+                <a:latin typeface="Courier New" panose="02070309020205020404" pitchFamily="49" charset="0"/>
+                <a:cs typeface="Courier New" panose="02070309020205020404" pitchFamily="49" charset="0"/>
+              </a:rPr>
+              <a:t>+ </a:t>
+            </a:r>
+            <a:r>
+              <a:rPr lang="pt-BR" sz="2000" dirty="0">
+                <a:solidFill>
+                  <a:schemeClr val="accent2"/>
+                </a:solidFill>
+                <a:latin typeface="Courier New" panose="02070309020205020404" pitchFamily="49" charset="0"/>
+                <a:cs typeface="Courier New" panose="02070309020205020404" pitchFamily="49" charset="0"/>
+              </a:rPr>
+              <a:t>1</a:t>
+            </a:r>
+            <a:r>
+              <a:rPr lang="pt-BR" sz="2000" dirty="0">
+                <a:latin typeface="Courier New" panose="02070309020205020404" pitchFamily="49" charset="0"/>
+                <a:cs typeface="Courier New" panose="02070309020205020404" pitchFamily="49" charset="0"/>
+              </a:rPr>
+              <a:t>], tiles[</a:t>
+            </a:r>
+            <a:r>
+              <a:rPr lang="pt-BR" sz="2000" dirty="0" err="1">
+                <a:latin typeface="Courier New" panose="02070309020205020404" pitchFamily="49" charset="0"/>
+                <a:cs typeface="Courier New" panose="02070309020205020404" pitchFamily="49" charset="0"/>
+              </a:rPr>
+              <a:t>indice</a:t>
+            </a:r>
+            <a:r>
+              <a:rPr lang="pt-BR" sz="2000" dirty="0" smtClean="0">
+                <a:latin typeface="Courier New" panose="02070309020205020404" pitchFamily="49" charset="0"/>
+                <a:cs typeface="Courier New" panose="02070309020205020404" pitchFamily="49" charset="0"/>
+              </a:rPr>
+              <a:t>]</a:t>
+            </a:r>
+          </a:p>
+          <a:p>
+            <a:r>
+              <a:rPr lang="pt-BR" sz="2000" dirty="0">
+                <a:latin typeface="Courier New" panose="02070309020205020404" pitchFamily="49" charset="0"/>
+                <a:cs typeface="Courier New" panose="02070309020205020404" pitchFamily="49" charset="0"/>
+              </a:rPr>
+              <a:t> </a:t>
+            </a:r>
+            <a:r>
+              <a:rPr lang="pt-BR" sz="2000" dirty="0" smtClean="0">
+                <a:latin typeface="Courier New" panose="02070309020205020404" pitchFamily="49" charset="0"/>
+                <a:cs typeface="Courier New" panose="02070309020205020404" pitchFamily="49" charset="0"/>
+              </a:rPr>
+              <a:t>     movimentos = movimentos + </a:t>
+            </a:r>
+            <a:r>
+              <a:rPr lang="pt-BR" sz="2000" dirty="0" smtClean="0">
+                <a:solidFill>
+                  <a:schemeClr val="accent2"/>
+                </a:solidFill>
+                <a:latin typeface="Courier New" panose="02070309020205020404" pitchFamily="49" charset="0"/>
+                <a:cs typeface="Courier New" panose="02070309020205020404" pitchFamily="49" charset="0"/>
+              </a:rPr>
+              <a:t>1</a:t>
+            </a:r>
+            <a:endParaRPr lang="pt-BR" sz="2000" dirty="0">
+              <a:solidFill>
+                <a:schemeClr val="accent2"/>
+              </a:solidFill>
+              <a:latin typeface="Courier New" panose="02070309020205020404" pitchFamily="49" charset="0"/>
+              <a:cs typeface="Courier New" panose="02070309020205020404" pitchFamily="49" charset="0"/>
+            </a:endParaRPr>
+          </a:p>
+          <a:p>
+            <a:r>
+              <a:rPr lang="pt-BR" sz="2000" dirty="0" smtClean="0">
+                <a:latin typeface="Courier New" panose="02070309020205020404" pitchFamily="49" charset="0"/>
+                <a:cs typeface="Courier New" panose="02070309020205020404" pitchFamily="49" charset="0"/>
+              </a:rPr>
+              <a:t>    </a:t>
             </a:r>
             <a:r>
               <a:rPr lang="pt-BR" sz="2000" b="1" dirty="0" err="1" smtClean="0">
@@ -15445,39 +16359,6 @@
                 <a:latin typeface="Courier New" panose="02070309020205020404" pitchFamily="49" charset="0"/>
                 <a:cs typeface="Courier New" panose="02070309020205020404" pitchFamily="49" charset="0"/>
               </a:rPr>
-              <a:t>return</a:t>
-            </a:r>
-            <a:r>
-              <a:rPr lang="pt-BR" sz="2000" dirty="0" smtClean="0">
-                <a:solidFill>
-                  <a:schemeClr val="accent1"/>
-                </a:solidFill>
-                <a:latin typeface="Courier New" panose="02070309020205020404" pitchFamily="49" charset="0"/>
-                <a:cs typeface="Courier New" panose="02070309020205020404" pitchFamily="49" charset="0"/>
-              </a:rPr>
-              <a:t> </a:t>
-            </a:r>
-            <a:r>
-              <a:rPr lang="pt-BR" sz="2000" dirty="0" err="1">
-                <a:latin typeface="Courier New" panose="02070309020205020404" pitchFamily="49" charset="0"/>
-                <a:cs typeface="Courier New" panose="02070309020205020404" pitchFamily="49" charset="0"/>
-              </a:rPr>
-              <a:t>true</a:t>
-            </a:r>
-            <a:endParaRPr lang="pt-BR" sz="2000" dirty="0">
-              <a:latin typeface="Courier New" panose="02070309020205020404" pitchFamily="49" charset="0"/>
-              <a:cs typeface="Courier New" panose="02070309020205020404" pitchFamily="49" charset="0"/>
-            </a:endParaRPr>
-          </a:p>
-          <a:p>
-            <a:r>
-              <a:rPr lang="pt-BR" sz="2000" b="1" dirty="0" err="1" smtClean="0">
-                <a:solidFill>
-                  <a:schemeClr val="accent1"/>
-                </a:solidFill>
-                <a:latin typeface="Courier New" panose="02070309020205020404" pitchFamily="49" charset="0"/>
-                <a:cs typeface="Courier New" panose="02070309020205020404" pitchFamily="49" charset="0"/>
-              </a:rPr>
               <a:t>end</a:t>
             </a:r>
             <a:endParaRPr lang="pt-BR" sz="2000" b="1" dirty="0" smtClean="0">
@@ -15489,117 +16370,6 @@
             </a:endParaRPr>
           </a:p>
           <a:p>
-            <a:endParaRPr lang="pt-BR" sz="2000" dirty="0" smtClean="0">
-              <a:latin typeface="Courier New" panose="02070309020205020404" pitchFamily="49" charset="0"/>
-              <a:cs typeface="Courier New" panose="02070309020205020404" pitchFamily="49" charset="0"/>
-            </a:endParaRPr>
-          </a:p>
-          <a:p>
-            <a:r>
-              <a:rPr lang="pt-BR" sz="2000" b="1" dirty="0" err="1">
-                <a:solidFill>
-                  <a:schemeClr val="accent1"/>
-                </a:solidFill>
-                <a:latin typeface="Courier New" panose="02070309020205020404" pitchFamily="49" charset="0"/>
-                <a:cs typeface="Courier New" panose="02070309020205020404" pitchFamily="49" charset="0"/>
-              </a:rPr>
-              <a:t>function</a:t>
-            </a:r>
-            <a:r>
-              <a:rPr lang="pt-BR" sz="2000" dirty="0">
-                <a:solidFill>
-                  <a:schemeClr val="accent1"/>
-                </a:solidFill>
-                <a:latin typeface="Courier New" panose="02070309020205020404" pitchFamily="49" charset="0"/>
-                <a:cs typeface="Courier New" panose="02070309020205020404" pitchFamily="49" charset="0"/>
-              </a:rPr>
-              <a:t> </a:t>
-            </a:r>
-            <a:r>
-              <a:rPr lang="pt-BR" sz="2000" dirty="0" err="1" smtClean="0">
-                <a:latin typeface="Courier New" panose="02070309020205020404" pitchFamily="49" charset="0"/>
-                <a:cs typeface="Courier New" panose="02070309020205020404" pitchFamily="49" charset="0"/>
-              </a:rPr>
-              <a:t>love.mousepressed</a:t>
-            </a:r>
-            <a:r>
-              <a:rPr lang="pt-BR" sz="2000" dirty="0" smtClean="0">
-                <a:latin typeface="Courier New" panose="02070309020205020404" pitchFamily="49" charset="0"/>
-                <a:cs typeface="Courier New" panose="02070309020205020404" pitchFamily="49" charset="0"/>
-              </a:rPr>
-              <a:t>(</a:t>
-            </a:r>
-            <a:r>
-              <a:rPr lang="pt-BR" sz="2000" dirty="0" err="1" smtClean="0">
-                <a:latin typeface="Courier New" panose="02070309020205020404" pitchFamily="49" charset="0"/>
-                <a:cs typeface="Courier New" panose="02070309020205020404" pitchFamily="49" charset="0"/>
-              </a:rPr>
-              <a:t>x,y,bt</a:t>
-            </a:r>
-            <a:r>
-              <a:rPr lang="pt-BR" sz="2000" dirty="0" smtClean="0">
-                <a:latin typeface="Courier New" panose="02070309020205020404" pitchFamily="49" charset="0"/>
-                <a:cs typeface="Courier New" panose="02070309020205020404" pitchFamily="49" charset="0"/>
-              </a:rPr>
-              <a:t>)</a:t>
-            </a:r>
-            <a:endParaRPr lang="pt-BR" sz="2000" dirty="0">
-              <a:latin typeface="Courier New" panose="02070309020205020404" pitchFamily="49" charset="0"/>
-              <a:cs typeface="Courier New" panose="02070309020205020404" pitchFamily="49" charset="0"/>
-            </a:endParaRPr>
-          </a:p>
-          <a:p>
-            <a:r>
-              <a:rPr lang="pt-BR" sz="2000" dirty="0" smtClean="0">
-                <a:latin typeface="Courier New" panose="02070309020205020404" pitchFamily="49" charset="0"/>
-                <a:cs typeface="Courier New" panose="02070309020205020404" pitchFamily="49" charset="0"/>
-              </a:rPr>
-              <a:t>  </a:t>
-            </a:r>
-            <a:r>
-              <a:rPr lang="pt-BR" sz="2000" b="1" dirty="0" err="1" smtClean="0">
-                <a:solidFill>
-                  <a:schemeClr val="accent1"/>
-                </a:solidFill>
-                <a:latin typeface="Courier New" panose="02070309020205020404" pitchFamily="49" charset="0"/>
-                <a:cs typeface="Courier New" panose="02070309020205020404" pitchFamily="49" charset="0"/>
-              </a:rPr>
-              <a:t>if</a:t>
-            </a:r>
-            <a:r>
-              <a:rPr lang="pt-BR" sz="2000" dirty="0" smtClean="0">
-                <a:solidFill>
-                  <a:schemeClr val="accent1"/>
-                </a:solidFill>
-                <a:latin typeface="Courier New" panose="02070309020205020404" pitchFamily="49" charset="0"/>
-                <a:cs typeface="Courier New" panose="02070309020205020404" pitchFamily="49" charset="0"/>
-              </a:rPr>
-              <a:t> </a:t>
-            </a:r>
-            <a:r>
-              <a:rPr lang="pt-BR" sz="2000" dirty="0" err="1">
-                <a:latin typeface="Courier New" panose="02070309020205020404" pitchFamily="49" charset="0"/>
-                <a:cs typeface="Courier New" panose="02070309020205020404" pitchFamily="49" charset="0"/>
-              </a:rPr>
-              <a:t>verifica_vitoria</a:t>
-            </a:r>
-            <a:r>
-              <a:rPr lang="pt-BR" sz="2000" dirty="0">
-                <a:latin typeface="Courier New" panose="02070309020205020404" pitchFamily="49" charset="0"/>
-                <a:cs typeface="Courier New" panose="02070309020205020404" pitchFamily="49" charset="0"/>
-              </a:rPr>
-              <a:t>() </a:t>
-            </a:r>
-            <a:r>
-              <a:rPr lang="pt-BR" sz="2000" b="1" dirty="0" err="1">
-                <a:solidFill>
-                  <a:schemeClr val="accent1"/>
-                </a:solidFill>
-                <a:latin typeface="Courier New" panose="02070309020205020404" pitchFamily="49" charset="0"/>
-                <a:cs typeface="Courier New" panose="02070309020205020404" pitchFamily="49" charset="0"/>
-              </a:rPr>
-              <a:t>then</a:t>
-            </a:r>
             <a:endParaRPr lang="pt-BR" sz="2000" b="1" dirty="0">
               <a:solidFill>
                 <a:schemeClr val="accent1"/>
@@ -15610,161 +16380,74 @@
           </a:p>
           <a:p>
             <a:r>
+              <a:rPr lang="pt-BR" sz="2000" b="1" dirty="0" smtClean="0">
+                <a:solidFill>
+                  <a:schemeClr val="accent1"/>
+                </a:solidFill>
+                <a:latin typeface="Courier New" panose="02070309020205020404" pitchFamily="49" charset="0"/>
+                <a:cs typeface="Courier New" panose="02070309020205020404" pitchFamily="49" charset="0"/>
+              </a:rPr>
+              <a:t>  </a:t>
+            </a:r>
+            <a:r>
               <a:rPr lang="pt-BR" sz="2000" dirty="0" smtClean="0">
                 <a:latin typeface="Courier New" panose="02070309020205020404" pitchFamily="49" charset="0"/>
                 <a:cs typeface="Courier New" panose="02070309020205020404" pitchFamily="49" charset="0"/>
               </a:rPr>
-              <a:t>    resolvendo </a:t>
-            </a:r>
-            <a:r>
-              <a:rPr lang="pt-BR" sz="2000" dirty="0">
-                <a:latin typeface="Courier New" panose="02070309020205020404" pitchFamily="49" charset="0"/>
-                <a:cs typeface="Courier New" panose="02070309020205020404" pitchFamily="49" charset="0"/>
-              </a:rPr>
-              <a:t>= false</a:t>
-            </a:r>
-          </a:p>
-          <a:p>
+              <a:t>--tile esquerda:</a:t>
+            </a:r>
+          </a:p>
+          <a:p>
+            <a:r>
+              <a:rPr lang="pt-BR" sz="2000" b="1" dirty="0" smtClean="0">
+                <a:solidFill>
+                  <a:schemeClr val="accent1"/>
+                </a:solidFill>
+                <a:latin typeface="Courier New" panose="02070309020205020404" pitchFamily="49" charset="0"/>
+                <a:cs typeface="Courier New" panose="02070309020205020404" pitchFamily="49" charset="0"/>
+              </a:rPr>
+              <a:t>  </a:t>
+            </a:r>
+            <a:r>
+              <a:rPr lang="pt-BR" sz="2000" b="1" dirty="0" err="1" smtClean="0">
+                <a:solidFill>
+                  <a:schemeClr val="accent1"/>
+                </a:solidFill>
+                <a:latin typeface="Courier New" panose="02070309020205020404" pitchFamily="49" charset="0"/>
+                <a:cs typeface="Courier New" panose="02070309020205020404" pitchFamily="49" charset="0"/>
+              </a:rPr>
+              <a:t>if</a:t>
+            </a:r>
+            <a:r>
+              <a:rPr lang="pt-BR" sz="2000" b="1" dirty="0" smtClean="0">
+                <a:solidFill>
+                  <a:schemeClr val="accent1"/>
+                </a:solidFill>
+                <a:latin typeface="Courier New" panose="02070309020205020404" pitchFamily="49" charset="0"/>
+                <a:cs typeface="Courier New" panose="02070309020205020404" pitchFamily="49" charset="0"/>
+              </a:rPr>
+              <a:t> </a:t>
+            </a:r>
             <a:r>
               <a:rPr lang="pt-BR" sz="2000" dirty="0" smtClean="0">
                 <a:latin typeface="Courier New" panose="02070309020205020404" pitchFamily="49" charset="0"/>
                 <a:cs typeface="Courier New" panose="02070309020205020404" pitchFamily="49" charset="0"/>
               </a:rPr>
-              <a:t>    </a:t>
+              <a:t>(</a:t>
             </a:r>
             <a:r>
               <a:rPr lang="pt-BR" sz="2000" dirty="0" err="1" smtClean="0">
                 <a:latin typeface="Courier New" panose="02070309020205020404" pitchFamily="49" charset="0"/>
                 <a:cs typeface="Courier New" panose="02070309020205020404" pitchFamily="49" charset="0"/>
               </a:rPr>
-              <a:t>tFim</a:t>
+              <a:t>indice</a:t>
             </a:r>
             <a:r>
               <a:rPr lang="pt-BR" sz="2000" dirty="0" smtClean="0">
                 <a:latin typeface="Courier New" panose="02070309020205020404" pitchFamily="49" charset="0"/>
                 <a:cs typeface="Courier New" panose="02070309020205020404" pitchFamily="49" charset="0"/>
               </a:rPr>
-              <a:t> </a:t>
-            </a:r>
-            <a:r>
-              <a:rPr lang="pt-BR" sz="2000" dirty="0">
-                <a:latin typeface="Courier New" panose="02070309020205020404" pitchFamily="49" charset="0"/>
-                <a:cs typeface="Courier New" panose="02070309020205020404" pitchFamily="49" charset="0"/>
-              </a:rPr>
-              <a:t>= </a:t>
-            </a:r>
-            <a:r>
-              <a:rPr lang="pt-BR" sz="2000" dirty="0" err="1">
-                <a:latin typeface="Courier New" panose="02070309020205020404" pitchFamily="49" charset="0"/>
-                <a:cs typeface="Courier New" panose="02070309020205020404" pitchFamily="49" charset="0"/>
-              </a:rPr>
-              <a:t>love.timer.getTime</a:t>
-            </a:r>
-            <a:r>
-              <a:rPr lang="pt-BR" sz="2000" dirty="0">
-                <a:latin typeface="Courier New" panose="02070309020205020404" pitchFamily="49" charset="0"/>
-                <a:cs typeface="Courier New" panose="02070309020205020404" pitchFamily="49" charset="0"/>
-              </a:rPr>
-              <a:t>()</a:t>
-            </a:r>
-          </a:p>
-          <a:p>
-            <a:r>
-              <a:rPr lang="pt-BR" sz="2000" dirty="0" smtClean="0">
-                <a:latin typeface="Courier New" panose="02070309020205020404" pitchFamily="49" charset="0"/>
-                <a:cs typeface="Courier New" panose="02070309020205020404" pitchFamily="49" charset="0"/>
-              </a:rPr>
-              <a:t>    </a:t>
-            </a:r>
-            <a:r>
-              <a:rPr lang="pt-BR" sz="2000" dirty="0" err="1" smtClean="0">
-                <a:latin typeface="Courier New" panose="02070309020205020404" pitchFamily="49" charset="0"/>
-                <a:cs typeface="Courier New" panose="02070309020205020404" pitchFamily="49" charset="0"/>
-              </a:rPr>
-              <a:t>duracao</a:t>
-            </a:r>
-            <a:r>
-              <a:rPr lang="pt-BR" sz="2000" dirty="0" smtClean="0">
-                <a:latin typeface="Courier New" panose="02070309020205020404" pitchFamily="49" charset="0"/>
-                <a:cs typeface="Courier New" panose="02070309020205020404" pitchFamily="49" charset="0"/>
-              </a:rPr>
-              <a:t> </a:t>
-            </a:r>
-            <a:r>
-              <a:rPr lang="pt-BR" sz="2000" dirty="0">
-                <a:latin typeface="Courier New" panose="02070309020205020404" pitchFamily="49" charset="0"/>
-                <a:cs typeface="Courier New" panose="02070309020205020404" pitchFamily="49" charset="0"/>
-              </a:rPr>
-              <a:t>= </a:t>
-            </a:r>
-            <a:r>
-              <a:rPr lang="pt-BR" sz="2000" dirty="0" err="1">
-                <a:latin typeface="Courier New" panose="02070309020205020404" pitchFamily="49" charset="0"/>
-                <a:cs typeface="Courier New" panose="02070309020205020404" pitchFamily="49" charset="0"/>
-              </a:rPr>
-              <a:t>tFim</a:t>
-            </a:r>
-            <a:r>
-              <a:rPr lang="pt-BR" sz="2000" dirty="0">
-                <a:latin typeface="Courier New" panose="02070309020205020404" pitchFamily="49" charset="0"/>
-                <a:cs typeface="Courier New" panose="02070309020205020404" pitchFamily="49" charset="0"/>
-              </a:rPr>
-              <a:t> - </a:t>
-            </a:r>
-            <a:r>
-              <a:rPr lang="pt-BR" sz="2000" dirty="0" err="1">
-                <a:latin typeface="Courier New" panose="02070309020205020404" pitchFamily="49" charset="0"/>
-                <a:cs typeface="Courier New" panose="02070309020205020404" pitchFamily="49" charset="0"/>
-              </a:rPr>
-              <a:t>tInicio</a:t>
-            </a:r>
-            <a:endParaRPr lang="pt-BR" sz="2000" dirty="0">
-              <a:latin typeface="Courier New" panose="02070309020205020404" pitchFamily="49" charset="0"/>
-              <a:cs typeface="Courier New" panose="02070309020205020404" pitchFamily="49" charset="0"/>
-            </a:endParaRPr>
-          </a:p>
-          <a:p>
-            <a:r>
-              <a:rPr lang="pt-BR" sz="2000" dirty="0" smtClean="0">
-                <a:latin typeface="Courier New" panose="02070309020205020404" pitchFamily="49" charset="0"/>
-                <a:cs typeface="Courier New" panose="02070309020205020404" pitchFamily="49" charset="0"/>
-              </a:rPr>
-              <a:t>    </a:t>
-            </a:r>
-            <a:r>
-              <a:rPr lang="pt-BR" sz="2000" dirty="0" err="1" smtClean="0">
-                <a:latin typeface="Courier New" panose="02070309020205020404" pitchFamily="49" charset="0"/>
-                <a:cs typeface="Courier New" panose="02070309020205020404" pitchFamily="49" charset="0"/>
-              </a:rPr>
-              <a:t>pontuacao</a:t>
-            </a:r>
-            <a:r>
-              <a:rPr lang="pt-BR" sz="2000" dirty="0" smtClean="0">
-                <a:latin typeface="Courier New" panose="02070309020205020404" pitchFamily="49" charset="0"/>
-                <a:cs typeface="Courier New" panose="02070309020205020404" pitchFamily="49" charset="0"/>
-              </a:rPr>
-              <a:t> </a:t>
-            </a:r>
-            <a:r>
-              <a:rPr lang="pt-BR" sz="2000" dirty="0">
-                <a:latin typeface="Courier New" panose="02070309020205020404" pitchFamily="49" charset="0"/>
-                <a:cs typeface="Courier New" panose="02070309020205020404" pitchFamily="49" charset="0"/>
-              </a:rPr>
-              <a:t>= </a:t>
-            </a:r>
-            <a:r>
-              <a:rPr lang="pt-BR" sz="2000" dirty="0" err="1" smtClean="0">
-                <a:latin typeface="Courier New" panose="02070309020205020404" pitchFamily="49" charset="0"/>
-                <a:cs typeface="Courier New" panose="02070309020205020404" pitchFamily="49" charset="0"/>
-              </a:rPr>
-              <a:t>math.ceil</a:t>
-            </a:r>
-            <a:r>
-              <a:rPr lang="pt-BR" sz="2000" dirty="0" smtClean="0">
-                <a:latin typeface="Courier New" panose="02070309020205020404" pitchFamily="49" charset="0"/>
-                <a:cs typeface="Courier New" panose="02070309020205020404" pitchFamily="49" charset="0"/>
-              </a:rPr>
-              <a:t>(</a:t>
+              <a:t> – </a:t>
             </a:r>
             <a:r>
               <a:rPr lang="pt-BR" sz="2000" dirty="0" smtClean="0">
@@ -15774,77 +16457,38 @@
                 <a:latin typeface="Courier New" panose="02070309020205020404" pitchFamily="49" charset="0"/>
                 <a:cs typeface="Courier New" panose="02070309020205020404" pitchFamily="49" charset="0"/>
               </a:rPr>
-              <a:t>200</a:t>
-            </a:r>
-          </a:p>
-          <a:p>
+              <a:t>1</a:t>
+            </a:r>
             <a:r>
               <a:rPr lang="pt-BR" sz="2000" dirty="0" smtClean="0">
                 <a:latin typeface="Courier New" panose="02070309020205020404" pitchFamily="49" charset="0"/>
                 <a:cs typeface="Courier New" panose="02070309020205020404" pitchFamily="49" charset="0"/>
               </a:rPr>
-              <a:t>    * </a:t>
+              <a:t>)</a:t>
             </a:r>
             <a:r>
               <a:rPr lang="pt-BR" sz="2000" dirty="0">
                 <a:latin typeface="Courier New" panose="02070309020205020404" pitchFamily="49" charset="0"/>
                 <a:cs typeface="Courier New" panose="02070309020205020404" pitchFamily="49" charset="0"/>
               </a:rPr>
-              <a:t>dificuldade - movimentos - </a:t>
-            </a:r>
-            <a:r>
-              <a:rPr lang="pt-BR" sz="2000" dirty="0" err="1" smtClean="0">
-                <a:latin typeface="Courier New" panose="02070309020205020404" pitchFamily="49" charset="0"/>
-                <a:cs typeface="Courier New" panose="02070309020205020404" pitchFamily="49" charset="0"/>
-              </a:rPr>
-              <a:t>duracao</a:t>
-            </a:r>
-            <a:r>
-              <a:rPr lang="pt-BR" sz="2000" dirty="0" smtClean="0">
-                <a:latin typeface="Courier New" panose="02070309020205020404" pitchFamily="49" charset="0"/>
-                <a:cs typeface="Courier New" panose="02070309020205020404" pitchFamily="49" charset="0"/>
-              </a:rPr>
-              <a:t>)</a:t>
-            </a:r>
-            <a:endParaRPr lang="pt-BR" sz="2000" dirty="0">
-              <a:latin typeface="Courier New" panose="02070309020205020404" pitchFamily="49" charset="0"/>
-              <a:cs typeface="Courier New" panose="02070309020205020404" pitchFamily="49" charset="0"/>
-            </a:endParaRPr>
-          </a:p>
-          <a:p>
-            <a:r>
-              <a:rPr lang="pt-BR" sz="2000" dirty="0" smtClean="0">
-                <a:latin typeface="Courier New" panose="02070309020205020404" pitchFamily="49" charset="0"/>
-                <a:cs typeface="Courier New" panose="02070309020205020404" pitchFamily="49" charset="0"/>
-              </a:rPr>
-              <a:t>    terminado </a:t>
+              <a:t> % dificuldade ~= </a:t>
             </a:r>
             <a:r>
               <a:rPr lang="pt-BR" sz="2000" dirty="0">
-                <a:latin typeface="Courier New" panose="02070309020205020404" pitchFamily="49" charset="0"/>
-                <a:cs typeface="Courier New" panose="02070309020205020404" pitchFamily="49" charset="0"/>
-              </a:rPr>
-              <a:t>= </a:t>
-            </a:r>
-            <a:r>
-              <a:rPr lang="pt-BR" sz="2000" dirty="0" err="1">
-                <a:latin typeface="Courier New" panose="02070309020205020404" pitchFamily="49" charset="0"/>
-                <a:cs typeface="Courier New" panose="02070309020205020404" pitchFamily="49" charset="0"/>
-              </a:rPr>
-              <a:t>true</a:t>
-            </a:r>
-            <a:endParaRPr lang="pt-BR" sz="2000" dirty="0">
-              <a:latin typeface="Courier New" panose="02070309020205020404" pitchFamily="49" charset="0"/>
-              <a:cs typeface="Courier New" panose="02070309020205020404" pitchFamily="49" charset="0"/>
-            </a:endParaRPr>
-          </a:p>
-          <a:p>
-            <a:r>
-              <a:rPr lang="pt-BR" sz="2000" dirty="0" smtClean="0">
-                <a:latin typeface="Courier New" panose="02070309020205020404" pitchFamily="49" charset="0"/>
-                <a:cs typeface="Courier New" panose="02070309020205020404" pitchFamily="49" charset="0"/>
-              </a:rPr>
-              <a:t>  </a:t>
+                <a:solidFill>
+                  <a:schemeClr val="accent2"/>
+                </a:solidFill>
+                <a:latin typeface="Courier New" panose="02070309020205020404" pitchFamily="49" charset="0"/>
+                <a:cs typeface="Courier New" panose="02070309020205020404" pitchFamily="49" charset="0"/>
+              </a:rPr>
+              <a:t>0</a:t>
+            </a:r>
+            <a:r>
+              <a:rPr lang="pt-BR" sz="2000" dirty="0">
+                <a:latin typeface="Courier New" panose="02070309020205020404" pitchFamily="49" charset="0"/>
+                <a:cs typeface="Courier New" panose="02070309020205020404" pitchFamily="49" charset="0"/>
+              </a:rPr>
+              <a:t> </a:t>
             </a:r>
             <a:r>
               <a:rPr lang="pt-BR" sz="2000" b="1" dirty="0" err="1" smtClean="0">
@@ -15854,7 +16498,181 @@
                 <a:latin typeface="Courier New" panose="02070309020205020404" pitchFamily="49" charset="0"/>
                 <a:cs typeface="Courier New" panose="02070309020205020404" pitchFamily="49" charset="0"/>
               </a:rPr>
-              <a:t>end</a:t>
+              <a:t>then</a:t>
+            </a:r>
+            <a:endParaRPr lang="pt-BR" sz="2000" dirty="0" smtClean="0">
+              <a:latin typeface="Courier New" panose="02070309020205020404" pitchFamily="49" charset="0"/>
+              <a:cs typeface="Courier New" panose="02070309020205020404" pitchFamily="49" charset="0"/>
+            </a:endParaRPr>
+          </a:p>
+          <a:p>
+            <a:r>
+              <a:rPr lang="pt-BR" sz="2000" b="1" dirty="0">
+                <a:solidFill>
+                  <a:schemeClr val="accent1"/>
+                </a:solidFill>
+                <a:latin typeface="Courier New" panose="02070309020205020404" pitchFamily="49" charset="0"/>
+                <a:cs typeface="Courier New" panose="02070309020205020404" pitchFamily="49" charset="0"/>
+              </a:rPr>
+              <a:t> </a:t>
+            </a:r>
+            <a:r>
+              <a:rPr lang="pt-BR" sz="2000" b="1" dirty="0" smtClean="0">
+                <a:solidFill>
+                  <a:schemeClr val="accent1"/>
+                </a:solidFill>
+                <a:latin typeface="Courier New" panose="02070309020205020404" pitchFamily="49" charset="0"/>
+                <a:cs typeface="Courier New" panose="02070309020205020404" pitchFamily="49" charset="0"/>
+              </a:rPr>
+              <a:t> ...</a:t>
+            </a:r>
+          </a:p>
+          <a:p>
+            <a:pPr>
+              <a:lnSpc>
+                <a:spcPct val="150000"/>
+              </a:lnSpc>
+            </a:pPr>
+            <a:r>
+              <a:rPr lang="pt-BR" sz="2000" b="1" dirty="0" smtClean="0">
+                <a:solidFill>
+                  <a:schemeClr val="accent1"/>
+                </a:solidFill>
+                <a:latin typeface="Courier New" panose="02070309020205020404" pitchFamily="49" charset="0"/>
+                <a:cs typeface="Courier New" panose="02070309020205020404" pitchFamily="49" charset="0"/>
+              </a:rPr>
+              <a:t>  </a:t>
+            </a:r>
+            <a:r>
+              <a:rPr lang="pt-BR" sz="2000" dirty="0">
+                <a:latin typeface="Courier New" panose="02070309020205020404" pitchFamily="49" charset="0"/>
+                <a:cs typeface="Courier New" panose="02070309020205020404" pitchFamily="49" charset="0"/>
+              </a:rPr>
+              <a:t>--tile </a:t>
+            </a:r>
+            <a:r>
+              <a:rPr lang="pt-BR" sz="2000" dirty="0" smtClean="0">
+                <a:latin typeface="Courier New" panose="02070309020205020404" pitchFamily="49" charset="0"/>
+                <a:cs typeface="Courier New" panose="02070309020205020404" pitchFamily="49" charset="0"/>
+              </a:rPr>
+              <a:t>superior:</a:t>
+            </a:r>
+          </a:p>
+          <a:p>
+            <a:r>
+              <a:rPr lang="pt-BR" sz="2000" dirty="0" smtClean="0">
+                <a:latin typeface="Courier New" panose="02070309020205020404" pitchFamily="49" charset="0"/>
+                <a:cs typeface="Courier New" panose="02070309020205020404" pitchFamily="49" charset="0"/>
+              </a:rPr>
+              <a:t>  </a:t>
+            </a:r>
+            <a:r>
+              <a:rPr lang="pt-BR" sz="2000" b="1" dirty="0" err="1" smtClean="0">
+                <a:solidFill>
+                  <a:schemeClr val="accent1"/>
+                </a:solidFill>
+                <a:latin typeface="Courier New" panose="02070309020205020404" pitchFamily="49" charset="0"/>
+                <a:cs typeface="Courier New" panose="02070309020205020404" pitchFamily="49" charset="0"/>
+              </a:rPr>
+              <a:t>if</a:t>
+            </a:r>
+            <a:r>
+              <a:rPr lang="pt-BR" sz="2000" b="1" dirty="0" smtClean="0">
+                <a:solidFill>
+                  <a:schemeClr val="accent1"/>
+                </a:solidFill>
+                <a:latin typeface="Courier New" panose="02070309020205020404" pitchFamily="49" charset="0"/>
+                <a:cs typeface="Courier New" panose="02070309020205020404" pitchFamily="49" charset="0"/>
+              </a:rPr>
+              <a:t> </a:t>
+            </a:r>
+            <a:r>
+              <a:rPr lang="pt-BR" sz="2000" dirty="0" smtClean="0">
+                <a:latin typeface="Courier New" panose="02070309020205020404" pitchFamily="49" charset="0"/>
+                <a:cs typeface="Courier New" panose="02070309020205020404" pitchFamily="49" charset="0"/>
+              </a:rPr>
+              <a:t>(</a:t>
+            </a:r>
+            <a:r>
+              <a:rPr lang="pt-BR" sz="2000" dirty="0" err="1" smtClean="0">
+                <a:latin typeface="Courier New" panose="02070309020205020404" pitchFamily="49" charset="0"/>
+                <a:cs typeface="Courier New" panose="02070309020205020404" pitchFamily="49" charset="0"/>
+              </a:rPr>
+              <a:t>indice</a:t>
+            </a:r>
+            <a:r>
+              <a:rPr lang="pt-BR" sz="2000" dirty="0" smtClean="0">
+                <a:latin typeface="Courier New" panose="02070309020205020404" pitchFamily="49" charset="0"/>
+                <a:cs typeface="Courier New" panose="02070309020205020404" pitchFamily="49" charset="0"/>
+              </a:rPr>
+              <a:t> </a:t>
+            </a:r>
+            <a:r>
+              <a:rPr lang="pt-BR" sz="2000" dirty="0">
+                <a:latin typeface="Courier New" panose="02070309020205020404" pitchFamily="49" charset="0"/>
+                <a:cs typeface="Courier New" panose="02070309020205020404" pitchFamily="49" charset="0"/>
+              </a:rPr>
+              <a:t>– </a:t>
+            </a:r>
+            <a:r>
+              <a:rPr lang="pt-BR" sz="2000" dirty="0" smtClean="0">
+                <a:latin typeface="Courier New" panose="02070309020205020404" pitchFamily="49" charset="0"/>
+                <a:cs typeface="Courier New" panose="02070309020205020404" pitchFamily="49" charset="0"/>
+              </a:rPr>
+              <a:t>dificuldade) &gt; </a:t>
+            </a:r>
+            <a:r>
+              <a:rPr lang="pt-BR" sz="2000" dirty="0" smtClean="0">
+                <a:solidFill>
+                  <a:schemeClr val="accent2"/>
+                </a:solidFill>
+                <a:latin typeface="Courier New" panose="02070309020205020404" pitchFamily="49" charset="0"/>
+                <a:cs typeface="Courier New" panose="02070309020205020404" pitchFamily="49" charset="0"/>
+              </a:rPr>
+              <a:t>0</a:t>
+            </a:r>
+          </a:p>
+          <a:p>
+            <a:r>
+              <a:rPr lang="pt-BR" sz="2000" b="1" dirty="0" smtClean="0">
+                <a:solidFill>
+                  <a:schemeClr val="accent1"/>
+                </a:solidFill>
+                <a:latin typeface="Courier New" panose="02070309020205020404" pitchFamily="49" charset="0"/>
+                <a:cs typeface="Courier New" panose="02070309020205020404" pitchFamily="49" charset="0"/>
+              </a:rPr>
+              <a:t>  ...</a:t>
+            </a:r>
+          </a:p>
+          <a:p>
+            <a:pPr>
+              <a:lnSpc>
+                <a:spcPct val="150000"/>
+              </a:lnSpc>
+            </a:pPr>
+            <a:r>
+              <a:rPr lang="pt-BR" sz="2000" b="1" dirty="0" smtClean="0">
+                <a:solidFill>
+                  <a:schemeClr val="accent1"/>
+                </a:solidFill>
+                <a:latin typeface="Courier New" panose="02070309020205020404" pitchFamily="49" charset="0"/>
+                <a:cs typeface="Courier New" panose="02070309020205020404" pitchFamily="49" charset="0"/>
+              </a:rPr>
+              <a:t>  </a:t>
+            </a:r>
+            <a:r>
+              <a:rPr lang="pt-BR" sz="2000" dirty="0">
+                <a:latin typeface="Courier New" panose="02070309020205020404" pitchFamily="49" charset="0"/>
+                <a:cs typeface="Courier New" panose="02070309020205020404" pitchFamily="49" charset="0"/>
+              </a:rPr>
+              <a:t>--tile </a:t>
+            </a:r>
+            <a:r>
+              <a:rPr lang="pt-BR" sz="2000" dirty="0" smtClean="0">
+                <a:latin typeface="Courier New" panose="02070309020205020404" pitchFamily="49" charset="0"/>
+                <a:cs typeface="Courier New" panose="02070309020205020404" pitchFamily="49" charset="0"/>
+              </a:rPr>
+              <a:t>inferior:</a:t>
             </a:r>
             <a:endParaRPr lang="pt-BR" sz="2000" b="1" dirty="0" smtClean="0">
               <a:solidFill>
@@ -15866,6 +16684,16 @@
           </a:p>
           <a:p>
             <a:r>
+              <a:rPr lang="pt-BR" sz="2000" b="1" dirty="0" smtClean="0">
+                <a:solidFill>
+                  <a:schemeClr val="accent1"/>
+                </a:solidFill>
+                <a:latin typeface="Courier New" panose="02070309020205020404" pitchFamily="49" charset="0"/>
+                <a:cs typeface="Courier New" panose="02070309020205020404" pitchFamily="49" charset="0"/>
+              </a:rPr>
+              <a:t>  </a:t>
+            </a:r>
+            <a:r>
               <a:rPr lang="pt-BR" sz="2000" b="1" dirty="0" err="1" smtClean="0">
                 <a:solidFill>
                   <a:schemeClr val="accent1"/>
@@ -15873,7 +16701,80 @@
                 <a:latin typeface="Courier New" panose="02070309020205020404" pitchFamily="49" charset="0"/>
                 <a:cs typeface="Courier New" panose="02070309020205020404" pitchFamily="49" charset="0"/>
               </a:rPr>
-              <a:t>end</a:t>
+              <a:t>if</a:t>
+            </a:r>
+            <a:r>
+              <a:rPr lang="pt-BR" sz="2000" b="1" dirty="0" smtClean="0">
+                <a:solidFill>
+                  <a:schemeClr val="accent1"/>
+                </a:solidFill>
+                <a:latin typeface="Courier New" panose="02070309020205020404" pitchFamily="49" charset="0"/>
+                <a:cs typeface="Courier New" panose="02070309020205020404" pitchFamily="49" charset="0"/>
+              </a:rPr>
+              <a:t> </a:t>
+            </a:r>
+            <a:r>
+              <a:rPr lang="pt-BR" sz="2000" dirty="0" smtClean="0">
+                <a:latin typeface="Courier New" panose="02070309020205020404" pitchFamily="49" charset="0"/>
+                <a:cs typeface="Courier New" panose="02070309020205020404" pitchFamily="49" charset="0"/>
+              </a:rPr>
+              <a:t>(</a:t>
+            </a:r>
+            <a:r>
+              <a:rPr lang="pt-BR" sz="2000" dirty="0" err="1" smtClean="0">
+                <a:latin typeface="Courier New" panose="02070309020205020404" pitchFamily="49" charset="0"/>
+                <a:cs typeface="Courier New" panose="02070309020205020404" pitchFamily="49" charset="0"/>
+              </a:rPr>
+              <a:t>indice</a:t>
+            </a:r>
+            <a:r>
+              <a:rPr lang="pt-BR" sz="2000" dirty="0" smtClean="0">
+                <a:latin typeface="Courier New" panose="02070309020205020404" pitchFamily="49" charset="0"/>
+                <a:cs typeface="Courier New" panose="02070309020205020404" pitchFamily="49" charset="0"/>
+              </a:rPr>
+              <a:t> + </a:t>
+            </a:r>
+            <a:r>
+              <a:rPr lang="pt-BR" sz="2000" dirty="0">
+                <a:latin typeface="Courier New" panose="02070309020205020404" pitchFamily="49" charset="0"/>
+                <a:cs typeface="Courier New" panose="02070309020205020404" pitchFamily="49" charset="0"/>
+              </a:rPr>
+              <a:t>dificuldade) &lt;= (</a:t>
+            </a:r>
+            <a:r>
+              <a:rPr lang="pt-BR" sz="2000" dirty="0" err="1" smtClean="0">
+                <a:latin typeface="Courier New" panose="02070309020205020404" pitchFamily="49" charset="0"/>
+                <a:cs typeface="Courier New" panose="02070309020205020404" pitchFamily="49" charset="0"/>
+              </a:rPr>
+              <a:t>dif</a:t>
+            </a:r>
+            <a:r>
+              <a:rPr lang="pt-BR" sz="2000" dirty="0" smtClean="0">
+                <a:latin typeface="Courier New" panose="02070309020205020404" pitchFamily="49" charset="0"/>
+                <a:cs typeface="Courier New" panose="02070309020205020404" pitchFamily="49" charset="0"/>
+              </a:rPr>
+              <a:t> </a:t>
+            </a:r>
+            <a:r>
+              <a:rPr lang="pt-BR" sz="2000" dirty="0">
+                <a:latin typeface="Courier New" panose="02070309020205020404" pitchFamily="49" charset="0"/>
+                <a:cs typeface="Courier New" panose="02070309020205020404" pitchFamily="49" charset="0"/>
+              </a:rPr>
+              <a:t>* </a:t>
+            </a:r>
+            <a:r>
+              <a:rPr lang="pt-BR" sz="2000" dirty="0" err="1" smtClean="0">
+                <a:latin typeface="Courier New" panose="02070309020205020404" pitchFamily="49" charset="0"/>
+                <a:cs typeface="Courier New" panose="02070309020205020404" pitchFamily="49" charset="0"/>
+              </a:rPr>
+              <a:t>dif</a:t>
+            </a:r>
+            <a:r>
+              <a:rPr lang="pt-BR" sz="2000" dirty="0" smtClean="0">
+                <a:latin typeface="Courier New" panose="02070309020205020404" pitchFamily="49" charset="0"/>
+                <a:cs typeface="Courier New" panose="02070309020205020404" pitchFamily="49" charset="0"/>
+              </a:rPr>
+              <a:t>)</a:t>
             </a:r>
             <a:endParaRPr lang="pt-BR" sz="2000" b="1" dirty="0">
               <a:solidFill>
@@ -15883,12 +16784,71 @@
               <a:cs typeface="Courier New" panose="02070309020205020404" pitchFamily="49" charset="0"/>
             </a:endParaRPr>
           </a:p>
+          <a:p>
+            <a:r>
+              <a:rPr lang="pt-BR" sz="2000" b="1" dirty="0" smtClean="0">
+                <a:solidFill>
+                  <a:schemeClr val="accent1"/>
+                </a:solidFill>
+                <a:latin typeface="Courier New" panose="02070309020205020404" pitchFamily="49" charset="0"/>
+                <a:cs typeface="Courier New" panose="02070309020205020404" pitchFamily="49" charset="0"/>
+              </a:rPr>
+              <a:t>  ...</a:t>
+            </a:r>
+          </a:p>
+          <a:p>
+            <a:r>
+              <a:rPr lang="pt-BR" sz="2000" b="1" dirty="0" err="1" smtClean="0">
+                <a:solidFill>
+                  <a:schemeClr val="accent1"/>
+                </a:solidFill>
+                <a:latin typeface="Courier New" panose="02070309020205020404" pitchFamily="49" charset="0"/>
+                <a:cs typeface="Courier New" panose="02070309020205020404" pitchFamily="49" charset="0"/>
+              </a:rPr>
+              <a:t>end</a:t>
+            </a:r>
+            <a:endParaRPr lang="pt-BR" b="1" dirty="0">
+              <a:solidFill>
+                <a:schemeClr val="accent1"/>
+              </a:solidFill>
+            </a:endParaRPr>
+          </a:p>
         </p:txBody>
       </p:sp>
+      <p:pic>
+        <p:nvPicPr>
+          <p:cNvPr id="4" name="Imagem 3"/>
+          <p:cNvPicPr>
+            <a:picLocks noChangeAspect="1"/>
+          </p:cNvPicPr>
+          <p:nvPr/>
+        </p:nvPicPr>
+        <p:blipFill>
+          <a:blip r:embed="rId2" cstate="print">
+            <a:extLst>
+              <a:ext uri="{28A0092B-C50C-407E-A947-70E740481C1C}">
+                <a14:useLocalDpi xmlns:a14="http://schemas.microsoft.com/office/drawing/2010/main" val="0"/>
+              </a:ext>
+            </a:extLst>
+          </a:blip>
+          <a:stretch>
+            <a:fillRect/>
+          </a:stretch>
+        </p:blipFill>
+        <p:spPr>
+          <a:xfrm>
+            <a:off x="1485900" y="620688"/>
+            <a:ext cx="3096344" cy="3096344"/>
+          </a:xfrm>
+          <a:prstGeom prst="rect">
+            <a:avLst/>
+          </a:prstGeom>
+        </p:spPr>
+      </p:pic>
     </p:spTree>
     <p:extLst>
       <p:ext uri="{BB962C8B-B14F-4D97-AF65-F5344CB8AC3E}">
-        <p14:creationId xmlns:p14="http://schemas.microsoft.com/office/powerpoint/2010/main" val="326499891"/>
+        <p14:creationId xmlns:p14="http://schemas.microsoft.com/office/powerpoint/2010/main" val="2079509748"/>
       </p:ext>
     </p:extLst>
   </p:cSld>
@@ -15936,7 +16896,7 @@
       </p:grpSpPr>
       <p:sp>
         <p:nvSpPr>
-          <p:cNvPr id="13" name="Título 12"/>
+          <p:cNvPr id="2" name="Título 1"/>
           <p:cNvSpPr>
             <a:spLocks noGrp="1"/>
           </p:cNvSpPr>
@@ -15946,207 +16906,748 @@
         </p:nvSpPr>
         <p:spPr/>
         <p:txBody>
-          <a:bodyPr rtlCol="0"/>
+          <a:bodyPr/>
           <a:lstStyle/>
           <a:p>
-            <a:pPr rtl="0"/>
             <a:r>
               <a:rPr lang="pt-BR" dirty="0" smtClean="0"/>
-              <a:t>Referências consultadas</a:t>
-            </a:r>
-            <a:endParaRPr lang="en-US" dirty="0"/>
+              <a:t>Vitória e Pontuação</a:t>
+            </a:r>
+            <a:endParaRPr lang="pt-BR" dirty="0"/>
           </a:p>
         </p:txBody>
       </p:sp>
       <p:sp>
         <p:nvSpPr>
-          <p:cNvPr id="14" name="Espaço Reservado para Conteúdo 13"/>
-          <p:cNvSpPr>
-            <a:spLocks noGrp="1"/>
-          </p:cNvSpPr>
-          <p:nvPr>
-            <p:ph idx="1"/>
-          </p:nvPr>
+          <p:cNvPr id="5" name="Retângulo 4"/>
+          <p:cNvSpPr/>
+          <p:nvPr/>
         </p:nvSpPr>
-        <p:spPr/>
+        <p:spPr>
+          <a:xfrm>
+            <a:off x="5446340" y="476672"/>
+            <a:ext cx="6552728" cy="5940088"/>
+          </a:xfrm>
+          <a:prstGeom prst="rect">
+            <a:avLst/>
+          </a:prstGeom>
+        </p:spPr>
         <p:txBody>
-          <a:bodyPr rtlCol="0">
-            <a:normAutofit fontScale="92500" lnSpcReduction="10000"/>
+          <a:bodyPr wrap="square">
+            <a:spAutoFit/>
           </a:bodyPr>
           <a:lstStyle/>
           <a:p>
             <a:r>
-              <a:rPr lang="pt-BR" dirty="0" smtClean="0"/>
-              <a:t>2D </a:t>
-            </a:r>
-            <a:r>
-              <a:rPr lang="pt-BR" dirty="0" err="1" smtClean="0"/>
-              <a:t>Sliding</a:t>
-            </a:r>
-            <a:r>
-              <a:rPr lang="pt-BR" dirty="0" smtClean="0"/>
-              <a:t> Puzzles (</a:t>
-            </a:r>
-            <a:r>
-              <a:rPr lang="pt-BR" dirty="0">
-                <a:hlinkClick r:id="rId2"/>
-              </a:rPr>
-              <a:t>https://sites.google.com/site/geduldspiele/GallerySlidingPuzzles</a:t>
-            </a:r>
-            <a:r>
-              <a:rPr lang="pt-BR" dirty="0" smtClean="0"/>
+              <a:rPr lang="pt-BR" sz="2000" b="1" dirty="0" err="1">
+                <a:solidFill>
+                  <a:schemeClr val="accent1"/>
+                </a:solidFill>
+                <a:latin typeface="Courier New" panose="02070309020205020404" pitchFamily="49" charset="0"/>
+                <a:cs typeface="Courier New" panose="02070309020205020404" pitchFamily="49" charset="0"/>
+              </a:rPr>
+              <a:t>function</a:t>
+            </a:r>
+            <a:r>
+              <a:rPr lang="pt-BR" sz="2000" dirty="0">
+                <a:solidFill>
+                  <a:schemeClr val="accent1"/>
+                </a:solidFill>
+                <a:latin typeface="Courier New" panose="02070309020205020404" pitchFamily="49" charset="0"/>
+                <a:cs typeface="Courier New" panose="02070309020205020404" pitchFamily="49" charset="0"/>
+              </a:rPr>
+              <a:t> </a:t>
+            </a:r>
+            <a:r>
+              <a:rPr lang="pt-BR" sz="2000" dirty="0" err="1">
+                <a:latin typeface="Courier New" panose="02070309020205020404" pitchFamily="49" charset="0"/>
+                <a:cs typeface="Courier New" panose="02070309020205020404" pitchFamily="49" charset="0"/>
+              </a:rPr>
+              <a:t>verifica_vitoria</a:t>
+            </a:r>
+            <a:r>
+              <a:rPr lang="pt-BR" sz="2000" dirty="0">
+                <a:latin typeface="Courier New" panose="02070309020205020404" pitchFamily="49" charset="0"/>
+                <a:cs typeface="Courier New" panose="02070309020205020404" pitchFamily="49" charset="0"/>
+              </a:rPr>
+              <a:t>()</a:t>
+            </a:r>
+          </a:p>
+          <a:p>
+            <a:r>
+              <a:rPr lang="pt-BR" sz="2000" dirty="0" smtClean="0">
+                <a:latin typeface="Courier New" panose="02070309020205020404" pitchFamily="49" charset="0"/>
+                <a:cs typeface="Courier New" panose="02070309020205020404" pitchFamily="49" charset="0"/>
+              </a:rPr>
+              <a:t>  </a:t>
+            </a:r>
+            <a:r>
+              <a:rPr lang="pt-BR" sz="2000" b="1" dirty="0" smtClean="0">
+                <a:solidFill>
+                  <a:schemeClr val="accent1"/>
+                </a:solidFill>
+                <a:latin typeface="Courier New" panose="02070309020205020404" pitchFamily="49" charset="0"/>
+                <a:cs typeface="Courier New" panose="02070309020205020404" pitchFamily="49" charset="0"/>
+              </a:rPr>
+              <a:t>for</a:t>
+            </a:r>
+            <a:r>
+              <a:rPr lang="pt-BR" sz="2000" dirty="0" smtClean="0">
+                <a:latin typeface="Courier New" panose="02070309020205020404" pitchFamily="49" charset="0"/>
+                <a:cs typeface="Courier New" panose="02070309020205020404" pitchFamily="49" charset="0"/>
+              </a:rPr>
+              <a:t> </a:t>
+            </a:r>
+            <a:r>
+              <a:rPr lang="pt-BR" sz="2000" dirty="0">
+                <a:latin typeface="Courier New" panose="02070309020205020404" pitchFamily="49" charset="0"/>
+                <a:cs typeface="Courier New" panose="02070309020205020404" pitchFamily="49" charset="0"/>
+              </a:rPr>
+              <a:t>i=</a:t>
+            </a:r>
+            <a:r>
+              <a:rPr lang="pt-BR" sz="2000" dirty="0">
+                <a:solidFill>
+                  <a:schemeClr val="accent2"/>
+                </a:solidFill>
+                <a:latin typeface="Courier New" panose="02070309020205020404" pitchFamily="49" charset="0"/>
+                <a:cs typeface="Courier New" panose="02070309020205020404" pitchFamily="49" charset="0"/>
+              </a:rPr>
+              <a:t>1</a:t>
+            </a:r>
+            <a:r>
+              <a:rPr lang="pt-BR" sz="2000" dirty="0">
+                <a:latin typeface="Courier New" panose="02070309020205020404" pitchFamily="49" charset="0"/>
+                <a:cs typeface="Courier New" panose="02070309020205020404" pitchFamily="49" charset="0"/>
+              </a:rPr>
+              <a:t>, </a:t>
+            </a:r>
+            <a:r>
+              <a:rPr lang="pt-BR" sz="2000" dirty="0" err="1">
+                <a:latin typeface="Courier New" panose="02070309020205020404" pitchFamily="49" charset="0"/>
+                <a:cs typeface="Courier New" panose="02070309020205020404" pitchFamily="49" charset="0"/>
+              </a:rPr>
+              <a:t>qnt_tiles</a:t>
+            </a:r>
+            <a:r>
+              <a:rPr lang="pt-BR" sz="2000" dirty="0">
+                <a:latin typeface="Courier New" panose="02070309020205020404" pitchFamily="49" charset="0"/>
+                <a:cs typeface="Courier New" panose="02070309020205020404" pitchFamily="49" charset="0"/>
+              </a:rPr>
+              <a:t> </a:t>
+            </a:r>
+            <a:r>
+              <a:rPr lang="pt-BR" sz="2000" b="1" dirty="0">
+                <a:solidFill>
+                  <a:schemeClr val="accent1"/>
+                </a:solidFill>
+                <a:latin typeface="Courier New" panose="02070309020205020404" pitchFamily="49" charset="0"/>
+                <a:cs typeface="Courier New" panose="02070309020205020404" pitchFamily="49" charset="0"/>
+              </a:rPr>
+              <a:t>do</a:t>
+            </a:r>
+          </a:p>
+          <a:p>
+            <a:r>
+              <a:rPr lang="pt-BR" sz="2000" dirty="0" smtClean="0">
+                <a:latin typeface="Courier New" panose="02070309020205020404" pitchFamily="49" charset="0"/>
+                <a:cs typeface="Courier New" panose="02070309020205020404" pitchFamily="49" charset="0"/>
+              </a:rPr>
+              <a:t>    </a:t>
+            </a:r>
+            <a:r>
+              <a:rPr lang="pt-BR" sz="2000" b="1" dirty="0" err="1" smtClean="0">
+                <a:solidFill>
+                  <a:schemeClr val="accent1"/>
+                </a:solidFill>
+                <a:latin typeface="Courier New" panose="02070309020205020404" pitchFamily="49" charset="0"/>
+                <a:cs typeface="Courier New" panose="02070309020205020404" pitchFamily="49" charset="0"/>
+              </a:rPr>
+              <a:t>if</a:t>
+            </a:r>
+            <a:r>
+              <a:rPr lang="pt-BR" sz="2000" dirty="0" smtClean="0">
+                <a:solidFill>
+                  <a:schemeClr val="accent1"/>
+                </a:solidFill>
+                <a:latin typeface="Courier New" panose="02070309020205020404" pitchFamily="49" charset="0"/>
+                <a:cs typeface="Courier New" panose="02070309020205020404" pitchFamily="49" charset="0"/>
+              </a:rPr>
+              <a:t> </a:t>
+            </a:r>
+            <a:r>
+              <a:rPr lang="pt-BR" sz="2000" dirty="0">
+                <a:latin typeface="Courier New" panose="02070309020205020404" pitchFamily="49" charset="0"/>
+                <a:cs typeface="Courier New" panose="02070309020205020404" pitchFamily="49" charset="0"/>
+              </a:rPr>
+              <a:t>tiles[i].index ~= i </a:t>
+            </a:r>
+            <a:r>
+              <a:rPr lang="pt-BR" sz="2000" b="1" dirty="0" err="1">
+                <a:solidFill>
+                  <a:schemeClr val="accent1"/>
+                </a:solidFill>
+                <a:latin typeface="Courier New" panose="02070309020205020404" pitchFamily="49" charset="0"/>
+                <a:cs typeface="Courier New" panose="02070309020205020404" pitchFamily="49" charset="0"/>
+              </a:rPr>
+              <a:t>then</a:t>
+            </a:r>
+            <a:endParaRPr lang="pt-BR" sz="2000" b="1" dirty="0">
+              <a:solidFill>
+                <a:schemeClr val="accent1"/>
+              </a:solidFill>
+              <a:latin typeface="Courier New" panose="02070309020205020404" pitchFamily="49" charset="0"/>
+              <a:cs typeface="Courier New" panose="02070309020205020404" pitchFamily="49" charset="0"/>
+            </a:endParaRPr>
+          </a:p>
+          <a:p>
+            <a:r>
+              <a:rPr lang="pt-BR" sz="2000" dirty="0" smtClean="0">
+                <a:latin typeface="Courier New" panose="02070309020205020404" pitchFamily="49" charset="0"/>
+                <a:cs typeface="Courier New" panose="02070309020205020404" pitchFamily="49" charset="0"/>
+              </a:rPr>
+              <a:t>      </a:t>
+            </a:r>
+            <a:r>
+              <a:rPr lang="pt-BR" sz="2000" b="1" dirty="0" err="1" smtClean="0">
+                <a:solidFill>
+                  <a:schemeClr val="accent1"/>
+                </a:solidFill>
+                <a:latin typeface="Courier New" panose="02070309020205020404" pitchFamily="49" charset="0"/>
+                <a:cs typeface="Courier New" panose="02070309020205020404" pitchFamily="49" charset="0"/>
+              </a:rPr>
+              <a:t>return</a:t>
+            </a:r>
+            <a:r>
+              <a:rPr lang="pt-BR" sz="2000" dirty="0" smtClean="0">
+                <a:solidFill>
+                  <a:schemeClr val="accent1"/>
+                </a:solidFill>
+                <a:latin typeface="Courier New" panose="02070309020205020404" pitchFamily="49" charset="0"/>
+                <a:cs typeface="Courier New" panose="02070309020205020404" pitchFamily="49" charset="0"/>
+              </a:rPr>
+              <a:t> </a:t>
+            </a:r>
+            <a:r>
+              <a:rPr lang="pt-BR" sz="2000" dirty="0">
+                <a:latin typeface="Courier New" panose="02070309020205020404" pitchFamily="49" charset="0"/>
+                <a:cs typeface="Courier New" panose="02070309020205020404" pitchFamily="49" charset="0"/>
+              </a:rPr>
+              <a:t>false</a:t>
+            </a:r>
+          </a:p>
+          <a:p>
+            <a:r>
+              <a:rPr lang="pt-BR" sz="2000" dirty="0">
+                <a:latin typeface="Courier New" panose="02070309020205020404" pitchFamily="49" charset="0"/>
+                <a:cs typeface="Courier New" panose="02070309020205020404" pitchFamily="49" charset="0"/>
+              </a:rPr>
+              <a:t>    </a:t>
+            </a:r>
+            <a:r>
+              <a:rPr lang="pt-BR" sz="2000" b="1" dirty="0" err="1" smtClean="0">
+                <a:solidFill>
+                  <a:schemeClr val="accent1"/>
+                </a:solidFill>
+                <a:latin typeface="Courier New" panose="02070309020205020404" pitchFamily="49" charset="0"/>
+                <a:cs typeface="Courier New" panose="02070309020205020404" pitchFamily="49" charset="0"/>
+              </a:rPr>
+              <a:t>end</a:t>
+            </a:r>
+            <a:endParaRPr lang="pt-BR" sz="2000" b="1" dirty="0">
+              <a:solidFill>
+                <a:schemeClr val="accent1"/>
+              </a:solidFill>
+              <a:latin typeface="Courier New" panose="02070309020205020404" pitchFamily="49" charset="0"/>
+              <a:cs typeface="Courier New" panose="02070309020205020404" pitchFamily="49" charset="0"/>
+            </a:endParaRPr>
+          </a:p>
+          <a:p>
+            <a:r>
+              <a:rPr lang="pt-BR" sz="2000" dirty="0">
+                <a:latin typeface="Courier New" panose="02070309020205020404" pitchFamily="49" charset="0"/>
+                <a:cs typeface="Courier New" panose="02070309020205020404" pitchFamily="49" charset="0"/>
+              </a:rPr>
+              <a:t>  </a:t>
+            </a:r>
+            <a:r>
+              <a:rPr lang="pt-BR" sz="2000" b="1" dirty="0" err="1" smtClean="0">
+                <a:solidFill>
+                  <a:schemeClr val="accent1"/>
+                </a:solidFill>
+                <a:latin typeface="Courier New" panose="02070309020205020404" pitchFamily="49" charset="0"/>
+                <a:cs typeface="Courier New" panose="02070309020205020404" pitchFamily="49" charset="0"/>
+              </a:rPr>
+              <a:t>end</a:t>
+            </a:r>
+            <a:endParaRPr lang="pt-BR" sz="2000" b="1" dirty="0">
+              <a:solidFill>
+                <a:schemeClr val="accent1"/>
+              </a:solidFill>
+              <a:latin typeface="Courier New" panose="02070309020205020404" pitchFamily="49" charset="0"/>
+              <a:cs typeface="Courier New" panose="02070309020205020404" pitchFamily="49" charset="0"/>
+            </a:endParaRPr>
+          </a:p>
+          <a:p>
+            <a:r>
+              <a:rPr lang="pt-BR" sz="2000" dirty="0" smtClean="0">
+                <a:latin typeface="Courier New" panose="02070309020205020404" pitchFamily="49" charset="0"/>
+                <a:cs typeface="Courier New" panose="02070309020205020404" pitchFamily="49" charset="0"/>
+              </a:rPr>
+              <a:t>  </a:t>
+            </a:r>
+            <a:r>
+              <a:rPr lang="pt-BR" sz="2000" b="1" dirty="0" err="1" smtClean="0">
+                <a:solidFill>
+                  <a:schemeClr val="accent1"/>
+                </a:solidFill>
+                <a:latin typeface="Courier New" panose="02070309020205020404" pitchFamily="49" charset="0"/>
+                <a:cs typeface="Courier New" panose="02070309020205020404" pitchFamily="49" charset="0"/>
+              </a:rPr>
+              <a:t>return</a:t>
+            </a:r>
+            <a:r>
+              <a:rPr lang="pt-BR" sz="2000" dirty="0" smtClean="0">
+                <a:solidFill>
+                  <a:schemeClr val="accent1"/>
+                </a:solidFill>
+                <a:latin typeface="Courier New" panose="02070309020205020404" pitchFamily="49" charset="0"/>
+                <a:cs typeface="Courier New" panose="02070309020205020404" pitchFamily="49" charset="0"/>
+              </a:rPr>
+              <a:t> </a:t>
+            </a:r>
+            <a:r>
+              <a:rPr lang="pt-BR" sz="2000" dirty="0" err="1">
+                <a:latin typeface="Courier New" panose="02070309020205020404" pitchFamily="49" charset="0"/>
+                <a:cs typeface="Courier New" panose="02070309020205020404" pitchFamily="49" charset="0"/>
+              </a:rPr>
+              <a:t>true</a:t>
+            </a:r>
+            <a:endParaRPr lang="pt-BR" sz="2000" dirty="0">
+              <a:latin typeface="Courier New" panose="02070309020205020404" pitchFamily="49" charset="0"/>
+              <a:cs typeface="Courier New" panose="02070309020205020404" pitchFamily="49" charset="0"/>
+            </a:endParaRPr>
+          </a:p>
+          <a:p>
+            <a:r>
+              <a:rPr lang="pt-BR" sz="2000" b="1" dirty="0" err="1" smtClean="0">
+                <a:solidFill>
+                  <a:schemeClr val="accent1"/>
+                </a:solidFill>
+                <a:latin typeface="Courier New" panose="02070309020205020404" pitchFamily="49" charset="0"/>
+                <a:cs typeface="Courier New" panose="02070309020205020404" pitchFamily="49" charset="0"/>
+              </a:rPr>
+              <a:t>end</a:t>
+            </a:r>
+            <a:endParaRPr lang="pt-BR" sz="2000" b="1" dirty="0" smtClean="0">
+              <a:solidFill>
+                <a:schemeClr val="accent1"/>
+              </a:solidFill>
+              <a:latin typeface="Courier New" panose="02070309020205020404" pitchFamily="49" charset="0"/>
+              <a:cs typeface="Courier New" panose="02070309020205020404" pitchFamily="49" charset="0"/>
+            </a:endParaRPr>
+          </a:p>
+          <a:p>
+            <a:endParaRPr lang="pt-BR" sz="2000" dirty="0" smtClean="0">
+              <a:latin typeface="Courier New" panose="02070309020205020404" pitchFamily="49" charset="0"/>
+              <a:cs typeface="Courier New" panose="02070309020205020404" pitchFamily="49" charset="0"/>
+            </a:endParaRPr>
+          </a:p>
+          <a:p>
+            <a:r>
+              <a:rPr lang="pt-BR" sz="2000" b="1" dirty="0" err="1">
+                <a:solidFill>
+                  <a:schemeClr val="accent1"/>
+                </a:solidFill>
+                <a:latin typeface="Courier New" panose="02070309020205020404" pitchFamily="49" charset="0"/>
+                <a:cs typeface="Courier New" panose="02070309020205020404" pitchFamily="49" charset="0"/>
+              </a:rPr>
+              <a:t>function</a:t>
+            </a:r>
+            <a:r>
+              <a:rPr lang="pt-BR" sz="2000" dirty="0">
+                <a:solidFill>
+                  <a:schemeClr val="accent1"/>
+                </a:solidFill>
+                <a:latin typeface="Courier New" panose="02070309020205020404" pitchFamily="49" charset="0"/>
+                <a:cs typeface="Courier New" panose="02070309020205020404" pitchFamily="49" charset="0"/>
+              </a:rPr>
+              <a:t> </a:t>
+            </a:r>
+            <a:r>
+              <a:rPr lang="pt-BR" sz="2000" dirty="0" err="1" smtClean="0">
+                <a:latin typeface="Courier New" panose="02070309020205020404" pitchFamily="49" charset="0"/>
+                <a:cs typeface="Courier New" panose="02070309020205020404" pitchFamily="49" charset="0"/>
+              </a:rPr>
+              <a:t>love.mousepressed</a:t>
+            </a:r>
+            <a:r>
+              <a:rPr lang="pt-BR" sz="2000" dirty="0" smtClean="0">
+                <a:latin typeface="Courier New" panose="02070309020205020404" pitchFamily="49" charset="0"/>
+                <a:cs typeface="Courier New" panose="02070309020205020404" pitchFamily="49" charset="0"/>
+              </a:rPr>
+              <a:t>(</a:t>
+            </a:r>
+            <a:r>
+              <a:rPr lang="pt-BR" sz="2000" dirty="0" err="1" smtClean="0">
+                <a:latin typeface="Courier New" panose="02070309020205020404" pitchFamily="49" charset="0"/>
+                <a:cs typeface="Courier New" panose="02070309020205020404" pitchFamily="49" charset="0"/>
+              </a:rPr>
+              <a:t>x,y,bt</a:t>
+            </a:r>
+            <a:r>
+              <a:rPr lang="pt-BR" sz="2000" dirty="0" smtClean="0">
+                <a:latin typeface="Courier New" panose="02070309020205020404" pitchFamily="49" charset="0"/>
+                <a:cs typeface="Courier New" panose="02070309020205020404" pitchFamily="49" charset="0"/>
+              </a:rPr>
               <a:t>)</a:t>
             </a:r>
-          </a:p>
-          <a:p>
-            <a:r>
-              <a:rPr lang="pt-BR" dirty="0" err="1" smtClean="0"/>
-              <a:t>Kaplof</a:t>
-            </a:r>
-            <a:r>
-              <a:rPr lang="pt-BR" dirty="0" smtClean="0"/>
-              <a:t> (</a:t>
-            </a:r>
-            <a:r>
-              <a:rPr lang="pt-BR" dirty="0">
-                <a:hlinkClick r:id="rId3"/>
-              </a:rPr>
-              <a:t>https://www.kopf.com.br/kaplof/how-to-solve-any-slide-puzzle-regardless-of-its-size</a:t>
-            </a:r>
-            <a:r>
-              <a:rPr lang="pt-BR" dirty="0" smtClean="0">
-                <a:hlinkClick r:id="rId3"/>
-              </a:rPr>
-              <a:t>/</a:t>
-            </a:r>
-            <a:r>
-              <a:rPr lang="pt-BR" dirty="0" smtClean="0"/>
+            <a:endParaRPr lang="pt-BR" sz="2000" dirty="0">
+              <a:latin typeface="Courier New" panose="02070309020205020404" pitchFamily="49" charset="0"/>
+              <a:cs typeface="Courier New" panose="02070309020205020404" pitchFamily="49" charset="0"/>
+            </a:endParaRPr>
+          </a:p>
+          <a:p>
+            <a:r>
+              <a:rPr lang="pt-BR" sz="2000" dirty="0" smtClean="0">
+                <a:latin typeface="Courier New" panose="02070309020205020404" pitchFamily="49" charset="0"/>
+                <a:cs typeface="Courier New" panose="02070309020205020404" pitchFamily="49" charset="0"/>
+              </a:rPr>
+              <a:t>  </a:t>
+            </a:r>
+            <a:r>
+              <a:rPr lang="pt-BR" sz="2000" b="1" dirty="0" err="1" smtClean="0">
+                <a:solidFill>
+                  <a:schemeClr val="accent1"/>
+                </a:solidFill>
+                <a:latin typeface="Courier New" panose="02070309020205020404" pitchFamily="49" charset="0"/>
+                <a:cs typeface="Courier New" panose="02070309020205020404" pitchFamily="49" charset="0"/>
+              </a:rPr>
+              <a:t>if</a:t>
+            </a:r>
+            <a:r>
+              <a:rPr lang="pt-BR" sz="2000" dirty="0" smtClean="0">
+                <a:solidFill>
+                  <a:schemeClr val="accent1"/>
+                </a:solidFill>
+                <a:latin typeface="Courier New" panose="02070309020205020404" pitchFamily="49" charset="0"/>
+                <a:cs typeface="Courier New" panose="02070309020205020404" pitchFamily="49" charset="0"/>
+              </a:rPr>
+              <a:t> </a:t>
+            </a:r>
+            <a:r>
+              <a:rPr lang="pt-BR" sz="2000" dirty="0" err="1">
+                <a:latin typeface="Courier New" panose="02070309020205020404" pitchFamily="49" charset="0"/>
+                <a:cs typeface="Courier New" panose="02070309020205020404" pitchFamily="49" charset="0"/>
+              </a:rPr>
+              <a:t>verifica_vitoria</a:t>
+            </a:r>
+            <a:r>
+              <a:rPr lang="pt-BR" sz="2000" dirty="0">
+                <a:latin typeface="Courier New" panose="02070309020205020404" pitchFamily="49" charset="0"/>
+                <a:cs typeface="Courier New" panose="02070309020205020404" pitchFamily="49" charset="0"/>
+              </a:rPr>
+              <a:t>() </a:t>
+            </a:r>
+            <a:r>
+              <a:rPr lang="pt-BR" sz="2000" b="1" dirty="0" err="1">
+                <a:solidFill>
+                  <a:schemeClr val="accent1"/>
+                </a:solidFill>
+                <a:latin typeface="Courier New" panose="02070309020205020404" pitchFamily="49" charset="0"/>
+                <a:cs typeface="Courier New" panose="02070309020205020404" pitchFamily="49" charset="0"/>
+              </a:rPr>
+              <a:t>then</a:t>
+            </a:r>
+            <a:endParaRPr lang="pt-BR" sz="2000" b="1" dirty="0">
+              <a:solidFill>
+                <a:schemeClr val="accent1"/>
+              </a:solidFill>
+              <a:latin typeface="Courier New" panose="02070309020205020404" pitchFamily="49" charset="0"/>
+              <a:cs typeface="Courier New" panose="02070309020205020404" pitchFamily="49" charset="0"/>
+            </a:endParaRPr>
+          </a:p>
+          <a:p>
+            <a:r>
+              <a:rPr lang="pt-BR" sz="2000" dirty="0" smtClean="0">
+                <a:latin typeface="Courier New" panose="02070309020205020404" pitchFamily="49" charset="0"/>
+                <a:cs typeface="Courier New" panose="02070309020205020404" pitchFamily="49" charset="0"/>
+              </a:rPr>
+              <a:t>    resolvendo </a:t>
+            </a:r>
+            <a:r>
+              <a:rPr lang="pt-BR" sz="2000" dirty="0">
+                <a:latin typeface="Courier New" panose="02070309020205020404" pitchFamily="49" charset="0"/>
+                <a:cs typeface="Courier New" panose="02070309020205020404" pitchFamily="49" charset="0"/>
+              </a:rPr>
+              <a:t>= false</a:t>
+            </a:r>
+          </a:p>
+          <a:p>
+            <a:r>
+              <a:rPr lang="pt-BR" sz="2000" dirty="0" smtClean="0">
+                <a:latin typeface="Courier New" panose="02070309020205020404" pitchFamily="49" charset="0"/>
+                <a:cs typeface="Courier New" panose="02070309020205020404" pitchFamily="49" charset="0"/>
+              </a:rPr>
+              <a:t>    </a:t>
+            </a:r>
+            <a:r>
+              <a:rPr lang="pt-BR" sz="2000" dirty="0" err="1" smtClean="0">
+                <a:latin typeface="Courier New" panose="02070309020205020404" pitchFamily="49" charset="0"/>
+                <a:cs typeface="Courier New" panose="02070309020205020404" pitchFamily="49" charset="0"/>
+              </a:rPr>
+              <a:t>tFim</a:t>
+            </a:r>
+            <a:r>
+              <a:rPr lang="pt-BR" sz="2000" dirty="0" smtClean="0">
+                <a:latin typeface="Courier New" panose="02070309020205020404" pitchFamily="49" charset="0"/>
+                <a:cs typeface="Courier New" panose="02070309020205020404" pitchFamily="49" charset="0"/>
+              </a:rPr>
+              <a:t> </a:t>
+            </a:r>
+            <a:r>
+              <a:rPr lang="pt-BR" sz="2000" dirty="0">
+                <a:latin typeface="Courier New" panose="02070309020205020404" pitchFamily="49" charset="0"/>
+                <a:cs typeface="Courier New" panose="02070309020205020404" pitchFamily="49" charset="0"/>
+              </a:rPr>
+              <a:t>= </a:t>
+            </a:r>
+            <a:r>
+              <a:rPr lang="pt-BR" sz="2000" dirty="0" err="1">
+                <a:latin typeface="Courier New" panose="02070309020205020404" pitchFamily="49" charset="0"/>
+                <a:cs typeface="Courier New" panose="02070309020205020404" pitchFamily="49" charset="0"/>
+              </a:rPr>
+              <a:t>love.timer.getTime</a:t>
+            </a:r>
+            <a:r>
+              <a:rPr lang="pt-BR" sz="2000" dirty="0">
+                <a:latin typeface="Courier New" panose="02070309020205020404" pitchFamily="49" charset="0"/>
+                <a:cs typeface="Courier New" panose="02070309020205020404" pitchFamily="49" charset="0"/>
+              </a:rPr>
+              <a:t>()</a:t>
+            </a:r>
+          </a:p>
+          <a:p>
+            <a:r>
+              <a:rPr lang="pt-BR" sz="2000" dirty="0" smtClean="0">
+                <a:latin typeface="Courier New" panose="02070309020205020404" pitchFamily="49" charset="0"/>
+                <a:cs typeface="Courier New" panose="02070309020205020404" pitchFamily="49" charset="0"/>
+              </a:rPr>
+              <a:t>    </a:t>
+            </a:r>
+            <a:r>
+              <a:rPr lang="pt-BR" sz="2000" dirty="0" err="1" smtClean="0">
+                <a:latin typeface="Courier New" panose="02070309020205020404" pitchFamily="49" charset="0"/>
+                <a:cs typeface="Courier New" panose="02070309020205020404" pitchFamily="49" charset="0"/>
+              </a:rPr>
+              <a:t>duracao</a:t>
+            </a:r>
+            <a:r>
+              <a:rPr lang="pt-BR" sz="2000" dirty="0" smtClean="0">
+                <a:latin typeface="Courier New" panose="02070309020205020404" pitchFamily="49" charset="0"/>
+                <a:cs typeface="Courier New" panose="02070309020205020404" pitchFamily="49" charset="0"/>
+              </a:rPr>
+              <a:t> </a:t>
+            </a:r>
+            <a:r>
+              <a:rPr lang="pt-BR" sz="2000" dirty="0">
+                <a:latin typeface="Courier New" panose="02070309020205020404" pitchFamily="49" charset="0"/>
+                <a:cs typeface="Courier New" panose="02070309020205020404" pitchFamily="49" charset="0"/>
+              </a:rPr>
+              <a:t>= </a:t>
+            </a:r>
+            <a:r>
+              <a:rPr lang="pt-BR" sz="2000" dirty="0" err="1">
+                <a:latin typeface="Courier New" panose="02070309020205020404" pitchFamily="49" charset="0"/>
+                <a:cs typeface="Courier New" panose="02070309020205020404" pitchFamily="49" charset="0"/>
+              </a:rPr>
+              <a:t>tFim</a:t>
+            </a:r>
+            <a:r>
+              <a:rPr lang="pt-BR" sz="2000" dirty="0">
+                <a:latin typeface="Courier New" panose="02070309020205020404" pitchFamily="49" charset="0"/>
+                <a:cs typeface="Courier New" panose="02070309020205020404" pitchFamily="49" charset="0"/>
+              </a:rPr>
+              <a:t> - </a:t>
+            </a:r>
+            <a:r>
+              <a:rPr lang="pt-BR" sz="2000" dirty="0" err="1">
+                <a:latin typeface="Courier New" panose="02070309020205020404" pitchFamily="49" charset="0"/>
+                <a:cs typeface="Courier New" panose="02070309020205020404" pitchFamily="49" charset="0"/>
+              </a:rPr>
+              <a:t>tInicio</a:t>
+            </a:r>
+            <a:endParaRPr lang="pt-BR" sz="2000" dirty="0">
+              <a:latin typeface="Courier New" panose="02070309020205020404" pitchFamily="49" charset="0"/>
+              <a:cs typeface="Courier New" panose="02070309020205020404" pitchFamily="49" charset="0"/>
+            </a:endParaRPr>
+          </a:p>
+          <a:p>
+            <a:r>
+              <a:rPr lang="pt-BR" sz="2000" dirty="0" smtClean="0">
+                <a:latin typeface="Courier New" panose="02070309020205020404" pitchFamily="49" charset="0"/>
+                <a:cs typeface="Courier New" panose="02070309020205020404" pitchFamily="49" charset="0"/>
+              </a:rPr>
+              <a:t>    </a:t>
+            </a:r>
+            <a:r>
+              <a:rPr lang="pt-BR" sz="2000" dirty="0" err="1" smtClean="0">
+                <a:latin typeface="Courier New" panose="02070309020205020404" pitchFamily="49" charset="0"/>
+                <a:cs typeface="Courier New" panose="02070309020205020404" pitchFamily="49" charset="0"/>
+              </a:rPr>
+              <a:t>pontuacao</a:t>
+            </a:r>
+            <a:r>
+              <a:rPr lang="pt-BR" sz="2000" dirty="0" smtClean="0">
+                <a:latin typeface="Courier New" panose="02070309020205020404" pitchFamily="49" charset="0"/>
+                <a:cs typeface="Courier New" panose="02070309020205020404" pitchFamily="49" charset="0"/>
+              </a:rPr>
+              <a:t> </a:t>
+            </a:r>
+            <a:r>
+              <a:rPr lang="pt-BR" sz="2000" dirty="0">
+                <a:latin typeface="Courier New" panose="02070309020205020404" pitchFamily="49" charset="0"/>
+                <a:cs typeface="Courier New" panose="02070309020205020404" pitchFamily="49" charset="0"/>
+              </a:rPr>
+              <a:t>= </a:t>
+            </a:r>
+            <a:r>
+              <a:rPr lang="pt-BR" sz="2000" dirty="0" err="1" smtClean="0">
+                <a:latin typeface="Courier New" panose="02070309020205020404" pitchFamily="49" charset="0"/>
+                <a:cs typeface="Courier New" panose="02070309020205020404" pitchFamily="49" charset="0"/>
+              </a:rPr>
+              <a:t>math.ceil</a:t>
+            </a:r>
+            <a:r>
+              <a:rPr lang="pt-BR" sz="2000" dirty="0" smtClean="0">
+                <a:latin typeface="Courier New" panose="02070309020205020404" pitchFamily="49" charset="0"/>
+                <a:cs typeface="Courier New" panose="02070309020205020404" pitchFamily="49" charset="0"/>
+              </a:rPr>
+              <a:t>(</a:t>
+            </a:r>
+            <a:r>
+              <a:rPr lang="pt-BR" sz="2000" dirty="0" smtClean="0">
+                <a:solidFill>
+                  <a:schemeClr val="accent2"/>
+                </a:solidFill>
+                <a:latin typeface="Courier New" panose="02070309020205020404" pitchFamily="49" charset="0"/>
+                <a:cs typeface="Courier New" panose="02070309020205020404" pitchFamily="49" charset="0"/>
+              </a:rPr>
+              <a:t>200</a:t>
+            </a:r>
+          </a:p>
+          <a:p>
+            <a:r>
+              <a:rPr lang="pt-BR" sz="2000" dirty="0" smtClean="0">
+                <a:latin typeface="Courier New" panose="02070309020205020404" pitchFamily="49" charset="0"/>
+                <a:cs typeface="Courier New" panose="02070309020205020404" pitchFamily="49" charset="0"/>
+              </a:rPr>
+              <a:t>    * </a:t>
+            </a:r>
+            <a:r>
+              <a:rPr lang="pt-BR" sz="2000" dirty="0">
+                <a:latin typeface="Courier New" panose="02070309020205020404" pitchFamily="49" charset="0"/>
+                <a:cs typeface="Courier New" panose="02070309020205020404" pitchFamily="49" charset="0"/>
+              </a:rPr>
+              <a:t>dificuldade - movimentos - </a:t>
+            </a:r>
+            <a:r>
+              <a:rPr lang="pt-BR" sz="2000" dirty="0" err="1" smtClean="0">
+                <a:latin typeface="Courier New" panose="02070309020205020404" pitchFamily="49" charset="0"/>
+                <a:cs typeface="Courier New" panose="02070309020205020404" pitchFamily="49" charset="0"/>
+              </a:rPr>
+              <a:t>duracao</a:t>
+            </a:r>
+            <a:r>
+              <a:rPr lang="pt-BR" sz="2000" dirty="0" smtClean="0">
+                <a:latin typeface="Courier New" panose="02070309020205020404" pitchFamily="49" charset="0"/>
+                <a:cs typeface="Courier New" panose="02070309020205020404" pitchFamily="49" charset="0"/>
+              </a:rPr>
               <a:t>)</a:t>
             </a:r>
-          </a:p>
-          <a:p>
-            <a:r>
-              <a:rPr lang="en-US" dirty="0" err="1" smtClean="0"/>
-              <a:t>Códigos</a:t>
-            </a:r>
-            <a:r>
-              <a:rPr lang="en-US" dirty="0" smtClean="0"/>
-              <a:t> no </a:t>
-            </a:r>
-            <a:r>
-              <a:rPr lang="en-US" dirty="0" err="1" smtClean="0"/>
-              <a:t>GitHub</a:t>
-            </a:r>
-            <a:r>
-              <a:rPr lang="en-US" dirty="0" smtClean="0"/>
-              <a:t> (</a:t>
-            </a:r>
-            <a:r>
-              <a:rPr lang="pt-BR" dirty="0">
-                <a:hlinkClick r:id="rId4"/>
-              </a:rPr>
-              <a:t>https://gist.github.com/jdev6/1e7ff30671edf88d03d4</a:t>
-            </a:r>
-            <a:r>
-              <a:rPr lang="en-US" dirty="0" smtClean="0"/>
-              <a:t>)</a:t>
-            </a:r>
-          </a:p>
-          <a:p>
-            <a:r>
-              <a:rPr lang="en-US" dirty="0" err="1" smtClean="0"/>
-              <a:t>Códigos</a:t>
-            </a:r>
-            <a:r>
-              <a:rPr lang="en-US" dirty="0" smtClean="0"/>
-              <a:t> no </a:t>
-            </a:r>
-            <a:r>
-              <a:rPr lang="en-US" dirty="0" err="1" smtClean="0"/>
-              <a:t>CoronaLabs</a:t>
-            </a:r>
-            <a:r>
-              <a:rPr lang="en-US" dirty="0"/>
-              <a:t> </a:t>
-            </a:r>
-            <a:r>
-              <a:rPr lang="en-US" dirty="0" smtClean="0"/>
-              <a:t>(</a:t>
-            </a:r>
-            <a:r>
-              <a:rPr lang="pt-BR" dirty="0">
-                <a:hlinkClick r:id="rId5"/>
-              </a:rPr>
-              <a:t>https://docs.coronalabs.com/tutorial/data/shuffleTable/index.html</a:t>
-            </a:r>
-            <a:r>
-              <a:rPr lang="en-US" dirty="0" smtClean="0"/>
-              <a:t>)</a:t>
-            </a:r>
-          </a:p>
-          <a:p>
-            <a:r>
-              <a:rPr lang="en-US" dirty="0" smtClean="0"/>
-              <a:t>Manual de </a:t>
-            </a:r>
-            <a:r>
-              <a:rPr lang="en-US" dirty="0" err="1" smtClean="0"/>
-              <a:t>Lua</a:t>
-            </a:r>
-            <a:r>
-              <a:rPr lang="en-US" dirty="0" smtClean="0"/>
-              <a:t> (</a:t>
-            </a:r>
-            <a:r>
-              <a:rPr lang="pt-BR" dirty="0">
-                <a:hlinkClick r:id="rId6"/>
-              </a:rPr>
-              <a:t>https://www.lua.org/manual/5.3</a:t>
-            </a:r>
-            <a:r>
-              <a:rPr lang="pt-BR" dirty="0" smtClean="0">
-                <a:hlinkClick r:id="rId6"/>
-              </a:rPr>
-              <a:t>/</a:t>
-            </a:r>
-            <a:r>
-              <a:rPr lang="pt-BR" dirty="0" smtClean="0"/>
-              <a:t>)</a:t>
-            </a:r>
-            <a:endParaRPr lang="en-US" dirty="0"/>
-          </a:p>
-          <a:p>
-            <a:r>
-              <a:rPr lang="en-US" dirty="0" err="1" smtClean="0"/>
-              <a:t>Löve</a:t>
-            </a:r>
-            <a:r>
-              <a:rPr lang="en-US" dirty="0" smtClean="0"/>
-              <a:t> 2D Wiki (</a:t>
-            </a:r>
-            <a:r>
-              <a:rPr lang="pt-BR" dirty="0">
-                <a:hlinkClick r:id="rId7"/>
-              </a:rPr>
-              <a:t>https://</a:t>
-            </a:r>
-            <a:r>
-              <a:rPr lang="pt-BR" dirty="0" smtClean="0">
-                <a:hlinkClick r:id="rId7"/>
-              </a:rPr>
-              <a:t>love2d.org/wiki/Main_Page</a:t>
-            </a:r>
-            <a:r>
-              <a:rPr lang="pt-BR" dirty="0" smtClean="0"/>
-              <a:t>)</a:t>
-            </a:r>
+            <a:endParaRPr lang="pt-BR" sz="2000" dirty="0">
+              <a:latin typeface="Courier New" panose="02070309020205020404" pitchFamily="49" charset="0"/>
+              <a:cs typeface="Courier New" panose="02070309020205020404" pitchFamily="49" charset="0"/>
+            </a:endParaRPr>
+          </a:p>
+          <a:p>
+            <a:r>
+              <a:rPr lang="pt-BR" sz="2000" dirty="0" smtClean="0">
+                <a:latin typeface="Courier New" panose="02070309020205020404" pitchFamily="49" charset="0"/>
+                <a:cs typeface="Courier New" panose="02070309020205020404" pitchFamily="49" charset="0"/>
+              </a:rPr>
+              <a:t>    terminado </a:t>
+            </a:r>
+            <a:r>
+              <a:rPr lang="pt-BR" sz="2000" dirty="0">
+                <a:latin typeface="Courier New" panose="02070309020205020404" pitchFamily="49" charset="0"/>
+                <a:cs typeface="Courier New" panose="02070309020205020404" pitchFamily="49" charset="0"/>
+              </a:rPr>
+              <a:t>= </a:t>
+            </a:r>
+            <a:r>
+              <a:rPr lang="pt-BR" sz="2000" dirty="0" err="1">
+                <a:latin typeface="Courier New" panose="02070309020205020404" pitchFamily="49" charset="0"/>
+                <a:cs typeface="Courier New" panose="02070309020205020404" pitchFamily="49" charset="0"/>
+              </a:rPr>
+              <a:t>true</a:t>
+            </a:r>
+            <a:endParaRPr lang="pt-BR" sz="2000" dirty="0">
+              <a:latin typeface="Courier New" panose="02070309020205020404" pitchFamily="49" charset="0"/>
+              <a:cs typeface="Courier New" panose="02070309020205020404" pitchFamily="49" charset="0"/>
+            </a:endParaRPr>
+          </a:p>
+          <a:p>
+            <a:r>
+              <a:rPr lang="pt-BR" sz="2000" dirty="0" smtClean="0">
+                <a:latin typeface="Courier New" panose="02070309020205020404" pitchFamily="49" charset="0"/>
+                <a:cs typeface="Courier New" panose="02070309020205020404" pitchFamily="49" charset="0"/>
+              </a:rPr>
+              <a:t>  </a:t>
+            </a:r>
+            <a:r>
+              <a:rPr lang="pt-BR" sz="2000" b="1" dirty="0" err="1" smtClean="0">
+                <a:solidFill>
+                  <a:schemeClr val="accent1"/>
+                </a:solidFill>
+                <a:latin typeface="Courier New" panose="02070309020205020404" pitchFamily="49" charset="0"/>
+                <a:cs typeface="Courier New" panose="02070309020205020404" pitchFamily="49" charset="0"/>
+              </a:rPr>
+              <a:t>end</a:t>
+            </a:r>
+            <a:endParaRPr lang="pt-BR" sz="2000" b="1" dirty="0" smtClean="0">
+              <a:solidFill>
+                <a:schemeClr val="accent1"/>
+              </a:solidFill>
+              <a:latin typeface="Courier New" panose="02070309020205020404" pitchFamily="49" charset="0"/>
+              <a:cs typeface="Courier New" panose="02070309020205020404" pitchFamily="49" charset="0"/>
+            </a:endParaRPr>
+          </a:p>
+          <a:p>
+            <a:r>
+              <a:rPr lang="pt-BR" sz="2000" b="1" dirty="0" err="1" smtClean="0">
+                <a:solidFill>
+                  <a:schemeClr val="accent1"/>
+                </a:solidFill>
+                <a:latin typeface="Courier New" panose="02070309020205020404" pitchFamily="49" charset="0"/>
+                <a:cs typeface="Courier New" panose="02070309020205020404" pitchFamily="49" charset="0"/>
+              </a:rPr>
+              <a:t>end</a:t>
+            </a:r>
+            <a:endParaRPr lang="pt-BR" sz="2000" b="1" dirty="0">
+              <a:solidFill>
+                <a:schemeClr val="accent1"/>
+              </a:solidFill>
+              <a:latin typeface="Courier New" panose="02070309020205020404" pitchFamily="49" charset="0"/>
+              <a:cs typeface="Courier New" panose="02070309020205020404" pitchFamily="49" charset="0"/>
+            </a:endParaRPr>
           </a:p>
         </p:txBody>
       </p:sp>
     </p:spTree>
     <p:extLst>
       <p:ext uri="{BB962C8B-B14F-4D97-AF65-F5344CB8AC3E}">
-        <p14:creationId xmlns:p14="http://schemas.microsoft.com/office/powerpoint/2010/main" val="3117456241"/>
+        <p14:creationId xmlns:p14="http://schemas.microsoft.com/office/powerpoint/2010/main" val="326499891"/>
       </p:ext>
     </p:extLst>
   </p:cSld>

--- a/Apresentação/Deslize.pptx
+++ b/Apresentação/Deslize.pptx
@@ -1059,7 +1059,7 @@
         <a:p>
           <a:r>
             <a:rPr lang="pt-BR" b="1" i="1" dirty="0" smtClean="0"/>
-            <a:t>Selecionado</a:t>
+            <a:t>Selecionando</a:t>
           </a:r>
           <a:endParaRPr lang="pt-BR" b="1" i="1" dirty="0"/>
         </a:p>
@@ -1433,12 +1433,12 @@
         <a:fontRef idx="minor"/>
       </dsp:style>
       <dsp:txBody>
-        <a:bodyPr spcFirstLastPara="0" vert="horz" wrap="square" lIns="36830" tIns="36830" rIns="36830" bIns="36830" numCol="1" spcCol="1270" anchor="ctr" anchorCtr="0">
+        <a:bodyPr spcFirstLastPara="0" vert="horz" wrap="square" lIns="34290" tIns="34290" rIns="34290" bIns="34290" numCol="1" spcCol="1270" anchor="ctr" anchorCtr="0">
           <a:noAutofit/>
         </a:bodyPr>
         <a:lstStyle/>
         <a:p>
-          <a:pPr lvl="0" algn="ctr" defTabSz="1289050">
+          <a:pPr lvl="0" algn="ctr" defTabSz="1200150">
             <a:lnSpc>
               <a:spcPct val="90000"/>
             </a:lnSpc>
@@ -1450,10 +1450,10 @@
             </a:spcAft>
           </a:pPr>
           <a:r>
-            <a:rPr lang="pt-BR" sz="2900" b="1" i="1" kern="1200" dirty="0" smtClean="0"/>
-            <a:t>Selecionado</a:t>
+            <a:rPr lang="pt-BR" sz="2700" b="1" i="1" kern="1200" dirty="0" smtClean="0"/>
+            <a:t>Selecionando</a:t>
           </a:r>
-          <a:endParaRPr lang="pt-BR" sz="2900" b="1" i="1" kern="1200" dirty="0"/>
+          <a:endParaRPr lang="pt-BR" sz="2700" b="1" i="1" kern="1200" dirty="0"/>
         </a:p>
       </dsp:txBody>
       <dsp:txXfrm>
@@ -1579,12 +1579,12 @@
         <a:fontRef idx="minor"/>
       </dsp:style>
       <dsp:txBody>
-        <a:bodyPr spcFirstLastPara="0" vert="horz" wrap="square" lIns="36830" tIns="36830" rIns="36830" bIns="36830" numCol="1" spcCol="1270" anchor="ctr" anchorCtr="0">
+        <a:bodyPr spcFirstLastPara="0" vert="horz" wrap="square" lIns="34290" tIns="34290" rIns="34290" bIns="34290" numCol="1" spcCol="1270" anchor="ctr" anchorCtr="0">
           <a:noAutofit/>
         </a:bodyPr>
         <a:lstStyle/>
         <a:p>
-          <a:pPr lvl="0" algn="ctr" defTabSz="1289050">
+          <a:pPr lvl="0" algn="ctr" defTabSz="1200150">
             <a:lnSpc>
               <a:spcPct val="90000"/>
             </a:lnSpc>
@@ -1596,10 +1596,10 @@
             </a:spcAft>
           </a:pPr>
           <a:r>
-            <a:rPr lang="pt-BR" sz="2900" b="1" i="1" kern="1200" dirty="0" smtClean="0"/>
+            <a:rPr lang="pt-BR" sz="2700" b="1" i="1" kern="1200" dirty="0" smtClean="0"/>
             <a:t>Resolvendo</a:t>
           </a:r>
-          <a:endParaRPr lang="pt-BR" sz="2900" b="1" i="1" kern="1200" dirty="0"/>
+          <a:endParaRPr lang="pt-BR" sz="2700" b="1" i="1" kern="1200" dirty="0"/>
         </a:p>
       </dsp:txBody>
       <dsp:txXfrm>
@@ -1725,12 +1725,12 @@
         <a:fontRef idx="minor"/>
       </dsp:style>
       <dsp:txBody>
-        <a:bodyPr spcFirstLastPara="0" vert="horz" wrap="square" lIns="36830" tIns="36830" rIns="36830" bIns="36830" numCol="1" spcCol="1270" anchor="ctr" anchorCtr="0">
+        <a:bodyPr spcFirstLastPara="0" vert="horz" wrap="square" lIns="34290" tIns="34290" rIns="34290" bIns="34290" numCol="1" spcCol="1270" anchor="ctr" anchorCtr="0">
           <a:noAutofit/>
         </a:bodyPr>
         <a:lstStyle/>
         <a:p>
-          <a:pPr lvl="0" algn="ctr" defTabSz="1289050">
+          <a:pPr lvl="0" algn="ctr" defTabSz="1200150">
             <a:lnSpc>
               <a:spcPct val="90000"/>
             </a:lnSpc>
@@ -1742,10 +1742,10 @@
             </a:spcAft>
           </a:pPr>
           <a:r>
-            <a:rPr lang="pt-BR" sz="2900" b="1" i="1" kern="1200" dirty="0" smtClean="0"/>
+            <a:rPr lang="pt-BR" sz="2700" b="1" i="1" kern="1200" dirty="0" smtClean="0"/>
             <a:t>Terminado</a:t>
           </a:r>
-          <a:endParaRPr lang="pt-BR" sz="2900" b="1" i="1" kern="1200" dirty="0"/>
+          <a:endParaRPr lang="pt-BR" sz="2700" b="1" i="1" kern="1200" dirty="0"/>
         </a:p>
       </dsp:txBody>
       <dsp:txXfrm>
@@ -1873,12 +1873,12 @@
         <a:fontRef idx="minor"/>
       </dsp:style>
       <dsp:txBody>
-        <a:bodyPr spcFirstLastPara="0" vert="horz" wrap="square" lIns="36830" tIns="36830" rIns="36830" bIns="36830" numCol="1" spcCol="1270" anchor="ctr" anchorCtr="0">
+        <a:bodyPr spcFirstLastPara="0" vert="horz" wrap="square" lIns="34290" tIns="34290" rIns="34290" bIns="34290" numCol="1" spcCol="1270" anchor="ctr" anchorCtr="0">
           <a:noAutofit/>
         </a:bodyPr>
         <a:lstStyle/>
         <a:p>
-          <a:pPr lvl="0" algn="ctr" defTabSz="1289050">
+          <a:pPr lvl="0" algn="ctr" defTabSz="1200150">
             <a:lnSpc>
               <a:spcPct val="90000"/>
             </a:lnSpc>
@@ -1890,10 +1890,10 @@
             </a:spcAft>
           </a:pPr>
           <a:r>
-            <a:rPr lang="pt-BR" sz="2900" b="1" i="1" kern="1200" dirty="0" smtClean="0"/>
+            <a:rPr lang="pt-BR" sz="2700" b="1" i="1" kern="1200" dirty="0" smtClean="0"/>
             <a:t>Abertura</a:t>
           </a:r>
-          <a:endParaRPr lang="pt-BR" sz="2900" b="1" i="1" kern="1200" dirty="0"/>
+          <a:endParaRPr lang="pt-BR" sz="2700" b="1" i="1" kern="1200" dirty="0"/>
         </a:p>
       </dsp:txBody>
       <dsp:txXfrm>
@@ -9181,7 +9181,7 @@
           <p:nvPr>
             <p:extLst>
               <p:ext uri="{D42A27DB-BD31-4B8C-83A1-F6EECF244321}">
-                <p14:modId xmlns:p14="http://schemas.microsoft.com/office/powerpoint/2010/main" val="722475370"/>
+                <p14:modId xmlns:p14="http://schemas.microsoft.com/office/powerpoint/2010/main" val="2321983312"/>
               </p:ext>
             </p:extLst>
           </p:nvPr>
@@ -14423,11 +14423,7 @@
           <a:p>
             <a:r>
               <a:rPr lang="pt-BR" dirty="0" smtClean="0"/>
-              <a:t>Função </a:t>
-            </a:r>
-            <a:r>
-              <a:rPr lang="pt-BR" dirty="0" smtClean="0"/>
-              <a:t>selecionar</a:t>
+              <a:t>Função selecionar</a:t>
             </a:r>
             <a:endParaRPr lang="pt-BR" dirty="0"/>
           </a:p>
@@ -15864,11 +15860,7 @@
           <a:p>
             <a:r>
               <a:rPr lang="pt-BR" dirty="0" smtClean="0"/>
-              <a:t>Função </a:t>
-            </a:r>
-            <a:r>
-              <a:rPr lang="pt-BR" dirty="0" smtClean="0"/>
-              <a:t>trocar</a:t>
+              <a:t>Função trocar</a:t>
             </a:r>
             <a:endParaRPr lang="pt-BR" dirty="0"/>
           </a:p>
@@ -16524,7 +16516,14 @@
                 <a:latin typeface="Courier New" panose="02070309020205020404" pitchFamily="49" charset="0"/>
                 <a:cs typeface="Courier New" panose="02070309020205020404" pitchFamily="49" charset="0"/>
               </a:rPr>
-              <a:t> ...</a:t>
+              <a:t> </a:t>
+            </a:r>
+            <a:r>
+              <a:rPr lang="pt-BR" sz="2000" b="1" dirty="0" smtClean="0">
+                <a:latin typeface="Courier New" panose="02070309020205020404" pitchFamily="49" charset="0"/>
+                <a:cs typeface="Courier New" panose="02070309020205020404" pitchFamily="49" charset="0"/>
+              </a:rPr>
+              <a:t>...</a:t>
             </a:r>
           </a:p>
           <a:p>
@@ -16641,7 +16640,14 @@
                 <a:latin typeface="Courier New" panose="02070309020205020404" pitchFamily="49" charset="0"/>
                 <a:cs typeface="Courier New" panose="02070309020205020404" pitchFamily="49" charset="0"/>
               </a:rPr>
-              <a:t>  ...</a:t>
+              <a:t>  </a:t>
+            </a:r>
+            <a:r>
+              <a:rPr lang="pt-BR" sz="2000" b="1" dirty="0" smtClean="0">
+                <a:latin typeface="Courier New" panose="02070309020205020404" pitchFamily="49" charset="0"/>
+                <a:cs typeface="Courier New" panose="02070309020205020404" pitchFamily="49" charset="0"/>
+              </a:rPr>
+              <a:t>...</a:t>
             </a:r>
           </a:p>
           <a:p>
@@ -16793,7 +16799,14 @@
                 <a:latin typeface="Courier New" panose="02070309020205020404" pitchFamily="49" charset="0"/>
                 <a:cs typeface="Courier New" panose="02070309020205020404" pitchFamily="49" charset="0"/>
               </a:rPr>
-              <a:t>  ...</a:t>
+              <a:t>  </a:t>
+            </a:r>
+            <a:r>
+              <a:rPr lang="pt-BR" sz="2000" b="1" dirty="0" smtClean="0">
+                <a:latin typeface="Courier New" panose="02070309020205020404" pitchFamily="49" charset="0"/>
+                <a:cs typeface="Courier New" panose="02070309020205020404" pitchFamily="49" charset="0"/>
+              </a:rPr>
+              <a:t>...</a:t>
             </a:r>
           </a:p>
           <a:p>
@@ -16926,7 +16939,7 @@
         <p:spPr>
           <a:xfrm>
             <a:off x="5446340" y="476672"/>
-            <a:ext cx="6552728" cy="5940088"/>
+            <a:ext cx="6552728" cy="6247864"/>
           </a:xfrm>
           <a:prstGeom prst="rect">
             <a:avLst/>
@@ -17302,6 +17315,22 @@
               </a:rPr>
               <a:t>)</a:t>
             </a:r>
+          </a:p>
+          <a:p>
+            <a:r>
+              <a:rPr lang="pt-BR" sz="2000" dirty="0">
+                <a:latin typeface="Courier New" panose="02070309020205020404" pitchFamily="49" charset="0"/>
+                <a:cs typeface="Courier New" panose="02070309020205020404" pitchFamily="49" charset="0"/>
+              </a:rPr>
+              <a:t> </a:t>
+            </a:r>
+            <a:r>
+              <a:rPr lang="pt-BR" sz="2000" dirty="0" smtClean="0">
+                <a:latin typeface="Courier New" panose="02070309020205020404" pitchFamily="49" charset="0"/>
+                <a:cs typeface="Courier New" panose="02070309020205020404" pitchFamily="49" charset="0"/>
+              </a:rPr>
+              <a:t> ...</a:t>
+            </a:r>
             <a:endParaRPr lang="pt-BR" sz="2000" dirty="0">
               <a:latin typeface="Courier New" panose="02070309020205020404" pitchFamily="49" charset="0"/>
               <a:cs typeface="Courier New" panose="02070309020205020404" pitchFamily="49" charset="0"/>
@@ -17512,20 +17541,6 @@
               <a:t>= </a:t>
             </a:r>
             <a:r>
-              <a:rPr lang="pt-BR" sz="2000" dirty="0" err="1" smtClean="0">
-                <a:latin typeface="Courier New" panose="02070309020205020404" pitchFamily="49" charset="0"/>
-                <a:cs typeface="Courier New" panose="02070309020205020404" pitchFamily="49" charset="0"/>
-              </a:rPr>
-              <a:t>math.ceil</a:t>
-            </a:r>
-            <a:r>
-              <a:rPr lang="pt-BR" sz="2000" dirty="0" smtClean="0">
-                <a:latin typeface="Courier New" panose="02070309020205020404" pitchFamily="49" charset="0"/>
-                <a:cs typeface="Courier New" panose="02070309020205020404" pitchFamily="49" charset="0"/>
-              </a:rPr>
-              <a:t>(</a:t>
-            </a:r>
-            <a:r>
               <a:rPr lang="pt-BR" sz="2000" dirty="0" smtClean="0">
                 <a:solidFill>
                   <a:schemeClr val="accent2"/>
@@ -17533,26 +17548,75 @@
                 <a:latin typeface="Courier New" panose="02070309020205020404" pitchFamily="49" charset="0"/>
                 <a:cs typeface="Courier New" panose="02070309020205020404" pitchFamily="49" charset="0"/>
               </a:rPr>
-              <a:t>200</a:t>
-            </a:r>
-          </a:p>
-          <a:p>
+              <a:t>300</a:t>
+            </a:r>
             <a:r>
               <a:rPr lang="pt-BR" sz="2000" dirty="0" smtClean="0">
                 <a:latin typeface="Courier New" panose="02070309020205020404" pitchFamily="49" charset="0"/>
                 <a:cs typeface="Courier New" panose="02070309020205020404" pitchFamily="49" charset="0"/>
               </a:rPr>
-              <a:t>    * </a:t>
-            </a:r>
+              <a:t> </a:t>
+            </a:r>
+            <a:r>
+              <a:rPr lang="pt-BR" sz="2000" dirty="0" smtClean="0">
+                <a:latin typeface="Courier New" panose="02070309020205020404" pitchFamily="49" charset="0"/>
+                <a:cs typeface="Courier New" panose="02070309020205020404" pitchFamily="49" charset="0"/>
+              </a:rPr>
+              <a:t>* </a:t>
+            </a:r>
+            <a:r>
+              <a:rPr lang="pt-BR" sz="2000" dirty="0" smtClean="0">
+                <a:latin typeface="Courier New" panose="02070309020205020404" pitchFamily="49" charset="0"/>
+                <a:cs typeface="Courier New" panose="02070309020205020404" pitchFamily="49" charset="0"/>
+              </a:rPr>
+              <a:t>dificuldade</a:t>
+            </a:r>
+          </a:p>
+          <a:p>
             <a:r>
               <a:rPr lang="pt-BR" sz="2000" dirty="0">
                 <a:latin typeface="Courier New" panose="02070309020205020404" pitchFamily="49" charset="0"/>
                 <a:cs typeface="Courier New" panose="02070309020205020404" pitchFamily="49" charset="0"/>
               </a:rPr>
-              <a:t>dificuldade - movimentos - </a:t>
-            </a:r>
-            <a:r>
-              <a:rPr lang="pt-BR" sz="2000" dirty="0" err="1" smtClean="0">
+              <a:t> </a:t>
+            </a:r>
+            <a:r>
+              <a:rPr lang="pt-BR" sz="2000" dirty="0" smtClean="0">
+                <a:latin typeface="Courier New" panose="02070309020205020404" pitchFamily="49" charset="0"/>
+                <a:cs typeface="Courier New" panose="02070309020205020404" pitchFamily="49" charset="0"/>
+              </a:rPr>
+              <a:t>    </a:t>
+            </a:r>
+            <a:r>
+              <a:rPr lang="pt-BR" sz="2000" dirty="0" smtClean="0">
+                <a:latin typeface="Courier New" panose="02070309020205020404" pitchFamily="49" charset="0"/>
+                <a:cs typeface="Courier New" panose="02070309020205020404" pitchFamily="49" charset="0"/>
+              </a:rPr>
+              <a:t> </a:t>
+            </a:r>
+            <a:r>
+              <a:rPr lang="pt-BR" sz="2000" dirty="0">
+                <a:latin typeface="Courier New" panose="02070309020205020404" pitchFamily="49" charset="0"/>
+                <a:cs typeface="Courier New" panose="02070309020205020404" pitchFamily="49" charset="0"/>
+              </a:rPr>
+              <a:t>- movimentos - </a:t>
+            </a:r>
+            <a:r>
+              <a:rPr lang="pt-BR" sz="2000" dirty="0" err="1">
+                <a:latin typeface="Courier New" panose="02070309020205020404" pitchFamily="49" charset="0"/>
+                <a:cs typeface="Courier New" panose="02070309020205020404" pitchFamily="49" charset="0"/>
+              </a:rPr>
+              <a:t>math.ceil</a:t>
+            </a:r>
+            <a:r>
+              <a:rPr lang="pt-BR" sz="2000" dirty="0">
+                <a:latin typeface="Courier New" panose="02070309020205020404" pitchFamily="49" charset="0"/>
+                <a:cs typeface="Courier New" panose="02070309020205020404" pitchFamily="49" charset="0"/>
+              </a:rPr>
+              <a:t>(</a:t>
+            </a:r>
+            <a:r>
+              <a:rPr lang="pt-BR" sz="2000" dirty="0" err="1">
                 <a:latin typeface="Courier New" panose="02070309020205020404" pitchFamily="49" charset="0"/>
                 <a:cs typeface="Courier New" panose="02070309020205020404" pitchFamily="49" charset="0"/>
               </a:rPr>
@@ -19667,6 +19731,15 @@
 </file>
 
 <file path=customXml/item2.xml><?xml version="1.0" encoding="utf-8"?>
+<?mso-contentType ?>
+<FormTemplates xmlns="http://schemas.microsoft.com/sharepoint/v3/contenttype/forms">
+  <Display>DocumentLibraryForm</Display>
+  <Edit>AssetEditForm</Edit>
+  <New>DocumentLibraryForm</New>
+</FormTemplates>
+</file>
+
+<file path=customXml/item3.xml><?xml version="1.0" encoding="utf-8"?>
 <p:properties xmlns:p="http://schemas.microsoft.com/office/2006/metadata/properties" xmlns:xsi="http://www.w3.org/2001/XMLSchema-instance" xmlns:pc="http://schemas.microsoft.com/office/infopath/2007/PartnerControls">
   <documentManagement>
     <LocPublishedLinkedAssetsLookup xmlns="4873beb7-5857-4685-be1f-d57550cc96cc" xsi:nil="true"/>
@@ -19802,15 +19875,6 @@
 </p:properties>
 </file>
 
-<file path=customXml/item3.xml><?xml version="1.0" encoding="utf-8"?>
-<?mso-contentType ?>
-<FormTemplates xmlns="http://schemas.microsoft.com/sharepoint/v3/contenttype/forms">
-  <Display>DocumentLibraryForm</Display>
-  <Edit>AssetEditForm</Edit>
-  <New>DocumentLibraryForm</New>
-</FormTemplates>
-</file>
-
 <file path=customXml/itemProps1.xml><?xml version="1.0" encoding="utf-8"?>
 <ds:datastoreItem xmlns:ds="http://schemas.openxmlformats.org/officeDocument/2006/customXml" ds:itemID="{A09BF4D4-EF60-4196-BFC3-9462D607978C}">
   <ds:schemaRefs>
@@ -19830,6 +19894,14 @@
 </file>
 
 <file path=customXml/itemProps2.xml><?xml version="1.0" encoding="utf-8"?>
+<ds:datastoreItem xmlns:ds="http://schemas.openxmlformats.org/officeDocument/2006/customXml" ds:itemID="{3836F65B-1B07-41EE-A0E8-BC6EF3855225}">
+  <ds:schemaRefs>
+    <ds:schemaRef ds:uri="http://schemas.microsoft.com/sharepoint/v3/contenttype/forms"/>
+  </ds:schemaRefs>
+</ds:datastoreItem>
+</file>
+
+<file path=customXml/itemProps3.xml><?xml version="1.0" encoding="utf-8"?>
 <ds:datastoreItem xmlns:ds="http://schemas.openxmlformats.org/officeDocument/2006/customXml" ds:itemID="{60C67BEE-D13F-4BD2-98A5-34D8A0977F68}">
   <ds:schemaRefs>
     <ds:schemaRef ds:uri="4873beb7-5857-4685-be1f-d57550cc96cc"/>
@@ -19843,12 +19915,4 @@
     <ds:schemaRef ds:uri="http://purl.org/dc/dcmitype/"/>
   </ds:schemaRefs>
 </ds:datastoreItem>
-</file>
-
-<file path=customXml/itemProps3.xml><?xml version="1.0" encoding="utf-8"?>
-<ds:datastoreItem xmlns:ds="http://schemas.openxmlformats.org/officeDocument/2006/customXml" ds:itemID="{3836F65B-1B07-41EE-A0E8-BC6EF3855225}">
-  <ds:schemaRefs>
-    <ds:schemaRef ds:uri="http://schemas.microsoft.com/sharepoint/v3/contenttype/forms"/>
-  </ds:schemaRefs>
-</ds:datastoreItem>
 </file>